--- a/病案库构建/病案库构建方案.pptx
+++ b/病案库构建/病案库构建方案.pptx
@@ -5,30 +5,31 @@
     <p:sldMasterId id="2147483648" r:id="rId1"/>
   </p:sldMasterIdLst>
   <p:notesMasterIdLst>
-    <p:notesMasterId r:id="rId23"/>
+    <p:notesMasterId r:id="rId24"/>
   </p:notesMasterIdLst>
   <p:sldIdLst>
     <p:sldId id="256" r:id="rId2"/>
     <p:sldId id="258" r:id="rId3"/>
-    <p:sldId id="272" r:id="rId4"/>
-    <p:sldId id="273" r:id="rId5"/>
-    <p:sldId id="266" r:id="rId6"/>
-    <p:sldId id="276" r:id="rId7"/>
-    <p:sldId id="274" r:id="rId8"/>
+    <p:sldId id="277" r:id="rId4"/>
+    <p:sldId id="272" r:id="rId5"/>
+    <p:sldId id="273" r:id="rId6"/>
+    <p:sldId id="266" r:id="rId7"/>
+    <p:sldId id="276" r:id="rId8"/>
     <p:sldId id="275" r:id="rId9"/>
-    <p:sldId id="267" r:id="rId10"/>
-    <p:sldId id="265" r:id="rId11"/>
-    <p:sldId id="269" r:id="rId12"/>
-    <p:sldId id="263" r:id="rId13"/>
-    <p:sldId id="264" r:id="rId14"/>
-    <p:sldId id="268" r:id="rId15"/>
-    <p:sldId id="270" r:id="rId16"/>
-    <p:sldId id="271" r:id="rId17"/>
-    <p:sldId id="259" r:id="rId18"/>
-    <p:sldId id="257" r:id="rId19"/>
-    <p:sldId id="260" r:id="rId20"/>
-    <p:sldId id="261" r:id="rId21"/>
-    <p:sldId id="262" r:id="rId22"/>
+    <p:sldId id="274" r:id="rId10"/>
+    <p:sldId id="267" r:id="rId11"/>
+    <p:sldId id="265" r:id="rId12"/>
+    <p:sldId id="269" r:id="rId13"/>
+    <p:sldId id="263" r:id="rId14"/>
+    <p:sldId id="264" r:id="rId15"/>
+    <p:sldId id="268" r:id="rId16"/>
+    <p:sldId id="270" r:id="rId17"/>
+    <p:sldId id="271" r:id="rId18"/>
+    <p:sldId id="259" r:id="rId19"/>
+    <p:sldId id="257" r:id="rId20"/>
+    <p:sldId id="260" r:id="rId21"/>
+    <p:sldId id="261" r:id="rId22"/>
+    <p:sldId id="262" r:id="rId23"/>
   </p:sldIdLst>
   <p:sldSz cx="12192000" cy="6858000"/>
   <p:notesSz cx="6797675" cy="9928225"/>
@@ -229,7 +230,7 @@
           <a:p>
             <a:fld id="{025F77A5-FF67-45E7-A679-32E378566ACD}" type="datetimeFigureOut">
               <a:rPr lang="zh-CN" altLang="en-US" smtClean="0"/>
-              <a:t>2020/12/7</a:t>
+              <a:t>2020/12/10</a:t>
             </a:fld>
             <a:endParaRPr lang="zh-CN" altLang="en-US"/>
           </a:p>
@@ -645,7 +646,7 @@
           <a:p>
             <a:fld id="{D012035F-6FA6-400C-8523-C3F36344289B}" type="slidenum">
               <a:rPr lang="zh-CN" altLang="en-US" smtClean="0"/>
-              <a:t>5</a:t>
+              <a:t>6</a:t>
             </a:fld>
             <a:endParaRPr lang="zh-CN" altLang="en-US"/>
           </a:p>
@@ -729,7 +730,7 @@
           <a:p>
             <a:fld id="{D012035F-6FA6-400C-8523-C3F36344289B}" type="slidenum">
               <a:rPr lang="zh-CN" altLang="en-US" smtClean="0"/>
-              <a:t>11</a:t>
+              <a:t>12</a:t>
             </a:fld>
             <a:endParaRPr lang="zh-CN" altLang="en-US"/>
           </a:p>
@@ -808,7 +809,7 @@
           <a:p>
             <a:fld id="{D012035F-6FA6-400C-8523-C3F36344289B}" type="slidenum">
               <a:rPr lang="zh-CN" altLang="en-US" smtClean="0"/>
-              <a:t>15</a:t>
+              <a:t>16</a:t>
             </a:fld>
             <a:endParaRPr lang="zh-CN" altLang="en-US"/>
           </a:p>
@@ -887,7 +888,7 @@
           <a:p>
             <a:fld id="{D012035F-6FA6-400C-8523-C3F36344289B}" type="slidenum">
               <a:rPr lang="zh-CN" altLang="en-US" smtClean="0"/>
-              <a:t>16</a:t>
+              <a:t>17</a:t>
             </a:fld>
             <a:endParaRPr lang="zh-CN" altLang="en-US"/>
           </a:p>
@@ -966,7 +967,7 @@
           <a:p>
             <a:fld id="{D012035F-6FA6-400C-8523-C3F36344289B}" type="slidenum">
               <a:rPr lang="zh-CN" altLang="en-US" smtClean="0"/>
-              <a:t>18</a:t>
+              <a:t>19</a:t>
             </a:fld>
             <a:endParaRPr lang="zh-CN" altLang="en-US"/>
           </a:p>
@@ -1050,7 +1051,7 @@
           <a:p>
             <a:fld id="{D012035F-6FA6-400C-8523-C3F36344289B}" type="slidenum">
               <a:rPr lang="zh-CN" altLang="en-US" smtClean="0"/>
-              <a:t>19</a:t>
+              <a:t>20</a:t>
             </a:fld>
             <a:endParaRPr lang="zh-CN" altLang="en-US"/>
           </a:p>
@@ -1216,7 +1217,7 @@
           <a:p>
             <a:fld id="{9779D536-292F-4B83-ABDE-3ACF7210745B}" type="datetimeFigureOut">
               <a:rPr lang="zh-CN" altLang="en-US" smtClean="0"/>
-              <a:t>2020/12/7</a:t>
+              <a:t>2020/12/10</a:t>
             </a:fld>
             <a:endParaRPr lang="zh-CN" altLang="en-US"/>
           </a:p>
@@ -1414,7 +1415,7 @@
           <a:p>
             <a:fld id="{9779D536-292F-4B83-ABDE-3ACF7210745B}" type="datetimeFigureOut">
               <a:rPr lang="zh-CN" altLang="en-US" smtClean="0"/>
-              <a:t>2020/12/7</a:t>
+              <a:t>2020/12/10</a:t>
             </a:fld>
             <a:endParaRPr lang="zh-CN" altLang="en-US"/>
           </a:p>
@@ -1622,7 +1623,7 @@
           <a:p>
             <a:fld id="{9779D536-292F-4B83-ABDE-3ACF7210745B}" type="datetimeFigureOut">
               <a:rPr lang="zh-CN" altLang="en-US" smtClean="0"/>
-              <a:t>2020/12/7</a:t>
+              <a:t>2020/12/10</a:t>
             </a:fld>
             <a:endParaRPr lang="zh-CN" altLang="en-US"/>
           </a:p>
@@ -1820,7 +1821,7 @@
           <a:p>
             <a:fld id="{9779D536-292F-4B83-ABDE-3ACF7210745B}" type="datetimeFigureOut">
               <a:rPr lang="zh-CN" altLang="en-US" smtClean="0"/>
-              <a:t>2020/12/7</a:t>
+              <a:t>2020/12/10</a:t>
             </a:fld>
             <a:endParaRPr lang="zh-CN" altLang="en-US"/>
           </a:p>
@@ -2095,7 +2096,7 @@
           <a:p>
             <a:fld id="{9779D536-292F-4B83-ABDE-3ACF7210745B}" type="datetimeFigureOut">
               <a:rPr lang="zh-CN" altLang="en-US" smtClean="0"/>
-              <a:t>2020/12/7</a:t>
+              <a:t>2020/12/10</a:t>
             </a:fld>
             <a:endParaRPr lang="zh-CN" altLang="en-US"/>
           </a:p>
@@ -2360,7 +2361,7 @@
           <a:p>
             <a:fld id="{9779D536-292F-4B83-ABDE-3ACF7210745B}" type="datetimeFigureOut">
               <a:rPr lang="zh-CN" altLang="en-US" smtClean="0"/>
-              <a:t>2020/12/7</a:t>
+              <a:t>2020/12/10</a:t>
             </a:fld>
             <a:endParaRPr lang="zh-CN" altLang="en-US"/>
           </a:p>
@@ -2772,7 +2773,7 @@
           <a:p>
             <a:fld id="{9779D536-292F-4B83-ABDE-3ACF7210745B}" type="datetimeFigureOut">
               <a:rPr lang="zh-CN" altLang="en-US" smtClean="0"/>
-              <a:t>2020/12/7</a:t>
+              <a:t>2020/12/10</a:t>
             </a:fld>
             <a:endParaRPr lang="zh-CN" altLang="en-US"/>
           </a:p>
@@ -2913,7 +2914,7 @@
           <a:p>
             <a:fld id="{9779D536-292F-4B83-ABDE-3ACF7210745B}" type="datetimeFigureOut">
               <a:rPr lang="zh-CN" altLang="en-US" smtClean="0"/>
-              <a:t>2020/12/7</a:t>
+              <a:t>2020/12/10</a:t>
             </a:fld>
             <a:endParaRPr lang="zh-CN" altLang="en-US"/>
           </a:p>
@@ -3026,7 +3027,7 @@
           <a:p>
             <a:fld id="{9779D536-292F-4B83-ABDE-3ACF7210745B}" type="datetimeFigureOut">
               <a:rPr lang="zh-CN" altLang="en-US" smtClean="0"/>
-              <a:t>2020/12/7</a:t>
+              <a:t>2020/12/10</a:t>
             </a:fld>
             <a:endParaRPr lang="zh-CN" altLang="en-US"/>
           </a:p>
@@ -3337,7 +3338,7 @@
           <a:p>
             <a:fld id="{9779D536-292F-4B83-ABDE-3ACF7210745B}" type="datetimeFigureOut">
               <a:rPr lang="zh-CN" altLang="en-US" smtClean="0"/>
-              <a:t>2020/12/7</a:t>
+              <a:t>2020/12/10</a:t>
             </a:fld>
             <a:endParaRPr lang="zh-CN" altLang="en-US"/>
           </a:p>
@@ -3625,7 +3626,7 @@
           <a:p>
             <a:fld id="{9779D536-292F-4B83-ABDE-3ACF7210745B}" type="datetimeFigureOut">
               <a:rPr lang="zh-CN" altLang="en-US" smtClean="0"/>
-              <a:t>2020/12/7</a:t>
+              <a:t>2020/12/10</a:t>
             </a:fld>
             <a:endParaRPr lang="zh-CN" altLang="en-US"/>
           </a:p>
@@ -3866,7 +3867,7 @@
           <a:p>
             <a:fld id="{9779D536-292F-4B83-ABDE-3ACF7210745B}" type="datetimeFigureOut">
               <a:rPr lang="zh-CN" altLang="en-US" smtClean="0"/>
-              <a:t>2020/12/7</a:t>
+              <a:t>2020/12/10</a:t>
             </a:fld>
             <a:endParaRPr lang="zh-CN" altLang="en-US"/>
           </a:p>
@@ -4389,7 +4390,7 @@
           <p:cNvPr id="2" name="标题 1">
             <a:extLst>
               <a:ext uri="{FF2B5EF4-FFF2-40B4-BE49-F238E27FC236}">
-                <a16:creationId xmlns:a16="http://schemas.microsoft.com/office/drawing/2014/main" id="{EFEFE359-7BAA-4574-8318-BE55035532FC}"/>
+                <a16:creationId xmlns:a16="http://schemas.microsoft.com/office/drawing/2014/main" id="{F838D830-1250-4A36-B3F4-FBDE11BA4B1E}"/>
               </a:ext>
             </a:extLst>
           </p:cNvPr>
@@ -4400,165 +4401,180 @@
             <p:ph type="title"/>
           </p:nvPr>
         </p:nvSpPr>
-        <p:spPr/>
+        <p:spPr>
+          <a:xfrm>
+            <a:off x="464127" y="115744"/>
+            <a:ext cx="10515600" cy="1325563"/>
+          </a:xfrm>
+        </p:spPr>
         <p:txBody>
           <a:bodyPr/>
           <a:lstStyle/>
           <a:p>
             <a:r>
               <a:rPr lang="zh-CN" altLang="en-US" dirty="0"/>
-              <a:t>构建问题</a:t>
-            </a:r>
-            <a:r>
-              <a:rPr lang="en-US" altLang="zh-CN" dirty="0"/>
-              <a:t>1</a:t>
-            </a:r>
-            <a:endParaRPr lang="zh-CN" altLang="en-US" dirty="0"/>
-          </a:p>
-        </p:txBody>
-      </p:sp>
-      <p:sp>
-        <p:nvSpPr>
-          <p:cNvPr id="4" name="内容占位符 3">
-            <a:extLst>
-              <a:ext uri="{FF2B5EF4-FFF2-40B4-BE49-F238E27FC236}">
-                <a16:creationId xmlns:a16="http://schemas.microsoft.com/office/drawing/2014/main" id="{71FC4A56-3346-4FF1-8450-FBFD0C677320}"/>
-              </a:ext>
-            </a:extLst>
-          </p:cNvPr>
-          <p:cNvSpPr txBox="1">
-            <a:spLocks noGrp="1"/>
-          </p:cNvSpPr>
+              <a:t>手术</a:t>
+            </a:r>
+          </a:p>
+        </p:txBody>
+      </p:sp>
+      <p:pic>
+        <p:nvPicPr>
+          <p:cNvPr id="5" name="内容占位符 4">
+            <a:extLst>
+              <a:ext uri="{FF2B5EF4-FFF2-40B4-BE49-F238E27FC236}">
+                <a16:creationId xmlns:a16="http://schemas.microsoft.com/office/drawing/2014/main" id="{7E172D49-5FF6-4A64-A2F0-6D5E06F26F97}"/>
+              </a:ext>
+            </a:extLst>
+          </p:cNvPr>
+          <p:cNvPicPr>
+            <a:picLocks noGrp="1" noChangeAspect="1"/>
+          </p:cNvPicPr>
           <p:nvPr>
             <p:ph idx="1"/>
           </p:nvPr>
-        </p:nvSpPr>
-        <p:spPr>
-          <a:xfrm>
-            <a:off x="838200" y="1825625"/>
-            <a:ext cx="10515600" cy="3614323"/>
+        </p:nvPicPr>
+        <p:blipFill>
+          <a:blip r:embed="rId2">
+            <a:extLst>
+              <a:ext uri="{28A0092B-C50C-407E-A947-70E740481C1C}">
+                <a14:useLocalDpi xmlns:a14="http://schemas.microsoft.com/office/drawing/2010/main" val="0"/>
+              </a:ext>
+            </a:extLst>
+          </a:blip>
+          <a:stretch>
+            <a:fillRect/>
+          </a:stretch>
+        </p:blipFill>
+        <p:spPr>
+          <a:xfrm>
+            <a:off x="572829" y="1130455"/>
+            <a:ext cx="5645495" cy="2942782"/>
+          </a:xfrm>
+        </p:spPr>
+      </p:pic>
+      <p:pic>
+        <p:nvPicPr>
+          <p:cNvPr id="7" name="图片 6">
+            <a:extLst>
+              <a:ext uri="{FF2B5EF4-FFF2-40B4-BE49-F238E27FC236}">
+                <a16:creationId xmlns:a16="http://schemas.microsoft.com/office/drawing/2014/main" id="{9EC01D0B-466C-4F5D-BF9D-119CAF04B97A}"/>
+              </a:ext>
+            </a:extLst>
+          </p:cNvPr>
+          <p:cNvPicPr>
+            <a:picLocks noChangeAspect="1"/>
+          </p:cNvPicPr>
+          <p:nvPr/>
+        </p:nvPicPr>
+        <p:blipFill>
+          <a:blip r:embed="rId3">
+            <a:extLst>
+              <a:ext uri="{28A0092B-C50C-407E-A947-70E740481C1C}">
+                <a14:useLocalDpi xmlns:a14="http://schemas.microsoft.com/office/drawing/2010/main" val="0"/>
+              </a:ext>
+            </a:extLst>
+          </a:blip>
+          <a:stretch>
+            <a:fillRect/>
+          </a:stretch>
+        </p:blipFill>
+        <p:spPr>
+          <a:xfrm>
+            <a:off x="572829" y="4156362"/>
+            <a:ext cx="8684121" cy="2493901"/>
           </a:xfrm>
           <a:prstGeom prst="rect">
             <a:avLst/>
           </a:prstGeom>
         </p:spPr>
-        <p:style>
-          <a:lnRef idx="2">
-            <a:schemeClr val="accent4"/>
-          </a:lnRef>
-          <a:fillRef idx="1">
-            <a:schemeClr val="lt1"/>
-          </a:fillRef>
-          <a:effectRef idx="0">
-            <a:schemeClr val="accent4"/>
-          </a:effectRef>
-          <a:fontRef idx="minor">
-            <a:schemeClr val="dk1"/>
-          </a:fontRef>
-        </p:style>
-        <p:txBody>
-          <a:bodyPr wrap="square" rtlCol="0">
-            <a:spAutoFit/>
+      </p:pic>
+      <p:pic>
+        <p:nvPicPr>
+          <p:cNvPr id="9" name="图片 8">
+            <a:extLst>
+              <a:ext uri="{FF2B5EF4-FFF2-40B4-BE49-F238E27FC236}">
+                <a16:creationId xmlns:a16="http://schemas.microsoft.com/office/drawing/2014/main" id="{7E0D7C5F-68E3-4B3F-BAED-8039780AA24F}"/>
+              </a:ext>
+            </a:extLst>
+          </p:cNvPr>
+          <p:cNvPicPr>
+            <a:picLocks noChangeAspect="1"/>
+          </p:cNvPicPr>
+          <p:nvPr/>
+        </p:nvPicPr>
+        <p:blipFill>
+          <a:blip r:embed="rId4">
+            <a:extLst>
+              <a:ext uri="{28A0092B-C50C-407E-A947-70E740481C1C}">
+                <a14:useLocalDpi xmlns:a14="http://schemas.microsoft.com/office/drawing/2010/main" val="0"/>
+              </a:ext>
+            </a:extLst>
+          </a:blip>
+          <a:stretch>
+            <a:fillRect/>
+          </a:stretch>
+        </p:blipFill>
+        <p:spPr>
+          <a:xfrm>
+            <a:off x="9256950" y="1075034"/>
+            <a:ext cx="2343270" cy="5289822"/>
+          </a:xfrm>
+          <a:prstGeom prst="rect">
+            <a:avLst/>
+          </a:prstGeom>
+        </p:spPr>
+      </p:pic>
+      <p:sp>
+        <p:nvSpPr>
+          <p:cNvPr id="10" name="标题 1">
+            <a:extLst>
+              <a:ext uri="{FF2B5EF4-FFF2-40B4-BE49-F238E27FC236}">
+                <a16:creationId xmlns:a16="http://schemas.microsoft.com/office/drawing/2014/main" id="{A07AA17F-0EA7-4D50-9EB4-099791E1740C}"/>
+              </a:ext>
+            </a:extLst>
+          </p:cNvPr>
+          <p:cNvSpPr txBox="1">
+            <a:spLocks/>
+          </p:cNvSpPr>
+          <p:nvPr/>
+        </p:nvSpPr>
+        <p:spPr>
+          <a:xfrm>
+            <a:off x="9256950" y="62346"/>
+            <a:ext cx="3151908" cy="1237646"/>
+          </a:xfrm>
+          <a:prstGeom prst="rect">
+            <a:avLst/>
+          </a:prstGeom>
+        </p:spPr>
+        <p:txBody>
+          <a:bodyPr vert="horz" lIns="91440" tIns="45720" rIns="91440" bIns="45720" rtlCol="0" anchor="ctr">
+            <a:normAutofit/>
           </a:bodyPr>
-          <a:lstStyle/>
+          <a:lstStyle>
+            <a:lvl1pPr algn="l" defTabSz="914400" rtl="0" eaLnBrk="1" latinLnBrk="0" hangingPunct="1">
+              <a:lnSpc>
+                <a:spcPct val="90000"/>
+              </a:lnSpc>
+              <a:spcBef>
+                <a:spcPct val="0"/>
+              </a:spcBef>
+              <a:buNone/>
+              <a:defRPr sz="4400" kern="1200">
+                <a:solidFill>
+                  <a:schemeClr val="tx1"/>
+                </a:solidFill>
+                <a:latin typeface="+mj-lt"/>
+                <a:ea typeface="+mj-ea"/>
+                <a:cs typeface="+mj-cs"/>
+              </a:defRPr>
+            </a:lvl1pPr>
+          </a:lstStyle>
           <a:p>
             <a:r>
               <a:rPr lang="zh-CN" altLang="en-US" dirty="0"/>
-              <a:t>诊疗项目（收费项目）</a:t>
-            </a:r>
-            <a:endParaRPr lang="en-US" altLang="zh-CN" dirty="0"/>
-          </a:p>
-          <a:p>
-            <a:r>
-              <a:rPr lang="zh-CN" altLang="en-US" dirty="0"/>
-              <a:t>诊疗项目里的</a:t>
-            </a:r>
-            <a:r>
-              <a:rPr lang="en-US" altLang="zh-CN" dirty="0"/>
-              <a:t> </a:t>
-            </a:r>
-            <a:r>
-              <a:rPr lang="zh-CN" altLang="en-US" dirty="0"/>
-              <a:t>药品项 ！</a:t>
-            </a:r>
-            <a:r>
-              <a:rPr lang="en-US" altLang="zh-CN" dirty="0"/>
-              <a:t>= </a:t>
-            </a:r>
-            <a:r>
-              <a:rPr lang="zh-CN" altLang="en-US" dirty="0"/>
-              <a:t>药品库</a:t>
-            </a:r>
-            <a:endParaRPr lang="en-US" altLang="zh-CN" dirty="0"/>
-          </a:p>
-          <a:p>
-            <a:pPr lvl="1"/>
-            <a:r>
-              <a:rPr lang="zh-CN" altLang="en-US" dirty="0"/>
-              <a:t>所以病案里的药品明细连的是诊疗项目里的药品库</a:t>
-            </a:r>
-            <a:endParaRPr lang="en-US" altLang="zh-CN" dirty="0"/>
-          </a:p>
-          <a:p>
-            <a:pPr lvl="1"/>
-            <a:r>
-              <a:rPr lang="zh-CN" altLang="en-US" dirty="0"/>
-              <a:t>诊疗项目里的药品再和真正的药品库连</a:t>
-            </a:r>
-            <a:endParaRPr lang="en-US" altLang="zh-CN" dirty="0"/>
-          </a:p>
-          <a:p>
-            <a:r>
-              <a:rPr lang="zh-CN" altLang="en-US" dirty="0"/>
-              <a:t>诊疗项目里的 手术项 ！</a:t>
-            </a:r>
-            <a:r>
-              <a:rPr lang="en-US" altLang="zh-CN" dirty="0"/>
-              <a:t>= </a:t>
-            </a:r>
-            <a:r>
-              <a:rPr lang="zh-CN" altLang="en-US" dirty="0"/>
-              <a:t>手术库</a:t>
-            </a:r>
-            <a:endParaRPr lang="en-US" altLang="zh-CN" dirty="0"/>
-          </a:p>
-          <a:p>
-            <a:pPr lvl="1"/>
-            <a:r>
-              <a:rPr lang="zh-CN" altLang="en-US" dirty="0">
-                <a:solidFill>
-                  <a:srgbClr val="FF0000"/>
-                </a:solidFill>
-              </a:rPr>
-              <a:t>问题：</a:t>
-            </a:r>
-            <a:endParaRPr lang="en-US" altLang="zh-CN" dirty="0">
-              <a:solidFill>
-                <a:srgbClr val="FF0000"/>
-              </a:solidFill>
-            </a:endParaRPr>
-          </a:p>
-          <a:p>
-            <a:pPr lvl="1"/>
-            <a:r>
-              <a:rPr lang="zh-CN" altLang="en-US" dirty="0"/>
-              <a:t>手术记录明细，里面有</a:t>
-            </a:r>
-            <a:r>
-              <a:rPr lang="en-US" altLang="zh-CN" dirty="0" err="1"/>
-              <a:t>operation_code</a:t>
-            </a:r>
-            <a:r>
-              <a:rPr lang="zh-CN" altLang="en-US" dirty="0"/>
-              <a:t>，可以直接关联到手术库</a:t>
-            </a:r>
-            <a:endParaRPr lang="en-US" altLang="zh-CN" dirty="0"/>
-          </a:p>
-          <a:p>
-            <a:pPr lvl="1"/>
-            <a:r>
-              <a:rPr lang="zh-CN" altLang="en-US" dirty="0"/>
-              <a:t>要不要关联过去？</a:t>
+              <a:t>明细</a:t>
             </a:r>
           </a:p>
         </p:txBody>
@@ -4566,7 +4582,7 @@
     </p:spTree>
     <p:extLst>
       <p:ext uri="{BB962C8B-B14F-4D97-AF65-F5344CB8AC3E}">
-        <p14:creationId xmlns:p14="http://schemas.microsoft.com/office/powerpoint/2010/main" val="2625090134"/>
+        <p14:creationId xmlns:p14="http://schemas.microsoft.com/office/powerpoint/2010/main" val="1525865815"/>
       </p:ext>
     </p:extLst>
   </p:cSld>
@@ -4595,7 +4611,13 @@
       </p:grpSpPr>
       <p:sp>
         <p:nvSpPr>
-          <p:cNvPr id="4" name="标题 1"/>
+          <p:cNvPr id="2" name="标题 1">
+            <a:extLst>
+              <a:ext uri="{FF2B5EF4-FFF2-40B4-BE49-F238E27FC236}">
+                <a16:creationId xmlns:a16="http://schemas.microsoft.com/office/drawing/2014/main" id="{EFEFE359-7BAA-4574-8318-BE55035532FC}"/>
+              </a:ext>
+            </a:extLst>
+          </p:cNvPr>
           <p:cNvSpPr>
             <a:spLocks noGrp="1"/>
           </p:cNvSpPr>
@@ -4603,445 +4625,175 @@
             <p:ph type="title"/>
           </p:nvPr>
         </p:nvSpPr>
-        <p:spPr>
-          <a:xfrm>
-            <a:off x="400396" y="225888"/>
-            <a:ext cx="3553691" cy="708602"/>
-          </a:xfrm>
-        </p:spPr>
-        <p:txBody>
-          <a:bodyPr>
-            <a:normAutofit/>
-          </a:bodyPr>
-          <a:lstStyle/>
-          <a:p>
-            <a:r>
-              <a:rPr lang="zh-CN" altLang="en-US" sz="4000" dirty="0"/>
-              <a:t>进度</a:t>
-            </a:r>
-          </a:p>
-        </p:txBody>
-      </p:sp>
-      <p:sp>
-        <p:nvSpPr>
-          <p:cNvPr id="5" name="文本框 4"/>
-          <p:cNvSpPr txBox="1"/>
-          <p:nvPr/>
-        </p:nvSpPr>
-        <p:spPr>
-          <a:xfrm>
-            <a:off x="297180" y="914633"/>
-            <a:ext cx="11727180" cy="1938992"/>
+        <p:spPr/>
+        <p:txBody>
+          <a:bodyPr/>
+          <a:lstStyle/>
+          <a:p>
+            <a:r>
+              <a:rPr lang="zh-CN" altLang="en-US" dirty="0"/>
+              <a:t>构建问题</a:t>
+            </a:r>
+            <a:r>
+              <a:rPr lang="en-US" altLang="zh-CN" dirty="0"/>
+              <a:t>1</a:t>
+            </a:r>
+            <a:endParaRPr lang="zh-CN" altLang="en-US" dirty="0"/>
+          </a:p>
+        </p:txBody>
+      </p:sp>
+      <p:sp>
+        <p:nvSpPr>
+          <p:cNvPr id="4" name="内容占位符 3">
+            <a:extLst>
+              <a:ext uri="{FF2B5EF4-FFF2-40B4-BE49-F238E27FC236}">
+                <a16:creationId xmlns:a16="http://schemas.microsoft.com/office/drawing/2014/main" id="{71FC4A56-3346-4FF1-8450-FBFD0C677320}"/>
+              </a:ext>
+            </a:extLst>
+          </p:cNvPr>
+          <p:cNvSpPr txBox="1">
+            <a:spLocks noGrp="1"/>
+          </p:cNvSpPr>
+          <p:nvPr>
+            <p:ph idx="1"/>
+          </p:nvPr>
+        </p:nvSpPr>
+        <p:spPr>
+          <a:xfrm>
+            <a:off x="838200" y="1825625"/>
+            <a:ext cx="10515600" cy="3614323"/>
           </a:xfrm>
           <a:prstGeom prst="rect">
             <a:avLst/>
           </a:prstGeom>
-          <a:noFill/>
-        </p:spPr>
+        </p:spPr>
+        <p:style>
+          <a:lnRef idx="2">
+            <a:schemeClr val="accent4"/>
+          </a:lnRef>
+          <a:fillRef idx="1">
+            <a:schemeClr val="lt1"/>
+          </a:fillRef>
+          <a:effectRef idx="0">
+            <a:schemeClr val="accent4"/>
+          </a:effectRef>
+          <a:fontRef idx="minor">
+            <a:schemeClr val="dk1"/>
+          </a:fontRef>
+        </p:style>
         <p:txBody>
           <a:bodyPr wrap="square" rtlCol="0">
             <a:spAutoFit/>
           </a:bodyPr>
           <a:lstStyle/>
           <a:p>
-            <a:pPr marL="342900" indent="-342900">
-              <a:buFont typeface="+mj-lt"/>
-              <a:buAutoNum type="arabicPeriod"/>
-            </a:pPr>
-            <a:r>
-              <a:rPr lang="zh-CN" altLang="en-US" sz="2000" dirty="0">
-                <a:sym typeface="+mn-ea"/>
-              </a:rPr>
-              <a:t>筛选出与</a:t>
-            </a:r>
-            <a:r>
-              <a:rPr lang="en-US" altLang="zh-CN" sz="2000" dirty="0">
-                <a:sym typeface="+mn-ea"/>
-              </a:rPr>
-              <a:t>38</a:t>
-            </a:r>
-            <a:r>
-              <a:rPr lang="zh-CN" altLang="en-US" sz="2000" dirty="0">
-                <a:sym typeface="+mn-ea"/>
-              </a:rPr>
-              <a:t>条病案数据相关的</a:t>
-            </a:r>
-            <a:r>
-              <a:rPr lang="en-US" altLang="zh-CN" sz="2000" dirty="0">
-                <a:sym typeface="+mn-ea"/>
-              </a:rPr>
-              <a:t>6000</a:t>
-            </a:r>
-            <a:r>
-              <a:rPr lang="zh-CN" altLang="en-US" sz="2000" dirty="0">
-                <a:sym typeface="+mn-ea"/>
-              </a:rPr>
-              <a:t>多条明细和</a:t>
-            </a:r>
-            <a:r>
-              <a:rPr lang="en-US" altLang="zh-CN" sz="2000" dirty="0">
-                <a:sym typeface="+mn-ea"/>
-              </a:rPr>
-              <a:t>44</a:t>
-            </a:r>
-            <a:r>
-              <a:rPr lang="zh-CN" altLang="en-US" sz="2000" dirty="0">
-                <a:sym typeface="+mn-ea"/>
-              </a:rPr>
-              <a:t>条手术记录，</a:t>
-            </a:r>
-            <a:r>
-              <a:rPr lang="en-US" altLang="zh-CN" sz="2000" dirty="0">
-                <a:sym typeface="+mn-ea"/>
-              </a:rPr>
-              <a:t>16</a:t>
-            </a:r>
-            <a:r>
-              <a:rPr lang="zh-CN" altLang="en-US" sz="2000" dirty="0">
-                <a:sym typeface="+mn-ea"/>
-              </a:rPr>
-              <a:t>条手术明细</a:t>
-            </a:r>
-            <a:r>
-              <a:rPr lang="zh-CN" altLang="en-US" sz="2000" dirty="0">
-                <a:solidFill>
-                  <a:srgbClr val="FF0000"/>
-                </a:solidFill>
-                <a:sym typeface="+mn-ea"/>
-              </a:rPr>
-              <a:t>（已完成）</a:t>
-            </a:r>
-            <a:endParaRPr lang="en-US" altLang="zh-CN" sz="2000" dirty="0">
-              <a:solidFill>
-                <a:srgbClr val="FF0000"/>
-              </a:solidFill>
-              <a:sym typeface="+mn-ea"/>
-            </a:endParaRPr>
+            <a:r>
+              <a:rPr lang="zh-CN" altLang="en-US" dirty="0"/>
+              <a:t>诊疗项目（收费项目）</a:t>
+            </a:r>
+            <a:endParaRPr lang="en-US" altLang="zh-CN" dirty="0"/>
+          </a:p>
+          <a:p>
+            <a:r>
+              <a:rPr lang="zh-CN" altLang="en-US" dirty="0"/>
+              <a:t>诊疗项目里的</a:t>
+            </a:r>
+            <a:r>
+              <a:rPr lang="en-US" altLang="zh-CN" dirty="0"/>
+              <a:t> </a:t>
+            </a:r>
+            <a:r>
+              <a:rPr lang="zh-CN" altLang="en-US" dirty="0"/>
+              <a:t>药品项 ！</a:t>
+            </a:r>
+            <a:r>
+              <a:rPr lang="en-US" altLang="zh-CN" dirty="0"/>
+              <a:t>= </a:t>
+            </a:r>
+            <a:r>
+              <a:rPr lang="zh-CN" altLang="en-US" dirty="0"/>
+              <a:t>药品库</a:t>
+            </a:r>
+            <a:endParaRPr lang="en-US" altLang="zh-CN" dirty="0"/>
           </a:p>
           <a:p>
             <a:pPr lvl="1"/>
             <a:r>
-              <a:rPr lang="zh-CN" altLang="en-US" sz="2000" dirty="0">
-                <a:sym typeface="+mn-ea"/>
-              </a:rPr>
-              <a:t>手术记录情况：</a:t>
-            </a:r>
-            <a:r>
-              <a:rPr lang="en-US" altLang="zh-CN" sz="2000" dirty="0">
-                <a:sym typeface="+mn-ea"/>
-              </a:rPr>
-              <a:t>37</a:t>
-            </a:r>
-            <a:r>
-              <a:rPr lang="zh-CN" altLang="en-US" sz="2000" dirty="0">
-                <a:sym typeface="+mn-ea"/>
-              </a:rPr>
-              <a:t>个病案里，</a:t>
-            </a:r>
-            <a:r>
-              <a:rPr lang="en-US" altLang="zh-CN" sz="2000" dirty="0">
-                <a:sym typeface="+mn-ea"/>
-              </a:rPr>
-              <a:t>28</a:t>
-            </a:r>
-            <a:r>
-              <a:rPr lang="zh-CN" altLang="en-US" sz="2000" dirty="0">
-                <a:sym typeface="+mn-ea"/>
-              </a:rPr>
-              <a:t>个病案没有手术记录，</a:t>
-            </a:r>
-            <a:r>
-              <a:rPr lang="en-US" altLang="zh-CN" sz="2000" dirty="0">
-                <a:sym typeface="+mn-ea"/>
-              </a:rPr>
-              <a:t>9</a:t>
-            </a:r>
-            <a:r>
-              <a:rPr lang="zh-CN" altLang="en-US" sz="2000" dirty="0">
-                <a:sym typeface="+mn-ea"/>
-              </a:rPr>
-              <a:t>个病案对应</a:t>
-            </a:r>
-            <a:r>
-              <a:rPr lang="en-US" altLang="zh-CN" sz="2000" dirty="0">
-                <a:sym typeface="+mn-ea"/>
-              </a:rPr>
-              <a:t>16</a:t>
-            </a:r>
-            <a:r>
-              <a:rPr lang="zh-CN" altLang="en-US" sz="2000" dirty="0">
-                <a:sym typeface="+mn-ea"/>
-              </a:rPr>
-              <a:t>个手术记录</a:t>
-            </a:r>
-          </a:p>
-          <a:p>
-            <a:pPr marL="342900" indent="-342900">
-              <a:buFont typeface="+mj-lt"/>
-              <a:buAutoNum type="arabicPeriod"/>
-            </a:pPr>
-            <a:r>
-              <a:rPr lang="zh-CN" altLang="en-US" sz="2000" dirty="0"/>
-              <a:t>根据国新给出的明细表的</a:t>
-            </a:r>
-            <a:r>
-              <a:rPr lang="en-US" altLang="zh-CN" sz="2000" dirty="0"/>
-              <a:t>item_category_name</a:t>
-            </a:r>
-            <a:r>
-              <a:rPr lang="zh-CN" altLang="en-US" sz="2000" dirty="0"/>
-              <a:t>字段，将明细分为</a:t>
-            </a:r>
-            <a:r>
-              <a:rPr lang="en-US" altLang="zh-CN" sz="2000" dirty="0"/>
-              <a:t>8</a:t>
-            </a:r>
-            <a:r>
-              <a:rPr lang="zh-CN" altLang="en-US" sz="2000" dirty="0"/>
-              <a:t>种类型，建立</a:t>
-            </a:r>
-            <a:r>
-              <a:rPr lang="en-US" altLang="zh-CN" sz="2000" dirty="0"/>
-              <a:t>8</a:t>
-            </a:r>
-            <a:r>
-              <a:rPr lang="zh-CN" altLang="en-US" sz="2000" dirty="0"/>
-              <a:t>种</a:t>
-            </a:r>
-            <a:r>
-              <a:rPr lang="zh-CN" altLang="en-US" sz="2000" dirty="0">
-                <a:solidFill>
-                  <a:schemeClr val="accent2">
-                    <a:lumMod val="75000"/>
-                  </a:schemeClr>
-                </a:solidFill>
-              </a:rPr>
-              <a:t>明细节点</a:t>
-            </a:r>
-            <a:r>
-              <a:rPr lang="zh-CN" altLang="en-US" sz="2000" dirty="0"/>
-              <a:t>；并将相关数据导入数据库</a:t>
-            </a:r>
-            <a:r>
-              <a:rPr lang="zh-CN" altLang="en-US" sz="2000" dirty="0">
+              <a:rPr lang="zh-CN" altLang="en-US" dirty="0"/>
+              <a:t>所以病案里的药品明细连的是诊疗项目里的药品库</a:t>
+            </a:r>
+            <a:endParaRPr lang="en-US" altLang="zh-CN" dirty="0"/>
+          </a:p>
+          <a:p>
+            <a:pPr lvl="1"/>
+            <a:r>
+              <a:rPr lang="zh-CN" altLang="en-US" dirty="0"/>
+              <a:t>诊疗项目里的药品再和真正的药品库连</a:t>
+            </a:r>
+            <a:endParaRPr lang="en-US" altLang="zh-CN" dirty="0"/>
+          </a:p>
+          <a:p>
+            <a:r>
+              <a:rPr lang="zh-CN" altLang="en-US" dirty="0"/>
+              <a:t>诊疗项目里的 手术项 ！</a:t>
+            </a:r>
+            <a:r>
+              <a:rPr lang="en-US" altLang="zh-CN" dirty="0"/>
+              <a:t>= </a:t>
+            </a:r>
+            <a:r>
+              <a:rPr lang="zh-CN" altLang="en-US" dirty="0"/>
+              <a:t>手术库</a:t>
+            </a:r>
+            <a:endParaRPr lang="en-US" altLang="zh-CN" dirty="0"/>
+          </a:p>
+          <a:p>
+            <a:pPr lvl="1"/>
+            <a:r>
+              <a:rPr lang="zh-CN" altLang="en-US" dirty="0">
                 <a:solidFill>
                   <a:srgbClr val="FF0000"/>
                 </a:solidFill>
               </a:rPr>
-              <a:t>（已完成）</a:t>
-            </a:r>
-            <a:endParaRPr lang="en-US" altLang="zh-CN" sz="2000" dirty="0">
+              <a:t>问题：</a:t>
+            </a:r>
+            <a:endParaRPr lang="en-US" altLang="zh-CN" dirty="0">
               <a:solidFill>
                 <a:srgbClr val="FF0000"/>
               </a:solidFill>
             </a:endParaRPr>
           </a:p>
           <a:p>
-            <a:pPr marL="342900" indent="-342900">
-              <a:buFont typeface="+mj-lt"/>
-              <a:buAutoNum type="arabicPeriod"/>
-            </a:pPr>
-            <a:r>
-              <a:rPr lang="zh-CN" altLang="en-US" sz="2000" dirty="0"/>
-              <a:t>处理手术和出院小结数据，建立</a:t>
-            </a:r>
-            <a:r>
-              <a:rPr lang="zh-CN" altLang="en-US" sz="2000" dirty="0">
-                <a:solidFill>
-                  <a:schemeClr val="accent2">
-                    <a:lumMod val="75000"/>
-                  </a:schemeClr>
-                </a:solidFill>
-              </a:rPr>
-              <a:t>四类出院小结节点</a:t>
-            </a:r>
-            <a:r>
-              <a:rPr lang="zh-CN" altLang="en-US" sz="2000" dirty="0"/>
-              <a:t>和</a:t>
-            </a:r>
-            <a:r>
-              <a:rPr lang="zh-CN" altLang="en-US" sz="2000" dirty="0">
-                <a:solidFill>
-                  <a:schemeClr val="accent2">
-                    <a:lumMod val="75000"/>
-                  </a:schemeClr>
-                </a:solidFill>
-              </a:rPr>
-              <a:t>手术记录节点</a:t>
-            </a:r>
-            <a:r>
-              <a:rPr lang="zh-CN" altLang="en-US" sz="2000" dirty="0"/>
-              <a:t>和</a:t>
-            </a:r>
-            <a:r>
-              <a:rPr lang="zh-CN" altLang="en-US" sz="2000" dirty="0">
-                <a:solidFill>
-                  <a:schemeClr val="accent2">
-                    <a:lumMod val="75000"/>
-                  </a:schemeClr>
-                </a:solidFill>
-              </a:rPr>
-              <a:t>手术明细节点</a:t>
-            </a:r>
-            <a:endParaRPr lang="en-US" altLang="zh-CN" sz="2000" dirty="0">
-              <a:solidFill>
-                <a:schemeClr val="accent2">
-                  <a:lumMod val="75000"/>
-                </a:schemeClr>
-              </a:solidFill>
-            </a:endParaRPr>
-          </a:p>
-          <a:p>
-            <a:pPr marL="342900" indent="-342900">
-              <a:buFont typeface="+mj-lt"/>
-              <a:buAutoNum type="arabicPeriod"/>
-            </a:pPr>
-            <a:r>
-              <a:rPr lang="zh-CN" altLang="en-US" sz="2000" dirty="0"/>
-              <a:t>通过属性，为明细与医生</a:t>
-            </a:r>
-            <a:r>
-              <a:rPr lang="en-US" altLang="zh-CN" sz="2000" dirty="0"/>
-              <a:t>/</a:t>
-            </a:r>
-            <a:r>
-              <a:rPr lang="zh-CN" altLang="en-US" sz="2000" dirty="0"/>
-              <a:t>明细与病案</a:t>
-            </a:r>
-            <a:r>
-              <a:rPr lang="en-US" altLang="zh-CN" sz="2000" dirty="0"/>
-              <a:t>/</a:t>
-            </a:r>
-            <a:r>
-              <a:rPr lang="zh-CN" altLang="en-US" sz="2000" dirty="0"/>
-              <a:t>出院小结与四个字段</a:t>
-            </a:r>
-            <a:r>
-              <a:rPr lang="en-US" altLang="zh-CN" sz="2000" dirty="0"/>
-              <a:t>/</a:t>
-            </a:r>
-            <a:r>
-              <a:rPr lang="zh-CN" altLang="en-US" sz="2000" dirty="0"/>
-              <a:t>病案和手术之间</a:t>
-            </a:r>
-            <a:r>
-              <a:rPr lang="zh-CN" altLang="en-US" sz="2000" dirty="0">
-                <a:solidFill>
-                  <a:schemeClr val="accent2">
-                    <a:lumMod val="75000"/>
-                  </a:schemeClr>
-                </a:solidFill>
-              </a:rPr>
-              <a:t>建立关系</a:t>
-            </a:r>
-            <a:r>
-              <a:rPr lang="zh-CN" altLang="en-US" sz="2000" dirty="0">
-                <a:solidFill>
-                  <a:srgbClr val="FF0000"/>
-                </a:solidFill>
-              </a:rPr>
-              <a:t>（已完成）</a:t>
-            </a:r>
-          </a:p>
-        </p:txBody>
-      </p:sp>
-      <p:pic>
-        <p:nvPicPr>
-          <p:cNvPr id="11" name="图片 10" descr="截屏2020-12-04 上午2.11.39"/>
-          <p:cNvPicPr>
-            <a:picLocks noChangeAspect="1"/>
-          </p:cNvPicPr>
-          <p:nvPr/>
-        </p:nvPicPr>
-        <p:blipFill>
-          <a:blip r:embed="rId3"/>
-          <a:stretch>
-            <a:fillRect/>
-          </a:stretch>
-        </p:blipFill>
-        <p:spPr>
-          <a:xfrm>
-            <a:off x="534174" y="2939322"/>
-            <a:ext cx="2645669" cy="1645105"/>
-          </a:xfrm>
-          <a:prstGeom prst="rect">
-            <a:avLst/>
-          </a:prstGeom>
-        </p:spPr>
-      </p:pic>
-      <p:pic>
-        <p:nvPicPr>
-          <p:cNvPr id="12" name="图片 11" descr="截屏2020-12-04 上午2.11.49"/>
-          <p:cNvPicPr>
-            <a:picLocks noChangeAspect="1"/>
-          </p:cNvPicPr>
-          <p:nvPr/>
-        </p:nvPicPr>
-        <p:blipFill>
-          <a:blip r:embed="rId4"/>
-          <a:stretch>
-            <a:fillRect/>
-          </a:stretch>
-        </p:blipFill>
-        <p:spPr>
-          <a:xfrm>
-            <a:off x="534174" y="4871899"/>
-            <a:ext cx="2876372" cy="1760213"/>
-          </a:xfrm>
-          <a:prstGeom prst="rect">
-            <a:avLst/>
-          </a:prstGeom>
-        </p:spPr>
-      </p:pic>
-      <p:pic>
-        <p:nvPicPr>
-          <p:cNvPr id="13" name="图片 12" descr="截屏2020-12-04 上午2.11.59"/>
-          <p:cNvPicPr>
-            <a:picLocks noChangeAspect="1"/>
-          </p:cNvPicPr>
-          <p:nvPr/>
-        </p:nvPicPr>
-        <p:blipFill>
-          <a:blip r:embed="rId5"/>
-          <a:stretch>
-            <a:fillRect/>
-          </a:stretch>
-        </p:blipFill>
-        <p:spPr>
-          <a:xfrm>
-            <a:off x="3681830" y="4004376"/>
-            <a:ext cx="3621405" cy="2238375"/>
-          </a:xfrm>
-          <a:prstGeom prst="rect">
-            <a:avLst/>
-          </a:prstGeom>
-        </p:spPr>
-      </p:pic>
-      <p:pic>
-        <p:nvPicPr>
-          <p:cNvPr id="14" name="图片 13"/>
-          <p:cNvPicPr>
-            <a:picLocks noChangeAspect="1"/>
-          </p:cNvPicPr>
-          <p:nvPr/>
-        </p:nvPicPr>
-        <p:blipFill>
-          <a:blip r:embed="rId6"/>
-          <a:stretch>
-            <a:fillRect/>
-          </a:stretch>
-        </p:blipFill>
-        <p:spPr>
-          <a:xfrm>
-            <a:off x="7805222" y="4122803"/>
-            <a:ext cx="3350260" cy="2001520"/>
-          </a:xfrm>
-          <a:prstGeom prst="rect">
-            <a:avLst/>
-          </a:prstGeom>
-        </p:spPr>
-      </p:pic>
+            <a:pPr lvl="1"/>
+            <a:r>
+              <a:rPr lang="zh-CN" altLang="en-US" dirty="0"/>
+              <a:t>手术记录明细，里面有</a:t>
+            </a:r>
+            <a:r>
+              <a:rPr lang="en-US" altLang="zh-CN" dirty="0" err="1"/>
+              <a:t>operation_code</a:t>
+            </a:r>
+            <a:r>
+              <a:rPr lang="zh-CN" altLang="en-US" dirty="0"/>
+              <a:t>，可以直接关联到手术库</a:t>
+            </a:r>
+            <a:endParaRPr lang="en-US" altLang="zh-CN" dirty="0"/>
+          </a:p>
+          <a:p>
+            <a:pPr lvl="1"/>
+            <a:r>
+              <a:rPr lang="zh-CN" altLang="en-US" dirty="0"/>
+              <a:t>要不要关联过去？</a:t>
+            </a:r>
+          </a:p>
+        </p:txBody>
+      </p:sp>
     </p:spTree>
+    <p:extLst>
+      <p:ext uri="{BB962C8B-B14F-4D97-AF65-F5344CB8AC3E}">
+        <p14:creationId xmlns:p14="http://schemas.microsoft.com/office/powerpoint/2010/main" val="2625090134"/>
+      </p:ext>
+    </p:extLst>
   </p:cSld>
   <p:clrMapOvr>
     <a:masterClrMapping/>
@@ -5068,13 +4820,7 @@
       </p:grpSpPr>
       <p:sp>
         <p:nvSpPr>
-          <p:cNvPr id="2" name="标题 1">
-            <a:extLst>
-              <a:ext uri="{FF2B5EF4-FFF2-40B4-BE49-F238E27FC236}">
-                <a16:creationId xmlns:a16="http://schemas.microsoft.com/office/drawing/2014/main" id="{810A679F-CED3-49A1-BE09-730E6E28D853}"/>
-              </a:ext>
-            </a:extLst>
-          </p:cNvPr>
+          <p:cNvPr id="4" name="标题 1"/>
           <p:cNvSpPr>
             <a:spLocks noGrp="1"/>
           </p:cNvSpPr>
@@ -5084,141 +4830,443 @@
         </p:nvSpPr>
         <p:spPr>
           <a:xfrm>
-            <a:off x="332509" y="108816"/>
-            <a:ext cx="10515600" cy="1325563"/>
-          </a:xfrm>
-        </p:spPr>
-        <p:txBody>
-          <a:bodyPr/>
-          <a:lstStyle/>
-          <a:p>
-            <a:r>
-              <a:rPr lang="zh-CN" altLang="en-US" dirty="0"/>
-              <a:t>数据问题</a:t>
-            </a:r>
-            <a:r>
-              <a:rPr lang="en-US" altLang="zh-CN" dirty="0"/>
-              <a:t>2.1</a:t>
-            </a:r>
-            <a:r>
-              <a:rPr lang="zh-CN" altLang="en-US" dirty="0"/>
-              <a:t>（已解决）</a:t>
+            <a:off x="400396" y="225888"/>
+            <a:ext cx="3553691" cy="708602"/>
+          </a:xfrm>
+        </p:spPr>
+        <p:txBody>
+          <a:bodyPr>
+            <a:normAutofit/>
+          </a:bodyPr>
+          <a:lstStyle/>
+          <a:p>
+            <a:r>
+              <a:rPr lang="zh-CN" altLang="en-US" sz="4000" dirty="0"/>
+              <a:t>进度</a:t>
+            </a:r>
+          </a:p>
+        </p:txBody>
+      </p:sp>
+      <p:sp>
+        <p:nvSpPr>
+          <p:cNvPr id="5" name="文本框 4"/>
+          <p:cNvSpPr txBox="1"/>
+          <p:nvPr/>
+        </p:nvSpPr>
+        <p:spPr>
+          <a:xfrm>
+            <a:off x="297180" y="914633"/>
+            <a:ext cx="11727180" cy="1938992"/>
+          </a:xfrm>
+          <a:prstGeom prst="rect">
+            <a:avLst/>
+          </a:prstGeom>
+          <a:noFill/>
+        </p:spPr>
+        <p:txBody>
+          <a:bodyPr wrap="square" rtlCol="0">
+            <a:spAutoFit/>
+          </a:bodyPr>
+          <a:lstStyle/>
+          <a:p>
+            <a:pPr marL="342900" indent="-342900">
+              <a:buFont typeface="+mj-lt"/>
+              <a:buAutoNum type="arabicPeriod"/>
+            </a:pPr>
+            <a:r>
+              <a:rPr lang="zh-CN" altLang="en-US" sz="2000" dirty="0">
+                <a:sym typeface="+mn-ea"/>
+              </a:rPr>
+              <a:t>筛选出与</a:t>
+            </a:r>
+            <a:r>
+              <a:rPr lang="en-US" altLang="zh-CN" sz="2000" dirty="0">
+                <a:sym typeface="+mn-ea"/>
+              </a:rPr>
+              <a:t>38</a:t>
+            </a:r>
+            <a:r>
+              <a:rPr lang="zh-CN" altLang="en-US" sz="2000" dirty="0">
+                <a:sym typeface="+mn-ea"/>
+              </a:rPr>
+              <a:t>条病案数据相关的</a:t>
+            </a:r>
+            <a:r>
+              <a:rPr lang="en-US" altLang="zh-CN" sz="2000" dirty="0">
+                <a:sym typeface="+mn-ea"/>
+              </a:rPr>
+              <a:t>6000</a:t>
+            </a:r>
+            <a:r>
+              <a:rPr lang="zh-CN" altLang="en-US" sz="2000" dirty="0">
+                <a:sym typeface="+mn-ea"/>
+              </a:rPr>
+              <a:t>多条明细和</a:t>
+            </a:r>
+            <a:r>
+              <a:rPr lang="en-US" altLang="zh-CN" sz="2000" dirty="0">
+                <a:sym typeface="+mn-ea"/>
+              </a:rPr>
+              <a:t>44</a:t>
+            </a:r>
+            <a:r>
+              <a:rPr lang="zh-CN" altLang="en-US" sz="2000" dirty="0">
+                <a:sym typeface="+mn-ea"/>
+              </a:rPr>
+              <a:t>条手术记录，</a:t>
+            </a:r>
+            <a:r>
+              <a:rPr lang="en-US" altLang="zh-CN" sz="2000" dirty="0">
+                <a:sym typeface="+mn-ea"/>
+              </a:rPr>
+              <a:t>16</a:t>
+            </a:r>
+            <a:r>
+              <a:rPr lang="zh-CN" altLang="en-US" sz="2000" dirty="0">
+                <a:sym typeface="+mn-ea"/>
+              </a:rPr>
+              <a:t>条手术明细</a:t>
+            </a:r>
+            <a:r>
+              <a:rPr lang="zh-CN" altLang="en-US" sz="2000" dirty="0">
+                <a:solidFill>
+                  <a:srgbClr val="FF0000"/>
+                </a:solidFill>
+                <a:sym typeface="+mn-ea"/>
+              </a:rPr>
+              <a:t>（已完成）</a:t>
+            </a:r>
+            <a:endParaRPr lang="en-US" altLang="zh-CN" sz="2000" dirty="0">
+              <a:solidFill>
+                <a:srgbClr val="FF0000"/>
+              </a:solidFill>
+              <a:sym typeface="+mn-ea"/>
+            </a:endParaRPr>
+          </a:p>
+          <a:p>
+            <a:pPr lvl="1"/>
+            <a:r>
+              <a:rPr lang="zh-CN" altLang="en-US" sz="2000" dirty="0">
+                <a:sym typeface="+mn-ea"/>
+              </a:rPr>
+              <a:t>手术记录情况：</a:t>
+            </a:r>
+            <a:r>
+              <a:rPr lang="en-US" altLang="zh-CN" sz="2000" dirty="0">
+                <a:sym typeface="+mn-ea"/>
+              </a:rPr>
+              <a:t>37</a:t>
+            </a:r>
+            <a:r>
+              <a:rPr lang="zh-CN" altLang="en-US" sz="2000" dirty="0">
+                <a:sym typeface="+mn-ea"/>
+              </a:rPr>
+              <a:t>个病案里，</a:t>
+            </a:r>
+            <a:r>
+              <a:rPr lang="en-US" altLang="zh-CN" sz="2000" dirty="0">
+                <a:sym typeface="+mn-ea"/>
+              </a:rPr>
+              <a:t>28</a:t>
+            </a:r>
+            <a:r>
+              <a:rPr lang="zh-CN" altLang="en-US" sz="2000" dirty="0">
+                <a:sym typeface="+mn-ea"/>
+              </a:rPr>
+              <a:t>个病案没有手术记录，</a:t>
+            </a:r>
+            <a:r>
+              <a:rPr lang="en-US" altLang="zh-CN" sz="2000" dirty="0">
+                <a:sym typeface="+mn-ea"/>
+              </a:rPr>
+              <a:t>9</a:t>
+            </a:r>
+            <a:r>
+              <a:rPr lang="zh-CN" altLang="en-US" sz="2000" dirty="0">
+                <a:sym typeface="+mn-ea"/>
+              </a:rPr>
+              <a:t>个病案对应</a:t>
+            </a:r>
+            <a:r>
+              <a:rPr lang="en-US" altLang="zh-CN" sz="2000" dirty="0">
+                <a:sym typeface="+mn-ea"/>
+              </a:rPr>
+              <a:t>16</a:t>
+            </a:r>
+            <a:r>
+              <a:rPr lang="zh-CN" altLang="en-US" sz="2000" dirty="0">
+                <a:sym typeface="+mn-ea"/>
+              </a:rPr>
+              <a:t>个手术记录</a:t>
+            </a:r>
+          </a:p>
+          <a:p>
+            <a:pPr marL="342900" indent="-342900">
+              <a:buFont typeface="+mj-lt"/>
+              <a:buAutoNum type="arabicPeriod"/>
+            </a:pPr>
+            <a:r>
+              <a:rPr lang="zh-CN" altLang="en-US" sz="2000" dirty="0"/>
+              <a:t>根据国新给出的明细表的</a:t>
+            </a:r>
+            <a:r>
+              <a:rPr lang="en-US" altLang="zh-CN" sz="2000" dirty="0"/>
+              <a:t>item_category_name</a:t>
+            </a:r>
+            <a:r>
+              <a:rPr lang="zh-CN" altLang="en-US" sz="2000" dirty="0"/>
+              <a:t>字段，将明细分为</a:t>
+            </a:r>
+            <a:r>
+              <a:rPr lang="en-US" altLang="zh-CN" sz="2000" dirty="0"/>
+              <a:t>8</a:t>
+            </a:r>
+            <a:r>
+              <a:rPr lang="zh-CN" altLang="en-US" sz="2000" dirty="0"/>
+              <a:t>种类型，建立</a:t>
+            </a:r>
+            <a:r>
+              <a:rPr lang="en-US" altLang="zh-CN" sz="2000" dirty="0"/>
+              <a:t>8</a:t>
+            </a:r>
+            <a:r>
+              <a:rPr lang="zh-CN" altLang="en-US" sz="2000" dirty="0"/>
+              <a:t>种</a:t>
+            </a:r>
+            <a:r>
+              <a:rPr lang="zh-CN" altLang="en-US" sz="2000" dirty="0">
+                <a:solidFill>
+                  <a:schemeClr val="accent2">
+                    <a:lumMod val="75000"/>
+                  </a:schemeClr>
+                </a:solidFill>
+              </a:rPr>
+              <a:t>明细节点</a:t>
+            </a:r>
+            <a:r>
+              <a:rPr lang="zh-CN" altLang="en-US" sz="2000" dirty="0"/>
+              <a:t>；并将相关数据导入数据库</a:t>
+            </a:r>
+            <a:r>
+              <a:rPr lang="zh-CN" altLang="en-US" sz="2000" dirty="0">
+                <a:solidFill>
+                  <a:srgbClr val="FF0000"/>
+                </a:solidFill>
+              </a:rPr>
+              <a:t>（已完成）</a:t>
+            </a:r>
+            <a:endParaRPr lang="en-US" altLang="zh-CN" sz="2000" dirty="0">
+              <a:solidFill>
+                <a:srgbClr val="FF0000"/>
+              </a:solidFill>
+            </a:endParaRPr>
+          </a:p>
+          <a:p>
+            <a:pPr marL="342900" indent="-342900">
+              <a:buFont typeface="+mj-lt"/>
+              <a:buAutoNum type="arabicPeriod"/>
+            </a:pPr>
+            <a:r>
+              <a:rPr lang="zh-CN" altLang="en-US" sz="2000" dirty="0"/>
+              <a:t>处理手术和出院小结数据，建立</a:t>
+            </a:r>
+            <a:r>
+              <a:rPr lang="zh-CN" altLang="en-US" sz="2000" dirty="0">
+                <a:solidFill>
+                  <a:schemeClr val="accent2">
+                    <a:lumMod val="75000"/>
+                  </a:schemeClr>
+                </a:solidFill>
+              </a:rPr>
+              <a:t>四类出院小结节点</a:t>
+            </a:r>
+            <a:r>
+              <a:rPr lang="zh-CN" altLang="en-US" sz="2000" dirty="0"/>
+              <a:t>和</a:t>
+            </a:r>
+            <a:r>
+              <a:rPr lang="zh-CN" altLang="en-US" sz="2000" dirty="0">
+                <a:solidFill>
+                  <a:schemeClr val="accent2">
+                    <a:lumMod val="75000"/>
+                  </a:schemeClr>
+                </a:solidFill>
+              </a:rPr>
+              <a:t>手术记录节点</a:t>
+            </a:r>
+            <a:r>
+              <a:rPr lang="zh-CN" altLang="en-US" sz="2000" dirty="0"/>
+              <a:t>和</a:t>
+            </a:r>
+            <a:r>
+              <a:rPr lang="zh-CN" altLang="en-US" sz="2000" dirty="0">
+                <a:solidFill>
+                  <a:schemeClr val="accent2">
+                    <a:lumMod val="75000"/>
+                  </a:schemeClr>
+                </a:solidFill>
+              </a:rPr>
+              <a:t>手术明细节点</a:t>
+            </a:r>
+            <a:endParaRPr lang="en-US" altLang="zh-CN" sz="2000" dirty="0">
+              <a:solidFill>
+                <a:schemeClr val="accent2">
+                  <a:lumMod val="75000"/>
+                </a:schemeClr>
+              </a:solidFill>
+            </a:endParaRPr>
+          </a:p>
+          <a:p>
+            <a:pPr marL="342900" indent="-342900">
+              <a:buFont typeface="+mj-lt"/>
+              <a:buAutoNum type="arabicPeriod"/>
+            </a:pPr>
+            <a:r>
+              <a:rPr lang="zh-CN" altLang="en-US" sz="2000" dirty="0"/>
+              <a:t>通过属性，为明细与医生</a:t>
+            </a:r>
+            <a:r>
+              <a:rPr lang="en-US" altLang="zh-CN" sz="2000" dirty="0"/>
+              <a:t>/</a:t>
+            </a:r>
+            <a:r>
+              <a:rPr lang="zh-CN" altLang="en-US" sz="2000" dirty="0"/>
+              <a:t>明细与病案</a:t>
+            </a:r>
+            <a:r>
+              <a:rPr lang="en-US" altLang="zh-CN" sz="2000" dirty="0"/>
+              <a:t>/</a:t>
+            </a:r>
+            <a:r>
+              <a:rPr lang="zh-CN" altLang="en-US" sz="2000" dirty="0"/>
+              <a:t>出院小结与四个字段</a:t>
+            </a:r>
+            <a:r>
+              <a:rPr lang="en-US" altLang="zh-CN" sz="2000" dirty="0"/>
+              <a:t>/</a:t>
+            </a:r>
+            <a:r>
+              <a:rPr lang="zh-CN" altLang="en-US" sz="2000" dirty="0"/>
+              <a:t>病案和手术之间</a:t>
+            </a:r>
+            <a:r>
+              <a:rPr lang="zh-CN" altLang="en-US" sz="2000" dirty="0">
+                <a:solidFill>
+                  <a:schemeClr val="accent2">
+                    <a:lumMod val="75000"/>
+                  </a:schemeClr>
+                </a:solidFill>
+              </a:rPr>
+              <a:t>建立关系</a:t>
+            </a:r>
+            <a:r>
+              <a:rPr lang="zh-CN" altLang="en-US" sz="2000" dirty="0">
+                <a:solidFill>
+                  <a:srgbClr val="FF0000"/>
+                </a:solidFill>
+              </a:rPr>
+              <a:t>（已完成）</a:t>
             </a:r>
           </a:p>
         </p:txBody>
       </p:sp>
       <p:pic>
         <p:nvPicPr>
-          <p:cNvPr id="5" name="内容占位符 4">
-            <a:extLst>
-              <a:ext uri="{FF2B5EF4-FFF2-40B4-BE49-F238E27FC236}">
-                <a16:creationId xmlns:a16="http://schemas.microsoft.com/office/drawing/2014/main" id="{2AB5D9F0-1EC7-4305-8EEB-5DF2B9B1FB0F}"/>
-              </a:ext>
-            </a:extLst>
-          </p:cNvPr>
-          <p:cNvPicPr>
-            <a:picLocks noGrp="1" noChangeAspect="1"/>
-          </p:cNvPicPr>
-          <p:nvPr>
-            <p:ph idx="1"/>
-          </p:nvPr>
-        </p:nvPicPr>
-        <p:blipFill>
-          <a:blip r:embed="rId2">
-            <a:extLst>
-              <a:ext uri="{28A0092B-C50C-407E-A947-70E740481C1C}">
-                <a14:useLocalDpi xmlns:a14="http://schemas.microsoft.com/office/drawing/2010/main" val="0"/>
-              </a:ext>
-            </a:extLst>
-          </a:blip>
-          <a:stretch>
-            <a:fillRect/>
-          </a:stretch>
-        </p:blipFill>
-        <p:spPr>
-          <a:xfrm>
-            <a:off x="572553" y="1434379"/>
-            <a:ext cx="6406722" cy="3553257"/>
-          </a:xfrm>
-        </p:spPr>
-      </p:pic>
-      <p:pic>
-        <p:nvPicPr>
-          <p:cNvPr id="7" name="图片 6">
-            <a:extLst>
-              <a:ext uri="{FF2B5EF4-FFF2-40B4-BE49-F238E27FC236}">
-                <a16:creationId xmlns:a16="http://schemas.microsoft.com/office/drawing/2014/main" id="{93681EFE-7AEA-461B-855C-0E3F63E4E45D}"/>
-              </a:ext>
-            </a:extLst>
-          </p:cNvPr>
+          <p:cNvPr id="11" name="图片 10" descr="截屏2020-12-04 上午2.11.39"/>
           <p:cNvPicPr>
             <a:picLocks noChangeAspect="1"/>
           </p:cNvPicPr>
           <p:nvPr/>
         </p:nvPicPr>
         <p:blipFill>
-          <a:blip r:embed="rId3">
-            <a:extLst>
-              <a:ext uri="{28A0092B-C50C-407E-A947-70E740481C1C}">
-                <a14:useLocalDpi xmlns:a14="http://schemas.microsoft.com/office/drawing/2010/main" val="0"/>
-              </a:ext>
-            </a:extLst>
-          </a:blip>
+          <a:blip r:embed="rId3"/>
           <a:stretch>
             <a:fillRect/>
           </a:stretch>
         </p:blipFill>
         <p:spPr>
           <a:xfrm>
-            <a:off x="332510" y="5207242"/>
-            <a:ext cx="8215746" cy="1447895"/>
+            <a:off x="534174" y="2939322"/>
+            <a:ext cx="2645669" cy="1645105"/>
           </a:xfrm>
           <a:prstGeom prst="rect">
             <a:avLst/>
           </a:prstGeom>
         </p:spPr>
       </p:pic>
-      <p:sp>
-        <p:nvSpPr>
-          <p:cNvPr id="8" name="文本框 7">
-            <a:extLst>
-              <a:ext uri="{FF2B5EF4-FFF2-40B4-BE49-F238E27FC236}">
-                <a16:creationId xmlns:a16="http://schemas.microsoft.com/office/drawing/2014/main" id="{87934AB3-0B9E-4653-92B3-3FB75A0BF589}"/>
-              </a:ext>
-            </a:extLst>
-          </p:cNvPr>
-          <p:cNvSpPr txBox="1"/>
+      <p:pic>
+        <p:nvPicPr>
+          <p:cNvPr id="12" name="图片 11" descr="截屏2020-12-04 上午2.11.49"/>
+          <p:cNvPicPr>
+            <a:picLocks noChangeAspect="1"/>
+          </p:cNvPicPr>
           <p:nvPr/>
-        </p:nvSpPr>
-        <p:spPr>
-          <a:xfrm>
-            <a:off x="8146473" y="2923309"/>
-            <a:ext cx="2701636" cy="369332"/>
+        </p:nvPicPr>
+        <p:blipFill>
+          <a:blip r:embed="rId4"/>
+          <a:stretch>
+            <a:fillRect/>
+          </a:stretch>
+        </p:blipFill>
+        <p:spPr>
+          <a:xfrm>
+            <a:off x="534174" y="4871899"/>
+            <a:ext cx="2876372" cy="1760213"/>
           </a:xfrm>
           <a:prstGeom prst="rect">
             <a:avLst/>
           </a:prstGeom>
-          <a:noFill/>
-        </p:spPr>
-        <p:txBody>
-          <a:bodyPr wrap="square" rtlCol="0">
-            <a:spAutoFit/>
-          </a:bodyPr>
-          <a:lstStyle/>
-          <a:p>
-            <a:r>
-              <a:rPr lang="zh-CN" altLang="en-US" dirty="0"/>
-              <a:t>映射之后的作为属性</a:t>
-            </a:r>
-          </a:p>
-        </p:txBody>
-      </p:sp>
+        </p:spPr>
+      </p:pic>
+      <p:pic>
+        <p:nvPicPr>
+          <p:cNvPr id="13" name="图片 12" descr="截屏2020-12-04 上午2.11.59"/>
+          <p:cNvPicPr>
+            <a:picLocks noChangeAspect="1"/>
+          </p:cNvPicPr>
+          <p:nvPr/>
+        </p:nvPicPr>
+        <p:blipFill>
+          <a:blip r:embed="rId5"/>
+          <a:stretch>
+            <a:fillRect/>
+          </a:stretch>
+        </p:blipFill>
+        <p:spPr>
+          <a:xfrm>
+            <a:off x="3681830" y="4004376"/>
+            <a:ext cx="3621405" cy="2238375"/>
+          </a:xfrm>
+          <a:prstGeom prst="rect">
+            <a:avLst/>
+          </a:prstGeom>
+        </p:spPr>
+      </p:pic>
+      <p:pic>
+        <p:nvPicPr>
+          <p:cNvPr id="14" name="图片 13"/>
+          <p:cNvPicPr>
+            <a:picLocks noChangeAspect="1"/>
+          </p:cNvPicPr>
+          <p:nvPr/>
+        </p:nvPicPr>
+        <p:blipFill>
+          <a:blip r:embed="rId6"/>
+          <a:stretch>
+            <a:fillRect/>
+          </a:stretch>
+        </p:blipFill>
+        <p:spPr>
+          <a:xfrm>
+            <a:off x="7805222" y="4122803"/>
+            <a:ext cx="3350260" cy="2001520"/>
+          </a:xfrm>
+          <a:prstGeom prst="rect">
+            <a:avLst/>
+          </a:prstGeom>
+        </p:spPr>
+      </p:pic>
     </p:spTree>
-    <p:extLst>
-      <p:ext uri="{BB962C8B-B14F-4D97-AF65-F5344CB8AC3E}">
-        <p14:creationId xmlns:p14="http://schemas.microsoft.com/office/powerpoint/2010/main" val="460886684"/>
-      </p:ext>
-    </p:extLst>
   </p:cSld>
   <p:clrMapOvr>
     <a:masterClrMapping/>
@@ -5248,7 +5296,7 @@
           <p:cNvPr id="2" name="标题 1">
             <a:extLst>
               <a:ext uri="{FF2B5EF4-FFF2-40B4-BE49-F238E27FC236}">
-                <a16:creationId xmlns:a16="http://schemas.microsoft.com/office/drawing/2014/main" id="{0A2AAE26-1805-4FB6-B499-B3C511E958AA}"/>
+                <a16:creationId xmlns:a16="http://schemas.microsoft.com/office/drawing/2014/main" id="{810A679F-CED3-49A1-BE09-730E6E28D853}"/>
               </a:ext>
             </a:extLst>
           </p:cNvPr>
@@ -5259,20 +5307,28 @@
             <p:ph type="title"/>
           </p:nvPr>
         </p:nvSpPr>
-        <p:spPr/>
+        <p:spPr>
+          <a:xfrm>
+            <a:off x="332509" y="108816"/>
+            <a:ext cx="10515600" cy="1325563"/>
+          </a:xfrm>
+        </p:spPr>
         <p:txBody>
           <a:bodyPr/>
           <a:lstStyle/>
           <a:p>
             <a:r>
               <a:rPr lang="zh-CN" altLang="en-US" dirty="0"/>
-              <a:t>问题</a:t>
+              <a:t>数据问题</a:t>
             </a:r>
             <a:r>
               <a:rPr lang="en-US" altLang="zh-CN" dirty="0"/>
-              <a:t>2.2</a:t>
-            </a:r>
-            <a:endParaRPr lang="zh-CN" altLang="en-US" dirty="0"/>
+              <a:t>2.1</a:t>
+            </a:r>
+            <a:r>
+              <a:rPr lang="zh-CN" altLang="en-US" dirty="0"/>
+              <a:t>（已解决）</a:t>
+            </a:r>
           </a:p>
         </p:txBody>
       </p:sp>
@@ -5281,7 +5337,7 @@
           <p:cNvPr id="5" name="内容占位符 4">
             <a:extLst>
               <a:ext uri="{FF2B5EF4-FFF2-40B4-BE49-F238E27FC236}">
-                <a16:creationId xmlns:a16="http://schemas.microsoft.com/office/drawing/2014/main" id="{3C5D3F57-7653-4707-9690-151729BE5AA8}"/>
+                <a16:creationId xmlns:a16="http://schemas.microsoft.com/office/drawing/2014/main" id="{2AB5D9F0-1EC7-4305-8EEB-5DF2B9B1FB0F}"/>
               </a:ext>
             </a:extLst>
           </p:cNvPr>
@@ -5306,17 +5362,53 @@
         </p:blipFill>
         <p:spPr>
           <a:xfrm>
-            <a:off x="1173561" y="1690688"/>
-            <a:ext cx="8644126" cy="3146700"/>
+            <a:off x="572553" y="1434379"/>
+            <a:ext cx="6406722" cy="3553257"/>
           </a:xfrm>
         </p:spPr>
       </p:pic>
-      <p:sp>
-        <p:nvSpPr>
-          <p:cNvPr id="6" name="文本框 5">
-            <a:extLst>
-              <a:ext uri="{FF2B5EF4-FFF2-40B4-BE49-F238E27FC236}">
-                <a16:creationId xmlns:a16="http://schemas.microsoft.com/office/drawing/2014/main" id="{1703CD43-D05D-4BCC-A239-DDB809A74F13}"/>
+      <p:pic>
+        <p:nvPicPr>
+          <p:cNvPr id="7" name="图片 6">
+            <a:extLst>
+              <a:ext uri="{FF2B5EF4-FFF2-40B4-BE49-F238E27FC236}">
+                <a16:creationId xmlns:a16="http://schemas.microsoft.com/office/drawing/2014/main" id="{93681EFE-7AEA-461B-855C-0E3F63E4E45D}"/>
+              </a:ext>
+            </a:extLst>
+          </p:cNvPr>
+          <p:cNvPicPr>
+            <a:picLocks noChangeAspect="1"/>
+          </p:cNvPicPr>
+          <p:nvPr/>
+        </p:nvPicPr>
+        <p:blipFill>
+          <a:blip r:embed="rId3">
+            <a:extLst>
+              <a:ext uri="{28A0092B-C50C-407E-A947-70E740481C1C}">
+                <a14:useLocalDpi xmlns:a14="http://schemas.microsoft.com/office/drawing/2010/main" val="0"/>
+              </a:ext>
+            </a:extLst>
+          </a:blip>
+          <a:stretch>
+            <a:fillRect/>
+          </a:stretch>
+        </p:blipFill>
+        <p:spPr>
+          <a:xfrm>
+            <a:off x="332510" y="5207242"/>
+            <a:ext cx="8215746" cy="1447895"/>
+          </a:xfrm>
+          <a:prstGeom prst="rect">
+            <a:avLst/>
+          </a:prstGeom>
+        </p:spPr>
+      </p:pic>
+      <p:sp>
+        <p:nvSpPr>
+          <p:cNvPr id="8" name="文本框 7">
+            <a:extLst>
+              <a:ext uri="{FF2B5EF4-FFF2-40B4-BE49-F238E27FC236}">
+                <a16:creationId xmlns:a16="http://schemas.microsoft.com/office/drawing/2014/main" id="{87934AB3-0B9E-4653-92B3-3FB75A0BF589}"/>
               </a:ext>
             </a:extLst>
           </p:cNvPr>
@@ -5325,8 +5417,8 @@
         </p:nvSpPr>
         <p:spPr>
           <a:xfrm>
-            <a:off x="986318" y="5260369"/>
-            <a:ext cx="10602931" cy="646331"/>
+            <a:off x="8146473" y="2923309"/>
+            <a:ext cx="2701636" cy="369332"/>
           </a:xfrm>
           <a:prstGeom prst="rect">
             <a:avLst/>
@@ -5341,26 +5433,7 @@
           <a:p>
             <a:r>
               <a:rPr lang="zh-CN" altLang="en-US" dirty="0"/>
-              <a:t>给了几类收费项目的类别，他们还是叫收费项目，我们分了四类，他们分了八类，还不全</a:t>
-            </a:r>
-            <a:endParaRPr lang="en-US" altLang="zh-CN" dirty="0"/>
-          </a:p>
-          <a:p>
-            <a:r>
-              <a:rPr lang="en-US" altLang="zh-CN" dirty="0"/>
-              <a:t>6291</a:t>
-            </a:r>
-            <a:r>
-              <a:rPr lang="zh-CN" altLang="en-US" dirty="0"/>
-              <a:t>条明细</a:t>
-            </a:r>
-            <a:r>
-              <a:rPr lang="en-US" altLang="zh-CN" dirty="0"/>
-              <a:t>6172</a:t>
-            </a:r>
-            <a:r>
-              <a:rPr lang="zh-CN" altLang="en-US" dirty="0"/>
-              <a:t>个数据能匹配上目前的收费类别（而且里面还有其他）</a:t>
+              <a:t>映射之后的作为属性</a:t>
             </a:r>
           </a:p>
         </p:txBody>
@@ -5368,7 +5441,7 @@
     </p:spTree>
     <p:extLst>
       <p:ext uri="{BB962C8B-B14F-4D97-AF65-F5344CB8AC3E}">
-        <p14:creationId xmlns:p14="http://schemas.microsoft.com/office/powerpoint/2010/main" val="2088746444"/>
+        <p14:creationId xmlns:p14="http://schemas.microsoft.com/office/powerpoint/2010/main" val="460886684"/>
       </p:ext>
     </p:extLst>
   </p:cSld>
@@ -5400,7 +5473,7 @@
           <p:cNvPr id="2" name="标题 1">
             <a:extLst>
               <a:ext uri="{FF2B5EF4-FFF2-40B4-BE49-F238E27FC236}">
-                <a16:creationId xmlns:a16="http://schemas.microsoft.com/office/drawing/2014/main" id="{B2E00EEE-DAF2-404C-A38C-C41F30211E34}"/>
+                <a16:creationId xmlns:a16="http://schemas.microsoft.com/office/drawing/2014/main" id="{0A2AAE26-1805-4FB6-B499-B3C511E958AA}"/>
               </a:ext>
             </a:extLst>
           </p:cNvPr>
@@ -5422,139 +5495,27 @@
             </a:r>
             <a:r>
               <a:rPr lang="en-US" altLang="zh-CN" dirty="0"/>
-              <a:t>2.3</a:t>
+              <a:t>2.2</a:t>
             </a:r>
             <a:endParaRPr lang="zh-CN" altLang="en-US" dirty="0"/>
           </a:p>
         </p:txBody>
       </p:sp>
-      <p:sp>
-        <p:nvSpPr>
-          <p:cNvPr id="3" name="内容占位符 2">
-            <a:extLst>
-              <a:ext uri="{FF2B5EF4-FFF2-40B4-BE49-F238E27FC236}">
-                <a16:creationId xmlns:a16="http://schemas.microsoft.com/office/drawing/2014/main" id="{23889319-7ECE-43CA-B5BC-B12FDCE3847D}"/>
-              </a:ext>
-            </a:extLst>
-          </p:cNvPr>
-          <p:cNvSpPr>
-            <a:spLocks noGrp="1"/>
-          </p:cNvSpPr>
+      <p:pic>
+        <p:nvPicPr>
+          <p:cNvPr id="5" name="内容占位符 4">
+            <a:extLst>
+              <a:ext uri="{FF2B5EF4-FFF2-40B4-BE49-F238E27FC236}">
+                <a16:creationId xmlns:a16="http://schemas.microsoft.com/office/drawing/2014/main" id="{3C5D3F57-7653-4707-9690-151729BE5AA8}"/>
+              </a:ext>
+            </a:extLst>
+          </p:cNvPr>
+          <p:cNvPicPr>
+            <a:picLocks noGrp="1" noChangeAspect="1"/>
+          </p:cNvPicPr>
           <p:nvPr>
             <p:ph idx="1"/>
           </p:nvPr>
-        </p:nvSpPr>
-        <p:spPr/>
-        <p:txBody>
-          <a:bodyPr/>
-          <a:lstStyle/>
-          <a:p>
-            <a:r>
-              <a:rPr lang="zh-CN" altLang="en-US" dirty="0"/>
-              <a:t>病案手术记录表匹配问题（已提交解决错了）</a:t>
-            </a:r>
-            <a:endParaRPr lang="en-US" altLang="zh-CN" dirty="0"/>
-          </a:p>
-          <a:p>
-            <a:r>
-              <a:rPr lang="zh-CN" altLang="en-US" dirty="0"/>
-              <a:t>病案的</a:t>
-            </a:r>
-            <a:r>
-              <a:rPr lang="en-US" altLang="zh-CN" dirty="0"/>
-              <a:t>HISID = </a:t>
-            </a:r>
-            <a:r>
-              <a:rPr lang="zh-CN" altLang="en-US" dirty="0"/>
-              <a:t>手术记录表的</a:t>
-            </a:r>
-            <a:r>
-              <a:rPr lang="en-US" altLang="zh-CN" dirty="0" err="1"/>
-              <a:t>medical_id</a:t>
-            </a:r>
-            <a:r>
-              <a:rPr lang="zh-CN" altLang="en-US" dirty="0"/>
-              <a:t>（给的是错的）</a:t>
-            </a:r>
-            <a:endParaRPr lang="en-US" altLang="zh-CN" dirty="0"/>
-          </a:p>
-          <a:p>
-            <a:pPr lvl="1"/>
-            <a:r>
-              <a:rPr lang="en-US" altLang="zh-CN" dirty="0" err="1">
-                <a:solidFill>
-                  <a:srgbClr val="FF0000"/>
-                </a:solidFill>
-              </a:rPr>
-              <a:t>Midical_id</a:t>
-            </a:r>
-            <a:r>
-              <a:rPr lang="zh-CN" altLang="en-US" dirty="0">
-                <a:solidFill>
-                  <a:srgbClr val="FF0000"/>
-                </a:solidFill>
-              </a:rPr>
-              <a:t>对应的是病案里一直没用到的</a:t>
-            </a:r>
-            <a:r>
-              <a:rPr lang="en-US" altLang="zh-CN" dirty="0">
-                <a:solidFill>
-                  <a:srgbClr val="FF0000"/>
-                </a:solidFill>
-              </a:rPr>
-              <a:t>id</a:t>
-            </a:r>
-            <a:r>
-              <a:rPr lang="zh-CN" altLang="en-US" dirty="0">
-                <a:solidFill>
-                  <a:srgbClr val="FF0000"/>
-                </a:solidFill>
-              </a:rPr>
-              <a:t>（生气！）</a:t>
-            </a:r>
-            <a:endParaRPr lang="en-US" altLang="zh-CN" dirty="0">
-              <a:solidFill>
-                <a:srgbClr val="FF0000"/>
-              </a:solidFill>
-            </a:endParaRPr>
-          </a:p>
-          <a:p>
-            <a:r>
-              <a:rPr lang="zh-CN" altLang="en-US" dirty="0"/>
-              <a:t>手术记录表的</a:t>
-            </a:r>
-            <a:r>
-              <a:rPr lang="en-US" altLang="zh-CN" dirty="0"/>
-              <a:t>id = </a:t>
-            </a:r>
-            <a:r>
-              <a:rPr lang="zh-CN" altLang="en-US" dirty="0"/>
-              <a:t>手术明细表的</a:t>
-            </a:r>
-            <a:r>
-              <a:rPr lang="en-US" altLang="zh-CN" dirty="0" err="1"/>
-              <a:t>operation_id</a:t>
-            </a:r>
-            <a:r>
-              <a:rPr lang="zh-CN" altLang="en-US" dirty="0"/>
-              <a:t>（不是每个手术记录表都有明细，一个记录可能对应多个明细）</a:t>
-            </a:r>
-          </a:p>
-        </p:txBody>
-      </p:sp>
-      <p:pic>
-        <p:nvPicPr>
-          <p:cNvPr id="5" name="图片 4">
-            <a:extLst>
-              <a:ext uri="{FF2B5EF4-FFF2-40B4-BE49-F238E27FC236}">
-                <a16:creationId xmlns:a16="http://schemas.microsoft.com/office/drawing/2014/main" id="{3520B6B5-FE16-43A3-A518-A68670AE6568}"/>
-              </a:ext>
-            </a:extLst>
-          </p:cNvPr>
-          <p:cNvPicPr>
-            <a:picLocks noChangeAspect="1"/>
-          </p:cNvPicPr>
-          <p:nvPr/>
         </p:nvPicPr>
         <p:blipFill>
           <a:blip r:embed="rId2">
@@ -5570,18 +5531,69 @@
         </p:blipFill>
         <p:spPr>
           <a:xfrm>
-            <a:off x="2029691" y="4211139"/>
-            <a:ext cx="7345749" cy="2441063"/>
+            <a:off x="1173561" y="1690688"/>
+            <a:ext cx="8644126" cy="3146700"/>
+          </a:xfrm>
+        </p:spPr>
+      </p:pic>
+      <p:sp>
+        <p:nvSpPr>
+          <p:cNvPr id="6" name="文本框 5">
+            <a:extLst>
+              <a:ext uri="{FF2B5EF4-FFF2-40B4-BE49-F238E27FC236}">
+                <a16:creationId xmlns:a16="http://schemas.microsoft.com/office/drawing/2014/main" id="{1703CD43-D05D-4BCC-A239-DDB809A74F13}"/>
+              </a:ext>
+            </a:extLst>
+          </p:cNvPr>
+          <p:cNvSpPr txBox="1"/>
+          <p:nvPr/>
+        </p:nvSpPr>
+        <p:spPr>
+          <a:xfrm>
+            <a:off x="986318" y="5260369"/>
+            <a:ext cx="10602931" cy="646331"/>
           </a:xfrm>
           <a:prstGeom prst="rect">
             <a:avLst/>
           </a:prstGeom>
-        </p:spPr>
-      </p:pic>
+          <a:noFill/>
+        </p:spPr>
+        <p:txBody>
+          <a:bodyPr wrap="square" rtlCol="0">
+            <a:spAutoFit/>
+          </a:bodyPr>
+          <a:lstStyle/>
+          <a:p>
+            <a:r>
+              <a:rPr lang="zh-CN" altLang="en-US" dirty="0"/>
+              <a:t>给了几类收费项目的类别，他们还是叫收费项目，我们分了四类，他们分了八类，还不全</a:t>
+            </a:r>
+            <a:endParaRPr lang="en-US" altLang="zh-CN" dirty="0"/>
+          </a:p>
+          <a:p>
+            <a:r>
+              <a:rPr lang="en-US" altLang="zh-CN" dirty="0"/>
+              <a:t>6291</a:t>
+            </a:r>
+            <a:r>
+              <a:rPr lang="zh-CN" altLang="en-US" dirty="0"/>
+              <a:t>条明细</a:t>
+            </a:r>
+            <a:r>
+              <a:rPr lang="en-US" altLang="zh-CN" dirty="0"/>
+              <a:t>6172</a:t>
+            </a:r>
+            <a:r>
+              <a:rPr lang="zh-CN" altLang="en-US" dirty="0"/>
+              <a:t>个数据能匹配上目前的收费类别（而且里面还有其他）</a:t>
+            </a:r>
+          </a:p>
+        </p:txBody>
+      </p:sp>
     </p:spTree>
     <p:extLst>
       <p:ext uri="{BB962C8B-B14F-4D97-AF65-F5344CB8AC3E}">
-        <p14:creationId xmlns:p14="http://schemas.microsoft.com/office/powerpoint/2010/main" val="2279040494"/>
+        <p14:creationId xmlns:p14="http://schemas.microsoft.com/office/powerpoint/2010/main" val="2088746444"/>
       </p:ext>
     </p:extLst>
   </p:cSld>
@@ -5610,7 +5622,13 @@
       </p:grpSpPr>
       <p:sp>
         <p:nvSpPr>
-          <p:cNvPr id="4" name="标题 1"/>
+          <p:cNvPr id="2" name="标题 1">
+            <a:extLst>
+              <a:ext uri="{FF2B5EF4-FFF2-40B4-BE49-F238E27FC236}">
+                <a16:creationId xmlns:a16="http://schemas.microsoft.com/office/drawing/2014/main" id="{B2E00EEE-DAF2-404C-A38C-C41F30211E34}"/>
+              </a:ext>
+            </a:extLst>
+          </p:cNvPr>
           <p:cNvSpPr>
             <a:spLocks noGrp="1"/>
           </p:cNvSpPr>
@@ -5618,433 +5636,179 @@
             <p:ph type="title"/>
           </p:nvPr>
         </p:nvSpPr>
-        <p:spPr>
-          <a:xfrm>
-            <a:off x="400396" y="225888"/>
-            <a:ext cx="3553691" cy="708602"/>
-          </a:xfrm>
-        </p:spPr>
-        <p:txBody>
-          <a:bodyPr>
-            <a:normAutofit/>
-          </a:bodyPr>
-          <a:lstStyle/>
-          <a:p>
-            <a:r>
-              <a:rPr lang="zh-CN" altLang="en-US" sz="4000" dirty="0"/>
+        <p:spPr/>
+        <p:txBody>
+          <a:bodyPr/>
+          <a:lstStyle/>
+          <a:p>
+            <a:r>
+              <a:rPr lang="zh-CN" altLang="en-US" dirty="0"/>
               <a:t>问题</a:t>
             </a:r>
             <a:r>
-              <a:rPr lang="en-US" altLang="zh-CN" sz="4000" dirty="0"/>
-              <a:t>2.4</a:t>
-            </a:r>
-            <a:endParaRPr lang="zh-CN" altLang="en-US" sz="4000" dirty="0"/>
-          </a:p>
-        </p:txBody>
-      </p:sp>
-      <p:sp>
-        <p:nvSpPr>
-          <p:cNvPr id="5" name="文本框 4"/>
-          <p:cNvSpPr txBox="1"/>
-          <p:nvPr/>
-        </p:nvSpPr>
-        <p:spPr>
-          <a:xfrm>
-            <a:off x="297180" y="914633"/>
-            <a:ext cx="11727180" cy="5939155"/>
-          </a:xfrm>
-          <a:prstGeom prst="rect">
-            <a:avLst/>
-          </a:prstGeom>
-          <a:noFill/>
-        </p:spPr>
-        <p:txBody>
-          <a:bodyPr wrap="square" rtlCol="0">
-            <a:spAutoFit/>
-          </a:bodyPr>
-          <a:lstStyle/>
-          <a:p>
-            <a:pPr marL="342900" indent="-342900">
-              <a:buFont typeface="+mj-lt"/>
-              <a:buAutoNum type="arabicPeriod"/>
-            </a:pPr>
-            <a:r>
-              <a:rPr lang="zh-CN" altLang="en-US" sz="2000" dirty="0">
-                <a:sym typeface="+mn-ea"/>
+              <a:rPr lang="en-US" altLang="zh-CN" dirty="0"/>
+              <a:t>2.3</a:t>
+            </a:r>
+            <a:endParaRPr lang="zh-CN" altLang="en-US" dirty="0"/>
+          </a:p>
+        </p:txBody>
+      </p:sp>
+      <p:sp>
+        <p:nvSpPr>
+          <p:cNvPr id="3" name="内容占位符 2">
+            <a:extLst>
+              <a:ext uri="{FF2B5EF4-FFF2-40B4-BE49-F238E27FC236}">
+                <a16:creationId xmlns:a16="http://schemas.microsoft.com/office/drawing/2014/main" id="{23889319-7ECE-43CA-B5BC-B12FDCE3847D}"/>
+              </a:ext>
+            </a:extLst>
+          </p:cNvPr>
+          <p:cNvSpPr>
+            <a:spLocks noGrp="1"/>
+          </p:cNvSpPr>
+          <p:nvPr>
+            <p:ph idx="1"/>
+          </p:nvPr>
+        </p:nvSpPr>
+        <p:spPr/>
+        <p:txBody>
+          <a:bodyPr/>
+          <a:lstStyle/>
+          <a:p>
+            <a:r>
+              <a:rPr lang="zh-CN" altLang="en-US" dirty="0"/>
+              <a:t>病案手术记录表匹配问题（已提交解决错了）</a:t>
+            </a:r>
+            <a:endParaRPr lang="en-US" altLang="zh-CN" dirty="0"/>
+          </a:p>
+          <a:p>
+            <a:r>
+              <a:rPr lang="zh-CN" altLang="en-US" dirty="0"/>
+              <a:t>病案的</a:t>
+            </a:r>
+            <a:r>
+              <a:rPr lang="en-US" altLang="zh-CN" dirty="0"/>
+              <a:t>HISID = </a:t>
+            </a:r>
+            <a:r>
+              <a:rPr lang="zh-CN" altLang="en-US" dirty="0"/>
+              <a:t>手术记录表的</a:t>
+            </a:r>
+            <a:r>
+              <a:rPr lang="en-US" altLang="zh-CN" dirty="0" err="1"/>
+              <a:t>medical_id</a:t>
+            </a:r>
+            <a:r>
+              <a:rPr lang="zh-CN" altLang="en-US" dirty="0"/>
+              <a:t>（给的是错的）</a:t>
+            </a:r>
+            <a:endParaRPr lang="en-US" altLang="zh-CN" dirty="0"/>
+          </a:p>
+          <a:p>
+            <a:pPr lvl="1"/>
+            <a:r>
+              <a:rPr lang="en-US" altLang="zh-CN" dirty="0" err="1">
+                <a:solidFill>
+                  <a:srgbClr val="FF0000"/>
+                </a:solidFill>
               </a:rPr>
-              <a:t>空字段</a:t>
-            </a:r>
-            <a:r>
-              <a:rPr lang="en-US" altLang="zh-CN" sz="2000" dirty="0">
-                <a:sym typeface="+mn-ea"/>
+              <a:t>Midical_id</a:t>
+            </a:r>
+            <a:r>
+              <a:rPr lang="zh-CN" altLang="en-US" dirty="0">
+                <a:solidFill>
+                  <a:srgbClr val="FF0000"/>
+                </a:solidFill>
               </a:rPr>
-              <a:t>/</a:t>
-            </a:r>
-            <a:r>
-              <a:rPr lang="zh-CN" altLang="en-US" sz="2000" dirty="0">
-                <a:sym typeface="+mn-ea"/>
+              <a:t>对应的是病案里一直没用到的</a:t>
+            </a:r>
+            <a:r>
+              <a:rPr lang="en-US" altLang="zh-CN" dirty="0">
+                <a:solidFill>
+                  <a:srgbClr val="FF0000"/>
+                </a:solidFill>
               </a:rPr>
-              <a:t>数据不规范问题。</a:t>
-            </a:r>
-          </a:p>
-          <a:p>
-            <a:pPr indent="0">
-              <a:buFont typeface="+mj-lt"/>
-              <a:buNone/>
-            </a:pPr>
-            <a:r>
-              <a:rPr lang="zh-CN" altLang="en-US" sz="2000" dirty="0">
-                <a:sym typeface="+mn-ea"/>
+              <a:t>id</a:t>
+            </a:r>
+            <a:r>
+              <a:rPr lang="zh-CN" altLang="en-US" dirty="0">
+                <a:solidFill>
+                  <a:srgbClr val="FF0000"/>
+                </a:solidFill>
               </a:rPr>
-              <a:t>（</a:t>
-            </a:r>
-            <a:r>
-              <a:rPr lang="en-US" altLang="zh-CN" sz="2000" dirty="0">
-                <a:sym typeface="+mn-ea"/>
-              </a:rPr>
-              <a:t>1</a:t>
-            </a:r>
-            <a:r>
-              <a:rPr lang="zh-CN" altLang="en-US" sz="2000" dirty="0">
-                <a:sym typeface="+mn-ea"/>
-              </a:rPr>
-              <a:t>）同一个医生编码在中不同地方大小写不一样，</a:t>
-            </a:r>
-            <a:r>
-              <a:rPr lang="en-US" altLang="zh-CN" sz="2000" dirty="0">
-                <a:sym typeface="+mn-ea"/>
-              </a:rPr>
-              <a:t>cygher</a:t>
-            </a:r>
-            <a:r>
-              <a:rPr lang="zh-CN" altLang="en-US" sz="2000" dirty="0">
-                <a:sym typeface="+mn-ea"/>
-              </a:rPr>
-              <a:t>语言对于属性值大小写敏感，直接</a:t>
-            </a:r>
-            <a:r>
-              <a:rPr lang="en-US" altLang="zh-CN" sz="2000" dirty="0">
-                <a:sym typeface="+mn-ea"/>
-              </a:rPr>
-              <a:t>“=”</a:t>
-            </a:r>
-            <a:r>
-              <a:rPr lang="zh-CN" altLang="en-US" sz="2000" dirty="0">
-                <a:sym typeface="+mn-ea"/>
-              </a:rPr>
-              <a:t>查询会匹配不到期望结果，容易出错。查询时需要使用函数统一大小写或者在数据预处理阶段统一大小写；</a:t>
-            </a:r>
-          </a:p>
-          <a:p>
-            <a:pPr indent="0">
-              <a:buFont typeface="+mj-lt"/>
-              <a:buNone/>
-            </a:pPr>
-            <a:endParaRPr lang="zh-CN" altLang="en-US" sz="2000" dirty="0">
-              <a:sym typeface="+mn-ea"/>
-            </a:endParaRPr>
-          </a:p>
-          <a:p>
-            <a:pPr indent="0">
-              <a:buFont typeface="+mj-lt"/>
-              <a:buNone/>
-            </a:pPr>
-            <a:endParaRPr lang="zh-CN" altLang="en-US" sz="2000" dirty="0">
-              <a:sym typeface="+mn-ea"/>
-            </a:endParaRPr>
-          </a:p>
-          <a:p>
-            <a:pPr indent="0">
-              <a:buFont typeface="+mj-lt"/>
-              <a:buNone/>
-            </a:pPr>
-            <a:endParaRPr lang="zh-CN" altLang="en-US" sz="2000" dirty="0">
-              <a:sym typeface="+mn-ea"/>
-            </a:endParaRPr>
-          </a:p>
-          <a:p>
-            <a:pPr indent="0">
-              <a:buFont typeface="+mj-lt"/>
-              <a:buNone/>
-            </a:pPr>
-            <a:r>
-              <a:rPr lang="zh-CN" altLang="en-US" sz="2000" dirty="0">
-                <a:sym typeface="+mn-ea"/>
-              </a:rPr>
-              <a:t>（</a:t>
-            </a:r>
-            <a:r>
-              <a:rPr lang="en-US" altLang="zh-CN" sz="2000" dirty="0">
-                <a:sym typeface="+mn-ea"/>
-              </a:rPr>
-              <a:t>2</a:t>
-            </a:r>
-            <a:r>
-              <a:rPr lang="zh-CN" altLang="en-US" sz="2000" dirty="0">
-                <a:sym typeface="+mn-ea"/>
-              </a:rPr>
-              <a:t>）医生编码与医生姓名对应不上（以尾号</a:t>
-            </a:r>
-            <a:r>
-              <a:rPr lang="en-US" altLang="zh-CN" sz="2000" dirty="0">
-                <a:sym typeface="+mn-ea"/>
-              </a:rPr>
-              <a:t>1443</a:t>
-            </a:r>
-            <a:r>
-              <a:rPr lang="zh-CN" altLang="en-US" sz="2000" dirty="0">
-                <a:sym typeface="+mn-ea"/>
-              </a:rPr>
-              <a:t>编码为例）</a:t>
-            </a:r>
-          </a:p>
-          <a:p>
-            <a:pPr indent="0">
-              <a:buFont typeface="+mj-lt"/>
-              <a:buNone/>
-            </a:pPr>
-            <a:endParaRPr lang="zh-CN" altLang="en-US" sz="2000" dirty="0">
-              <a:sym typeface="+mn-ea"/>
-            </a:endParaRPr>
-          </a:p>
-          <a:p>
-            <a:pPr indent="0">
-              <a:buFont typeface="+mj-lt"/>
-              <a:buNone/>
-            </a:pPr>
-            <a:endParaRPr lang="zh-CN" altLang="en-US" sz="2000" dirty="0">
-              <a:sym typeface="+mn-ea"/>
-            </a:endParaRPr>
-          </a:p>
-          <a:p>
-            <a:pPr indent="0">
-              <a:buFont typeface="+mj-lt"/>
-              <a:buNone/>
-            </a:pPr>
-            <a:endParaRPr lang="zh-CN" altLang="en-US" sz="2000" dirty="0">
-              <a:sym typeface="+mn-ea"/>
-            </a:endParaRPr>
-          </a:p>
-          <a:p>
-            <a:pPr indent="0">
-              <a:buFont typeface="+mj-lt"/>
-              <a:buNone/>
-            </a:pPr>
-            <a:endParaRPr lang="zh-CN" altLang="en-US" sz="2000" dirty="0">
-              <a:sym typeface="+mn-ea"/>
-            </a:endParaRPr>
-          </a:p>
-          <a:p>
-            <a:pPr indent="0">
-              <a:buFont typeface="+mj-lt"/>
-              <a:buNone/>
-            </a:pPr>
-            <a:endParaRPr lang="zh-CN" altLang="en-US" sz="2000" dirty="0">
+              <a:t>（生气！）</a:t>
+            </a:r>
+            <a:endParaRPr lang="en-US" altLang="zh-CN" dirty="0">
               <a:solidFill>
                 <a:srgbClr val="FF0000"/>
               </a:solidFill>
-              <a:sym typeface="+mn-ea"/>
             </a:endParaRPr>
           </a:p>
           <a:p>
-            <a:pPr indent="0">
-              <a:buFont typeface="+mj-lt"/>
-              <a:buNone/>
-            </a:pPr>
-            <a:endParaRPr lang="zh-CN" altLang="en-US" sz="2000" dirty="0">
-              <a:solidFill>
-                <a:srgbClr val="FF0000"/>
-              </a:solidFill>
-              <a:sym typeface="+mn-ea"/>
-            </a:endParaRPr>
-          </a:p>
-          <a:p>
-            <a:pPr indent="0">
-              <a:buFont typeface="+mj-lt"/>
-              <a:buNone/>
-            </a:pPr>
-            <a:endParaRPr lang="zh-CN" altLang="en-US" sz="2000" dirty="0">
-              <a:solidFill>
-                <a:srgbClr val="FF0000"/>
-              </a:solidFill>
-              <a:sym typeface="+mn-ea"/>
-            </a:endParaRPr>
-          </a:p>
-          <a:p>
-            <a:pPr indent="0">
-              <a:buFont typeface="+mj-lt"/>
-              <a:buNone/>
-            </a:pPr>
-            <a:endParaRPr lang="zh-CN" altLang="en-US" sz="2000" dirty="0">
-              <a:solidFill>
-                <a:srgbClr val="FF0000"/>
-              </a:solidFill>
-              <a:sym typeface="+mn-ea"/>
-            </a:endParaRPr>
-          </a:p>
-          <a:p>
-            <a:pPr indent="0">
-              <a:buFont typeface="+mj-lt"/>
-              <a:buNone/>
-            </a:pPr>
-            <a:endParaRPr lang="en-US" altLang="zh-CN" sz="2000" dirty="0">
-              <a:sym typeface="+mn-ea"/>
-            </a:endParaRPr>
-          </a:p>
-          <a:p>
-            <a:pPr indent="0">
-              <a:buFont typeface="+mj-lt"/>
-              <a:buNone/>
-            </a:pPr>
-            <a:endParaRPr lang="en-US" altLang="zh-CN" sz="2000" dirty="0">
-              <a:sym typeface="+mn-ea"/>
-            </a:endParaRPr>
-          </a:p>
-          <a:p>
-            <a:pPr indent="0">
-              <a:buFont typeface="+mj-lt"/>
-              <a:buNone/>
-            </a:pPr>
-            <a:endParaRPr lang="en-US" altLang="zh-CN" sz="2000" dirty="0">
-              <a:sym typeface="+mn-ea"/>
-            </a:endParaRPr>
-          </a:p>
-          <a:p>
-            <a:pPr indent="0">
-              <a:buFont typeface="+mj-lt"/>
-              <a:buNone/>
-            </a:pPr>
-            <a:endParaRPr lang="zh-CN" altLang="en-US" sz="2000" dirty="0">
-              <a:sym typeface="+mn-ea"/>
-            </a:endParaRPr>
+            <a:r>
+              <a:rPr lang="zh-CN" altLang="en-US" dirty="0"/>
+              <a:t>手术记录表的</a:t>
+            </a:r>
+            <a:r>
+              <a:rPr lang="en-US" altLang="zh-CN" dirty="0"/>
+              <a:t>id = </a:t>
+            </a:r>
+            <a:r>
+              <a:rPr lang="zh-CN" altLang="en-US" dirty="0"/>
+              <a:t>手术明细表的</a:t>
+            </a:r>
+            <a:r>
+              <a:rPr lang="en-US" altLang="zh-CN" dirty="0" err="1"/>
+              <a:t>operation_id</a:t>
+            </a:r>
+            <a:r>
+              <a:rPr lang="zh-CN" altLang="en-US" dirty="0"/>
+              <a:t>（不是每个手术记录表都有明细，一个记录可能对应多个明细）</a:t>
+            </a:r>
           </a:p>
         </p:txBody>
       </p:sp>
       <p:pic>
         <p:nvPicPr>
-          <p:cNvPr id="8" name="图片 7" descr="截屏2020-12-04 上午2.53.51"/>
+          <p:cNvPr id="5" name="图片 4">
+            <a:extLst>
+              <a:ext uri="{FF2B5EF4-FFF2-40B4-BE49-F238E27FC236}">
+                <a16:creationId xmlns:a16="http://schemas.microsoft.com/office/drawing/2014/main" id="{3520B6B5-FE16-43A3-A518-A68670AE6568}"/>
+              </a:ext>
+            </a:extLst>
+          </p:cNvPr>
           <p:cNvPicPr>
             <a:picLocks noChangeAspect="1"/>
           </p:cNvPicPr>
           <p:nvPr/>
         </p:nvPicPr>
         <p:blipFill>
-          <a:blip r:embed="rId3"/>
+          <a:blip r:embed="rId2">
+            <a:extLst>
+              <a:ext uri="{28A0092B-C50C-407E-A947-70E740481C1C}">
+                <a14:useLocalDpi xmlns:a14="http://schemas.microsoft.com/office/drawing/2010/main" val="0"/>
+              </a:ext>
+            </a:extLst>
+          </a:blip>
           <a:stretch>
             <a:fillRect/>
           </a:stretch>
         </p:blipFill>
         <p:spPr>
           <a:xfrm>
-            <a:off x="297180" y="3192145"/>
-            <a:ext cx="8778240" cy="2040890"/>
+            <a:off x="2029691" y="4211139"/>
+            <a:ext cx="7345749" cy="2441063"/>
           </a:xfrm>
           <a:prstGeom prst="rect">
             <a:avLst/>
           </a:prstGeom>
         </p:spPr>
       </p:pic>
-      <p:sp>
-        <p:nvSpPr>
-          <p:cNvPr id="10" name="文本框 9"/>
-          <p:cNvSpPr txBox="1"/>
-          <p:nvPr/>
-        </p:nvSpPr>
-        <p:spPr>
-          <a:xfrm>
-            <a:off x="1011555" y="5555615"/>
-            <a:ext cx="4013200" cy="306705"/>
-          </a:xfrm>
-          <a:prstGeom prst="rect">
-            <a:avLst/>
-          </a:prstGeom>
-          <a:noFill/>
-        </p:spPr>
-        <p:txBody>
-          <a:bodyPr wrap="square" rtlCol="0">
-            <a:spAutoFit/>
-          </a:bodyPr>
-          <a:lstStyle/>
-          <a:p>
-            <a:r>
-              <a:rPr lang="zh-CN" altLang="en-US" sz="1400">
-                <a:solidFill>
-                  <a:srgbClr val="FF0000"/>
-                </a:solidFill>
-              </a:rPr>
-              <a:t>医生信息表中该医生编码对应何医生</a:t>
-            </a:r>
-          </a:p>
-        </p:txBody>
-      </p:sp>
-      <p:pic>
-        <p:nvPicPr>
-          <p:cNvPr id="15" name="图片 14" descr="截屏2020-12-04 上午3.01.41"/>
-          <p:cNvPicPr>
-            <a:picLocks noChangeAspect="1"/>
-          </p:cNvPicPr>
-          <p:nvPr/>
-        </p:nvPicPr>
-        <p:blipFill>
-          <a:blip r:embed="rId4"/>
-          <a:stretch>
-            <a:fillRect/>
-          </a:stretch>
-        </p:blipFill>
-        <p:spPr>
-          <a:xfrm>
-            <a:off x="6074410" y="3082925"/>
-            <a:ext cx="6032500" cy="2258695"/>
-          </a:xfrm>
-          <a:prstGeom prst="rect">
-            <a:avLst/>
-          </a:prstGeom>
-        </p:spPr>
-      </p:pic>
-      <p:sp>
-        <p:nvSpPr>
-          <p:cNvPr id="16" name="文本框 15"/>
-          <p:cNvSpPr txBox="1"/>
-          <p:nvPr/>
-        </p:nvSpPr>
-        <p:spPr>
-          <a:xfrm>
-            <a:off x="6744335" y="5448300"/>
-            <a:ext cx="5055235" cy="521970"/>
-          </a:xfrm>
-          <a:prstGeom prst="rect">
-            <a:avLst/>
-          </a:prstGeom>
-          <a:noFill/>
-        </p:spPr>
-        <p:txBody>
-          <a:bodyPr wrap="square" rtlCol="0">
-            <a:spAutoFit/>
-          </a:bodyPr>
-          <a:lstStyle/>
-          <a:p>
-            <a:r>
-              <a:rPr lang="zh-CN" altLang="en-US" sz="1400">
-                <a:solidFill>
-                  <a:srgbClr val="FF0000"/>
-                </a:solidFill>
-              </a:rPr>
-              <a:t>明细表中该医生编码对应谢医生和陈医生</a:t>
-            </a:r>
-          </a:p>
-          <a:p>
-            <a:r>
-              <a:rPr lang="zh-CN" altLang="en-US" sz="1400">
-                <a:solidFill>
-                  <a:srgbClr val="FF0000"/>
-                </a:solidFill>
-              </a:rPr>
-              <a:t>且在明细表中谢医生有两个不同的医生编码</a:t>
-            </a:r>
-          </a:p>
-        </p:txBody>
-      </p:sp>
     </p:spTree>
+    <p:extLst>
+      <p:ext uri="{BB962C8B-B14F-4D97-AF65-F5344CB8AC3E}">
+        <p14:creationId xmlns:p14="http://schemas.microsoft.com/office/powerpoint/2010/main" val="2279040494"/>
+      </p:ext>
+    </p:extLst>
   </p:cSld>
   <p:clrMapOvr>
     <a:masterClrMapping/>
@@ -6096,8 +5860,8 @@
               <a:t>问题</a:t>
             </a:r>
             <a:r>
-              <a:rPr lang="en-US" altLang="zh-CN" sz="4000"/>
-              <a:t>2.5</a:t>
+              <a:rPr lang="en-US" altLang="zh-CN" sz="4000" dirty="0"/>
+              <a:t>2.4</a:t>
             </a:r>
             <a:endParaRPr lang="zh-CN" altLang="en-US" sz="4000" dirty="0"/>
           </a:p>
@@ -6111,8 +5875,8 @@
         </p:nvSpPr>
         <p:spPr>
           <a:xfrm>
-            <a:off x="297180" y="934953"/>
-            <a:ext cx="11727180" cy="4399915"/>
+            <a:off x="297180" y="914633"/>
+            <a:ext cx="11727180" cy="5939155"/>
           </a:xfrm>
           <a:prstGeom prst="rect">
             <a:avLst/>
@@ -6125,31 +5889,139 @@
           </a:bodyPr>
           <a:lstStyle/>
           <a:p>
+            <a:pPr marL="342900" indent="-342900">
+              <a:buFont typeface="+mj-lt"/>
+              <a:buAutoNum type="arabicPeriod"/>
+            </a:pPr>
+            <a:r>
+              <a:rPr lang="zh-CN" altLang="en-US" sz="2000" dirty="0">
+                <a:sym typeface="+mn-ea"/>
+              </a:rPr>
+              <a:t>空字段</a:t>
+            </a:r>
+            <a:r>
+              <a:rPr lang="en-US" altLang="zh-CN" sz="2000" dirty="0">
+                <a:sym typeface="+mn-ea"/>
+              </a:rPr>
+              <a:t>/</a:t>
+            </a:r>
+            <a:r>
+              <a:rPr lang="zh-CN" altLang="en-US" sz="2000" dirty="0">
+                <a:sym typeface="+mn-ea"/>
+              </a:rPr>
+              <a:t>数据不规范问题。</a:t>
+            </a:r>
+          </a:p>
+          <a:p>
             <a:pPr indent="0">
               <a:buFont typeface="+mj-lt"/>
               <a:buNone/>
             </a:pPr>
             <a:r>
+              <a:rPr lang="zh-CN" altLang="en-US" sz="2000" dirty="0">
+                <a:sym typeface="+mn-ea"/>
+              </a:rPr>
+              <a:t>（</a:t>
+            </a:r>
+            <a:r>
               <a:rPr lang="en-US" altLang="zh-CN" sz="2000" dirty="0">
                 <a:sym typeface="+mn-ea"/>
               </a:rPr>
-              <a:t>2.</a:t>
+              <a:t>1</a:t>
             </a:r>
             <a:r>
               <a:rPr lang="zh-CN" altLang="en-US" sz="2000" dirty="0">
                 <a:sym typeface="+mn-ea"/>
               </a:rPr>
-              <a:t>医生编码字段为医生名字，导致关系无法建立</a:t>
-            </a:r>
-          </a:p>
-          <a:p>
-            <a:pPr marL="342900" indent="-342900">
+              <a:t>）同一个医生编码在中不同地方大小写不一样，</a:t>
+            </a:r>
+            <a:r>
+              <a:rPr lang="en-US" altLang="zh-CN" sz="2000" dirty="0">
+                <a:sym typeface="+mn-ea"/>
+              </a:rPr>
+              <a:t>cygher</a:t>
+            </a:r>
+            <a:r>
+              <a:rPr lang="zh-CN" altLang="en-US" sz="2000" dirty="0">
+                <a:sym typeface="+mn-ea"/>
+              </a:rPr>
+              <a:t>语言对于属性值大小写敏感，直接</a:t>
+            </a:r>
+            <a:r>
+              <a:rPr lang="en-US" altLang="zh-CN" sz="2000" dirty="0">
+                <a:sym typeface="+mn-ea"/>
+              </a:rPr>
+              <a:t>“=”</a:t>
+            </a:r>
+            <a:r>
+              <a:rPr lang="zh-CN" altLang="en-US" sz="2000" dirty="0">
+                <a:sym typeface="+mn-ea"/>
+              </a:rPr>
+              <a:t>查询会匹配不到期望结果，容易出错。查询时需要使用函数统一大小写或者在数据预处理阶段统一大小写；</a:t>
+            </a:r>
+          </a:p>
+          <a:p>
+            <a:pPr indent="0">
               <a:buFont typeface="+mj-lt"/>
-              <a:buAutoNum type="arabicPeriod"/>
+              <a:buNone/>
             </a:pPr>
             <a:endParaRPr lang="zh-CN" altLang="en-US" sz="2000" dirty="0">
               <a:sym typeface="+mn-ea"/>
             </a:endParaRPr>
+          </a:p>
+          <a:p>
+            <a:pPr indent="0">
+              <a:buFont typeface="+mj-lt"/>
+              <a:buNone/>
+            </a:pPr>
+            <a:endParaRPr lang="zh-CN" altLang="en-US" sz="2000" dirty="0">
+              <a:sym typeface="+mn-ea"/>
+            </a:endParaRPr>
+          </a:p>
+          <a:p>
+            <a:pPr indent="0">
+              <a:buFont typeface="+mj-lt"/>
+              <a:buNone/>
+            </a:pPr>
+            <a:endParaRPr lang="zh-CN" altLang="en-US" sz="2000" dirty="0">
+              <a:sym typeface="+mn-ea"/>
+            </a:endParaRPr>
+          </a:p>
+          <a:p>
+            <a:pPr indent="0">
+              <a:buFont typeface="+mj-lt"/>
+              <a:buNone/>
+            </a:pPr>
+            <a:r>
+              <a:rPr lang="zh-CN" altLang="en-US" sz="2000" dirty="0">
+                <a:sym typeface="+mn-ea"/>
+              </a:rPr>
+              <a:t>（</a:t>
+            </a:r>
+            <a:r>
+              <a:rPr lang="en-US" altLang="zh-CN" sz="2000" dirty="0">
+                <a:sym typeface="+mn-ea"/>
+              </a:rPr>
+              <a:t>2</a:t>
+            </a:r>
+            <a:r>
+              <a:rPr lang="zh-CN" altLang="en-US" sz="2000" dirty="0">
+                <a:sym typeface="+mn-ea"/>
+              </a:rPr>
+              <a:t>）医生编码与医生姓名对应不上（以尾号</a:t>
+            </a:r>
+            <a:r>
+              <a:rPr lang="en-US" altLang="zh-CN" sz="2000" dirty="0">
+                <a:sym typeface="+mn-ea"/>
+              </a:rPr>
+              <a:t>1443</a:t>
+            </a:r>
+            <a:r>
+              <a:rPr lang="zh-CN" altLang="en-US" sz="2000" dirty="0">
+                <a:sym typeface="+mn-ea"/>
+              </a:rPr>
+              <a:t>编码为例）</a:t>
+            </a:r>
           </a:p>
           <a:p>
             <a:pPr indent="0">
@@ -6273,94 +6145,9 @@
           </a:p>
         </p:txBody>
       </p:sp>
-      <p:sp>
-        <p:nvSpPr>
-          <p:cNvPr id="9" name="文本框 8"/>
-          <p:cNvSpPr txBox="1"/>
-          <p:nvPr/>
-        </p:nvSpPr>
-        <p:spPr>
-          <a:xfrm>
-            <a:off x="8195945" y="2546927"/>
-            <a:ext cx="3920836" cy="2030095"/>
-          </a:xfrm>
-          <a:prstGeom prst="rect">
-            <a:avLst/>
-          </a:prstGeom>
-        </p:spPr>
-        <p:style>
-          <a:lnRef idx="2">
-            <a:schemeClr val="accent4"/>
-          </a:lnRef>
-          <a:fillRef idx="1">
-            <a:schemeClr val="lt1"/>
-          </a:fillRef>
-          <a:effectRef idx="0">
-            <a:schemeClr val="accent4"/>
-          </a:effectRef>
-          <a:fontRef idx="minor">
-            <a:schemeClr val="dk1"/>
-          </a:fontRef>
-        </p:style>
-        <p:txBody>
-          <a:bodyPr wrap="square" rtlCol="0">
-            <a:spAutoFit/>
-          </a:bodyPr>
-          <a:lstStyle/>
-          <a:p>
-            <a:r>
-              <a:rPr lang="zh-CN" altLang="en-US" dirty="0">
-                <a:latin typeface="仿宋" panose="02010609060101010101" pitchFamily="49" charset="-122"/>
-                <a:ea typeface="仿宋" panose="02010609060101010101" pitchFamily="49" charset="-122"/>
-              </a:rPr>
-              <a:t>明细和医生之间偶尔也会有关系：比如我的心脏彩超是</a:t>
-            </a:r>
-            <a:r>
-              <a:rPr lang="en-US" altLang="zh-CN" dirty="0">
-                <a:latin typeface="仿宋" panose="02010609060101010101" pitchFamily="49" charset="-122"/>
-                <a:ea typeface="仿宋" panose="02010609060101010101" pitchFamily="49" charset="-122"/>
-              </a:rPr>
-              <a:t>A</a:t>
-            </a:r>
-            <a:r>
-              <a:rPr lang="zh-CN" altLang="en-US" dirty="0">
-                <a:latin typeface="仿宋" panose="02010609060101010101" pitchFamily="49" charset="-122"/>
-                <a:ea typeface="仿宋" panose="02010609060101010101" pitchFamily="49" charset="-122"/>
-              </a:rPr>
-              <a:t>医生让我做的，这部分属于病案，但是是</a:t>
-            </a:r>
-            <a:r>
-              <a:rPr lang="en-US" altLang="zh-CN" dirty="0">
-                <a:latin typeface="仿宋" panose="02010609060101010101" pitchFamily="49" charset="-122"/>
-                <a:ea typeface="仿宋" panose="02010609060101010101" pitchFamily="49" charset="-122"/>
-              </a:rPr>
-              <a:t>B</a:t>
-            </a:r>
-            <a:r>
-              <a:rPr lang="zh-CN" altLang="en-US" dirty="0">
-                <a:latin typeface="仿宋" panose="02010609060101010101" pitchFamily="49" charset="-122"/>
-                <a:ea typeface="仿宋" panose="02010609060101010101" pitchFamily="49" charset="-122"/>
-              </a:rPr>
-              <a:t>医生具体给我做的，这部分属于心脏彩超的项目明细</a:t>
-            </a:r>
-          </a:p>
-          <a:p>
-            <a:endParaRPr lang="zh-CN" altLang="en-US" dirty="0">
-              <a:latin typeface="仿宋" panose="02010609060101010101" pitchFamily="49" charset="-122"/>
-              <a:ea typeface="仿宋" panose="02010609060101010101" pitchFamily="49" charset="-122"/>
-            </a:endParaRPr>
-          </a:p>
-          <a:p>
-            <a:endParaRPr lang="zh-CN" altLang="en-US" dirty="0">
-              <a:latin typeface="仿宋" panose="02010609060101010101" pitchFamily="49" charset="-122"/>
-              <a:ea typeface="仿宋" panose="02010609060101010101" pitchFamily="49" charset="-122"/>
-            </a:endParaRPr>
-          </a:p>
-        </p:txBody>
-      </p:sp>
       <p:pic>
         <p:nvPicPr>
-          <p:cNvPr id="6" name="图片 5" descr="截屏2020-12-04 上午3.26.41"/>
+          <p:cNvPr id="8" name="图片 7" descr="截屏2020-12-04 上午2.53.51"/>
           <p:cNvPicPr>
             <a:picLocks noChangeAspect="1"/>
           </p:cNvPicPr>
@@ -6374,14 +6161,114 @@
         </p:blipFill>
         <p:spPr>
           <a:xfrm>
-            <a:off x="297180" y="1628140"/>
-            <a:ext cx="7764780" cy="4186555"/>
+            <a:off x="297180" y="3192145"/>
+            <a:ext cx="8778240" cy="2040890"/>
           </a:xfrm>
           <a:prstGeom prst="rect">
             <a:avLst/>
           </a:prstGeom>
         </p:spPr>
       </p:pic>
+      <p:sp>
+        <p:nvSpPr>
+          <p:cNvPr id="10" name="文本框 9"/>
+          <p:cNvSpPr txBox="1"/>
+          <p:nvPr/>
+        </p:nvSpPr>
+        <p:spPr>
+          <a:xfrm>
+            <a:off x="1011555" y="5555615"/>
+            <a:ext cx="4013200" cy="306705"/>
+          </a:xfrm>
+          <a:prstGeom prst="rect">
+            <a:avLst/>
+          </a:prstGeom>
+          <a:noFill/>
+        </p:spPr>
+        <p:txBody>
+          <a:bodyPr wrap="square" rtlCol="0">
+            <a:spAutoFit/>
+          </a:bodyPr>
+          <a:lstStyle/>
+          <a:p>
+            <a:r>
+              <a:rPr lang="zh-CN" altLang="en-US" sz="1400">
+                <a:solidFill>
+                  <a:srgbClr val="FF0000"/>
+                </a:solidFill>
+              </a:rPr>
+              <a:t>医生信息表中该医生编码对应何医生</a:t>
+            </a:r>
+          </a:p>
+        </p:txBody>
+      </p:sp>
+      <p:pic>
+        <p:nvPicPr>
+          <p:cNvPr id="15" name="图片 14" descr="截屏2020-12-04 上午3.01.41"/>
+          <p:cNvPicPr>
+            <a:picLocks noChangeAspect="1"/>
+          </p:cNvPicPr>
+          <p:nvPr/>
+        </p:nvPicPr>
+        <p:blipFill>
+          <a:blip r:embed="rId4"/>
+          <a:stretch>
+            <a:fillRect/>
+          </a:stretch>
+        </p:blipFill>
+        <p:spPr>
+          <a:xfrm>
+            <a:off x="6074410" y="3082925"/>
+            <a:ext cx="6032500" cy="2258695"/>
+          </a:xfrm>
+          <a:prstGeom prst="rect">
+            <a:avLst/>
+          </a:prstGeom>
+        </p:spPr>
+      </p:pic>
+      <p:sp>
+        <p:nvSpPr>
+          <p:cNvPr id="16" name="文本框 15"/>
+          <p:cNvSpPr txBox="1"/>
+          <p:nvPr/>
+        </p:nvSpPr>
+        <p:spPr>
+          <a:xfrm>
+            <a:off x="6744335" y="5448300"/>
+            <a:ext cx="5055235" cy="521970"/>
+          </a:xfrm>
+          <a:prstGeom prst="rect">
+            <a:avLst/>
+          </a:prstGeom>
+          <a:noFill/>
+        </p:spPr>
+        <p:txBody>
+          <a:bodyPr wrap="square" rtlCol="0">
+            <a:spAutoFit/>
+          </a:bodyPr>
+          <a:lstStyle/>
+          <a:p>
+            <a:r>
+              <a:rPr lang="zh-CN" altLang="en-US" sz="1400">
+                <a:solidFill>
+                  <a:srgbClr val="FF0000"/>
+                </a:solidFill>
+              </a:rPr>
+              <a:t>明细表中该医生编码对应谢医生和陈医生</a:t>
+            </a:r>
+          </a:p>
+          <a:p>
+            <a:r>
+              <a:rPr lang="zh-CN" altLang="en-US" sz="1400">
+                <a:solidFill>
+                  <a:srgbClr val="FF0000"/>
+                </a:solidFill>
+              </a:rPr>
+              <a:t>且在明细表中谢医生有两个不同的医生编码</a:t>
+            </a:r>
+          </a:p>
+        </p:txBody>
+      </p:sp>
     </p:spTree>
   </p:cSld>
   <p:clrMapOvr>
@@ -6409,13 +6296,7 @@
       </p:grpSpPr>
       <p:sp>
         <p:nvSpPr>
-          <p:cNvPr id="2" name="标题 1">
-            <a:extLst>
-              <a:ext uri="{FF2B5EF4-FFF2-40B4-BE49-F238E27FC236}">
-                <a16:creationId xmlns:a16="http://schemas.microsoft.com/office/drawing/2014/main" id="{9CDC0B03-985C-4155-97B9-9640C735BBE4}"/>
-              </a:ext>
-            </a:extLst>
-          </p:cNvPr>
+          <p:cNvPr id="4" name="标题 1"/>
           <p:cNvSpPr>
             <a:spLocks noGrp="1"/>
           </p:cNvSpPr>
@@ -6425,8 +6306,8 @@
         </p:nvSpPr>
         <p:spPr>
           <a:xfrm>
-            <a:off x="838200" y="365126"/>
-            <a:ext cx="4343400" cy="708602"/>
+            <a:off x="400396" y="225888"/>
+            <a:ext cx="3553691" cy="708602"/>
           </a:xfrm>
         </p:spPr>
         <p:txBody>
@@ -6437,63 +6318,196 @@
           <a:p>
             <a:r>
               <a:rPr lang="zh-CN" altLang="en-US" sz="4000" dirty="0"/>
-              <a:t>病案库可视化效果</a:t>
-            </a:r>
-          </a:p>
-        </p:txBody>
-      </p:sp>
-      <p:pic>
-        <p:nvPicPr>
-          <p:cNvPr id="7" name="图片 6">
-            <a:extLst>
-              <a:ext uri="{FF2B5EF4-FFF2-40B4-BE49-F238E27FC236}">
-                <a16:creationId xmlns:a16="http://schemas.microsoft.com/office/drawing/2014/main" id="{7567A400-A62A-474F-952A-BFEE0EE2A34C}"/>
-              </a:ext>
-            </a:extLst>
-          </p:cNvPr>
-          <p:cNvPicPr>
-            <a:picLocks noChangeAspect="1"/>
-          </p:cNvPicPr>
+              <a:t>问题</a:t>
+            </a:r>
+            <a:r>
+              <a:rPr lang="en-US" altLang="zh-CN" sz="4000"/>
+              <a:t>2.5</a:t>
+            </a:r>
+            <a:endParaRPr lang="zh-CN" altLang="en-US" sz="4000" dirty="0"/>
+          </a:p>
+        </p:txBody>
+      </p:sp>
+      <p:sp>
+        <p:nvSpPr>
+          <p:cNvPr id="5" name="文本框 4"/>
+          <p:cNvSpPr txBox="1"/>
           <p:nvPr/>
-        </p:nvPicPr>
-        <p:blipFill>
-          <a:blip r:embed="rId2">
-            <a:extLst>
-              <a:ext uri="{28A0092B-C50C-407E-A947-70E740481C1C}">
-                <a14:useLocalDpi xmlns:a14="http://schemas.microsoft.com/office/drawing/2010/main" val="0"/>
-              </a:ext>
-            </a:extLst>
-          </a:blip>
-          <a:stretch>
-            <a:fillRect/>
-          </a:stretch>
-        </p:blipFill>
-        <p:spPr>
-          <a:xfrm>
-            <a:off x="727687" y="1129145"/>
-            <a:ext cx="7080990" cy="5420742"/>
+        </p:nvSpPr>
+        <p:spPr>
+          <a:xfrm>
+            <a:off x="297180" y="934953"/>
+            <a:ext cx="11727180" cy="4399915"/>
           </a:xfrm>
           <a:prstGeom prst="rect">
             <a:avLst/>
           </a:prstGeom>
-        </p:spPr>
-      </p:pic>
-      <p:sp>
-        <p:nvSpPr>
-          <p:cNvPr id="8" name="文本框 7">
-            <a:extLst>
-              <a:ext uri="{FF2B5EF4-FFF2-40B4-BE49-F238E27FC236}">
-                <a16:creationId xmlns:a16="http://schemas.microsoft.com/office/drawing/2014/main" id="{4F84F4FF-B7E4-4C82-B42B-43A37CC3EA42}"/>
-              </a:ext>
-            </a:extLst>
-          </p:cNvPr>
+          <a:noFill/>
+        </p:spPr>
+        <p:txBody>
+          <a:bodyPr wrap="square" rtlCol="0">
+            <a:spAutoFit/>
+          </a:bodyPr>
+          <a:lstStyle/>
+          <a:p>
+            <a:pPr indent="0">
+              <a:buFont typeface="+mj-lt"/>
+              <a:buNone/>
+            </a:pPr>
+            <a:r>
+              <a:rPr lang="en-US" altLang="zh-CN" sz="2000" dirty="0">
+                <a:sym typeface="+mn-ea"/>
+              </a:rPr>
+              <a:t>2.</a:t>
+            </a:r>
+            <a:r>
+              <a:rPr lang="zh-CN" altLang="en-US" sz="2000" dirty="0">
+                <a:sym typeface="+mn-ea"/>
+              </a:rPr>
+              <a:t>医生编码字段为医生名字，导致关系无法建立</a:t>
+            </a:r>
+          </a:p>
+          <a:p>
+            <a:pPr marL="342900" indent="-342900">
+              <a:buFont typeface="+mj-lt"/>
+              <a:buAutoNum type="arabicPeriod"/>
+            </a:pPr>
+            <a:endParaRPr lang="zh-CN" altLang="en-US" sz="2000" dirty="0">
+              <a:sym typeface="+mn-ea"/>
+            </a:endParaRPr>
+          </a:p>
+          <a:p>
+            <a:pPr indent="0">
+              <a:buFont typeface="+mj-lt"/>
+              <a:buNone/>
+            </a:pPr>
+            <a:endParaRPr lang="zh-CN" altLang="en-US" sz="2000" dirty="0">
+              <a:sym typeface="+mn-ea"/>
+            </a:endParaRPr>
+          </a:p>
+          <a:p>
+            <a:pPr indent="0">
+              <a:buFont typeface="+mj-lt"/>
+              <a:buNone/>
+            </a:pPr>
+            <a:endParaRPr lang="zh-CN" altLang="en-US" sz="2000" dirty="0">
+              <a:sym typeface="+mn-ea"/>
+            </a:endParaRPr>
+          </a:p>
+          <a:p>
+            <a:pPr indent="0">
+              <a:buFont typeface="+mj-lt"/>
+              <a:buNone/>
+            </a:pPr>
+            <a:endParaRPr lang="zh-CN" altLang="en-US" sz="2000" dirty="0">
+              <a:sym typeface="+mn-ea"/>
+            </a:endParaRPr>
+          </a:p>
+          <a:p>
+            <a:pPr indent="0">
+              <a:buFont typeface="+mj-lt"/>
+              <a:buNone/>
+            </a:pPr>
+            <a:endParaRPr lang="zh-CN" altLang="en-US" sz="2000" dirty="0">
+              <a:sym typeface="+mn-ea"/>
+            </a:endParaRPr>
+          </a:p>
+          <a:p>
+            <a:pPr indent="0">
+              <a:buFont typeface="+mj-lt"/>
+              <a:buNone/>
+            </a:pPr>
+            <a:endParaRPr lang="zh-CN" altLang="en-US" sz="2000" dirty="0">
+              <a:solidFill>
+                <a:srgbClr val="FF0000"/>
+              </a:solidFill>
+              <a:sym typeface="+mn-ea"/>
+            </a:endParaRPr>
+          </a:p>
+          <a:p>
+            <a:pPr indent="0">
+              <a:buFont typeface="+mj-lt"/>
+              <a:buNone/>
+            </a:pPr>
+            <a:endParaRPr lang="zh-CN" altLang="en-US" sz="2000" dirty="0">
+              <a:solidFill>
+                <a:srgbClr val="FF0000"/>
+              </a:solidFill>
+              <a:sym typeface="+mn-ea"/>
+            </a:endParaRPr>
+          </a:p>
+          <a:p>
+            <a:pPr indent="0">
+              <a:buFont typeface="+mj-lt"/>
+              <a:buNone/>
+            </a:pPr>
+            <a:endParaRPr lang="zh-CN" altLang="en-US" sz="2000" dirty="0">
+              <a:solidFill>
+                <a:srgbClr val="FF0000"/>
+              </a:solidFill>
+              <a:sym typeface="+mn-ea"/>
+            </a:endParaRPr>
+          </a:p>
+          <a:p>
+            <a:pPr indent="0">
+              <a:buFont typeface="+mj-lt"/>
+              <a:buNone/>
+            </a:pPr>
+            <a:endParaRPr lang="zh-CN" altLang="en-US" sz="2000" dirty="0">
+              <a:solidFill>
+                <a:srgbClr val="FF0000"/>
+              </a:solidFill>
+              <a:sym typeface="+mn-ea"/>
+            </a:endParaRPr>
+          </a:p>
+          <a:p>
+            <a:pPr indent="0">
+              <a:buFont typeface="+mj-lt"/>
+              <a:buNone/>
+            </a:pPr>
+            <a:endParaRPr lang="en-US" altLang="zh-CN" sz="2000" dirty="0">
+              <a:sym typeface="+mn-ea"/>
+            </a:endParaRPr>
+          </a:p>
+          <a:p>
+            <a:pPr indent="0">
+              <a:buFont typeface="+mj-lt"/>
+              <a:buNone/>
+            </a:pPr>
+            <a:endParaRPr lang="en-US" altLang="zh-CN" sz="2000" dirty="0">
+              <a:sym typeface="+mn-ea"/>
+            </a:endParaRPr>
+          </a:p>
+          <a:p>
+            <a:pPr indent="0">
+              <a:buFont typeface="+mj-lt"/>
+              <a:buNone/>
+            </a:pPr>
+            <a:endParaRPr lang="en-US" altLang="zh-CN" sz="2000" dirty="0">
+              <a:sym typeface="+mn-ea"/>
+            </a:endParaRPr>
+          </a:p>
+          <a:p>
+            <a:pPr indent="0">
+              <a:buFont typeface="+mj-lt"/>
+              <a:buNone/>
+            </a:pPr>
+            <a:endParaRPr lang="zh-CN" altLang="en-US" sz="2000" dirty="0">
+              <a:sym typeface="+mn-ea"/>
+            </a:endParaRPr>
+          </a:p>
+        </p:txBody>
+      </p:sp>
+      <p:sp>
+        <p:nvSpPr>
+          <p:cNvPr id="9" name="文本框 8"/>
           <p:cNvSpPr txBox="1"/>
           <p:nvPr/>
         </p:nvSpPr>
         <p:spPr>
           <a:xfrm>
-            <a:off x="8021780" y="1925782"/>
-            <a:ext cx="3588327" cy="646331"/>
+            <a:off x="8195945" y="2546927"/>
+            <a:ext cx="3920836" cy="2030095"/>
           </a:xfrm>
           <a:prstGeom prst="rect">
             <a:avLst/>
@@ -6524,17 +6538,177 @@
                 <a:latin typeface="仿宋" panose="02010609060101010101" pitchFamily="49" charset="-122"/>
                 <a:ea typeface="仿宋" panose="02010609060101010101" pitchFamily="49" charset="-122"/>
               </a:rPr>
-              <a:t>患者和主治医生之间不是固定关系，通过病案推理就可以了</a:t>
-            </a:r>
-          </a:p>
-        </p:txBody>
-      </p:sp>
-      <p:sp>
-        <p:nvSpPr>
-          <p:cNvPr id="9" name="文本框 8">
-            <a:extLst>
-              <a:ext uri="{FF2B5EF4-FFF2-40B4-BE49-F238E27FC236}">
-                <a16:creationId xmlns:a16="http://schemas.microsoft.com/office/drawing/2014/main" id="{6D41BDF5-C33F-40F4-9CE1-6E4ECAA24D47}"/>
+              <a:t>明细和医生之间偶尔也会有关系：比如我的心脏彩超是</a:t>
+            </a:r>
+            <a:r>
+              <a:rPr lang="en-US" altLang="zh-CN" dirty="0">
+                <a:latin typeface="仿宋" panose="02010609060101010101" pitchFamily="49" charset="-122"/>
+                <a:ea typeface="仿宋" panose="02010609060101010101" pitchFamily="49" charset="-122"/>
+              </a:rPr>
+              <a:t>A</a:t>
+            </a:r>
+            <a:r>
+              <a:rPr lang="zh-CN" altLang="en-US" dirty="0">
+                <a:latin typeface="仿宋" panose="02010609060101010101" pitchFamily="49" charset="-122"/>
+                <a:ea typeface="仿宋" panose="02010609060101010101" pitchFamily="49" charset="-122"/>
+              </a:rPr>
+              <a:t>医生让我做的，这部分属于病案，但是是</a:t>
+            </a:r>
+            <a:r>
+              <a:rPr lang="en-US" altLang="zh-CN" dirty="0">
+                <a:latin typeface="仿宋" panose="02010609060101010101" pitchFamily="49" charset="-122"/>
+                <a:ea typeface="仿宋" panose="02010609060101010101" pitchFamily="49" charset="-122"/>
+              </a:rPr>
+              <a:t>B</a:t>
+            </a:r>
+            <a:r>
+              <a:rPr lang="zh-CN" altLang="en-US" dirty="0">
+                <a:latin typeface="仿宋" panose="02010609060101010101" pitchFamily="49" charset="-122"/>
+                <a:ea typeface="仿宋" panose="02010609060101010101" pitchFamily="49" charset="-122"/>
+              </a:rPr>
+              <a:t>医生具体给我做的，这部分属于心脏彩超的项目明细</a:t>
+            </a:r>
+          </a:p>
+          <a:p>
+            <a:endParaRPr lang="zh-CN" altLang="en-US" dirty="0">
+              <a:latin typeface="仿宋" panose="02010609060101010101" pitchFamily="49" charset="-122"/>
+              <a:ea typeface="仿宋" panose="02010609060101010101" pitchFamily="49" charset="-122"/>
+            </a:endParaRPr>
+          </a:p>
+          <a:p>
+            <a:endParaRPr lang="zh-CN" altLang="en-US" dirty="0">
+              <a:latin typeface="仿宋" panose="02010609060101010101" pitchFamily="49" charset="-122"/>
+              <a:ea typeface="仿宋" panose="02010609060101010101" pitchFamily="49" charset="-122"/>
+            </a:endParaRPr>
+          </a:p>
+        </p:txBody>
+      </p:sp>
+      <p:pic>
+        <p:nvPicPr>
+          <p:cNvPr id="6" name="图片 5" descr="截屏2020-12-04 上午3.26.41"/>
+          <p:cNvPicPr>
+            <a:picLocks noChangeAspect="1"/>
+          </p:cNvPicPr>
+          <p:nvPr/>
+        </p:nvPicPr>
+        <p:blipFill>
+          <a:blip r:embed="rId3"/>
+          <a:stretch>
+            <a:fillRect/>
+          </a:stretch>
+        </p:blipFill>
+        <p:spPr>
+          <a:xfrm>
+            <a:off x="297180" y="1628140"/>
+            <a:ext cx="7764780" cy="4186555"/>
+          </a:xfrm>
+          <a:prstGeom prst="rect">
+            <a:avLst/>
+          </a:prstGeom>
+        </p:spPr>
+      </p:pic>
+    </p:spTree>
+  </p:cSld>
+  <p:clrMapOvr>
+    <a:masterClrMapping/>
+  </p:clrMapOvr>
+</p:sld>
+</file>
+
+<file path=ppt/slides/slide18.xml><?xml version="1.0" encoding="utf-8"?>
+<p:sld xmlns:a="http://schemas.openxmlformats.org/drawingml/2006/main" xmlns:r="http://schemas.openxmlformats.org/officeDocument/2006/relationships" xmlns:p="http://schemas.openxmlformats.org/presentationml/2006/main">
+  <p:cSld>
+    <p:spTree>
+      <p:nvGrpSpPr>
+        <p:cNvPr id="1" name=""/>
+        <p:cNvGrpSpPr/>
+        <p:nvPr/>
+      </p:nvGrpSpPr>
+      <p:grpSpPr>
+        <a:xfrm>
+          <a:off x="0" y="0"/>
+          <a:ext cx="0" cy="0"/>
+          <a:chOff x="0" y="0"/>
+          <a:chExt cx="0" cy="0"/>
+        </a:xfrm>
+      </p:grpSpPr>
+      <p:sp>
+        <p:nvSpPr>
+          <p:cNvPr id="2" name="标题 1">
+            <a:extLst>
+              <a:ext uri="{FF2B5EF4-FFF2-40B4-BE49-F238E27FC236}">
+                <a16:creationId xmlns:a16="http://schemas.microsoft.com/office/drawing/2014/main" id="{9CDC0B03-985C-4155-97B9-9640C735BBE4}"/>
+              </a:ext>
+            </a:extLst>
+          </p:cNvPr>
+          <p:cNvSpPr>
+            <a:spLocks noGrp="1"/>
+          </p:cNvSpPr>
+          <p:nvPr>
+            <p:ph type="title"/>
+          </p:nvPr>
+        </p:nvSpPr>
+        <p:spPr>
+          <a:xfrm>
+            <a:off x="838200" y="365126"/>
+            <a:ext cx="4343400" cy="708602"/>
+          </a:xfrm>
+        </p:spPr>
+        <p:txBody>
+          <a:bodyPr>
+            <a:normAutofit/>
+          </a:bodyPr>
+          <a:lstStyle/>
+          <a:p>
+            <a:r>
+              <a:rPr lang="zh-CN" altLang="en-US" sz="4000" dirty="0"/>
+              <a:t>病案库可视化效果</a:t>
+            </a:r>
+          </a:p>
+        </p:txBody>
+      </p:sp>
+      <p:pic>
+        <p:nvPicPr>
+          <p:cNvPr id="7" name="图片 6">
+            <a:extLst>
+              <a:ext uri="{FF2B5EF4-FFF2-40B4-BE49-F238E27FC236}">
+                <a16:creationId xmlns:a16="http://schemas.microsoft.com/office/drawing/2014/main" id="{7567A400-A62A-474F-952A-BFEE0EE2A34C}"/>
+              </a:ext>
+            </a:extLst>
+          </p:cNvPr>
+          <p:cNvPicPr>
+            <a:picLocks noChangeAspect="1"/>
+          </p:cNvPicPr>
+          <p:nvPr/>
+        </p:nvPicPr>
+        <p:blipFill>
+          <a:blip r:embed="rId2">
+            <a:extLst>
+              <a:ext uri="{28A0092B-C50C-407E-A947-70E740481C1C}">
+                <a14:useLocalDpi xmlns:a14="http://schemas.microsoft.com/office/drawing/2010/main" val="0"/>
+              </a:ext>
+            </a:extLst>
+          </a:blip>
+          <a:stretch>
+            <a:fillRect/>
+          </a:stretch>
+        </p:blipFill>
+        <p:spPr>
+          <a:xfrm>
+            <a:off x="727687" y="1129145"/>
+            <a:ext cx="7080990" cy="5420742"/>
+          </a:xfrm>
+          <a:prstGeom prst="rect">
+            <a:avLst/>
+          </a:prstGeom>
+        </p:spPr>
+      </p:pic>
+      <p:sp>
+        <p:nvSpPr>
+          <p:cNvPr id="8" name="文本框 7">
+            <a:extLst>
+              <a:ext uri="{FF2B5EF4-FFF2-40B4-BE49-F238E27FC236}">
+                <a16:creationId xmlns:a16="http://schemas.microsoft.com/office/drawing/2014/main" id="{4F84F4FF-B7E4-4C82-B42B-43A37CC3EA42}"/>
               </a:ext>
             </a:extLst>
           </p:cNvPr>
@@ -6543,8 +6717,8 @@
         </p:nvSpPr>
         <p:spPr>
           <a:xfrm>
-            <a:off x="7924800" y="3969327"/>
-            <a:ext cx="3920836" cy="1477328"/>
+            <a:off x="8021780" y="1925782"/>
+            <a:ext cx="3588327" cy="646331"/>
           </a:xfrm>
           <a:prstGeom prst="rect">
             <a:avLst/>
@@ -6575,6 +6749,57 @@
                 <a:latin typeface="仿宋" panose="02010609060101010101" pitchFamily="49" charset="-122"/>
                 <a:ea typeface="仿宋" panose="02010609060101010101" pitchFamily="49" charset="-122"/>
               </a:rPr>
+              <a:t>患者和主治医生之间不是固定关系，通过病案推理就可以了</a:t>
+            </a:r>
+          </a:p>
+        </p:txBody>
+      </p:sp>
+      <p:sp>
+        <p:nvSpPr>
+          <p:cNvPr id="9" name="文本框 8">
+            <a:extLst>
+              <a:ext uri="{FF2B5EF4-FFF2-40B4-BE49-F238E27FC236}">
+                <a16:creationId xmlns:a16="http://schemas.microsoft.com/office/drawing/2014/main" id="{6D41BDF5-C33F-40F4-9CE1-6E4ECAA24D47}"/>
+              </a:ext>
+            </a:extLst>
+          </p:cNvPr>
+          <p:cNvSpPr txBox="1"/>
+          <p:nvPr/>
+        </p:nvSpPr>
+        <p:spPr>
+          <a:xfrm>
+            <a:off x="7924800" y="3969327"/>
+            <a:ext cx="3920836" cy="1477328"/>
+          </a:xfrm>
+          <a:prstGeom prst="rect">
+            <a:avLst/>
+          </a:prstGeom>
+        </p:spPr>
+        <p:style>
+          <a:lnRef idx="2">
+            <a:schemeClr val="accent4"/>
+          </a:lnRef>
+          <a:fillRef idx="1">
+            <a:schemeClr val="lt1"/>
+          </a:fillRef>
+          <a:effectRef idx="0">
+            <a:schemeClr val="accent4"/>
+          </a:effectRef>
+          <a:fontRef idx="minor">
+            <a:schemeClr val="dk1"/>
+          </a:fontRef>
+        </p:style>
+        <p:txBody>
+          <a:bodyPr wrap="square" rtlCol="0">
+            <a:spAutoFit/>
+          </a:bodyPr>
+          <a:lstStyle/>
+          <a:p>
+            <a:r>
+              <a:rPr lang="zh-CN" altLang="en-US" dirty="0">
+                <a:latin typeface="仿宋" panose="02010609060101010101" pitchFamily="49" charset="-122"/>
+                <a:ea typeface="仿宋" panose="02010609060101010101" pitchFamily="49" charset="-122"/>
+              </a:rPr>
               <a:t>明细和医生之间偶尔也会有关系：比如我的心脏彩超是</a:t>
             </a:r>
             <a:r>
@@ -6747,7 +6972,7 @@
 </p:sld>
 </file>
 
-<file path=ppt/slides/slide18.xml><?xml version="1.0" encoding="utf-8"?>
+<file path=ppt/slides/slide19.xml><?xml version="1.0" encoding="utf-8"?>
 <p:sld xmlns:a="http://schemas.openxmlformats.org/drawingml/2006/main" xmlns:r="http://schemas.openxmlformats.org/officeDocument/2006/relationships" xmlns:p="http://schemas.openxmlformats.org/presentationml/2006/main">
   <p:cSld>
     <p:spTree>
@@ -8156,541 +8381,6 @@
 </p:sld>
 </file>
 
-<file path=ppt/slides/slide19.xml><?xml version="1.0" encoding="utf-8"?>
-<p:sld xmlns:a="http://schemas.openxmlformats.org/drawingml/2006/main" xmlns:r="http://schemas.openxmlformats.org/officeDocument/2006/relationships" xmlns:p="http://schemas.openxmlformats.org/presentationml/2006/main">
-  <p:cSld>
-    <p:spTree>
-      <p:nvGrpSpPr>
-        <p:cNvPr id="1" name=""/>
-        <p:cNvGrpSpPr/>
-        <p:nvPr/>
-      </p:nvGrpSpPr>
-      <p:grpSpPr>
-        <a:xfrm>
-          <a:off x="0" y="0"/>
-          <a:ext cx="0" cy="0"/>
-          <a:chOff x="0" y="0"/>
-          <a:chExt cx="0" cy="0"/>
-        </a:xfrm>
-      </p:grpSpPr>
-      <p:sp>
-        <p:nvSpPr>
-          <p:cNvPr id="4" name="标题 1">
-            <a:extLst>
-              <a:ext uri="{FF2B5EF4-FFF2-40B4-BE49-F238E27FC236}">
-                <a16:creationId xmlns:a16="http://schemas.microsoft.com/office/drawing/2014/main" id="{E7A16F57-5CD1-4385-B3C8-873BF11D699E}"/>
-              </a:ext>
-            </a:extLst>
-          </p:cNvPr>
-          <p:cNvSpPr>
-            <a:spLocks noGrp="1"/>
-          </p:cNvSpPr>
-          <p:nvPr>
-            <p:ph type="title"/>
-          </p:nvPr>
-        </p:nvSpPr>
-        <p:spPr>
-          <a:xfrm>
-            <a:off x="400396" y="225888"/>
-            <a:ext cx="3553691" cy="708602"/>
-          </a:xfrm>
-        </p:spPr>
-        <p:txBody>
-          <a:bodyPr>
-            <a:normAutofit/>
-          </a:bodyPr>
-          <a:lstStyle/>
-          <a:p>
-            <a:r>
-              <a:rPr lang="zh-CN" altLang="en-US" sz="4000" dirty="0"/>
-              <a:t>数据处理过程</a:t>
-            </a:r>
-          </a:p>
-        </p:txBody>
-      </p:sp>
-      <p:sp>
-        <p:nvSpPr>
-          <p:cNvPr id="5" name="文本框 4">
-            <a:extLst>
-              <a:ext uri="{FF2B5EF4-FFF2-40B4-BE49-F238E27FC236}">
-                <a16:creationId xmlns:a16="http://schemas.microsoft.com/office/drawing/2014/main" id="{8D382147-45AB-45FB-8A1A-F3CF23F1456D}"/>
-              </a:ext>
-            </a:extLst>
-          </p:cNvPr>
-          <p:cNvSpPr txBox="1"/>
-          <p:nvPr/>
-        </p:nvSpPr>
-        <p:spPr>
-          <a:xfrm>
-            <a:off x="297180" y="914633"/>
-            <a:ext cx="11727180" cy="3785652"/>
-          </a:xfrm>
-          <a:prstGeom prst="rect">
-            <a:avLst/>
-          </a:prstGeom>
-          <a:noFill/>
-        </p:spPr>
-        <p:txBody>
-          <a:bodyPr wrap="square" rtlCol="0">
-            <a:spAutoFit/>
-          </a:bodyPr>
-          <a:lstStyle/>
-          <a:p>
-            <a:pPr marL="342900" indent="-342900">
-              <a:buFont typeface="+mj-lt"/>
-              <a:buAutoNum type="arabicPeriod"/>
-            </a:pPr>
-            <a:r>
-              <a:rPr lang="zh-CN" altLang="en-US" sz="2000" dirty="0"/>
-              <a:t>医疗机构</a:t>
-            </a:r>
-            <a:r>
-              <a:rPr lang="en-US" altLang="zh-CN" sz="2000" dirty="0"/>
-              <a:t>-</a:t>
-            </a:r>
-            <a:r>
-              <a:rPr lang="zh-CN" altLang="en-US" sz="2000" dirty="0"/>
-              <a:t>医生 节点和关系的导入</a:t>
-            </a:r>
-            <a:endParaRPr lang="en-US" altLang="zh-CN" sz="2000" dirty="0"/>
-          </a:p>
-          <a:p>
-            <a:pPr marL="342900" indent="-342900">
-              <a:buFont typeface="+mj-lt"/>
-              <a:buAutoNum type="arabicPeriod"/>
-            </a:pPr>
-            <a:r>
-              <a:rPr lang="zh-CN" altLang="en-US" sz="2000" dirty="0"/>
-              <a:t>因为出院小结信息是比较复杂目前可能有空值的信息，所以挑选</a:t>
-            </a:r>
-            <a:r>
-              <a:rPr lang="en-US" altLang="zh-CN" sz="2000" dirty="0"/>
-              <a:t>1000</a:t>
-            </a:r>
-            <a:r>
-              <a:rPr lang="zh-CN" altLang="en-US" sz="2000" dirty="0"/>
-              <a:t>条出院小结数据</a:t>
-            </a:r>
-            <a:endParaRPr lang="en-US" altLang="zh-CN" sz="2000" dirty="0"/>
-          </a:p>
-          <a:p>
-            <a:pPr marL="342900" indent="-342900">
-              <a:buFont typeface="+mj-lt"/>
-              <a:buAutoNum type="arabicPeriod"/>
-            </a:pPr>
-            <a:r>
-              <a:rPr lang="en-US" altLang="zh-CN" sz="2000" dirty="0"/>
-              <a:t>1000</a:t>
-            </a:r>
-            <a:r>
-              <a:rPr lang="zh-CN" altLang="en-US" sz="2000" dirty="0"/>
-              <a:t>条出院小结数据，所有字段都不为空的数据有</a:t>
-            </a:r>
-            <a:r>
-              <a:rPr lang="en-US" altLang="zh-CN" sz="2000" dirty="0"/>
-              <a:t>38</a:t>
-            </a:r>
-            <a:r>
-              <a:rPr lang="zh-CN" altLang="en-US" sz="2000" dirty="0"/>
-              <a:t>条，导入</a:t>
-            </a:r>
-            <a:r>
-              <a:rPr lang="en-US" altLang="zh-CN" sz="2000" dirty="0"/>
-              <a:t>neo4j</a:t>
-            </a:r>
-            <a:r>
-              <a:rPr lang="zh-CN" altLang="en-US" sz="2000" dirty="0"/>
-              <a:t>中</a:t>
-            </a:r>
-            <a:r>
-              <a:rPr lang="zh-CN" altLang="en-US" sz="2000" dirty="0">
-                <a:solidFill>
-                  <a:schemeClr val="accent2">
-                    <a:lumMod val="75000"/>
-                  </a:schemeClr>
-                </a:solidFill>
-              </a:rPr>
-              <a:t>建立出院小结节点</a:t>
-            </a:r>
-            <a:endParaRPr lang="en-US" altLang="zh-CN" sz="2000" dirty="0">
-              <a:solidFill>
-                <a:schemeClr val="accent2">
-                  <a:lumMod val="75000"/>
-                </a:schemeClr>
-              </a:solidFill>
-            </a:endParaRPr>
-          </a:p>
-          <a:p>
-            <a:pPr marL="342900" indent="-342900">
-              <a:buFont typeface="+mj-lt"/>
-              <a:buAutoNum type="arabicPeriod"/>
-            </a:pPr>
-            <a:r>
-              <a:rPr lang="zh-CN" altLang="en-US" sz="2000" dirty="0"/>
-              <a:t>根据筛选出的</a:t>
-            </a:r>
-            <a:r>
-              <a:rPr lang="en-US" altLang="zh-CN" sz="2000" dirty="0"/>
-              <a:t>38</a:t>
-            </a:r>
-            <a:r>
-              <a:rPr lang="zh-CN" altLang="en-US" sz="2000" dirty="0"/>
-              <a:t>条出院小结信息的</a:t>
-            </a:r>
-            <a:r>
-              <a:rPr lang="en-US" altLang="zh-CN" sz="2000" dirty="0"/>
-              <a:t>HISID</a:t>
-            </a:r>
-            <a:r>
-              <a:rPr lang="zh-CN" altLang="en-US" sz="2000" dirty="0"/>
-              <a:t>，去匹配它们对应的病案</a:t>
-            </a:r>
-            <a:r>
-              <a:rPr lang="en-US" altLang="zh-CN" sz="2000" dirty="0"/>
-              <a:t>,</a:t>
-            </a:r>
-            <a:r>
-              <a:rPr lang="zh-CN" altLang="en-US" sz="2000" dirty="0"/>
-              <a:t>明细以及参保人信息</a:t>
-            </a:r>
-            <a:endParaRPr lang="en-US" altLang="zh-CN" sz="2000" dirty="0"/>
-          </a:p>
-          <a:p>
-            <a:pPr marL="800100" lvl="1" indent="-342900">
-              <a:buFont typeface="Arial" panose="020B0604020202020204" pitchFamily="34" charset="0"/>
-              <a:buChar char="•"/>
-            </a:pPr>
-            <a:r>
-              <a:rPr lang="zh-CN" altLang="en-US" sz="2000" dirty="0"/>
-              <a:t>因为主单有结算主单和病案主单，字段加起来有</a:t>
-            </a:r>
-            <a:r>
-              <a:rPr lang="en-US" altLang="zh-CN" sz="2000" dirty="0"/>
-              <a:t>100</a:t>
-            </a:r>
-            <a:r>
-              <a:rPr lang="zh-CN" altLang="en-US" sz="2000" dirty="0"/>
-              <a:t>多条，所以筛选出需要的几个字段</a:t>
-            </a:r>
-            <a:endParaRPr lang="en-US" altLang="zh-CN" sz="2000" dirty="0"/>
-          </a:p>
-          <a:p>
-            <a:pPr marL="800100" lvl="1" indent="-342900">
-              <a:buFont typeface="Arial" panose="020B0604020202020204" pitchFamily="34" charset="0"/>
-              <a:buChar char="•"/>
-            </a:pPr>
-            <a:r>
-              <a:rPr lang="zh-CN" altLang="en-US" sz="2000" dirty="0"/>
-              <a:t>字段筛选标准：无空值</a:t>
-            </a:r>
-            <a:r>
-              <a:rPr lang="en-US" altLang="zh-CN" sz="2000" dirty="0"/>
-              <a:t>||</a:t>
-            </a:r>
-            <a:r>
-              <a:rPr lang="zh-CN" altLang="en-US" sz="2000" dirty="0"/>
-              <a:t>标准化</a:t>
-            </a:r>
-            <a:r>
-              <a:rPr lang="en-US" altLang="zh-CN" sz="2000" dirty="0"/>
-              <a:t>||</a:t>
-            </a:r>
-            <a:r>
-              <a:rPr lang="zh-CN" altLang="en-US" sz="2000" dirty="0"/>
-              <a:t>可以建立关系</a:t>
-            </a:r>
-            <a:endParaRPr lang="en-US" altLang="zh-CN" sz="2000" dirty="0"/>
-          </a:p>
-          <a:p>
-            <a:pPr marL="800100" lvl="1" indent="-342900">
-              <a:buFont typeface="Arial" panose="020B0604020202020204" pitchFamily="34" charset="0"/>
-              <a:buChar char="•"/>
-            </a:pPr>
-            <a:r>
-              <a:rPr lang="zh-CN" altLang="en-US" sz="2000" dirty="0"/>
-              <a:t>病案主单</a:t>
-            </a:r>
-            <a:r>
-              <a:rPr lang="en-US" altLang="zh-CN" sz="2000" dirty="0"/>
-              <a:t>108-&gt;20</a:t>
-            </a:r>
-          </a:p>
-          <a:p>
-            <a:pPr marL="800100" lvl="1" indent="-342900">
-              <a:buFont typeface="Arial" panose="020B0604020202020204" pitchFamily="34" charset="0"/>
-              <a:buChar char="•"/>
-            </a:pPr>
-            <a:r>
-              <a:rPr lang="zh-CN" altLang="en-US" sz="2000" dirty="0"/>
-              <a:t>结算主单</a:t>
-            </a:r>
-            <a:r>
-              <a:rPr lang="en-US" altLang="zh-CN" sz="2000" dirty="0"/>
-              <a:t>107-&gt;0</a:t>
-            </a:r>
-            <a:r>
-              <a:rPr lang="zh-CN" altLang="en-US" sz="2000" dirty="0"/>
-              <a:t>（结算主单信息字段跟目前病案库里关系联系还不大）</a:t>
-            </a:r>
-            <a:endParaRPr lang="en-US" altLang="zh-CN" sz="2000" dirty="0"/>
-          </a:p>
-          <a:p>
-            <a:pPr marL="342900" indent="-342900">
-              <a:buFont typeface="+mj-lt"/>
-              <a:buAutoNum type="arabicPeriod"/>
-            </a:pPr>
-            <a:r>
-              <a:rPr lang="zh-CN" altLang="en-US" sz="2000" dirty="0"/>
-              <a:t>处理匹配好的数据，导入</a:t>
-            </a:r>
-            <a:r>
-              <a:rPr lang="zh-CN" altLang="en-US" sz="2000" dirty="0">
-                <a:solidFill>
-                  <a:schemeClr val="accent2">
-                    <a:lumMod val="75000"/>
-                  </a:schemeClr>
-                </a:solidFill>
-              </a:rPr>
-              <a:t>病案节点</a:t>
-            </a:r>
-            <a:r>
-              <a:rPr lang="zh-CN" altLang="en-US" sz="2000" dirty="0"/>
-              <a:t>，</a:t>
-            </a:r>
-            <a:r>
-              <a:rPr lang="zh-CN" altLang="en-US" sz="2000" dirty="0">
-                <a:solidFill>
-                  <a:schemeClr val="accent2">
-                    <a:lumMod val="75000"/>
-                  </a:schemeClr>
-                </a:solidFill>
-              </a:rPr>
-              <a:t>参保人节点</a:t>
-            </a:r>
-            <a:endParaRPr lang="en-US" altLang="zh-CN" sz="2000" dirty="0">
-              <a:solidFill>
-                <a:schemeClr val="accent2">
-                  <a:lumMod val="75000"/>
-                </a:schemeClr>
-              </a:solidFill>
-            </a:endParaRPr>
-          </a:p>
-          <a:p>
-            <a:pPr marL="342900" indent="-342900">
-              <a:buFont typeface="+mj-lt"/>
-              <a:buAutoNum type="arabicPeriod"/>
-            </a:pPr>
-            <a:r>
-              <a:rPr lang="zh-CN" altLang="en-US" sz="2000" dirty="0"/>
-              <a:t>处理明细，建立明细节点，（涉及到明细的分类，还要讨论）</a:t>
-            </a:r>
-            <a:endParaRPr lang="en-US" altLang="zh-CN" sz="2000" dirty="0"/>
-          </a:p>
-          <a:p>
-            <a:pPr marL="342900" indent="-342900">
-              <a:buFont typeface="+mj-lt"/>
-              <a:buAutoNum type="arabicPeriod"/>
-            </a:pPr>
-            <a:r>
-              <a:rPr lang="zh-CN" altLang="en-US" sz="2000" dirty="0"/>
-              <a:t>通过属性，给不同类节点之间</a:t>
-            </a:r>
-            <a:r>
-              <a:rPr lang="zh-CN" altLang="en-US" sz="2000" dirty="0">
-                <a:solidFill>
-                  <a:schemeClr val="accent2">
-                    <a:lumMod val="75000"/>
-                  </a:schemeClr>
-                </a:solidFill>
-              </a:rPr>
-              <a:t>建立关系</a:t>
-            </a:r>
-            <a:endParaRPr lang="en-US" altLang="zh-CN" sz="2000" dirty="0">
-              <a:solidFill>
-                <a:schemeClr val="accent2">
-                  <a:lumMod val="75000"/>
-                </a:schemeClr>
-              </a:solidFill>
-            </a:endParaRPr>
-          </a:p>
-          <a:p>
-            <a:pPr marL="342900" indent="-342900">
-              <a:buFont typeface="+mj-lt"/>
-              <a:buAutoNum type="arabicPeriod"/>
-            </a:pPr>
-            <a:r>
-              <a:rPr lang="zh-CN" altLang="en-US" sz="2000" dirty="0"/>
-              <a:t>进行</a:t>
-            </a:r>
-            <a:r>
-              <a:rPr lang="zh-CN" altLang="en-US" sz="2000" dirty="0">
-                <a:solidFill>
-                  <a:schemeClr val="accent2">
-                    <a:lumMod val="75000"/>
-                  </a:schemeClr>
-                </a:solidFill>
-              </a:rPr>
-              <a:t>可视化</a:t>
-            </a:r>
-          </a:p>
-        </p:txBody>
-      </p:sp>
-      <p:pic>
-        <p:nvPicPr>
-          <p:cNvPr id="7" name="图片 6">
-            <a:extLst>
-              <a:ext uri="{FF2B5EF4-FFF2-40B4-BE49-F238E27FC236}">
-                <a16:creationId xmlns:a16="http://schemas.microsoft.com/office/drawing/2014/main" id="{3939703B-1452-4228-8048-9EE8A630F201}"/>
-              </a:ext>
-            </a:extLst>
-          </p:cNvPr>
-          <p:cNvPicPr>
-            <a:picLocks noChangeAspect="1"/>
-          </p:cNvPicPr>
-          <p:nvPr/>
-        </p:nvPicPr>
-        <p:blipFill>
-          <a:blip r:embed="rId3">
-            <a:extLst>
-              <a:ext uri="{28A0092B-C50C-407E-A947-70E740481C1C}">
-                <a14:useLocalDpi xmlns:a14="http://schemas.microsoft.com/office/drawing/2010/main" val="0"/>
-              </a:ext>
-            </a:extLst>
-          </a:blip>
-          <a:stretch>
-            <a:fillRect/>
-          </a:stretch>
-        </p:blipFill>
-        <p:spPr>
-          <a:xfrm>
-            <a:off x="7789144" y="3593340"/>
-            <a:ext cx="4518925" cy="3028439"/>
-          </a:xfrm>
-          <a:prstGeom prst="rect">
-            <a:avLst/>
-          </a:prstGeom>
-        </p:spPr>
-      </p:pic>
-      <p:pic>
-        <p:nvPicPr>
-          <p:cNvPr id="3" name="图片 2">
-            <a:extLst>
-              <a:ext uri="{FF2B5EF4-FFF2-40B4-BE49-F238E27FC236}">
-                <a16:creationId xmlns:a16="http://schemas.microsoft.com/office/drawing/2014/main" id="{F14622A5-4E54-458A-A3D7-575AFACB9D20}"/>
-              </a:ext>
-            </a:extLst>
-          </p:cNvPr>
-          <p:cNvPicPr>
-            <a:picLocks noChangeAspect="1"/>
-          </p:cNvPicPr>
-          <p:nvPr/>
-        </p:nvPicPr>
-        <p:blipFill>
-          <a:blip r:embed="rId4">
-            <a:extLst>
-              <a:ext uri="{28A0092B-C50C-407E-A947-70E740481C1C}">
-                <a14:useLocalDpi xmlns:a14="http://schemas.microsoft.com/office/drawing/2010/main" val="0"/>
-              </a:ext>
-            </a:extLst>
-          </a:blip>
-          <a:stretch>
-            <a:fillRect/>
-          </a:stretch>
-        </p:blipFill>
-        <p:spPr>
-          <a:xfrm>
-            <a:off x="211382" y="4875378"/>
-            <a:ext cx="3545278" cy="1649704"/>
-          </a:xfrm>
-          <a:prstGeom prst="rect">
-            <a:avLst/>
-          </a:prstGeom>
-        </p:spPr>
-      </p:pic>
-      <p:sp>
-        <p:nvSpPr>
-          <p:cNvPr id="6" name="文本框 5">
-            <a:extLst>
-              <a:ext uri="{FF2B5EF4-FFF2-40B4-BE49-F238E27FC236}">
-                <a16:creationId xmlns:a16="http://schemas.microsoft.com/office/drawing/2014/main" id="{69EE9031-68D7-416E-A8C2-89C0B25300AF}"/>
-              </a:ext>
-            </a:extLst>
-          </p:cNvPr>
-          <p:cNvSpPr txBox="1"/>
-          <p:nvPr/>
-        </p:nvSpPr>
-        <p:spPr>
-          <a:xfrm>
-            <a:off x="1117082" y="6322814"/>
-            <a:ext cx="1950720" cy="369332"/>
-          </a:xfrm>
-          <a:prstGeom prst="rect">
-            <a:avLst/>
-          </a:prstGeom>
-          <a:noFill/>
-        </p:spPr>
-        <p:txBody>
-          <a:bodyPr wrap="square" rtlCol="0">
-            <a:spAutoFit/>
-          </a:bodyPr>
-          <a:lstStyle/>
-          <a:p>
-            <a:r>
-              <a:rPr lang="zh-CN" altLang="en-US" dirty="0"/>
-              <a:t>参保人数据量</a:t>
-            </a:r>
-          </a:p>
-        </p:txBody>
-      </p:sp>
-      <p:pic>
-        <p:nvPicPr>
-          <p:cNvPr id="9" name="图片 8">
-            <a:extLst>
-              <a:ext uri="{FF2B5EF4-FFF2-40B4-BE49-F238E27FC236}">
-                <a16:creationId xmlns:a16="http://schemas.microsoft.com/office/drawing/2014/main" id="{1E0C2D0C-E2E9-4701-ABE7-85458867A32A}"/>
-              </a:ext>
-            </a:extLst>
-          </p:cNvPr>
-          <p:cNvPicPr>
-            <a:picLocks noChangeAspect="1"/>
-          </p:cNvPicPr>
-          <p:nvPr/>
-        </p:nvPicPr>
-        <p:blipFill>
-          <a:blip r:embed="rId5">
-            <a:extLst>
-              <a:ext uri="{28A0092B-C50C-407E-A947-70E740481C1C}">
-                <a14:useLocalDpi xmlns:a14="http://schemas.microsoft.com/office/drawing/2010/main" val="0"/>
-              </a:ext>
-            </a:extLst>
-          </a:blip>
-          <a:stretch>
-            <a:fillRect/>
-          </a:stretch>
-        </p:blipFill>
-        <p:spPr>
-          <a:xfrm>
-            <a:off x="5853546" y="4131846"/>
-            <a:ext cx="1409435" cy="2612314"/>
-          </a:xfrm>
-          <a:prstGeom prst="rect">
-            <a:avLst/>
-          </a:prstGeom>
-        </p:spPr>
-      </p:pic>
-    </p:spTree>
-    <p:extLst>
-      <p:ext uri="{BB962C8B-B14F-4D97-AF65-F5344CB8AC3E}">
-        <p14:creationId xmlns:p14="http://schemas.microsoft.com/office/powerpoint/2010/main" val="69100257"/>
-      </p:ext>
-    </p:extLst>
-  </p:cSld>
-  <p:clrMapOvr>
-    <a:masterClrMapping/>
-  </p:clrMapOvr>
-</p:sld>
-</file>
-
 <file path=ppt/slides/slide2.xml><?xml version="1.0" encoding="utf-8"?>
 <p:sld xmlns:a="http://schemas.openxmlformats.org/drawingml/2006/main" xmlns:r="http://schemas.openxmlformats.org/officeDocument/2006/relationships" xmlns:p="http://schemas.openxmlformats.org/presentationml/2006/main">
   <p:cSld>
@@ -12105,6 +11795,541 @@
       </p:grpSpPr>
       <p:sp>
         <p:nvSpPr>
+          <p:cNvPr id="4" name="标题 1">
+            <a:extLst>
+              <a:ext uri="{FF2B5EF4-FFF2-40B4-BE49-F238E27FC236}">
+                <a16:creationId xmlns:a16="http://schemas.microsoft.com/office/drawing/2014/main" id="{E7A16F57-5CD1-4385-B3C8-873BF11D699E}"/>
+              </a:ext>
+            </a:extLst>
+          </p:cNvPr>
+          <p:cNvSpPr>
+            <a:spLocks noGrp="1"/>
+          </p:cNvSpPr>
+          <p:nvPr>
+            <p:ph type="title"/>
+          </p:nvPr>
+        </p:nvSpPr>
+        <p:spPr>
+          <a:xfrm>
+            <a:off x="400396" y="225888"/>
+            <a:ext cx="3553691" cy="708602"/>
+          </a:xfrm>
+        </p:spPr>
+        <p:txBody>
+          <a:bodyPr>
+            <a:normAutofit/>
+          </a:bodyPr>
+          <a:lstStyle/>
+          <a:p>
+            <a:r>
+              <a:rPr lang="zh-CN" altLang="en-US" sz="4000" dirty="0"/>
+              <a:t>数据处理过程</a:t>
+            </a:r>
+          </a:p>
+        </p:txBody>
+      </p:sp>
+      <p:sp>
+        <p:nvSpPr>
+          <p:cNvPr id="5" name="文本框 4">
+            <a:extLst>
+              <a:ext uri="{FF2B5EF4-FFF2-40B4-BE49-F238E27FC236}">
+                <a16:creationId xmlns:a16="http://schemas.microsoft.com/office/drawing/2014/main" id="{8D382147-45AB-45FB-8A1A-F3CF23F1456D}"/>
+              </a:ext>
+            </a:extLst>
+          </p:cNvPr>
+          <p:cNvSpPr txBox="1"/>
+          <p:nvPr/>
+        </p:nvSpPr>
+        <p:spPr>
+          <a:xfrm>
+            <a:off x="297180" y="914633"/>
+            <a:ext cx="11727180" cy="3785652"/>
+          </a:xfrm>
+          <a:prstGeom prst="rect">
+            <a:avLst/>
+          </a:prstGeom>
+          <a:noFill/>
+        </p:spPr>
+        <p:txBody>
+          <a:bodyPr wrap="square" rtlCol="0">
+            <a:spAutoFit/>
+          </a:bodyPr>
+          <a:lstStyle/>
+          <a:p>
+            <a:pPr marL="342900" indent="-342900">
+              <a:buFont typeface="+mj-lt"/>
+              <a:buAutoNum type="arabicPeriod"/>
+            </a:pPr>
+            <a:r>
+              <a:rPr lang="zh-CN" altLang="en-US" sz="2000" dirty="0"/>
+              <a:t>医疗机构</a:t>
+            </a:r>
+            <a:r>
+              <a:rPr lang="en-US" altLang="zh-CN" sz="2000" dirty="0"/>
+              <a:t>-</a:t>
+            </a:r>
+            <a:r>
+              <a:rPr lang="zh-CN" altLang="en-US" sz="2000" dirty="0"/>
+              <a:t>医生 节点和关系的导入</a:t>
+            </a:r>
+            <a:endParaRPr lang="en-US" altLang="zh-CN" sz="2000" dirty="0"/>
+          </a:p>
+          <a:p>
+            <a:pPr marL="342900" indent="-342900">
+              <a:buFont typeface="+mj-lt"/>
+              <a:buAutoNum type="arabicPeriod"/>
+            </a:pPr>
+            <a:r>
+              <a:rPr lang="zh-CN" altLang="en-US" sz="2000" dirty="0"/>
+              <a:t>因为出院小结信息是比较复杂目前可能有空值的信息，所以挑选</a:t>
+            </a:r>
+            <a:r>
+              <a:rPr lang="en-US" altLang="zh-CN" sz="2000" dirty="0"/>
+              <a:t>1000</a:t>
+            </a:r>
+            <a:r>
+              <a:rPr lang="zh-CN" altLang="en-US" sz="2000" dirty="0"/>
+              <a:t>条出院小结数据</a:t>
+            </a:r>
+            <a:endParaRPr lang="en-US" altLang="zh-CN" sz="2000" dirty="0"/>
+          </a:p>
+          <a:p>
+            <a:pPr marL="342900" indent="-342900">
+              <a:buFont typeface="+mj-lt"/>
+              <a:buAutoNum type="arabicPeriod"/>
+            </a:pPr>
+            <a:r>
+              <a:rPr lang="en-US" altLang="zh-CN" sz="2000" dirty="0"/>
+              <a:t>1000</a:t>
+            </a:r>
+            <a:r>
+              <a:rPr lang="zh-CN" altLang="en-US" sz="2000" dirty="0"/>
+              <a:t>条出院小结数据，所有字段都不为空的数据有</a:t>
+            </a:r>
+            <a:r>
+              <a:rPr lang="en-US" altLang="zh-CN" sz="2000" dirty="0"/>
+              <a:t>38</a:t>
+            </a:r>
+            <a:r>
+              <a:rPr lang="zh-CN" altLang="en-US" sz="2000" dirty="0"/>
+              <a:t>条，导入</a:t>
+            </a:r>
+            <a:r>
+              <a:rPr lang="en-US" altLang="zh-CN" sz="2000" dirty="0"/>
+              <a:t>neo4j</a:t>
+            </a:r>
+            <a:r>
+              <a:rPr lang="zh-CN" altLang="en-US" sz="2000" dirty="0"/>
+              <a:t>中</a:t>
+            </a:r>
+            <a:r>
+              <a:rPr lang="zh-CN" altLang="en-US" sz="2000" dirty="0">
+                <a:solidFill>
+                  <a:schemeClr val="accent2">
+                    <a:lumMod val="75000"/>
+                  </a:schemeClr>
+                </a:solidFill>
+              </a:rPr>
+              <a:t>建立出院小结节点</a:t>
+            </a:r>
+            <a:endParaRPr lang="en-US" altLang="zh-CN" sz="2000" dirty="0">
+              <a:solidFill>
+                <a:schemeClr val="accent2">
+                  <a:lumMod val="75000"/>
+                </a:schemeClr>
+              </a:solidFill>
+            </a:endParaRPr>
+          </a:p>
+          <a:p>
+            <a:pPr marL="342900" indent="-342900">
+              <a:buFont typeface="+mj-lt"/>
+              <a:buAutoNum type="arabicPeriod"/>
+            </a:pPr>
+            <a:r>
+              <a:rPr lang="zh-CN" altLang="en-US" sz="2000" dirty="0"/>
+              <a:t>根据筛选出的</a:t>
+            </a:r>
+            <a:r>
+              <a:rPr lang="en-US" altLang="zh-CN" sz="2000" dirty="0"/>
+              <a:t>38</a:t>
+            </a:r>
+            <a:r>
+              <a:rPr lang="zh-CN" altLang="en-US" sz="2000" dirty="0"/>
+              <a:t>条出院小结信息的</a:t>
+            </a:r>
+            <a:r>
+              <a:rPr lang="en-US" altLang="zh-CN" sz="2000" dirty="0"/>
+              <a:t>HISID</a:t>
+            </a:r>
+            <a:r>
+              <a:rPr lang="zh-CN" altLang="en-US" sz="2000" dirty="0"/>
+              <a:t>，去匹配它们对应的病案</a:t>
+            </a:r>
+            <a:r>
+              <a:rPr lang="en-US" altLang="zh-CN" sz="2000" dirty="0"/>
+              <a:t>,</a:t>
+            </a:r>
+            <a:r>
+              <a:rPr lang="zh-CN" altLang="en-US" sz="2000" dirty="0"/>
+              <a:t>明细以及参保人信息</a:t>
+            </a:r>
+            <a:endParaRPr lang="en-US" altLang="zh-CN" sz="2000" dirty="0"/>
+          </a:p>
+          <a:p>
+            <a:pPr marL="800100" lvl="1" indent="-342900">
+              <a:buFont typeface="Arial" panose="020B0604020202020204" pitchFamily="34" charset="0"/>
+              <a:buChar char="•"/>
+            </a:pPr>
+            <a:r>
+              <a:rPr lang="zh-CN" altLang="en-US" sz="2000" dirty="0"/>
+              <a:t>因为主单有结算主单和病案主单，字段加起来有</a:t>
+            </a:r>
+            <a:r>
+              <a:rPr lang="en-US" altLang="zh-CN" sz="2000" dirty="0"/>
+              <a:t>100</a:t>
+            </a:r>
+            <a:r>
+              <a:rPr lang="zh-CN" altLang="en-US" sz="2000" dirty="0"/>
+              <a:t>多条，所以筛选出需要的几个字段</a:t>
+            </a:r>
+            <a:endParaRPr lang="en-US" altLang="zh-CN" sz="2000" dirty="0"/>
+          </a:p>
+          <a:p>
+            <a:pPr marL="800100" lvl="1" indent="-342900">
+              <a:buFont typeface="Arial" panose="020B0604020202020204" pitchFamily="34" charset="0"/>
+              <a:buChar char="•"/>
+            </a:pPr>
+            <a:r>
+              <a:rPr lang="zh-CN" altLang="en-US" sz="2000" dirty="0"/>
+              <a:t>字段筛选标准：无空值</a:t>
+            </a:r>
+            <a:r>
+              <a:rPr lang="en-US" altLang="zh-CN" sz="2000" dirty="0"/>
+              <a:t>||</a:t>
+            </a:r>
+            <a:r>
+              <a:rPr lang="zh-CN" altLang="en-US" sz="2000" dirty="0"/>
+              <a:t>标准化</a:t>
+            </a:r>
+            <a:r>
+              <a:rPr lang="en-US" altLang="zh-CN" sz="2000" dirty="0"/>
+              <a:t>||</a:t>
+            </a:r>
+            <a:r>
+              <a:rPr lang="zh-CN" altLang="en-US" sz="2000" dirty="0"/>
+              <a:t>可以建立关系</a:t>
+            </a:r>
+            <a:endParaRPr lang="en-US" altLang="zh-CN" sz="2000" dirty="0"/>
+          </a:p>
+          <a:p>
+            <a:pPr marL="800100" lvl="1" indent="-342900">
+              <a:buFont typeface="Arial" panose="020B0604020202020204" pitchFamily="34" charset="0"/>
+              <a:buChar char="•"/>
+            </a:pPr>
+            <a:r>
+              <a:rPr lang="zh-CN" altLang="en-US" sz="2000" dirty="0"/>
+              <a:t>病案主单</a:t>
+            </a:r>
+            <a:r>
+              <a:rPr lang="en-US" altLang="zh-CN" sz="2000" dirty="0"/>
+              <a:t>108-&gt;20</a:t>
+            </a:r>
+          </a:p>
+          <a:p>
+            <a:pPr marL="800100" lvl="1" indent="-342900">
+              <a:buFont typeface="Arial" panose="020B0604020202020204" pitchFamily="34" charset="0"/>
+              <a:buChar char="•"/>
+            </a:pPr>
+            <a:r>
+              <a:rPr lang="zh-CN" altLang="en-US" sz="2000" dirty="0"/>
+              <a:t>结算主单</a:t>
+            </a:r>
+            <a:r>
+              <a:rPr lang="en-US" altLang="zh-CN" sz="2000" dirty="0"/>
+              <a:t>107-&gt;0</a:t>
+            </a:r>
+            <a:r>
+              <a:rPr lang="zh-CN" altLang="en-US" sz="2000" dirty="0"/>
+              <a:t>（结算主单信息字段跟目前病案库里关系联系还不大）</a:t>
+            </a:r>
+            <a:endParaRPr lang="en-US" altLang="zh-CN" sz="2000" dirty="0"/>
+          </a:p>
+          <a:p>
+            <a:pPr marL="342900" indent="-342900">
+              <a:buFont typeface="+mj-lt"/>
+              <a:buAutoNum type="arabicPeriod"/>
+            </a:pPr>
+            <a:r>
+              <a:rPr lang="zh-CN" altLang="en-US" sz="2000" dirty="0"/>
+              <a:t>处理匹配好的数据，导入</a:t>
+            </a:r>
+            <a:r>
+              <a:rPr lang="zh-CN" altLang="en-US" sz="2000" dirty="0">
+                <a:solidFill>
+                  <a:schemeClr val="accent2">
+                    <a:lumMod val="75000"/>
+                  </a:schemeClr>
+                </a:solidFill>
+              </a:rPr>
+              <a:t>病案节点</a:t>
+            </a:r>
+            <a:r>
+              <a:rPr lang="zh-CN" altLang="en-US" sz="2000" dirty="0"/>
+              <a:t>，</a:t>
+            </a:r>
+            <a:r>
+              <a:rPr lang="zh-CN" altLang="en-US" sz="2000" dirty="0">
+                <a:solidFill>
+                  <a:schemeClr val="accent2">
+                    <a:lumMod val="75000"/>
+                  </a:schemeClr>
+                </a:solidFill>
+              </a:rPr>
+              <a:t>参保人节点</a:t>
+            </a:r>
+            <a:endParaRPr lang="en-US" altLang="zh-CN" sz="2000" dirty="0">
+              <a:solidFill>
+                <a:schemeClr val="accent2">
+                  <a:lumMod val="75000"/>
+                </a:schemeClr>
+              </a:solidFill>
+            </a:endParaRPr>
+          </a:p>
+          <a:p>
+            <a:pPr marL="342900" indent="-342900">
+              <a:buFont typeface="+mj-lt"/>
+              <a:buAutoNum type="arabicPeriod"/>
+            </a:pPr>
+            <a:r>
+              <a:rPr lang="zh-CN" altLang="en-US" sz="2000" dirty="0"/>
+              <a:t>处理明细，建立明细节点，（涉及到明细的分类，还要讨论）</a:t>
+            </a:r>
+            <a:endParaRPr lang="en-US" altLang="zh-CN" sz="2000" dirty="0"/>
+          </a:p>
+          <a:p>
+            <a:pPr marL="342900" indent="-342900">
+              <a:buFont typeface="+mj-lt"/>
+              <a:buAutoNum type="arabicPeriod"/>
+            </a:pPr>
+            <a:r>
+              <a:rPr lang="zh-CN" altLang="en-US" sz="2000" dirty="0"/>
+              <a:t>通过属性，给不同类节点之间</a:t>
+            </a:r>
+            <a:r>
+              <a:rPr lang="zh-CN" altLang="en-US" sz="2000" dirty="0">
+                <a:solidFill>
+                  <a:schemeClr val="accent2">
+                    <a:lumMod val="75000"/>
+                  </a:schemeClr>
+                </a:solidFill>
+              </a:rPr>
+              <a:t>建立关系</a:t>
+            </a:r>
+            <a:endParaRPr lang="en-US" altLang="zh-CN" sz="2000" dirty="0">
+              <a:solidFill>
+                <a:schemeClr val="accent2">
+                  <a:lumMod val="75000"/>
+                </a:schemeClr>
+              </a:solidFill>
+            </a:endParaRPr>
+          </a:p>
+          <a:p>
+            <a:pPr marL="342900" indent="-342900">
+              <a:buFont typeface="+mj-lt"/>
+              <a:buAutoNum type="arabicPeriod"/>
+            </a:pPr>
+            <a:r>
+              <a:rPr lang="zh-CN" altLang="en-US" sz="2000" dirty="0"/>
+              <a:t>进行</a:t>
+            </a:r>
+            <a:r>
+              <a:rPr lang="zh-CN" altLang="en-US" sz="2000" dirty="0">
+                <a:solidFill>
+                  <a:schemeClr val="accent2">
+                    <a:lumMod val="75000"/>
+                  </a:schemeClr>
+                </a:solidFill>
+              </a:rPr>
+              <a:t>可视化</a:t>
+            </a:r>
+          </a:p>
+        </p:txBody>
+      </p:sp>
+      <p:pic>
+        <p:nvPicPr>
+          <p:cNvPr id="7" name="图片 6">
+            <a:extLst>
+              <a:ext uri="{FF2B5EF4-FFF2-40B4-BE49-F238E27FC236}">
+                <a16:creationId xmlns:a16="http://schemas.microsoft.com/office/drawing/2014/main" id="{3939703B-1452-4228-8048-9EE8A630F201}"/>
+              </a:ext>
+            </a:extLst>
+          </p:cNvPr>
+          <p:cNvPicPr>
+            <a:picLocks noChangeAspect="1"/>
+          </p:cNvPicPr>
+          <p:nvPr/>
+        </p:nvPicPr>
+        <p:blipFill>
+          <a:blip r:embed="rId3">
+            <a:extLst>
+              <a:ext uri="{28A0092B-C50C-407E-A947-70E740481C1C}">
+                <a14:useLocalDpi xmlns:a14="http://schemas.microsoft.com/office/drawing/2010/main" val="0"/>
+              </a:ext>
+            </a:extLst>
+          </a:blip>
+          <a:stretch>
+            <a:fillRect/>
+          </a:stretch>
+        </p:blipFill>
+        <p:spPr>
+          <a:xfrm>
+            <a:off x="7789144" y="3593340"/>
+            <a:ext cx="4518925" cy="3028439"/>
+          </a:xfrm>
+          <a:prstGeom prst="rect">
+            <a:avLst/>
+          </a:prstGeom>
+        </p:spPr>
+      </p:pic>
+      <p:pic>
+        <p:nvPicPr>
+          <p:cNvPr id="3" name="图片 2">
+            <a:extLst>
+              <a:ext uri="{FF2B5EF4-FFF2-40B4-BE49-F238E27FC236}">
+                <a16:creationId xmlns:a16="http://schemas.microsoft.com/office/drawing/2014/main" id="{F14622A5-4E54-458A-A3D7-575AFACB9D20}"/>
+              </a:ext>
+            </a:extLst>
+          </p:cNvPr>
+          <p:cNvPicPr>
+            <a:picLocks noChangeAspect="1"/>
+          </p:cNvPicPr>
+          <p:nvPr/>
+        </p:nvPicPr>
+        <p:blipFill>
+          <a:blip r:embed="rId4">
+            <a:extLst>
+              <a:ext uri="{28A0092B-C50C-407E-A947-70E740481C1C}">
+                <a14:useLocalDpi xmlns:a14="http://schemas.microsoft.com/office/drawing/2010/main" val="0"/>
+              </a:ext>
+            </a:extLst>
+          </a:blip>
+          <a:stretch>
+            <a:fillRect/>
+          </a:stretch>
+        </p:blipFill>
+        <p:spPr>
+          <a:xfrm>
+            <a:off x="211382" y="4875378"/>
+            <a:ext cx="3545278" cy="1649704"/>
+          </a:xfrm>
+          <a:prstGeom prst="rect">
+            <a:avLst/>
+          </a:prstGeom>
+        </p:spPr>
+      </p:pic>
+      <p:sp>
+        <p:nvSpPr>
+          <p:cNvPr id="6" name="文本框 5">
+            <a:extLst>
+              <a:ext uri="{FF2B5EF4-FFF2-40B4-BE49-F238E27FC236}">
+                <a16:creationId xmlns:a16="http://schemas.microsoft.com/office/drawing/2014/main" id="{69EE9031-68D7-416E-A8C2-89C0B25300AF}"/>
+              </a:ext>
+            </a:extLst>
+          </p:cNvPr>
+          <p:cNvSpPr txBox="1"/>
+          <p:nvPr/>
+        </p:nvSpPr>
+        <p:spPr>
+          <a:xfrm>
+            <a:off x="1117082" y="6322814"/>
+            <a:ext cx="1950720" cy="369332"/>
+          </a:xfrm>
+          <a:prstGeom prst="rect">
+            <a:avLst/>
+          </a:prstGeom>
+          <a:noFill/>
+        </p:spPr>
+        <p:txBody>
+          <a:bodyPr wrap="square" rtlCol="0">
+            <a:spAutoFit/>
+          </a:bodyPr>
+          <a:lstStyle/>
+          <a:p>
+            <a:r>
+              <a:rPr lang="zh-CN" altLang="en-US" dirty="0"/>
+              <a:t>参保人数据量</a:t>
+            </a:r>
+          </a:p>
+        </p:txBody>
+      </p:sp>
+      <p:pic>
+        <p:nvPicPr>
+          <p:cNvPr id="9" name="图片 8">
+            <a:extLst>
+              <a:ext uri="{FF2B5EF4-FFF2-40B4-BE49-F238E27FC236}">
+                <a16:creationId xmlns:a16="http://schemas.microsoft.com/office/drawing/2014/main" id="{1E0C2D0C-E2E9-4701-ABE7-85458867A32A}"/>
+              </a:ext>
+            </a:extLst>
+          </p:cNvPr>
+          <p:cNvPicPr>
+            <a:picLocks noChangeAspect="1"/>
+          </p:cNvPicPr>
+          <p:nvPr/>
+        </p:nvPicPr>
+        <p:blipFill>
+          <a:blip r:embed="rId5">
+            <a:extLst>
+              <a:ext uri="{28A0092B-C50C-407E-A947-70E740481C1C}">
+                <a14:useLocalDpi xmlns:a14="http://schemas.microsoft.com/office/drawing/2010/main" val="0"/>
+              </a:ext>
+            </a:extLst>
+          </a:blip>
+          <a:stretch>
+            <a:fillRect/>
+          </a:stretch>
+        </p:blipFill>
+        <p:spPr>
+          <a:xfrm>
+            <a:off x="5853546" y="4131846"/>
+            <a:ext cx="1409435" cy="2612314"/>
+          </a:xfrm>
+          <a:prstGeom prst="rect">
+            <a:avLst/>
+          </a:prstGeom>
+        </p:spPr>
+      </p:pic>
+    </p:spTree>
+    <p:extLst>
+      <p:ext uri="{BB962C8B-B14F-4D97-AF65-F5344CB8AC3E}">
+        <p14:creationId xmlns:p14="http://schemas.microsoft.com/office/powerpoint/2010/main" val="69100257"/>
+      </p:ext>
+    </p:extLst>
+  </p:cSld>
+  <p:clrMapOvr>
+    <a:masterClrMapping/>
+  </p:clrMapOvr>
+</p:sld>
+</file>
+
+<file path=ppt/slides/slide21.xml><?xml version="1.0" encoding="utf-8"?>
+<p:sld xmlns:a="http://schemas.openxmlformats.org/drawingml/2006/main" xmlns:r="http://schemas.openxmlformats.org/officeDocument/2006/relationships" xmlns:p="http://schemas.openxmlformats.org/presentationml/2006/main">
+  <p:cSld>
+    <p:spTree>
+      <p:nvGrpSpPr>
+        <p:cNvPr id="1" name=""/>
+        <p:cNvGrpSpPr/>
+        <p:nvPr/>
+      </p:nvGrpSpPr>
+      <p:grpSpPr>
+        <a:xfrm>
+          <a:off x="0" y="0"/>
+          <a:ext cx="0" cy="0"/>
+          <a:chOff x="0" y="0"/>
+          <a:chExt cx="0" cy="0"/>
+        </a:xfrm>
+      </p:grpSpPr>
+      <p:sp>
+        <p:nvSpPr>
           <p:cNvPr id="2" name="标题 1">
             <a:extLst>
               <a:ext uri="{FF2B5EF4-FFF2-40B4-BE49-F238E27FC236}">
@@ -12496,7 +12721,7 @@
 </p:sld>
 </file>
 
-<file path=ppt/slides/slide21.xml><?xml version="1.0" encoding="utf-8"?>
+<file path=ppt/slides/slide22.xml><?xml version="1.0" encoding="utf-8"?>
 <p:sld xmlns:a="http://schemas.openxmlformats.org/drawingml/2006/main" xmlns:r="http://schemas.openxmlformats.org/officeDocument/2006/relationships" xmlns:p="http://schemas.openxmlformats.org/presentationml/2006/main">
   <p:cSld>
     <p:spTree>
@@ -12863,7 +13088,7 @@
           <p:cNvPr id="2" name="标题 1">
             <a:extLst>
               <a:ext uri="{FF2B5EF4-FFF2-40B4-BE49-F238E27FC236}">
-                <a16:creationId xmlns:a16="http://schemas.microsoft.com/office/drawing/2014/main" id="{E0DCB38E-AA13-47D1-93F1-9C17501BC698}"/>
+                <a16:creationId xmlns:a16="http://schemas.microsoft.com/office/drawing/2014/main" id="{6646C9F6-BFA3-4A8F-80D6-DD749FA01381}"/>
               </a:ext>
             </a:extLst>
           </p:cNvPr>
@@ -12874,18 +13099,23 @@
             <p:ph type="title"/>
           </p:nvPr>
         </p:nvSpPr>
-        <p:spPr/>
+        <p:spPr>
+          <a:xfrm>
+            <a:off x="838200" y="372053"/>
+            <a:ext cx="10515600" cy="1325563"/>
+          </a:xfrm>
+        </p:spPr>
         <p:txBody>
           <a:bodyPr/>
           <a:lstStyle/>
           <a:p>
             <a:r>
               <a:rPr lang="en-US" altLang="zh-CN" dirty="0"/>
-              <a:t>12.4-</a:t>
+              <a:t>2020/12/11</a:t>
             </a:r>
             <a:r>
               <a:rPr lang="zh-CN" altLang="en-US" dirty="0"/>
-              <a:t>任务改进点</a:t>
+              <a:t>问题沟通</a:t>
             </a:r>
           </a:p>
         </p:txBody>
@@ -12895,7 +13125,7 @@
           <p:cNvPr id="3" name="内容占位符 2">
             <a:extLst>
               <a:ext uri="{FF2B5EF4-FFF2-40B4-BE49-F238E27FC236}">
-                <a16:creationId xmlns:a16="http://schemas.microsoft.com/office/drawing/2014/main" id="{59A5A139-834B-4329-BA09-FA52B11BB92A}"/>
+                <a16:creationId xmlns:a16="http://schemas.microsoft.com/office/drawing/2014/main" id="{1AC07386-1AFD-4D21-A6A5-7212FE1ADD3D}"/>
               </a:ext>
             </a:extLst>
           </p:cNvPr>
@@ -12911,77 +13141,33 @@
           <a:bodyPr/>
           <a:lstStyle/>
           <a:p>
-            <a:pPr marL="514350" indent="-514350">
-              <a:buFont typeface="+mj-lt"/>
-              <a:buAutoNum type="arabicPeriod"/>
-            </a:pPr>
             <a:r>
               <a:rPr lang="zh-CN" altLang="en-US" dirty="0"/>
-              <a:t>出院小结节点删掉，直接病案去连接出院小结的四个字段</a:t>
-            </a:r>
-            <a:endParaRPr lang="en-US" altLang="zh-CN" dirty="0"/>
-          </a:p>
-          <a:p>
-            <a:pPr lvl="1"/>
+              <a:t>我的理解：病案库里的药品明细</a:t>
+            </a:r>
+            <a:r>
+              <a:rPr lang="en-US" altLang="zh-CN" dirty="0"/>
+              <a:t>-&gt;</a:t>
+            </a:r>
             <a:r>
               <a:rPr lang="zh-CN" altLang="en-US" dirty="0"/>
-              <a:t>诊疗过程，入院诊断，出院诊断，出院医嘱</a:t>
-            </a:r>
-          </a:p>
-          <a:p>
-            <a:pPr marL="514350" indent="-514350">
-              <a:buFont typeface="+mj-lt"/>
-              <a:buAutoNum type="arabicPeriod"/>
-            </a:pPr>
+              <a:t>收费项目里的药品信息（或者有个啥药品库）</a:t>
+            </a:r>
+            <a:r>
+              <a:rPr lang="en-US" altLang="zh-CN" dirty="0"/>
+              <a:t>-&gt;</a:t>
+            </a:r>
             <a:r>
               <a:rPr lang="zh-CN" altLang="en-US" dirty="0"/>
-              <a:t>出院小结之后往后延伸</a:t>
-            </a:r>
-            <a:endParaRPr lang="en-US" altLang="zh-CN" dirty="0"/>
-          </a:p>
-          <a:p>
-            <a:pPr marL="514350" indent="-514350">
-              <a:buFont typeface="+mj-lt"/>
-              <a:buAutoNum type="arabicPeriod"/>
-            </a:pPr>
-            <a:r>
-              <a:rPr lang="zh-CN" altLang="en-US" dirty="0"/>
-              <a:t>整理记录各个字段，节点，连接关系（两边）</a:t>
-            </a:r>
-            <a:endParaRPr lang="en-US" altLang="zh-CN" dirty="0"/>
-          </a:p>
-          <a:p>
-            <a:pPr marL="514350" indent="-514350">
-              <a:buFont typeface="+mj-lt"/>
-              <a:buAutoNum type="arabicPeriod"/>
-            </a:pPr>
-            <a:r>
-              <a:rPr lang="zh-CN" altLang="en-US" dirty="0"/>
-              <a:t>全部删掉，直接筛选</a:t>
-            </a:r>
-            <a:r>
-              <a:rPr lang="en-US" altLang="zh-CN" dirty="0"/>
-              <a:t>10</a:t>
-            </a:r>
-            <a:r>
-              <a:rPr lang="zh-CN" altLang="en-US" dirty="0"/>
-              <a:t>万条出院小结，匹配病案，明细，参保人，医院医生</a:t>
-            </a:r>
-            <a:endParaRPr lang="en-US" altLang="zh-CN" dirty="0"/>
-          </a:p>
-          <a:p>
-            <a:pPr marL="514350" indent="-514350">
-              <a:buFont typeface="+mj-lt"/>
-              <a:buAutoNum type="arabicPeriod"/>
-            </a:pPr>
-            <a:endParaRPr lang="en-US" altLang="zh-CN" dirty="0"/>
+              <a:t>真正的药品库</a:t>
+            </a:r>
           </a:p>
         </p:txBody>
       </p:sp>
     </p:spTree>
     <p:extLst>
       <p:ext uri="{BB962C8B-B14F-4D97-AF65-F5344CB8AC3E}">
-        <p14:creationId xmlns:p14="http://schemas.microsoft.com/office/powerpoint/2010/main" val="3874582371"/>
+        <p14:creationId xmlns:p14="http://schemas.microsoft.com/office/powerpoint/2010/main" val="344145160"/>
       </p:ext>
     </p:extLst>
   </p:cSld>
@@ -13013,7 +13199,7 @@
           <p:cNvPr id="2" name="标题 1">
             <a:extLst>
               <a:ext uri="{FF2B5EF4-FFF2-40B4-BE49-F238E27FC236}">
-                <a16:creationId xmlns:a16="http://schemas.microsoft.com/office/drawing/2014/main" id="{08C48F5A-AE28-4B62-B27E-6583D49C154C}"/>
+                <a16:creationId xmlns:a16="http://schemas.microsoft.com/office/drawing/2014/main" id="{E0DCB38E-AA13-47D1-93F1-9C17501BC698}"/>
               </a:ext>
             </a:extLst>
           </p:cNvPr>
@@ -13030,8 +13216,12 @@
           <a:lstStyle/>
           <a:p>
             <a:r>
+              <a:rPr lang="en-US" altLang="zh-CN" dirty="0"/>
+              <a:t>12.4-</a:t>
+            </a:r>
+            <a:r>
               <a:rPr lang="zh-CN" altLang="en-US" dirty="0"/>
-              <a:t>出院小结节点删掉</a:t>
+              <a:t>任务改进点</a:t>
             </a:r>
           </a:p>
         </p:txBody>
@@ -13041,7 +13231,7 @@
           <p:cNvPr id="3" name="内容占位符 2">
             <a:extLst>
               <a:ext uri="{FF2B5EF4-FFF2-40B4-BE49-F238E27FC236}">
-                <a16:creationId xmlns:a16="http://schemas.microsoft.com/office/drawing/2014/main" id="{AD313ABC-A7BE-4A88-9B54-12B156747B95}"/>
+                <a16:creationId xmlns:a16="http://schemas.microsoft.com/office/drawing/2014/main" id="{59A5A139-834B-4329-BA09-FA52B11BB92A}"/>
               </a:ext>
             </a:extLst>
           </p:cNvPr>
@@ -13057,9 +13247,13 @@
           <a:bodyPr/>
           <a:lstStyle/>
           <a:p>
+            <a:pPr marL="514350" indent="-514350">
+              <a:buFont typeface="+mj-lt"/>
+              <a:buAutoNum type="arabicPeriod"/>
+            </a:pPr>
             <a:r>
               <a:rPr lang="zh-CN" altLang="en-US" dirty="0"/>
-              <a:t>病案节点直接连几个字段</a:t>
+              <a:t>出院小结节点删掉，直接病案去连接出院小结的四个字段</a:t>
             </a:r>
             <a:endParaRPr lang="en-US" altLang="zh-CN" dirty="0"/>
           </a:p>
@@ -13071,50 +13265,59 @@
             </a:r>
           </a:p>
           <a:p>
-            <a:endParaRPr lang="zh-CN" altLang="en-US" dirty="0"/>
-          </a:p>
-        </p:txBody>
-      </p:sp>
-      <p:pic>
-        <p:nvPicPr>
-          <p:cNvPr id="5" name="图片 4">
-            <a:extLst>
-              <a:ext uri="{FF2B5EF4-FFF2-40B4-BE49-F238E27FC236}">
-                <a16:creationId xmlns:a16="http://schemas.microsoft.com/office/drawing/2014/main" id="{459F816C-8A8C-415F-BA22-439D72CB0382}"/>
-              </a:ext>
-            </a:extLst>
-          </p:cNvPr>
-          <p:cNvPicPr>
-            <a:picLocks noChangeAspect="1"/>
-          </p:cNvPicPr>
-          <p:nvPr/>
-        </p:nvPicPr>
-        <p:blipFill>
-          <a:blip r:embed="rId2">
-            <a:extLst>
-              <a:ext uri="{28A0092B-C50C-407E-A947-70E740481C1C}">
-                <a14:useLocalDpi xmlns:a14="http://schemas.microsoft.com/office/drawing/2010/main" val="0"/>
-              </a:ext>
-            </a:extLst>
-          </a:blip>
-          <a:stretch>
-            <a:fillRect/>
-          </a:stretch>
-        </p:blipFill>
-        <p:spPr>
-          <a:xfrm>
-            <a:off x="1150669" y="2822386"/>
-            <a:ext cx="4819898" cy="3670489"/>
-          </a:xfrm>
-          <a:prstGeom prst="rect">
-            <a:avLst/>
-          </a:prstGeom>
-        </p:spPr>
-      </p:pic>
+            <a:pPr marL="514350" indent="-514350">
+              <a:buFont typeface="+mj-lt"/>
+              <a:buAutoNum type="arabicPeriod"/>
+            </a:pPr>
+            <a:r>
+              <a:rPr lang="zh-CN" altLang="en-US" dirty="0"/>
+              <a:t>出院小结之后往后延伸</a:t>
+            </a:r>
+            <a:endParaRPr lang="en-US" altLang="zh-CN" dirty="0"/>
+          </a:p>
+          <a:p>
+            <a:pPr marL="514350" indent="-514350">
+              <a:buFont typeface="+mj-lt"/>
+              <a:buAutoNum type="arabicPeriod"/>
+            </a:pPr>
+            <a:r>
+              <a:rPr lang="zh-CN" altLang="en-US" dirty="0"/>
+              <a:t>整理记录各个字段，节点，连接关系（两边）</a:t>
+            </a:r>
+            <a:endParaRPr lang="en-US" altLang="zh-CN" dirty="0"/>
+          </a:p>
+          <a:p>
+            <a:pPr marL="514350" indent="-514350">
+              <a:buFont typeface="+mj-lt"/>
+              <a:buAutoNum type="arabicPeriod"/>
+            </a:pPr>
+            <a:r>
+              <a:rPr lang="zh-CN" altLang="en-US" dirty="0"/>
+              <a:t>全部删掉，直接筛选</a:t>
+            </a:r>
+            <a:r>
+              <a:rPr lang="en-US" altLang="zh-CN" dirty="0"/>
+              <a:t>10</a:t>
+            </a:r>
+            <a:r>
+              <a:rPr lang="zh-CN" altLang="en-US" dirty="0"/>
+              <a:t>万条出院小结，匹配病案，明细，参保人，医院医生</a:t>
+            </a:r>
+            <a:endParaRPr lang="en-US" altLang="zh-CN" dirty="0"/>
+          </a:p>
+          <a:p>
+            <a:pPr marL="514350" indent="-514350">
+              <a:buFont typeface="+mj-lt"/>
+              <a:buAutoNum type="arabicPeriod"/>
+            </a:pPr>
+            <a:endParaRPr lang="en-US" altLang="zh-CN" dirty="0"/>
+          </a:p>
+        </p:txBody>
+      </p:sp>
     </p:spTree>
     <p:extLst>
       <p:ext uri="{BB962C8B-B14F-4D97-AF65-F5344CB8AC3E}">
-        <p14:creationId xmlns:p14="http://schemas.microsoft.com/office/powerpoint/2010/main" val="1131106828"/>
+        <p14:creationId xmlns:p14="http://schemas.microsoft.com/office/powerpoint/2010/main" val="3874582371"/>
       </p:ext>
     </p:extLst>
   </p:cSld>
@@ -13146,7 +13349,7 @@
           <p:cNvPr id="2" name="标题 1">
             <a:extLst>
               <a:ext uri="{FF2B5EF4-FFF2-40B4-BE49-F238E27FC236}">
-                <a16:creationId xmlns:a16="http://schemas.microsoft.com/office/drawing/2014/main" id="{EFEFE359-7BAA-4574-8318-BE55035532FC}"/>
+                <a16:creationId xmlns:a16="http://schemas.microsoft.com/office/drawing/2014/main" id="{08C48F5A-AE28-4B62-B27E-6583D49C154C}"/>
               </a:ext>
             </a:extLst>
           </p:cNvPr>
@@ -13157,1277 +13360,97 @@
             <p:ph type="title"/>
           </p:nvPr>
         </p:nvSpPr>
-        <p:spPr>
-          <a:xfrm>
-            <a:off x="434684" y="-148078"/>
-            <a:ext cx="10515600" cy="1325563"/>
-          </a:xfrm>
-        </p:spPr>
+        <p:spPr/>
         <p:txBody>
           <a:bodyPr/>
           <a:lstStyle/>
           <a:p>
             <a:r>
               <a:rPr lang="zh-CN" altLang="en-US" dirty="0"/>
-              <a:t>出院小结延伸部分</a:t>
-            </a:r>
-          </a:p>
-        </p:txBody>
-      </p:sp>
-      <p:sp>
-        <p:nvSpPr>
-          <p:cNvPr id="4" name="内容占位符 3">
-            <a:extLst>
-              <a:ext uri="{FF2B5EF4-FFF2-40B4-BE49-F238E27FC236}">
-                <a16:creationId xmlns:a16="http://schemas.microsoft.com/office/drawing/2014/main" id="{71FC4A56-3346-4FF1-8450-FBFD0C677320}"/>
-              </a:ext>
-            </a:extLst>
-          </p:cNvPr>
-          <p:cNvSpPr txBox="1">
+              <a:t>出院小结节点删掉</a:t>
+            </a:r>
+          </a:p>
+        </p:txBody>
+      </p:sp>
+      <p:sp>
+        <p:nvSpPr>
+          <p:cNvPr id="3" name="内容占位符 2">
+            <a:extLst>
+              <a:ext uri="{FF2B5EF4-FFF2-40B4-BE49-F238E27FC236}">
+                <a16:creationId xmlns:a16="http://schemas.microsoft.com/office/drawing/2014/main" id="{AD313ABC-A7BE-4A88-9B54-12B156747B95}"/>
+              </a:ext>
+            </a:extLst>
+          </p:cNvPr>
+          <p:cNvSpPr>
             <a:spLocks noGrp="1"/>
           </p:cNvSpPr>
           <p:nvPr>
             <p:ph idx="1"/>
           </p:nvPr>
         </p:nvSpPr>
-        <p:spPr>
-          <a:xfrm>
-            <a:off x="434684" y="868695"/>
-            <a:ext cx="11152046" cy="5950860"/>
+        <p:spPr/>
+        <p:txBody>
+          <a:bodyPr/>
+          <a:lstStyle/>
+          <a:p>
+            <a:r>
+              <a:rPr lang="zh-CN" altLang="en-US" dirty="0"/>
+              <a:t>病案节点直接连几个字段</a:t>
+            </a:r>
+            <a:endParaRPr lang="en-US" altLang="zh-CN" dirty="0"/>
+          </a:p>
+          <a:p>
+            <a:pPr lvl="1"/>
+            <a:r>
+              <a:rPr lang="zh-CN" altLang="en-US" dirty="0"/>
+              <a:t>诊疗过程，入院诊断，出院诊断，出院医嘱</a:t>
+            </a:r>
+          </a:p>
+          <a:p>
+            <a:endParaRPr lang="zh-CN" altLang="en-US" dirty="0"/>
+          </a:p>
+        </p:txBody>
+      </p:sp>
+      <p:pic>
+        <p:nvPicPr>
+          <p:cNvPr id="5" name="图片 4">
+            <a:extLst>
+              <a:ext uri="{FF2B5EF4-FFF2-40B4-BE49-F238E27FC236}">
+                <a16:creationId xmlns:a16="http://schemas.microsoft.com/office/drawing/2014/main" id="{459F816C-8A8C-415F-BA22-439D72CB0382}"/>
+              </a:ext>
+            </a:extLst>
+          </p:cNvPr>
+          <p:cNvPicPr>
+            <a:picLocks noChangeAspect="1"/>
+          </p:cNvPicPr>
+          <p:nvPr/>
+        </p:nvPicPr>
+        <p:blipFill>
+          <a:blip r:embed="rId2">
+            <a:extLst>
+              <a:ext uri="{28A0092B-C50C-407E-A947-70E740481C1C}">
+                <a14:useLocalDpi xmlns:a14="http://schemas.microsoft.com/office/drawing/2010/main" val="0"/>
+              </a:ext>
+            </a:extLst>
+          </a:blip>
+          <a:stretch>
+            <a:fillRect/>
+          </a:stretch>
+        </p:blipFill>
+        <p:spPr>
+          <a:xfrm>
+            <a:off x="1150669" y="2822386"/>
+            <a:ext cx="4819898" cy="3670489"/>
           </a:xfrm>
           <a:prstGeom prst="rect">
             <a:avLst/>
           </a:prstGeom>
         </p:spPr>
-        <p:style>
-          <a:lnRef idx="2">
-            <a:schemeClr val="accent4"/>
-          </a:lnRef>
-          <a:fillRef idx="1">
-            <a:schemeClr val="lt1"/>
-          </a:fillRef>
-          <a:effectRef idx="0">
-            <a:schemeClr val="accent4"/>
-          </a:effectRef>
-          <a:fontRef idx="minor">
-            <a:schemeClr val="dk1"/>
-          </a:fontRef>
-        </p:style>
-        <p:txBody>
-          <a:bodyPr wrap="square" rtlCol="0">
-            <a:spAutoFit/>
-          </a:bodyPr>
-          <a:lstStyle/>
-          <a:p>
-            <a:pPr marL="457200" indent="-457200">
-              <a:buFont typeface="+mj-lt"/>
-              <a:buAutoNum type="arabicPeriod"/>
-            </a:pPr>
-            <a:r>
-              <a:rPr lang="zh-CN" altLang="en-US" sz="2000" dirty="0"/>
-              <a:t>简单唯一确定的属性：温度，血压，脉搏，直接作为属性</a:t>
-            </a:r>
-            <a:endParaRPr lang="en-US" altLang="zh-CN" sz="2000" dirty="0"/>
-          </a:p>
-          <a:p>
-            <a:pPr marL="457200" indent="-457200">
-              <a:buFont typeface="+mj-lt"/>
-              <a:buAutoNum type="arabicPeriod"/>
-            </a:pPr>
-            <a:r>
-              <a:rPr lang="zh-CN" altLang="en-US" sz="2000" dirty="0"/>
-              <a:t>想看用了哪些药，看属性中的</a:t>
-            </a:r>
-            <a:r>
-              <a:rPr lang="en-US" altLang="zh-CN" sz="2000" dirty="0" err="1"/>
-              <a:t>Drug_used</a:t>
-            </a:r>
-            <a:endParaRPr lang="en-US" altLang="zh-CN" sz="2000" dirty="0"/>
-          </a:p>
-          <a:p>
-            <a:pPr lvl="1"/>
-            <a:r>
-              <a:rPr lang="zh-CN" altLang="en-US" sz="2000" dirty="0"/>
-              <a:t>想看用药的详细信息，点开</a:t>
-            </a:r>
-            <a:r>
-              <a:rPr lang="en-US" altLang="zh-CN" sz="2000" dirty="0" err="1"/>
-              <a:t>Drug_used</a:t>
-            </a:r>
-            <a:r>
-              <a:rPr lang="zh-CN" altLang="en-US" sz="2000" dirty="0"/>
-              <a:t>关系，连到药品库</a:t>
-            </a:r>
-            <a:endParaRPr lang="en-US" altLang="zh-CN" sz="2000" dirty="0"/>
-          </a:p>
-          <a:p>
-            <a:pPr marL="457200" indent="-457200">
-              <a:buFont typeface="+mj-lt"/>
-              <a:buAutoNum type="arabicPeriod"/>
-            </a:pPr>
-            <a:r>
-              <a:rPr lang="zh-CN" altLang="en-US" sz="2000" dirty="0"/>
-              <a:t>自定义的某些字段</a:t>
-            </a:r>
-            <a:r>
-              <a:rPr lang="en-US" altLang="zh-CN" sz="2000" dirty="0"/>
-              <a:t>{Disease: </a:t>
-            </a:r>
-            <a:r>
-              <a:rPr lang="en-US" altLang="zh-CN" sz="2000" dirty="0" err="1"/>
-              <a:t>Related_body</a:t>
-            </a:r>
-            <a:r>
-              <a:rPr lang="en-US" altLang="zh-CN" sz="2000" dirty="0"/>
-              <a:t>:} </a:t>
-            </a:r>
-            <a:r>
-              <a:rPr lang="zh-CN" altLang="en-US" sz="2000" dirty="0"/>
-              <a:t>单独拿出来，再去连接</a:t>
-            </a:r>
-            <a:endParaRPr lang="en-US" altLang="zh-CN" sz="2000" dirty="0"/>
-          </a:p>
-          <a:p>
-            <a:endParaRPr lang="en-US" altLang="zh-CN" sz="2000" dirty="0"/>
-          </a:p>
-          <a:p>
-            <a:endParaRPr lang="en-US" altLang="zh-CN" sz="2000" dirty="0"/>
-          </a:p>
-          <a:p>
-            <a:endParaRPr lang="en-US" altLang="zh-CN" sz="2000" dirty="0"/>
-          </a:p>
-          <a:p>
-            <a:endParaRPr lang="en-US" altLang="zh-CN" sz="2000" dirty="0"/>
-          </a:p>
-          <a:p>
-            <a:endParaRPr lang="en-US" altLang="zh-CN" sz="2000" dirty="0"/>
-          </a:p>
-          <a:p>
-            <a:endParaRPr lang="en-US" altLang="zh-CN" sz="2000" dirty="0"/>
-          </a:p>
-          <a:p>
-            <a:endParaRPr lang="en-US" altLang="zh-CN" sz="1800" dirty="0">
-              <a:solidFill>
-                <a:schemeClr val="tx1"/>
-              </a:solidFill>
-            </a:endParaRPr>
-          </a:p>
-          <a:p>
-            <a:endParaRPr lang="en-US" altLang="zh-CN" sz="2000" dirty="0"/>
-          </a:p>
-          <a:p>
-            <a:pPr marL="0" indent="0">
-              <a:buNone/>
-            </a:pPr>
-            <a:endParaRPr lang="en-US" altLang="zh-CN" sz="2000" dirty="0"/>
-          </a:p>
-          <a:p>
-            <a:pPr marL="0" indent="0">
-              <a:buNone/>
-            </a:pPr>
-            <a:endParaRPr lang="en-US" altLang="zh-CN" sz="2000" dirty="0"/>
-          </a:p>
-          <a:p>
-            <a:pPr marL="0" indent="0">
-              <a:buNone/>
-            </a:pPr>
-            <a:endParaRPr lang="en-US" altLang="zh-CN" sz="2000" dirty="0"/>
-          </a:p>
-        </p:txBody>
-      </p:sp>
-      <p:sp>
-        <p:nvSpPr>
-          <p:cNvPr id="3" name="椭圆 2">
-            <a:extLst>
-              <a:ext uri="{FF2B5EF4-FFF2-40B4-BE49-F238E27FC236}">
-                <a16:creationId xmlns:a16="http://schemas.microsoft.com/office/drawing/2014/main" id="{8040D3CD-64E3-4A05-8A0F-44F172E99854}"/>
-              </a:ext>
-            </a:extLst>
-          </p:cNvPr>
-          <p:cNvSpPr/>
-          <p:nvPr/>
-        </p:nvSpPr>
-        <p:spPr>
-          <a:xfrm>
-            <a:off x="1364672" y="3119539"/>
-            <a:ext cx="907473" cy="879763"/>
-          </a:xfrm>
-          <a:prstGeom prst="ellipse">
-            <a:avLst/>
-          </a:prstGeom>
-        </p:spPr>
-        <p:style>
-          <a:lnRef idx="2">
-            <a:schemeClr val="dk1">
-              <a:shade val="50000"/>
-            </a:schemeClr>
-          </a:lnRef>
-          <a:fillRef idx="1">
-            <a:schemeClr val="dk1"/>
-          </a:fillRef>
-          <a:effectRef idx="0">
-            <a:schemeClr val="dk1"/>
-          </a:effectRef>
-          <a:fontRef idx="minor">
-            <a:schemeClr val="lt1"/>
-          </a:fontRef>
-        </p:style>
-        <p:txBody>
-          <a:bodyPr rtlCol="0" anchor="ctr"/>
-          <a:lstStyle/>
-          <a:p>
-            <a:pPr algn="ctr"/>
-            <a:r>
-              <a:rPr lang="zh-CN" altLang="en-US" dirty="0"/>
-              <a:t>诊疗过程</a:t>
-            </a:r>
-          </a:p>
-        </p:txBody>
-      </p:sp>
-      <p:sp>
-        <p:nvSpPr>
-          <p:cNvPr id="5" name="椭圆 4">
-            <a:extLst>
-              <a:ext uri="{FF2B5EF4-FFF2-40B4-BE49-F238E27FC236}">
-                <a16:creationId xmlns:a16="http://schemas.microsoft.com/office/drawing/2014/main" id="{9E85856B-962B-400C-B16F-EDED4FB6A4D5}"/>
-              </a:ext>
-            </a:extLst>
-          </p:cNvPr>
-          <p:cNvSpPr/>
-          <p:nvPr/>
-        </p:nvSpPr>
-        <p:spPr>
-          <a:xfrm>
-            <a:off x="4603173" y="4054001"/>
-            <a:ext cx="6975763" cy="811970"/>
-          </a:xfrm>
-          <a:prstGeom prst="ellipse">
-            <a:avLst/>
-          </a:prstGeom>
-        </p:spPr>
-        <p:style>
-          <a:lnRef idx="1">
-            <a:schemeClr val="accent1"/>
-          </a:lnRef>
-          <a:fillRef idx="2">
-            <a:schemeClr val="accent1"/>
-          </a:fillRef>
-          <a:effectRef idx="1">
-            <a:schemeClr val="accent1"/>
-          </a:effectRef>
-          <a:fontRef idx="minor">
-            <a:schemeClr val="dk1"/>
-          </a:fontRef>
-        </p:style>
-        <p:txBody>
-          <a:bodyPr rtlCol="0" anchor="ctr"/>
-          <a:lstStyle/>
-          <a:p>
-            <a:pPr marL="0" marR="0" lvl="0" indent="0" algn="l" defTabSz="914400" rtl="0" eaLnBrk="0" fontAlgn="base" latinLnBrk="0" hangingPunct="0">
-              <a:lnSpc>
-                <a:spcPct val="100000"/>
-              </a:lnSpc>
-              <a:spcBef>
-                <a:spcPct val="0"/>
-              </a:spcBef>
-              <a:spcAft>
-                <a:spcPct val="0"/>
-              </a:spcAft>
-              <a:buClrTx/>
-              <a:buSzTx/>
-              <a:buFontTx/>
-              <a:buNone/>
-              <a:tabLst/>
-            </a:pPr>
-            <a:r>
-              <a:rPr kumimoji="0" lang="zh-CN" altLang="zh-CN" sz="1400" i="0" u="none" strike="noStrike" cap="none" normalizeH="0" baseline="0" dirty="0">
-                <a:ln>
-                  <a:noFill/>
-                </a:ln>
-                <a:solidFill>
-                  <a:srgbClr val="000000"/>
-                </a:solidFill>
-                <a:effectLst/>
-                <a:latin typeface="Arial Unicode MS"/>
-                <a:ea typeface="Courier New" panose="02070309020205020404" pitchFamily="49" charset="0"/>
-              </a:rPr>
-              <a:t>[{'Disease': '慢性支气管炎', 'Related Body': ['气管', '支气管']}, {'Disease': '肾囊肿', 'Related Body': ['肾']}]</a:t>
-            </a:r>
-            <a:r>
-              <a:rPr kumimoji="0" lang="zh-CN" altLang="zh-CN" sz="600" i="0" u="none" strike="noStrike" cap="none" normalizeH="0" baseline="0" dirty="0">
-                <a:ln>
-                  <a:noFill/>
-                </a:ln>
-                <a:solidFill>
-                  <a:schemeClr val="tx1"/>
-                </a:solidFill>
-                <a:effectLst/>
-              </a:rPr>
-              <a:t> </a:t>
-            </a:r>
-            <a:endParaRPr kumimoji="0" lang="zh-CN" altLang="zh-CN" sz="3200" i="0" u="none" strike="noStrike" cap="none" normalizeH="0" baseline="0" dirty="0">
-              <a:ln>
-                <a:noFill/>
-              </a:ln>
-              <a:solidFill>
-                <a:schemeClr val="tx1"/>
-              </a:solidFill>
-              <a:effectLst/>
-              <a:latin typeface="Arial" panose="020B0604020202020204" pitchFamily="34" charset="0"/>
-            </a:endParaRPr>
-          </a:p>
-        </p:txBody>
-      </p:sp>
-      <p:cxnSp>
-        <p:nvCxnSpPr>
-          <p:cNvPr id="7" name="直接箭头连接符 6">
-            <a:extLst>
-              <a:ext uri="{FF2B5EF4-FFF2-40B4-BE49-F238E27FC236}">
-                <a16:creationId xmlns:a16="http://schemas.microsoft.com/office/drawing/2014/main" id="{D19071A1-E1D0-4BBF-8876-C06C73E093E5}"/>
-              </a:ext>
-            </a:extLst>
-          </p:cNvPr>
-          <p:cNvCxnSpPr>
-            <a:cxnSpLocks/>
-            <a:stCxn id="3" idx="6"/>
-            <a:endCxn id="5" idx="2"/>
-          </p:cNvCxnSpPr>
-          <p:nvPr/>
-        </p:nvCxnSpPr>
-        <p:spPr>
-          <a:xfrm>
-            <a:off x="2272145" y="3559421"/>
-            <a:ext cx="2331028" cy="900565"/>
-          </a:xfrm>
-          <a:prstGeom prst="straightConnector1">
-            <a:avLst/>
-          </a:prstGeom>
-          <a:ln>
-            <a:tailEnd type="triangle"/>
-          </a:ln>
-        </p:spPr>
-        <p:style>
-          <a:lnRef idx="1">
-            <a:schemeClr val="dk1"/>
-          </a:lnRef>
-          <a:fillRef idx="0">
-            <a:schemeClr val="dk1"/>
-          </a:fillRef>
-          <a:effectRef idx="0">
-            <a:schemeClr val="dk1"/>
-          </a:effectRef>
-          <a:fontRef idx="minor">
-            <a:schemeClr val="tx1"/>
-          </a:fontRef>
-        </p:style>
-      </p:cxnSp>
-      <p:sp>
-        <p:nvSpPr>
-          <p:cNvPr id="8" name="文本框 7">
-            <a:extLst>
-              <a:ext uri="{FF2B5EF4-FFF2-40B4-BE49-F238E27FC236}">
-                <a16:creationId xmlns:a16="http://schemas.microsoft.com/office/drawing/2014/main" id="{DF6C9DDA-2787-47B8-BFD1-C70536C9438A}"/>
-              </a:ext>
-            </a:extLst>
-          </p:cNvPr>
-          <p:cNvSpPr txBox="1"/>
-          <p:nvPr/>
-        </p:nvSpPr>
-        <p:spPr>
-          <a:xfrm>
-            <a:off x="5883855" y="3251501"/>
-            <a:ext cx="1593273" cy="369332"/>
-          </a:xfrm>
-          <a:prstGeom prst="rect">
-            <a:avLst/>
-          </a:prstGeom>
-          <a:noFill/>
-        </p:spPr>
-        <p:txBody>
-          <a:bodyPr wrap="square" rtlCol="0">
-            <a:spAutoFit/>
-          </a:bodyPr>
-          <a:lstStyle/>
-          <a:p>
-            <a:r>
-              <a:rPr lang="en-US" altLang="zh-CN" dirty="0" err="1"/>
-              <a:t>Drug_Used</a:t>
-            </a:r>
-            <a:endParaRPr lang="zh-CN" altLang="en-US" dirty="0"/>
-          </a:p>
-        </p:txBody>
-      </p:sp>
-      <p:sp>
-        <p:nvSpPr>
-          <p:cNvPr id="22" name="椭圆 21">
-            <a:extLst>
-              <a:ext uri="{FF2B5EF4-FFF2-40B4-BE49-F238E27FC236}">
-                <a16:creationId xmlns:a16="http://schemas.microsoft.com/office/drawing/2014/main" id="{2E69BB22-89AB-4E55-B1B0-D73DB9127E79}"/>
-              </a:ext>
-            </a:extLst>
-          </p:cNvPr>
-          <p:cNvSpPr/>
-          <p:nvPr/>
-        </p:nvSpPr>
-        <p:spPr>
-          <a:xfrm>
-            <a:off x="7843398" y="2446250"/>
-            <a:ext cx="926530" cy="666999"/>
-          </a:xfrm>
-          <a:prstGeom prst="ellipse">
-            <a:avLst/>
-          </a:prstGeom>
-        </p:spPr>
-        <p:style>
-          <a:lnRef idx="1">
-            <a:schemeClr val="accent6"/>
-          </a:lnRef>
-          <a:fillRef idx="2">
-            <a:schemeClr val="accent6"/>
-          </a:fillRef>
-          <a:effectRef idx="1">
-            <a:schemeClr val="accent6"/>
-          </a:effectRef>
-          <a:fontRef idx="minor">
-            <a:schemeClr val="dk1"/>
-          </a:fontRef>
-        </p:style>
-        <p:txBody>
-          <a:bodyPr rtlCol="0" anchor="ctr"/>
-          <a:lstStyle/>
-          <a:p>
-            <a:pPr algn="ctr"/>
-            <a:r>
-              <a:rPr lang="zh-CN" altLang="en-US" dirty="0"/>
-              <a:t>甘油</a:t>
-            </a:r>
-          </a:p>
-        </p:txBody>
-      </p:sp>
-      <p:sp>
-        <p:nvSpPr>
-          <p:cNvPr id="25" name="椭圆 24">
-            <a:extLst>
-              <a:ext uri="{FF2B5EF4-FFF2-40B4-BE49-F238E27FC236}">
-                <a16:creationId xmlns:a16="http://schemas.microsoft.com/office/drawing/2014/main" id="{5F8E13B2-ED12-4EF2-A19C-0FD411042432}"/>
-              </a:ext>
-            </a:extLst>
-          </p:cNvPr>
-          <p:cNvSpPr/>
-          <p:nvPr/>
-        </p:nvSpPr>
-        <p:spPr>
-          <a:xfrm>
-            <a:off x="8091056" y="6171444"/>
-            <a:ext cx="929116" cy="595005"/>
-          </a:xfrm>
-          <a:prstGeom prst="ellipse">
-            <a:avLst/>
-          </a:prstGeom>
-        </p:spPr>
-        <p:style>
-          <a:lnRef idx="1">
-            <a:schemeClr val="accent2"/>
-          </a:lnRef>
-          <a:fillRef idx="2">
-            <a:schemeClr val="accent2"/>
-          </a:fillRef>
-          <a:effectRef idx="1">
-            <a:schemeClr val="accent2"/>
-          </a:effectRef>
-          <a:fontRef idx="minor">
-            <a:schemeClr val="dk1"/>
-          </a:fontRef>
-        </p:style>
-        <p:txBody>
-          <a:bodyPr rtlCol="0" anchor="ctr"/>
-          <a:lstStyle/>
-          <a:p>
-            <a:pPr algn="ctr"/>
-            <a:r>
-              <a:rPr lang="zh-CN" altLang="en-US" dirty="0"/>
-              <a:t>气管</a:t>
-            </a:r>
-          </a:p>
-        </p:txBody>
-      </p:sp>
-      <p:cxnSp>
-        <p:nvCxnSpPr>
-          <p:cNvPr id="29" name="直接箭头连接符 28">
-            <a:extLst>
-              <a:ext uri="{FF2B5EF4-FFF2-40B4-BE49-F238E27FC236}">
-                <a16:creationId xmlns:a16="http://schemas.microsoft.com/office/drawing/2014/main" id="{4922AC23-21C5-49AC-996E-9E9495E98DFC}"/>
-              </a:ext>
-            </a:extLst>
-          </p:cNvPr>
-          <p:cNvCxnSpPr>
-            <a:cxnSpLocks/>
-            <a:stCxn id="5" idx="4"/>
-            <a:endCxn id="25" idx="0"/>
-          </p:cNvCxnSpPr>
-          <p:nvPr/>
-        </p:nvCxnSpPr>
-        <p:spPr>
-          <a:xfrm>
-            <a:off x="8091055" y="4865971"/>
-            <a:ext cx="464559" cy="1305473"/>
-          </a:xfrm>
-          <a:prstGeom prst="straightConnector1">
-            <a:avLst/>
-          </a:prstGeom>
-          <a:ln>
-            <a:tailEnd type="triangle"/>
-          </a:ln>
-        </p:spPr>
-        <p:style>
-          <a:lnRef idx="1">
-            <a:schemeClr val="dk1"/>
-          </a:lnRef>
-          <a:fillRef idx="0">
-            <a:schemeClr val="dk1"/>
-          </a:fillRef>
-          <a:effectRef idx="0">
-            <a:schemeClr val="dk1"/>
-          </a:effectRef>
-          <a:fontRef idx="minor">
-            <a:schemeClr val="tx1"/>
-          </a:fontRef>
-        </p:style>
-      </p:cxnSp>
-      <p:cxnSp>
-        <p:nvCxnSpPr>
-          <p:cNvPr id="14" name="直接箭头连接符 13">
-            <a:extLst>
-              <a:ext uri="{FF2B5EF4-FFF2-40B4-BE49-F238E27FC236}">
-                <a16:creationId xmlns:a16="http://schemas.microsoft.com/office/drawing/2014/main" id="{81DF2266-08EF-4702-8762-37E5CA1F3F7E}"/>
-              </a:ext>
-            </a:extLst>
-          </p:cNvPr>
-          <p:cNvCxnSpPr>
-            <a:cxnSpLocks/>
-            <a:stCxn id="3" idx="6"/>
-            <a:endCxn id="22" idx="2"/>
-          </p:cNvCxnSpPr>
-          <p:nvPr/>
-        </p:nvCxnSpPr>
-        <p:spPr>
-          <a:xfrm flipV="1">
-            <a:off x="2272145" y="2779750"/>
-            <a:ext cx="5571253" cy="779671"/>
-          </a:xfrm>
-          <a:prstGeom prst="straightConnector1">
-            <a:avLst/>
-          </a:prstGeom>
-          <a:ln>
-            <a:tailEnd type="triangle"/>
-          </a:ln>
-        </p:spPr>
-        <p:style>
-          <a:lnRef idx="1">
-            <a:schemeClr val="dk1"/>
-          </a:lnRef>
-          <a:fillRef idx="0">
-            <a:schemeClr val="dk1"/>
-          </a:fillRef>
-          <a:effectRef idx="0">
-            <a:schemeClr val="dk1"/>
-          </a:effectRef>
-          <a:fontRef idx="minor">
-            <a:schemeClr val="tx1"/>
-          </a:fontRef>
-        </p:style>
-      </p:cxnSp>
-      <p:sp>
-        <p:nvSpPr>
-          <p:cNvPr id="38" name="椭圆 37">
-            <a:extLst>
-              <a:ext uri="{FF2B5EF4-FFF2-40B4-BE49-F238E27FC236}">
-                <a16:creationId xmlns:a16="http://schemas.microsoft.com/office/drawing/2014/main" id="{AF773F40-E1E1-4D92-BB86-9BA5BFD0E16B}"/>
-              </a:ext>
-            </a:extLst>
-          </p:cNvPr>
-          <p:cNvSpPr/>
-          <p:nvPr/>
-        </p:nvSpPr>
-        <p:spPr>
-          <a:xfrm>
-            <a:off x="7658958" y="3245193"/>
-            <a:ext cx="1295409" cy="710253"/>
-          </a:xfrm>
-          <a:prstGeom prst="ellipse">
-            <a:avLst/>
-          </a:prstGeom>
-        </p:spPr>
-        <p:style>
-          <a:lnRef idx="1">
-            <a:schemeClr val="accent6"/>
-          </a:lnRef>
-          <a:fillRef idx="2">
-            <a:schemeClr val="accent6"/>
-          </a:fillRef>
-          <a:effectRef idx="1">
-            <a:schemeClr val="accent6"/>
-          </a:effectRef>
-          <a:fontRef idx="minor">
-            <a:schemeClr val="dk1"/>
-          </a:fontRef>
-        </p:style>
-        <p:txBody>
-          <a:bodyPr rtlCol="0" anchor="ctr"/>
-          <a:lstStyle/>
-          <a:p>
-            <a:pPr algn="ctr"/>
-            <a:r>
-              <a:rPr lang="zh-CN" altLang="en-US" dirty="0"/>
-              <a:t>葡萄糖</a:t>
-            </a:r>
-          </a:p>
-        </p:txBody>
-      </p:sp>
-      <p:sp>
-        <p:nvSpPr>
-          <p:cNvPr id="40" name="文本框 39">
-            <a:extLst>
-              <a:ext uri="{FF2B5EF4-FFF2-40B4-BE49-F238E27FC236}">
-                <a16:creationId xmlns:a16="http://schemas.microsoft.com/office/drawing/2014/main" id="{03DAC247-9CAC-4502-96B3-98D91F509715}"/>
-              </a:ext>
-            </a:extLst>
-          </p:cNvPr>
-          <p:cNvSpPr txBox="1"/>
-          <p:nvPr/>
-        </p:nvSpPr>
-        <p:spPr>
-          <a:xfrm>
-            <a:off x="716314" y="4138912"/>
-            <a:ext cx="2738017" cy="1754326"/>
-          </a:xfrm>
-          <a:prstGeom prst="rect">
-            <a:avLst/>
-          </a:prstGeom>
-          <a:noFill/>
-        </p:spPr>
-        <p:txBody>
-          <a:bodyPr wrap="square" rtlCol="0">
-            <a:spAutoFit/>
-          </a:bodyPr>
-          <a:lstStyle/>
-          <a:p>
-            <a:pPr marL="285750" indent="-285750">
-              <a:buFont typeface="Arial" panose="020B0604020202020204" pitchFamily="34" charset="0"/>
-              <a:buChar char="•"/>
-            </a:pPr>
-            <a:r>
-              <a:rPr lang="en-US" altLang="zh-CN" dirty="0" err="1"/>
-              <a:t>Drug_Used</a:t>
-            </a:r>
-            <a:endParaRPr lang="en-US" altLang="zh-CN" dirty="0"/>
-          </a:p>
-          <a:p>
-            <a:pPr marL="285750" indent="-285750">
-              <a:buFont typeface="Arial" panose="020B0604020202020204" pitchFamily="34" charset="0"/>
-              <a:buChar char="•"/>
-            </a:pPr>
-            <a:r>
-              <a:rPr lang="en-US" altLang="zh-CN" dirty="0"/>
-              <a:t>Temperature</a:t>
-            </a:r>
-            <a:r>
-              <a:rPr lang="zh-CN" altLang="en-US" dirty="0"/>
-              <a:t>：</a:t>
-            </a:r>
-            <a:r>
-              <a:rPr lang="en-US" altLang="zh-CN" dirty="0"/>
-              <a:t>37°C</a:t>
-            </a:r>
-          </a:p>
-          <a:p>
-            <a:pPr marL="285750" indent="-285750">
-              <a:buFont typeface="Arial" panose="020B0604020202020204" pitchFamily="34" charset="0"/>
-              <a:buChar char="•"/>
-            </a:pPr>
-            <a:r>
-              <a:rPr lang="en-US" altLang="zh-CN" dirty="0" err="1"/>
-              <a:t>Disease_used</a:t>
-            </a:r>
-            <a:endParaRPr lang="en-US" altLang="zh-CN" dirty="0"/>
-          </a:p>
-          <a:p>
-            <a:pPr marL="285750" indent="-285750">
-              <a:buFont typeface="Arial" panose="020B0604020202020204" pitchFamily="34" charset="0"/>
-              <a:buChar char="•"/>
-            </a:pPr>
-            <a:r>
-              <a:rPr lang="zh-CN" altLang="en-US" dirty="0"/>
-              <a:t>三类属性信息</a:t>
-            </a:r>
-          </a:p>
-          <a:p>
-            <a:pPr marL="285750" indent="-285750">
-              <a:buFont typeface="Arial" panose="020B0604020202020204" pitchFamily="34" charset="0"/>
-              <a:buChar char="•"/>
-            </a:pPr>
-            <a:endParaRPr lang="en-US" altLang="zh-CN" dirty="0"/>
-          </a:p>
-          <a:p>
-            <a:pPr marL="285750" indent="-285750">
-              <a:buFont typeface="Arial" panose="020B0604020202020204" pitchFamily="34" charset="0"/>
-              <a:buChar char="•"/>
-            </a:pPr>
-            <a:endParaRPr lang="zh-CN" altLang="en-US" dirty="0"/>
-          </a:p>
-        </p:txBody>
-      </p:sp>
-      <p:cxnSp>
-        <p:nvCxnSpPr>
-          <p:cNvPr id="41" name="直接箭头连接符 40">
-            <a:extLst>
-              <a:ext uri="{FF2B5EF4-FFF2-40B4-BE49-F238E27FC236}">
-                <a16:creationId xmlns:a16="http://schemas.microsoft.com/office/drawing/2014/main" id="{48E685C4-77BD-4855-AD57-E67B72527FE4}"/>
-              </a:ext>
-            </a:extLst>
-          </p:cNvPr>
-          <p:cNvCxnSpPr>
-            <a:cxnSpLocks/>
-            <a:stCxn id="3" idx="6"/>
-            <a:endCxn id="38" idx="2"/>
-          </p:cNvCxnSpPr>
-          <p:nvPr/>
-        </p:nvCxnSpPr>
-        <p:spPr>
-          <a:xfrm>
-            <a:off x="2272145" y="3559421"/>
-            <a:ext cx="5386813" cy="40899"/>
-          </a:xfrm>
-          <a:prstGeom prst="straightConnector1">
-            <a:avLst/>
-          </a:prstGeom>
-          <a:ln>
-            <a:tailEnd type="triangle"/>
-          </a:ln>
-        </p:spPr>
-        <p:style>
-          <a:lnRef idx="1">
-            <a:schemeClr val="dk1"/>
-          </a:lnRef>
-          <a:fillRef idx="0">
-            <a:schemeClr val="dk1"/>
-          </a:fillRef>
-          <a:effectRef idx="0">
-            <a:schemeClr val="dk1"/>
-          </a:effectRef>
-          <a:fontRef idx="minor">
-            <a:schemeClr val="tx1"/>
-          </a:fontRef>
-        </p:style>
-      </p:cxnSp>
-      <p:sp>
-        <p:nvSpPr>
-          <p:cNvPr id="44" name="文本框 43">
-            <a:extLst>
-              <a:ext uri="{FF2B5EF4-FFF2-40B4-BE49-F238E27FC236}">
-                <a16:creationId xmlns:a16="http://schemas.microsoft.com/office/drawing/2014/main" id="{8489B19D-47E3-4CB2-BDE7-2A954F0C4CE4}"/>
-              </a:ext>
-            </a:extLst>
-          </p:cNvPr>
-          <p:cNvSpPr txBox="1"/>
-          <p:nvPr/>
-        </p:nvSpPr>
-        <p:spPr>
-          <a:xfrm>
-            <a:off x="4107000" y="2822279"/>
-            <a:ext cx="1593273" cy="369332"/>
-          </a:xfrm>
-          <a:prstGeom prst="rect">
-            <a:avLst/>
-          </a:prstGeom>
-          <a:noFill/>
-        </p:spPr>
-        <p:txBody>
-          <a:bodyPr wrap="square" rtlCol="0">
-            <a:spAutoFit/>
-          </a:bodyPr>
-          <a:lstStyle/>
-          <a:p>
-            <a:r>
-              <a:rPr lang="en-US" altLang="zh-CN" dirty="0" err="1"/>
-              <a:t>Drug_Used</a:t>
-            </a:r>
-            <a:endParaRPr lang="zh-CN" altLang="en-US" dirty="0"/>
-          </a:p>
-        </p:txBody>
-      </p:sp>
-      <p:sp>
-        <p:nvSpPr>
-          <p:cNvPr id="57" name="文本框 56">
-            <a:extLst>
-              <a:ext uri="{FF2B5EF4-FFF2-40B4-BE49-F238E27FC236}">
-                <a16:creationId xmlns:a16="http://schemas.microsoft.com/office/drawing/2014/main" id="{54E558FD-9E40-4874-83CD-426F24EB0003}"/>
-              </a:ext>
-            </a:extLst>
-          </p:cNvPr>
-          <p:cNvSpPr txBox="1"/>
-          <p:nvPr/>
-        </p:nvSpPr>
-        <p:spPr>
-          <a:xfrm>
-            <a:off x="3423797" y="3844125"/>
-            <a:ext cx="1593273" cy="369332"/>
-          </a:xfrm>
-          <a:prstGeom prst="rect">
-            <a:avLst/>
-          </a:prstGeom>
-          <a:noFill/>
-        </p:spPr>
-        <p:txBody>
-          <a:bodyPr wrap="square" rtlCol="0">
-            <a:spAutoFit/>
-          </a:bodyPr>
-          <a:lstStyle/>
-          <a:p>
-            <a:r>
-              <a:rPr lang="en-US" altLang="zh-CN" dirty="0" err="1"/>
-              <a:t>Disease_used</a:t>
-            </a:r>
-            <a:endParaRPr lang="zh-CN" altLang="en-US" dirty="0"/>
-          </a:p>
-        </p:txBody>
-      </p:sp>
-      <p:sp>
-        <p:nvSpPr>
-          <p:cNvPr id="67" name="椭圆 66">
-            <a:extLst>
-              <a:ext uri="{FF2B5EF4-FFF2-40B4-BE49-F238E27FC236}">
-                <a16:creationId xmlns:a16="http://schemas.microsoft.com/office/drawing/2014/main" id="{7FC398BD-BE8D-4135-936B-3AFE349C2477}"/>
-              </a:ext>
-            </a:extLst>
-          </p:cNvPr>
-          <p:cNvSpPr/>
-          <p:nvPr/>
-        </p:nvSpPr>
-        <p:spPr>
-          <a:xfrm>
-            <a:off x="4525661" y="6048950"/>
-            <a:ext cx="1358194" cy="595005"/>
-          </a:xfrm>
-          <a:prstGeom prst="ellipse">
-            <a:avLst/>
-          </a:prstGeom>
-        </p:spPr>
-        <p:style>
-          <a:lnRef idx="1">
-            <a:schemeClr val="accent4"/>
-          </a:lnRef>
-          <a:fillRef idx="2">
-            <a:schemeClr val="accent4"/>
-          </a:fillRef>
-          <a:effectRef idx="1">
-            <a:schemeClr val="accent4"/>
-          </a:effectRef>
-          <a:fontRef idx="minor">
-            <a:schemeClr val="dk1"/>
-          </a:fontRef>
-        </p:style>
-        <p:txBody>
-          <a:bodyPr rtlCol="0" anchor="ctr"/>
-          <a:lstStyle/>
-          <a:p>
-            <a:pPr algn="ctr"/>
-            <a:r>
-              <a:rPr lang="zh-CN" altLang="en-US" dirty="0"/>
-              <a:t>肾囊肿</a:t>
-            </a:r>
-          </a:p>
-        </p:txBody>
-      </p:sp>
-      <p:cxnSp>
-        <p:nvCxnSpPr>
-          <p:cNvPr id="68" name="直接箭头连接符 67">
-            <a:extLst>
-              <a:ext uri="{FF2B5EF4-FFF2-40B4-BE49-F238E27FC236}">
-                <a16:creationId xmlns:a16="http://schemas.microsoft.com/office/drawing/2014/main" id="{4EFA7397-11B5-4A84-A0F7-234967D1100A}"/>
-              </a:ext>
-            </a:extLst>
-          </p:cNvPr>
-          <p:cNvCxnSpPr>
-            <a:cxnSpLocks/>
-            <a:stCxn id="5" idx="4"/>
-            <a:endCxn id="67" idx="0"/>
-          </p:cNvCxnSpPr>
-          <p:nvPr/>
-        </p:nvCxnSpPr>
-        <p:spPr>
-          <a:xfrm flipH="1">
-            <a:off x="5204758" y="4865971"/>
-            <a:ext cx="2886297" cy="1182979"/>
-          </a:xfrm>
-          <a:prstGeom prst="straightConnector1">
-            <a:avLst/>
-          </a:prstGeom>
-          <a:ln>
-            <a:tailEnd type="triangle"/>
-          </a:ln>
-        </p:spPr>
-        <p:style>
-          <a:lnRef idx="1">
-            <a:schemeClr val="dk1"/>
-          </a:lnRef>
-          <a:fillRef idx="0">
-            <a:schemeClr val="dk1"/>
-          </a:fillRef>
-          <a:effectRef idx="0">
-            <a:schemeClr val="dk1"/>
-          </a:effectRef>
-          <a:fontRef idx="minor">
-            <a:schemeClr val="tx1"/>
-          </a:fontRef>
-        </p:style>
-      </p:cxnSp>
-      <p:sp>
-        <p:nvSpPr>
-          <p:cNvPr id="72" name="椭圆 71">
-            <a:extLst>
-              <a:ext uri="{FF2B5EF4-FFF2-40B4-BE49-F238E27FC236}">
-                <a16:creationId xmlns:a16="http://schemas.microsoft.com/office/drawing/2014/main" id="{64788F80-A2BA-47DB-B391-AC104A15F472}"/>
-              </a:ext>
-            </a:extLst>
-          </p:cNvPr>
-          <p:cNvSpPr/>
-          <p:nvPr/>
-        </p:nvSpPr>
-        <p:spPr>
-          <a:xfrm>
-            <a:off x="9085870" y="6179405"/>
-            <a:ext cx="1273728" cy="595005"/>
-          </a:xfrm>
-          <a:prstGeom prst="ellipse">
-            <a:avLst/>
-          </a:prstGeom>
-        </p:spPr>
-        <p:style>
-          <a:lnRef idx="1">
-            <a:schemeClr val="accent2"/>
-          </a:lnRef>
-          <a:fillRef idx="2">
-            <a:schemeClr val="accent2"/>
-          </a:fillRef>
-          <a:effectRef idx="1">
-            <a:schemeClr val="accent2"/>
-          </a:effectRef>
-          <a:fontRef idx="minor">
-            <a:schemeClr val="dk1"/>
-          </a:fontRef>
-        </p:style>
-        <p:txBody>
-          <a:bodyPr rtlCol="0" anchor="ctr"/>
-          <a:lstStyle/>
-          <a:p>
-            <a:pPr algn="ctr"/>
-            <a:r>
-              <a:rPr lang="zh-CN" altLang="en-US" dirty="0"/>
-              <a:t>支气管</a:t>
-            </a:r>
-          </a:p>
-        </p:txBody>
-      </p:sp>
-      <p:cxnSp>
-        <p:nvCxnSpPr>
-          <p:cNvPr id="73" name="直接箭头连接符 72">
-            <a:extLst>
-              <a:ext uri="{FF2B5EF4-FFF2-40B4-BE49-F238E27FC236}">
-                <a16:creationId xmlns:a16="http://schemas.microsoft.com/office/drawing/2014/main" id="{A3C5AB57-D2AD-4BC4-8570-929FEEAC595A}"/>
-              </a:ext>
-            </a:extLst>
-          </p:cNvPr>
-          <p:cNvCxnSpPr>
-            <a:cxnSpLocks/>
-            <a:stCxn id="5" idx="4"/>
-            <a:endCxn id="72" idx="0"/>
-          </p:cNvCxnSpPr>
-          <p:nvPr/>
-        </p:nvCxnSpPr>
-        <p:spPr>
-          <a:xfrm>
-            <a:off x="8091055" y="4865971"/>
-            <a:ext cx="1631679" cy="1313434"/>
-          </a:xfrm>
-          <a:prstGeom prst="straightConnector1">
-            <a:avLst/>
-          </a:prstGeom>
-          <a:ln>
-            <a:tailEnd type="triangle"/>
-          </a:ln>
-        </p:spPr>
-        <p:style>
-          <a:lnRef idx="1">
-            <a:schemeClr val="dk1"/>
-          </a:lnRef>
-          <a:fillRef idx="0">
-            <a:schemeClr val="dk1"/>
-          </a:fillRef>
-          <a:effectRef idx="0">
-            <a:schemeClr val="dk1"/>
-          </a:effectRef>
-          <a:fontRef idx="minor">
-            <a:schemeClr val="tx1"/>
-          </a:fontRef>
-        </p:style>
-      </p:cxnSp>
-      <p:sp>
-        <p:nvSpPr>
-          <p:cNvPr id="74" name="椭圆 73">
-            <a:extLst>
-              <a:ext uri="{FF2B5EF4-FFF2-40B4-BE49-F238E27FC236}">
-                <a16:creationId xmlns:a16="http://schemas.microsoft.com/office/drawing/2014/main" id="{2A5E8BB1-2202-488D-8F2D-82542ACCD5E8}"/>
-              </a:ext>
-            </a:extLst>
-          </p:cNvPr>
-          <p:cNvSpPr/>
-          <p:nvPr/>
-        </p:nvSpPr>
-        <p:spPr>
-          <a:xfrm>
-            <a:off x="1281545" y="5918206"/>
-            <a:ext cx="2577385" cy="595005"/>
-          </a:xfrm>
-          <a:prstGeom prst="ellipse">
-            <a:avLst/>
-          </a:prstGeom>
-        </p:spPr>
-        <p:style>
-          <a:lnRef idx="1">
-            <a:schemeClr val="accent4"/>
-          </a:lnRef>
-          <a:fillRef idx="2">
-            <a:schemeClr val="accent4"/>
-          </a:fillRef>
-          <a:effectRef idx="1">
-            <a:schemeClr val="accent4"/>
-          </a:effectRef>
-          <a:fontRef idx="minor">
-            <a:schemeClr val="dk1"/>
-          </a:fontRef>
-        </p:style>
-        <p:txBody>
-          <a:bodyPr rtlCol="0" anchor="ctr"/>
-          <a:lstStyle/>
-          <a:p>
-            <a:pPr algn="ctr"/>
-            <a:r>
-              <a:rPr lang="zh-CN" altLang="en-US" dirty="0"/>
-              <a:t>慢性支气管炎</a:t>
-            </a:r>
-          </a:p>
-        </p:txBody>
-      </p:sp>
-      <p:cxnSp>
-        <p:nvCxnSpPr>
-          <p:cNvPr id="75" name="直接箭头连接符 74">
-            <a:extLst>
-              <a:ext uri="{FF2B5EF4-FFF2-40B4-BE49-F238E27FC236}">
-                <a16:creationId xmlns:a16="http://schemas.microsoft.com/office/drawing/2014/main" id="{8A9EB143-6A67-44E4-AE6E-3A480A26A40B}"/>
-              </a:ext>
-            </a:extLst>
-          </p:cNvPr>
-          <p:cNvCxnSpPr>
-            <a:cxnSpLocks/>
-            <a:stCxn id="5" idx="4"/>
-            <a:endCxn id="74" idx="0"/>
-          </p:cNvCxnSpPr>
-          <p:nvPr/>
-        </p:nvCxnSpPr>
-        <p:spPr>
-          <a:xfrm flipH="1">
-            <a:off x="2570238" y="4865971"/>
-            <a:ext cx="5520817" cy="1052235"/>
-          </a:xfrm>
-          <a:prstGeom prst="straightConnector1">
-            <a:avLst/>
-          </a:prstGeom>
-          <a:ln>
-            <a:tailEnd type="triangle"/>
-          </a:ln>
-        </p:spPr>
-        <p:style>
-          <a:lnRef idx="1">
-            <a:schemeClr val="dk1"/>
-          </a:lnRef>
-          <a:fillRef idx="0">
-            <a:schemeClr val="dk1"/>
-          </a:fillRef>
-          <a:effectRef idx="0">
-            <a:schemeClr val="dk1"/>
-          </a:effectRef>
-          <a:fontRef idx="minor">
-            <a:schemeClr val="tx1"/>
-          </a:fontRef>
-        </p:style>
-      </p:cxnSp>
-      <p:sp>
-        <p:nvSpPr>
-          <p:cNvPr id="82" name="椭圆 81">
-            <a:extLst>
-              <a:ext uri="{FF2B5EF4-FFF2-40B4-BE49-F238E27FC236}">
-                <a16:creationId xmlns:a16="http://schemas.microsoft.com/office/drawing/2014/main" id="{E6F7DB0B-1CFA-454E-AEC1-A4304AA387C3}"/>
-              </a:ext>
-            </a:extLst>
-          </p:cNvPr>
-          <p:cNvSpPr/>
-          <p:nvPr/>
-        </p:nvSpPr>
-        <p:spPr>
-          <a:xfrm>
-            <a:off x="10616409" y="6181349"/>
-            <a:ext cx="827446" cy="595005"/>
-          </a:xfrm>
-          <a:prstGeom prst="ellipse">
-            <a:avLst/>
-          </a:prstGeom>
-        </p:spPr>
-        <p:style>
-          <a:lnRef idx="1">
-            <a:schemeClr val="accent2"/>
-          </a:lnRef>
-          <a:fillRef idx="2">
-            <a:schemeClr val="accent2"/>
-          </a:fillRef>
-          <a:effectRef idx="1">
-            <a:schemeClr val="accent2"/>
-          </a:effectRef>
-          <a:fontRef idx="minor">
-            <a:schemeClr val="dk1"/>
-          </a:fontRef>
-        </p:style>
-        <p:txBody>
-          <a:bodyPr rtlCol="0" anchor="ctr"/>
-          <a:lstStyle/>
-          <a:p>
-            <a:pPr algn="ctr"/>
-            <a:r>
-              <a:rPr lang="zh-CN" altLang="en-US" dirty="0"/>
-              <a:t>肾</a:t>
-            </a:r>
-          </a:p>
-        </p:txBody>
-      </p:sp>
-      <p:cxnSp>
-        <p:nvCxnSpPr>
-          <p:cNvPr id="83" name="直接箭头连接符 82">
-            <a:extLst>
-              <a:ext uri="{FF2B5EF4-FFF2-40B4-BE49-F238E27FC236}">
-                <a16:creationId xmlns:a16="http://schemas.microsoft.com/office/drawing/2014/main" id="{669ECAA6-6115-41C5-9FEA-EDDB21DC1296}"/>
-              </a:ext>
-            </a:extLst>
-          </p:cNvPr>
-          <p:cNvCxnSpPr>
-            <a:cxnSpLocks/>
-            <a:stCxn id="5" idx="4"/>
-            <a:endCxn id="82" idx="0"/>
-          </p:cNvCxnSpPr>
-          <p:nvPr/>
-        </p:nvCxnSpPr>
-        <p:spPr>
-          <a:xfrm>
-            <a:off x="8091055" y="4865971"/>
-            <a:ext cx="2939077" cy="1315378"/>
-          </a:xfrm>
-          <a:prstGeom prst="straightConnector1">
-            <a:avLst/>
-          </a:prstGeom>
-          <a:ln>
-            <a:tailEnd type="triangle"/>
-          </a:ln>
-        </p:spPr>
-        <p:style>
-          <a:lnRef idx="1">
-            <a:schemeClr val="dk1"/>
-          </a:lnRef>
-          <a:fillRef idx="0">
-            <a:schemeClr val="dk1"/>
-          </a:fillRef>
-          <a:effectRef idx="0">
-            <a:schemeClr val="dk1"/>
-          </a:effectRef>
-          <a:fontRef idx="minor">
-            <a:schemeClr val="tx1"/>
-          </a:fontRef>
-        </p:style>
-      </p:cxnSp>
-      <p:sp>
-        <p:nvSpPr>
-          <p:cNvPr id="93" name="文本框 92">
-            <a:extLst>
-              <a:ext uri="{FF2B5EF4-FFF2-40B4-BE49-F238E27FC236}">
-                <a16:creationId xmlns:a16="http://schemas.microsoft.com/office/drawing/2014/main" id="{94C279B6-54DA-4BFD-B0D5-6DD89C745ADA}"/>
-              </a:ext>
-            </a:extLst>
-          </p:cNvPr>
-          <p:cNvSpPr txBox="1"/>
-          <p:nvPr/>
-        </p:nvSpPr>
-        <p:spPr>
-          <a:xfrm>
-            <a:off x="3795659" y="5334041"/>
-            <a:ext cx="3328156" cy="369332"/>
-          </a:xfrm>
-          <a:prstGeom prst="rect">
-            <a:avLst/>
-          </a:prstGeom>
-          <a:noFill/>
-        </p:spPr>
-        <p:txBody>
-          <a:bodyPr wrap="square" rtlCol="0">
-            <a:spAutoFit/>
-          </a:bodyPr>
-          <a:lstStyle/>
-          <a:p>
-            <a:r>
-              <a:rPr lang="en-US" altLang="zh-CN" dirty="0" err="1"/>
-              <a:t>Process_Disease_used_Disease</a:t>
-            </a:r>
-            <a:endParaRPr lang="zh-CN" altLang="en-US" dirty="0"/>
-          </a:p>
-        </p:txBody>
-      </p:sp>
-      <p:sp>
-        <p:nvSpPr>
-          <p:cNvPr id="100" name="文本框 99">
-            <a:extLst>
-              <a:ext uri="{FF2B5EF4-FFF2-40B4-BE49-F238E27FC236}">
-                <a16:creationId xmlns:a16="http://schemas.microsoft.com/office/drawing/2014/main" id="{A37D4F48-60F0-4FB9-8510-DB2D894831D5}"/>
-              </a:ext>
-            </a:extLst>
-          </p:cNvPr>
-          <p:cNvSpPr txBox="1"/>
-          <p:nvPr/>
-        </p:nvSpPr>
-        <p:spPr>
-          <a:xfrm>
-            <a:off x="7418684" y="5398494"/>
-            <a:ext cx="3751675" cy="369332"/>
-          </a:xfrm>
-          <a:prstGeom prst="rect">
-            <a:avLst/>
-          </a:prstGeom>
-          <a:noFill/>
-        </p:spPr>
-        <p:txBody>
-          <a:bodyPr wrap="square" rtlCol="0">
-            <a:spAutoFit/>
-          </a:bodyPr>
-          <a:lstStyle/>
-          <a:p>
-            <a:r>
-              <a:rPr lang="en-US" altLang="zh-CN" dirty="0" err="1"/>
-              <a:t>Process_Disease_used_related_Body</a:t>
-            </a:r>
-            <a:endParaRPr lang="zh-CN" altLang="en-US" dirty="0"/>
-          </a:p>
-        </p:txBody>
-      </p:sp>
+      </p:pic>
     </p:spTree>
     <p:extLst>
       <p:ext uri="{BB962C8B-B14F-4D97-AF65-F5344CB8AC3E}">
-        <p14:creationId xmlns:p14="http://schemas.microsoft.com/office/powerpoint/2010/main" val="2724682999"/>
+        <p14:creationId xmlns:p14="http://schemas.microsoft.com/office/powerpoint/2010/main" val="1131106828"/>
       </p:ext>
     </p:extLst>
   </p:cSld>
@@ -14459,7 +13482,7 @@
           <p:cNvPr id="2" name="标题 1">
             <a:extLst>
               <a:ext uri="{FF2B5EF4-FFF2-40B4-BE49-F238E27FC236}">
-                <a16:creationId xmlns:a16="http://schemas.microsoft.com/office/drawing/2014/main" id="{43AC7364-C202-4F0E-A9FC-184E918B025E}"/>
+                <a16:creationId xmlns:a16="http://schemas.microsoft.com/office/drawing/2014/main" id="{EFEFE359-7BAA-4574-8318-BE55035532FC}"/>
               </a:ext>
             </a:extLst>
           </p:cNvPr>
@@ -14470,59 +13493,376 @@
             <p:ph type="title"/>
           </p:nvPr>
         </p:nvSpPr>
-        <p:spPr/>
+        <p:spPr>
+          <a:xfrm>
+            <a:off x="434684" y="-148078"/>
+            <a:ext cx="10515600" cy="1325563"/>
+          </a:xfrm>
+        </p:spPr>
         <p:txBody>
           <a:bodyPr/>
           <a:lstStyle/>
           <a:p>
             <a:r>
               <a:rPr lang="zh-CN" altLang="en-US" dirty="0"/>
-              <a:t>效果</a:t>
-            </a:r>
-          </a:p>
-        </p:txBody>
-      </p:sp>
-      <p:pic>
-        <p:nvPicPr>
-          <p:cNvPr id="5" name="内容占位符 4">
-            <a:extLst>
-              <a:ext uri="{FF2B5EF4-FFF2-40B4-BE49-F238E27FC236}">
-                <a16:creationId xmlns:a16="http://schemas.microsoft.com/office/drawing/2014/main" id="{2B938315-9651-4522-87B9-C7D8CC6507B3}"/>
-              </a:ext>
-            </a:extLst>
-          </p:cNvPr>
-          <p:cNvPicPr>
-            <a:picLocks noGrp="1" noChangeAspect="1"/>
-          </p:cNvPicPr>
+              <a:t>出院小结延伸部分</a:t>
+            </a:r>
+          </a:p>
+        </p:txBody>
+      </p:sp>
+      <p:sp>
+        <p:nvSpPr>
+          <p:cNvPr id="4" name="内容占位符 3">
+            <a:extLst>
+              <a:ext uri="{FF2B5EF4-FFF2-40B4-BE49-F238E27FC236}">
+                <a16:creationId xmlns:a16="http://schemas.microsoft.com/office/drawing/2014/main" id="{71FC4A56-3346-4FF1-8450-FBFD0C677320}"/>
+              </a:ext>
+            </a:extLst>
+          </p:cNvPr>
+          <p:cNvSpPr txBox="1">
+            <a:spLocks noGrp="1"/>
+          </p:cNvSpPr>
           <p:nvPr>
             <p:ph idx="1"/>
           </p:nvPr>
-        </p:nvPicPr>
-        <p:blipFill>
-          <a:blip r:embed="rId2">
-            <a:extLst>
-              <a:ext uri="{28A0092B-C50C-407E-A947-70E740481C1C}">
-                <a14:useLocalDpi xmlns:a14="http://schemas.microsoft.com/office/drawing/2010/main" val="0"/>
-              </a:ext>
-            </a:extLst>
-          </a:blip>
-          <a:stretch>
-            <a:fillRect/>
-          </a:stretch>
-        </p:blipFill>
-        <p:spPr>
-          <a:xfrm>
-            <a:off x="979192" y="1448232"/>
-            <a:ext cx="7326608" cy="5190663"/>
-          </a:xfrm>
-        </p:spPr>
-      </p:pic>
-      <p:sp>
-        <p:nvSpPr>
-          <p:cNvPr id="6" name="文本框 5">
-            <a:extLst>
-              <a:ext uri="{FF2B5EF4-FFF2-40B4-BE49-F238E27FC236}">
-                <a16:creationId xmlns:a16="http://schemas.microsoft.com/office/drawing/2014/main" id="{24C9C6AE-3F24-47DB-8648-E70B47983B1B}"/>
+        </p:nvSpPr>
+        <p:spPr>
+          <a:xfrm>
+            <a:off x="434684" y="868695"/>
+            <a:ext cx="11152046" cy="5950860"/>
+          </a:xfrm>
+          <a:prstGeom prst="rect">
+            <a:avLst/>
+          </a:prstGeom>
+        </p:spPr>
+        <p:style>
+          <a:lnRef idx="2">
+            <a:schemeClr val="accent4"/>
+          </a:lnRef>
+          <a:fillRef idx="1">
+            <a:schemeClr val="lt1"/>
+          </a:fillRef>
+          <a:effectRef idx="0">
+            <a:schemeClr val="accent4"/>
+          </a:effectRef>
+          <a:fontRef idx="minor">
+            <a:schemeClr val="dk1"/>
+          </a:fontRef>
+        </p:style>
+        <p:txBody>
+          <a:bodyPr wrap="square" rtlCol="0">
+            <a:spAutoFit/>
+          </a:bodyPr>
+          <a:lstStyle/>
+          <a:p>
+            <a:pPr marL="457200" indent="-457200">
+              <a:buFont typeface="+mj-lt"/>
+              <a:buAutoNum type="arabicPeriod"/>
+            </a:pPr>
+            <a:r>
+              <a:rPr lang="zh-CN" altLang="en-US" sz="2000" dirty="0"/>
+              <a:t>简单唯一确定的属性：温度，血压，脉搏，直接作为属性</a:t>
+            </a:r>
+            <a:endParaRPr lang="en-US" altLang="zh-CN" sz="2000" dirty="0"/>
+          </a:p>
+          <a:p>
+            <a:pPr marL="457200" indent="-457200">
+              <a:buFont typeface="+mj-lt"/>
+              <a:buAutoNum type="arabicPeriod"/>
+            </a:pPr>
+            <a:r>
+              <a:rPr lang="zh-CN" altLang="en-US" sz="2000" dirty="0"/>
+              <a:t>想看用了哪些药，看属性中的</a:t>
+            </a:r>
+            <a:r>
+              <a:rPr lang="en-US" altLang="zh-CN" sz="2000" dirty="0" err="1"/>
+              <a:t>Drug_used</a:t>
+            </a:r>
+            <a:endParaRPr lang="en-US" altLang="zh-CN" sz="2000" dirty="0"/>
+          </a:p>
+          <a:p>
+            <a:pPr lvl="1"/>
+            <a:r>
+              <a:rPr lang="zh-CN" altLang="en-US" sz="2000" dirty="0"/>
+              <a:t>想看用药的详细信息，点开</a:t>
+            </a:r>
+            <a:r>
+              <a:rPr lang="en-US" altLang="zh-CN" sz="2000" dirty="0" err="1"/>
+              <a:t>Drug_used</a:t>
+            </a:r>
+            <a:r>
+              <a:rPr lang="zh-CN" altLang="en-US" sz="2000" dirty="0"/>
+              <a:t>关系，连到药品库</a:t>
+            </a:r>
+            <a:endParaRPr lang="en-US" altLang="zh-CN" sz="2000" dirty="0"/>
+          </a:p>
+          <a:p>
+            <a:pPr marL="457200" indent="-457200">
+              <a:buFont typeface="+mj-lt"/>
+              <a:buAutoNum type="arabicPeriod"/>
+            </a:pPr>
+            <a:r>
+              <a:rPr lang="zh-CN" altLang="en-US" sz="2000" dirty="0"/>
+              <a:t>自定义的某些字段</a:t>
+            </a:r>
+            <a:r>
+              <a:rPr lang="en-US" altLang="zh-CN" sz="2000" dirty="0"/>
+              <a:t>{Disease: </a:t>
+            </a:r>
+            <a:r>
+              <a:rPr lang="en-US" altLang="zh-CN" sz="2000" dirty="0" err="1"/>
+              <a:t>Related_body</a:t>
+            </a:r>
+            <a:r>
+              <a:rPr lang="en-US" altLang="zh-CN" sz="2000" dirty="0"/>
+              <a:t>:} </a:t>
+            </a:r>
+            <a:r>
+              <a:rPr lang="zh-CN" altLang="en-US" sz="2000" dirty="0"/>
+              <a:t>单独拿出来，再去连接</a:t>
+            </a:r>
+            <a:endParaRPr lang="en-US" altLang="zh-CN" sz="2000" dirty="0"/>
+          </a:p>
+          <a:p>
+            <a:endParaRPr lang="en-US" altLang="zh-CN" sz="2000" dirty="0"/>
+          </a:p>
+          <a:p>
+            <a:endParaRPr lang="en-US" altLang="zh-CN" sz="2000" dirty="0"/>
+          </a:p>
+          <a:p>
+            <a:endParaRPr lang="en-US" altLang="zh-CN" sz="2000" dirty="0"/>
+          </a:p>
+          <a:p>
+            <a:endParaRPr lang="en-US" altLang="zh-CN" sz="2000" dirty="0"/>
+          </a:p>
+          <a:p>
+            <a:endParaRPr lang="en-US" altLang="zh-CN" sz="2000" dirty="0"/>
+          </a:p>
+          <a:p>
+            <a:endParaRPr lang="en-US" altLang="zh-CN" sz="2000" dirty="0"/>
+          </a:p>
+          <a:p>
+            <a:endParaRPr lang="en-US" altLang="zh-CN" sz="1800" dirty="0">
+              <a:solidFill>
+                <a:schemeClr val="tx1"/>
+              </a:solidFill>
+            </a:endParaRPr>
+          </a:p>
+          <a:p>
+            <a:endParaRPr lang="en-US" altLang="zh-CN" sz="2000" dirty="0"/>
+          </a:p>
+          <a:p>
+            <a:pPr marL="0" indent="0">
+              <a:buNone/>
+            </a:pPr>
+            <a:endParaRPr lang="en-US" altLang="zh-CN" sz="2000" dirty="0"/>
+          </a:p>
+          <a:p>
+            <a:pPr marL="0" indent="0">
+              <a:buNone/>
+            </a:pPr>
+            <a:endParaRPr lang="en-US" altLang="zh-CN" sz="2000" dirty="0"/>
+          </a:p>
+          <a:p>
+            <a:pPr marL="0" indent="0">
+              <a:buNone/>
+            </a:pPr>
+            <a:endParaRPr lang="en-US" altLang="zh-CN" sz="2000" dirty="0"/>
+          </a:p>
+        </p:txBody>
+      </p:sp>
+      <p:sp>
+        <p:nvSpPr>
+          <p:cNvPr id="3" name="椭圆 2">
+            <a:extLst>
+              <a:ext uri="{FF2B5EF4-FFF2-40B4-BE49-F238E27FC236}">
+                <a16:creationId xmlns:a16="http://schemas.microsoft.com/office/drawing/2014/main" id="{8040D3CD-64E3-4A05-8A0F-44F172E99854}"/>
+              </a:ext>
+            </a:extLst>
+          </p:cNvPr>
+          <p:cNvSpPr/>
+          <p:nvPr/>
+        </p:nvSpPr>
+        <p:spPr>
+          <a:xfrm>
+            <a:off x="1364672" y="3119539"/>
+            <a:ext cx="907473" cy="879763"/>
+          </a:xfrm>
+          <a:prstGeom prst="ellipse">
+            <a:avLst/>
+          </a:prstGeom>
+        </p:spPr>
+        <p:style>
+          <a:lnRef idx="2">
+            <a:schemeClr val="dk1">
+              <a:shade val="50000"/>
+            </a:schemeClr>
+          </a:lnRef>
+          <a:fillRef idx="1">
+            <a:schemeClr val="dk1"/>
+          </a:fillRef>
+          <a:effectRef idx="0">
+            <a:schemeClr val="dk1"/>
+          </a:effectRef>
+          <a:fontRef idx="minor">
+            <a:schemeClr val="lt1"/>
+          </a:fontRef>
+        </p:style>
+        <p:txBody>
+          <a:bodyPr rtlCol="0" anchor="ctr"/>
+          <a:lstStyle/>
+          <a:p>
+            <a:pPr algn="ctr"/>
+            <a:r>
+              <a:rPr lang="zh-CN" altLang="en-US" dirty="0"/>
+              <a:t>诊疗过程</a:t>
+            </a:r>
+          </a:p>
+        </p:txBody>
+      </p:sp>
+      <p:sp>
+        <p:nvSpPr>
+          <p:cNvPr id="5" name="椭圆 4">
+            <a:extLst>
+              <a:ext uri="{FF2B5EF4-FFF2-40B4-BE49-F238E27FC236}">
+                <a16:creationId xmlns:a16="http://schemas.microsoft.com/office/drawing/2014/main" id="{9E85856B-962B-400C-B16F-EDED4FB6A4D5}"/>
+              </a:ext>
+            </a:extLst>
+          </p:cNvPr>
+          <p:cNvSpPr/>
+          <p:nvPr/>
+        </p:nvSpPr>
+        <p:spPr>
+          <a:xfrm>
+            <a:off x="4603173" y="4054001"/>
+            <a:ext cx="6975763" cy="811970"/>
+          </a:xfrm>
+          <a:prstGeom prst="ellipse">
+            <a:avLst/>
+          </a:prstGeom>
+        </p:spPr>
+        <p:style>
+          <a:lnRef idx="1">
+            <a:schemeClr val="accent1"/>
+          </a:lnRef>
+          <a:fillRef idx="2">
+            <a:schemeClr val="accent1"/>
+          </a:fillRef>
+          <a:effectRef idx="1">
+            <a:schemeClr val="accent1"/>
+          </a:effectRef>
+          <a:fontRef idx="minor">
+            <a:schemeClr val="dk1"/>
+          </a:fontRef>
+        </p:style>
+        <p:txBody>
+          <a:bodyPr rtlCol="0" anchor="ctr"/>
+          <a:lstStyle/>
+          <a:p>
+            <a:pPr marL="0" marR="0" lvl="0" indent="0" algn="l" defTabSz="914400" rtl="0" eaLnBrk="0" fontAlgn="base" latinLnBrk="0" hangingPunct="0">
+              <a:lnSpc>
+                <a:spcPct val="100000"/>
+              </a:lnSpc>
+              <a:spcBef>
+                <a:spcPct val="0"/>
+              </a:spcBef>
+              <a:spcAft>
+                <a:spcPct val="0"/>
+              </a:spcAft>
+              <a:buClrTx/>
+              <a:buSzTx/>
+              <a:buFontTx/>
+              <a:buNone/>
+              <a:tabLst/>
+            </a:pPr>
+            <a:r>
+              <a:rPr kumimoji="0" lang="zh-CN" altLang="zh-CN" sz="1400" i="0" u="none" strike="noStrike" cap="none" normalizeH="0" baseline="0" dirty="0">
+                <a:ln>
+                  <a:noFill/>
+                </a:ln>
+                <a:solidFill>
+                  <a:srgbClr val="000000"/>
+                </a:solidFill>
+                <a:effectLst/>
+                <a:latin typeface="Arial Unicode MS"/>
+                <a:ea typeface="Courier New" panose="02070309020205020404" pitchFamily="49" charset="0"/>
+              </a:rPr>
+              <a:t>[{'Disease': '慢性支气管炎', 'Related Body': ['气管', '支气管']}, {'Disease': '肾囊肿', 'Related Body': ['肾']}]</a:t>
+            </a:r>
+            <a:r>
+              <a:rPr kumimoji="0" lang="zh-CN" altLang="zh-CN" sz="600" i="0" u="none" strike="noStrike" cap="none" normalizeH="0" baseline="0" dirty="0">
+                <a:ln>
+                  <a:noFill/>
+                </a:ln>
+                <a:solidFill>
+                  <a:schemeClr val="tx1"/>
+                </a:solidFill>
+                <a:effectLst/>
+              </a:rPr>
+              <a:t> </a:t>
+            </a:r>
+            <a:endParaRPr kumimoji="0" lang="zh-CN" altLang="zh-CN" sz="3200" i="0" u="none" strike="noStrike" cap="none" normalizeH="0" baseline="0" dirty="0">
+              <a:ln>
+                <a:noFill/>
+              </a:ln>
+              <a:solidFill>
+                <a:schemeClr val="tx1"/>
+              </a:solidFill>
+              <a:effectLst/>
+              <a:latin typeface="Arial" panose="020B0604020202020204" pitchFamily="34" charset="0"/>
+            </a:endParaRPr>
+          </a:p>
+        </p:txBody>
+      </p:sp>
+      <p:cxnSp>
+        <p:nvCxnSpPr>
+          <p:cNvPr id="7" name="直接箭头连接符 6">
+            <a:extLst>
+              <a:ext uri="{FF2B5EF4-FFF2-40B4-BE49-F238E27FC236}">
+                <a16:creationId xmlns:a16="http://schemas.microsoft.com/office/drawing/2014/main" id="{D19071A1-E1D0-4BBF-8876-C06C73E093E5}"/>
+              </a:ext>
+            </a:extLst>
+          </p:cNvPr>
+          <p:cNvCxnSpPr>
+            <a:cxnSpLocks/>
+            <a:stCxn id="3" idx="6"/>
+            <a:endCxn id="5" idx="2"/>
+          </p:cNvCxnSpPr>
+          <p:nvPr/>
+        </p:nvCxnSpPr>
+        <p:spPr>
+          <a:xfrm>
+            <a:off x="2272145" y="3559421"/>
+            <a:ext cx="2331028" cy="900565"/>
+          </a:xfrm>
+          <a:prstGeom prst="straightConnector1">
+            <a:avLst/>
+          </a:prstGeom>
+          <a:ln>
+            <a:tailEnd type="triangle"/>
+          </a:ln>
+        </p:spPr>
+        <p:style>
+          <a:lnRef idx="1">
+            <a:schemeClr val="dk1"/>
+          </a:lnRef>
+          <a:fillRef idx="0">
+            <a:schemeClr val="dk1"/>
+          </a:fillRef>
+          <a:effectRef idx="0">
+            <a:schemeClr val="dk1"/>
+          </a:effectRef>
+          <a:fontRef idx="minor">
+            <a:schemeClr val="tx1"/>
+          </a:fontRef>
+        </p:style>
+      </p:cxnSp>
+      <p:sp>
+        <p:nvSpPr>
+          <p:cNvPr id="8" name="文本框 7">
+            <a:extLst>
+              <a:ext uri="{FF2B5EF4-FFF2-40B4-BE49-F238E27FC236}">
+                <a16:creationId xmlns:a16="http://schemas.microsoft.com/office/drawing/2014/main" id="{DF6C9DDA-2787-47B8-BFD1-C70536C9438A}"/>
               </a:ext>
             </a:extLst>
           </p:cNvPr>
@@ -14531,8 +13871,8 @@
         </p:nvSpPr>
         <p:spPr>
           <a:xfrm>
-            <a:off x="1207792" y="2787650"/>
-            <a:ext cx="748145" cy="369332"/>
+            <a:off x="5883855" y="3251501"/>
+            <a:ext cx="1593273" cy="369332"/>
           </a:xfrm>
           <a:prstGeom prst="rect">
             <a:avLst/>
@@ -14546,18 +13886,246 @@
           <a:lstStyle/>
           <a:p>
             <a:r>
+              <a:rPr lang="en-US" altLang="zh-CN" dirty="0" err="1"/>
+              <a:t>Drug_Used</a:t>
+            </a:r>
+            <a:endParaRPr lang="zh-CN" altLang="en-US" dirty="0"/>
+          </a:p>
+        </p:txBody>
+      </p:sp>
+      <p:sp>
+        <p:nvSpPr>
+          <p:cNvPr id="22" name="椭圆 21">
+            <a:extLst>
+              <a:ext uri="{FF2B5EF4-FFF2-40B4-BE49-F238E27FC236}">
+                <a16:creationId xmlns:a16="http://schemas.microsoft.com/office/drawing/2014/main" id="{2E69BB22-89AB-4E55-B1B0-D73DB9127E79}"/>
+              </a:ext>
+            </a:extLst>
+          </p:cNvPr>
+          <p:cNvSpPr/>
+          <p:nvPr/>
+        </p:nvSpPr>
+        <p:spPr>
+          <a:xfrm>
+            <a:off x="7843398" y="2446250"/>
+            <a:ext cx="926530" cy="666999"/>
+          </a:xfrm>
+          <a:prstGeom prst="ellipse">
+            <a:avLst/>
+          </a:prstGeom>
+        </p:spPr>
+        <p:style>
+          <a:lnRef idx="1">
+            <a:schemeClr val="accent6"/>
+          </a:lnRef>
+          <a:fillRef idx="2">
+            <a:schemeClr val="accent6"/>
+          </a:fillRef>
+          <a:effectRef idx="1">
+            <a:schemeClr val="accent6"/>
+          </a:effectRef>
+          <a:fontRef idx="minor">
+            <a:schemeClr val="dk1"/>
+          </a:fontRef>
+        </p:style>
+        <p:txBody>
+          <a:bodyPr rtlCol="0" anchor="ctr"/>
+          <a:lstStyle/>
+          <a:p>
+            <a:pPr algn="ctr"/>
+            <a:r>
               <a:rPr lang="zh-CN" altLang="en-US" dirty="0"/>
-              <a:t>病案</a:t>
-            </a:r>
-          </a:p>
-        </p:txBody>
-      </p:sp>
-      <p:sp>
-        <p:nvSpPr>
-          <p:cNvPr id="7" name="文本框 6">
-            <a:extLst>
-              <a:ext uri="{FF2B5EF4-FFF2-40B4-BE49-F238E27FC236}">
-                <a16:creationId xmlns:a16="http://schemas.microsoft.com/office/drawing/2014/main" id="{51ECE836-FEA8-424C-A7FF-9DD3BF37CA6C}"/>
+              <a:t>甘油</a:t>
+            </a:r>
+          </a:p>
+        </p:txBody>
+      </p:sp>
+      <p:sp>
+        <p:nvSpPr>
+          <p:cNvPr id="25" name="椭圆 24">
+            <a:extLst>
+              <a:ext uri="{FF2B5EF4-FFF2-40B4-BE49-F238E27FC236}">
+                <a16:creationId xmlns:a16="http://schemas.microsoft.com/office/drawing/2014/main" id="{5F8E13B2-ED12-4EF2-A19C-0FD411042432}"/>
+              </a:ext>
+            </a:extLst>
+          </p:cNvPr>
+          <p:cNvSpPr/>
+          <p:nvPr/>
+        </p:nvSpPr>
+        <p:spPr>
+          <a:xfrm>
+            <a:off x="8091056" y="6171444"/>
+            <a:ext cx="929116" cy="595005"/>
+          </a:xfrm>
+          <a:prstGeom prst="ellipse">
+            <a:avLst/>
+          </a:prstGeom>
+        </p:spPr>
+        <p:style>
+          <a:lnRef idx="1">
+            <a:schemeClr val="accent2"/>
+          </a:lnRef>
+          <a:fillRef idx="2">
+            <a:schemeClr val="accent2"/>
+          </a:fillRef>
+          <a:effectRef idx="1">
+            <a:schemeClr val="accent2"/>
+          </a:effectRef>
+          <a:fontRef idx="minor">
+            <a:schemeClr val="dk1"/>
+          </a:fontRef>
+        </p:style>
+        <p:txBody>
+          <a:bodyPr rtlCol="0" anchor="ctr"/>
+          <a:lstStyle/>
+          <a:p>
+            <a:pPr algn="ctr"/>
+            <a:r>
+              <a:rPr lang="zh-CN" altLang="en-US" dirty="0"/>
+              <a:t>气管</a:t>
+            </a:r>
+          </a:p>
+        </p:txBody>
+      </p:sp>
+      <p:cxnSp>
+        <p:nvCxnSpPr>
+          <p:cNvPr id="29" name="直接箭头连接符 28">
+            <a:extLst>
+              <a:ext uri="{FF2B5EF4-FFF2-40B4-BE49-F238E27FC236}">
+                <a16:creationId xmlns:a16="http://schemas.microsoft.com/office/drawing/2014/main" id="{4922AC23-21C5-49AC-996E-9E9495E98DFC}"/>
+              </a:ext>
+            </a:extLst>
+          </p:cNvPr>
+          <p:cNvCxnSpPr>
+            <a:cxnSpLocks/>
+            <a:stCxn id="5" idx="4"/>
+            <a:endCxn id="25" idx="0"/>
+          </p:cNvCxnSpPr>
+          <p:nvPr/>
+        </p:nvCxnSpPr>
+        <p:spPr>
+          <a:xfrm>
+            <a:off x="8091055" y="4865971"/>
+            <a:ext cx="464559" cy="1305473"/>
+          </a:xfrm>
+          <a:prstGeom prst="straightConnector1">
+            <a:avLst/>
+          </a:prstGeom>
+          <a:ln>
+            <a:tailEnd type="triangle"/>
+          </a:ln>
+        </p:spPr>
+        <p:style>
+          <a:lnRef idx="1">
+            <a:schemeClr val="dk1"/>
+          </a:lnRef>
+          <a:fillRef idx="0">
+            <a:schemeClr val="dk1"/>
+          </a:fillRef>
+          <a:effectRef idx="0">
+            <a:schemeClr val="dk1"/>
+          </a:effectRef>
+          <a:fontRef idx="minor">
+            <a:schemeClr val="tx1"/>
+          </a:fontRef>
+        </p:style>
+      </p:cxnSp>
+      <p:cxnSp>
+        <p:nvCxnSpPr>
+          <p:cNvPr id="14" name="直接箭头连接符 13">
+            <a:extLst>
+              <a:ext uri="{FF2B5EF4-FFF2-40B4-BE49-F238E27FC236}">
+                <a16:creationId xmlns:a16="http://schemas.microsoft.com/office/drawing/2014/main" id="{81DF2266-08EF-4702-8762-37E5CA1F3F7E}"/>
+              </a:ext>
+            </a:extLst>
+          </p:cNvPr>
+          <p:cNvCxnSpPr>
+            <a:cxnSpLocks/>
+            <a:stCxn id="3" idx="6"/>
+            <a:endCxn id="22" idx="2"/>
+          </p:cNvCxnSpPr>
+          <p:nvPr/>
+        </p:nvCxnSpPr>
+        <p:spPr>
+          <a:xfrm flipV="1">
+            <a:off x="2272145" y="2779750"/>
+            <a:ext cx="5571253" cy="779671"/>
+          </a:xfrm>
+          <a:prstGeom prst="straightConnector1">
+            <a:avLst/>
+          </a:prstGeom>
+          <a:ln>
+            <a:tailEnd type="triangle"/>
+          </a:ln>
+        </p:spPr>
+        <p:style>
+          <a:lnRef idx="1">
+            <a:schemeClr val="dk1"/>
+          </a:lnRef>
+          <a:fillRef idx="0">
+            <a:schemeClr val="dk1"/>
+          </a:fillRef>
+          <a:effectRef idx="0">
+            <a:schemeClr val="dk1"/>
+          </a:effectRef>
+          <a:fontRef idx="minor">
+            <a:schemeClr val="tx1"/>
+          </a:fontRef>
+        </p:style>
+      </p:cxnSp>
+      <p:sp>
+        <p:nvSpPr>
+          <p:cNvPr id="38" name="椭圆 37">
+            <a:extLst>
+              <a:ext uri="{FF2B5EF4-FFF2-40B4-BE49-F238E27FC236}">
+                <a16:creationId xmlns:a16="http://schemas.microsoft.com/office/drawing/2014/main" id="{AF773F40-E1E1-4D92-BB86-9BA5BFD0E16B}"/>
+              </a:ext>
+            </a:extLst>
+          </p:cNvPr>
+          <p:cNvSpPr/>
+          <p:nvPr/>
+        </p:nvSpPr>
+        <p:spPr>
+          <a:xfrm>
+            <a:off x="7658958" y="3245193"/>
+            <a:ext cx="1295409" cy="710253"/>
+          </a:xfrm>
+          <a:prstGeom prst="ellipse">
+            <a:avLst/>
+          </a:prstGeom>
+        </p:spPr>
+        <p:style>
+          <a:lnRef idx="1">
+            <a:schemeClr val="accent6"/>
+          </a:lnRef>
+          <a:fillRef idx="2">
+            <a:schemeClr val="accent6"/>
+          </a:fillRef>
+          <a:effectRef idx="1">
+            <a:schemeClr val="accent6"/>
+          </a:effectRef>
+          <a:fontRef idx="minor">
+            <a:schemeClr val="dk1"/>
+          </a:fontRef>
+        </p:style>
+        <p:txBody>
+          <a:bodyPr rtlCol="0" anchor="ctr"/>
+          <a:lstStyle/>
+          <a:p>
+            <a:pPr algn="ctr"/>
+            <a:r>
+              <a:rPr lang="zh-CN" altLang="en-US" dirty="0"/>
+              <a:t>葡萄糖</a:t>
+            </a:r>
+          </a:p>
+        </p:txBody>
+      </p:sp>
+      <p:sp>
+        <p:nvSpPr>
+          <p:cNvPr id="40" name="文本框 39">
+            <a:extLst>
+              <a:ext uri="{FF2B5EF4-FFF2-40B4-BE49-F238E27FC236}">
+                <a16:creationId xmlns:a16="http://schemas.microsoft.com/office/drawing/2014/main" id="{03DAC247-9CAC-4502-96B3-98D91F509715}"/>
               </a:ext>
             </a:extLst>
           </p:cNvPr>
@@ -14566,8 +14134,8 @@
         </p:nvSpPr>
         <p:spPr>
           <a:xfrm>
-            <a:off x="3089563" y="2787650"/>
-            <a:ext cx="1295400" cy="369332"/>
+            <a:off x="716314" y="4138912"/>
+            <a:ext cx="2738017" cy="1754326"/>
           </a:xfrm>
           <a:prstGeom prst="rect">
             <a:avLst/>
@@ -14580,17 +14148,622 @@
           </a:bodyPr>
           <a:lstStyle/>
           <a:p>
+            <a:pPr marL="285750" indent="-285750">
+              <a:buFont typeface="Arial" panose="020B0604020202020204" pitchFamily="34" charset="0"/>
+              <a:buChar char="•"/>
+            </a:pPr>
+            <a:r>
+              <a:rPr lang="en-US" altLang="zh-CN" dirty="0" err="1"/>
+              <a:t>Drug_Used</a:t>
+            </a:r>
+            <a:endParaRPr lang="en-US" altLang="zh-CN" dirty="0"/>
+          </a:p>
+          <a:p>
+            <a:pPr marL="285750" indent="-285750">
+              <a:buFont typeface="Arial" panose="020B0604020202020204" pitchFamily="34" charset="0"/>
+              <a:buChar char="•"/>
+            </a:pPr>
+            <a:r>
+              <a:rPr lang="en-US" altLang="zh-CN" dirty="0"/>
+              <a:t>Temperature</a:t>
+            </a:r>
             <a:r>
               <a:rPr lang="zh-CN" altLang="en-US" dirty="0"/>
-              <a:t>诊疗过程</a:t>
-            </a:r>
+              <a:t>：</a:t>
+            </a:r>
+            <a:r>
+              <a:rPr lang="en-US" altLang="zh-CN" dirty="0"/>
+              <a:t>37°C</a:t>
+            </a:r>
+          </a:p>
+          <a:p>
+            <a:pPr marL="285750" indent="-285750">
+              <a:buFont typeface="Arial" panose="020B0604020202020204" pitchFamily="34" charset="0"/>
+              <a:buChar char="•"/>
+            </a:pPr>
+            <a:r>
+              <a:rPr lang="en-US" altLang="zh-CN" dirty="0" err="1"/>
+              <a:t>Disease_used</a:t>
+            </a:r>
+            <a:endParaRPr lang="en-US" altLang="zh-CN" dirty="0"/>
+          </a:p>
+          <a:p>
+            <a:pPr marL="285750" indent="-285750">
+              <a:buFont typeface="Arial" panose="020B0604020202020204" pitchFamily="34" charset="0"/>
+              <a:buChar char="•"/>
+            </a:pPr>
+            <a:r>
+              <a:rPr lang="zh-CN" altLang="en-US" dirty="0"/>
+              <a:t>三类属性信息</a:t>
+            </a:r>
+          </a:p>
+          <a:p>
+            <a:pPr marL="285750" indent="-285750">
+              <a:buFont typeface="Arial" panose="020B0604020202020204" pitchFamily="34" charset="0"/>
+              <a:buChar char="•"/>
+            </a:pPr>
+            <a:endParaRPr lang="en-US" altLang="zh-CN" dirty="0"/>
+          </a:p>
+          <a:p>
+            <a:pPr marL="285750" indent="-285750">
+              <a:buFont typeface="Arial" panose="020B0604020202020204" pitchFamily="34" charset="0"/>
+              <a:buChar char="•"/>
+            </a:pPr>
+            <a:endParaRPr lang="zh-CN" altLang="en-US" dirty="0"/>
+          </a:p>
+        </p:txBody>
+      </p:sp>
+      <p:cxnSp>
+        <p:nvCxnSpPr>
+          <p:cNvPr id="41" name="直接箭头连接符 40">
+            <a:extLst>
+              <a:ext uri="{FF2B5EF4-FFF2-40B4-BE49-F238E27FC236}">
+                <a16:creationId xmlns:a16="http://schemas.microsoft.com/office/drawing/2014/main" id="{48E685C4-77BD-4855-AD57-E67B72527FE4}"/>
+              </a:ext>
+            </a:extLst>
+          </p:cNvPr>
+          <p:cNvCxnSpPr>
+            <a:cxnSpLocks/>
+            <a:stCxn id="3" idx="6"/>
+            <a:endCxn id="38" idx="2"/>
+          </p:cNvCxnSpPr>
+          <p:nvPr/>
+        </p:nvCxnSpPr>
+        <p:spPr>
+          <a:xfrm>
+            <a:off x="2272145" y="3559421"/>
+            <a:ext cx="5386813" cy="40899"/>
+          </a:xfrm>
+          <a:prstGeom prst="straightConnector1">
+            <a:avLst/>
+          </a:prstGeom>
+          <a:ln>
+            <a:tailEnd type="triangle"/>
+          </a:ln>
+        </p:spPr>
+        <p:style>
+          <a:lnRef idx="1">
+            <a:schemeClr val="dk1"/>
+          </a:lnRef>
+          <a:fillRef idx="0">
+            <a:schemeClr val="dk1"/>
+          </a:fillRef>
+          <a:effectRef idx="0">
+            <a:schemeClr val="dk1"/>
+          </a:effectRef>
+          <a:fontRef idx="minor">
+            <a:schemeClr val="tx1"/>
+          </a:fontRef>
+        </p:style>
+      </p:cxnSp>
+      <p:sp>
+        <p:nvSpPr>
+          <p:cNvPr id="44" name="文本框 43">
+            <a:extLst>
+              <a:ext uri="{FF2B5EF4-FFF2-40B4-BE49-F238E27FC236}">
+                <a16:creationId xmlns:a16="http://schemas.microsoft.com/office/drawing/2014/main" id="{8489B19D-47E3-4CB2-BDE7-2A954F0C4CE4}"/>
+              </a:ext>
+            </a:extLst>
+          </p:cNvPr>
+          <p:cNvSpPr txBox="1"/>
+          <p:nvPr/>
+        </p:nvSpPr>
+        <p:spPr>
+          <a:xfrm>
+            <a:off x="4107000" y="2822279"/>
+            <a:ext cx="1593273" cy="369332"/>
+          </a:xfrm>
+          <a:prstGeom prst="rect">
+            <a:avLst/>
+          </a:prstGeom>
+          <a:noFill/>
+        </p:spPr>
+        <p:txBody>
+          <a:bodyPr wrap="square" rtlCol="0">
+            <a:spAutoFit/>
+          </a:bodyPr>
+          <a:lstStyle/>
+          <a:p>
+            <a:r>
+              <a:rPr lang="en-US" altLang="zh-CN" dirty="0" err="1"/>
+              <a:t>Drug_Used</a:t>
+            </a:r>
+            <a:endParaRPr lang="zh-CN" altLang="en-US" dirty="0"/>
+          </a:p>
+        </p:txBody>
+      </p:sp>
+      <p:sp>
+        <p:nvSpPr>
+          <p:cNvPr id="57" name="文本框 56">
+            <a:extLst>
+              <a:ext uri="{FF2B5EF4-FFF2-40B4-BE49-F238E27FC236}">
+                <a16:creationId xmlns:a16="http://schemas.microsoft.com/office/drawing/2014/main" id="{54E558FD-9E40-4874-83CD-426F24EB0003}"/>
+              </a:ext>
+            </a:extLst>
+          </p:cNvPr>
+          <p:cNvSpPr txBox="1"/>
+          <p:nvPr/>
+        </p:nvSpPr>
+        <p:spPr>
+          <a:xfrm>
+            <a:off x="3423797" y="3844125"/>
+            <a:ext cx="1593273" cy="369332"/>
+          </a:xfrm>
+          <a:prstGeom prst="rect">
+            <a:avLst/>
+          </a:prstGeom>
+          <a:noFill/>
+        </p:spPr>
+        <p:txBody>
+          <a:bodyPr wrap="square" rtlCol="0">
+            <a:spAutoFit/>
+          </a:bodyPr>
+          <a:lstStyle/>
+          <a:p>
+            <a:r>
+              <a:rPr lang="en-US" altLang="zh-CN" dirty="0" err="1"/>
+              <a:t>Disease_used</a:t>
+            </a:r>
+            <a:endParaRPr lang="zh-CN" altLang="en-US" dirty="0"/>
+          </a:p>
+        </p:txBody>
+      </p:sp>
+      <p:sp>
+        <p:nvSpPr>
+          <p:cNvPr id="67" name="椭圆 66">
+            <a:extLst>
+              <a:ext uri="{FF2B5EF4-FFF2-40B4-BE49-F238E27FC236}">
+                <a16:creationId xmlns:a16="http://schemas.microsoft.com/office/drawing/2014/main" id="{7FC398BD-BE8D-4135-936B-3AFE349C2477}"/>
+              </a:ext>
+            </a:extLst>
+          </p:cNvPr>
+          <p:cNvSpPr/>
+          <p:nvPr/>
+        </p:nvSpPr>
+        <p:spPr>
+          <a:xfrm>
+            <a:off x="4525661" y="6048950"/>
+            <a:ext cx="1358194" cy="595005"/>
+          </a:xfrm>
+          <a:prstGeom prst="ellipse">
+            <a:avLst/>
+          </a:prstGeom>
+        </p:spPr>
+        <p:style>
+          <a:lnRef idx="1">
+            <a:schemeClr val="accent4"/>
+          </a:lnRef>
+          <a:fillRef idx="2">
+            <a:schemeClr val="accent4"/>
+          </a:fillRef>
+          <a:effectRef idx="1">
+            <a:schemeClr val="accent4"/>
+          </a:effectRef>
+          <a:fontRef idx="minor">
+            <a:schemeClr val="dk1"/>
+          </a:fontRef>
+        </p:style>
+        <p:txBody>
+          <a:bodyPr rtlCol="0" anchor="ctr"/>
+          <a:lstStyle/>
+          <a:p>
+            <a:pPr algn="ctr"/>
+            <a:r>
+              <a:rPr lang="zh-CN" altLang="en-US" dirty="0"/>
+              <a:t>肾囊肿</a:t>
+            </a:r>
+          </a:p>
+        </p:txBody>
+      </p:sp>
+      <p:cxnSp>
+        <p:nvCxnSpPr>
+          <p:cNvPr id="68" name="直接箭头连接符 67">
+            <a:extLst>
+              <a:ext uri="{FF2B5EF4-FFF2-40B4-BE49-F238E27FC236}">
+                <a16:creationId xmlns:a16="http://schemas.microsoft.com/office/drawing/2014/main" id="{4EFA7397-11B5-4A84-A0F7-234967D1100A}"/>
+              </a:ext>
+            </a:extLst>
+          </p:cNvPr>
+          <p:cNvCxnSpPr>
+            <a:cxnSpLocks/>
+            <a:stCxn id="5" idx="4"/>
+            <a:endCxn id="67" idx="0"/>
+          </p:cNvCxnSpPr>
+          <p:nvPr/>
+        </p:nvCxnSpPr>
+        <p:spPr>
+          <a:xfrm flipH="1">
+            <a:off x="5204758" y="4865971"/>
+            <a:ext cx="2886297" cy="1182979"/>
+          </a:xfrm>
+          <a:prstGeom prst="straightConnector1">
+            <a:avLst/>
+          </a:prstGeom>
+          <a:ln>
+            <a:tailEnd type="triangle"/>
+          </a:ln>
+        </p:spPr>
+        <p:style>
+          <a:lnRef idx="1">
+            <a:schemeClr val="dk1"/>
+          </a:lnRef>
+          <a:fillRef idx="0">
+            <a:schemeClr val="dk1"/>
+          </a:fillRef>
+          <a:effectRef idx="0">
+            <a:schemeClr val="dk1"/>
+          </a:effectRef>
+          <a:fontRef idx="minor">
+            <a:schemeClr val="tx1"/>
+          </a:fontRef>
+        </p:style>
+      </p:cxnSp>
+      <p:sp>
+        <p:nvSpPr>
+          <p:cNvPr id="72" name="椭圆 71">
+            <a:extLst>
+              <a:ext uri="{FF2B5EF4-FFF2-40B4-BE49-F238E27FC236}">
+                <a16:creationId xmlns:a16="http://schemas.microsoft.com/office/drawing/2014/main" id="{64788F80-A2BA-47DB-B391-AC104A15F472}"/>
+              </a:ext>
+            </a:extLst>
+          </p:cNvPr>
+          <p:cNvSpPr/>
+          <p:nvPr/>
+        </p:nvSpPr>
+        <p:spPr>
+          <a:xfrm>
+            <a:off x="9085870" y="6179405"/>
+            <a:ext cx="1273728" cy="595005"/>
+          </a:xfrm>
+          <a:prstGeom prst="ellipse">
+            <a:avLst/>
+          </a:prstGeom>
+        </p:spPr>
+        <p:style>
+          <a:lnRef idx="1">
+            <a:schemeClr val="accent2"/>
+          </a:lnRef>
+          <a:fillRef idx="2">
+            <a:schemeClr val="accent2"/>
+          </a:fillRef>
+          <a:effectRef idx="1">
+            <a:schemeClr val="accent2"/>
+          </a:effectRef>
+          <a:fontRef idx="minor">
+            <a:schemeClr val="dk1"/>
+          </a:fontRef>
+        </p:style>
+        <p:txBody>
+          <a:bodyPr rtlCol="0" anchor="ctr"/>
+          <a:lstStyle/>
+          <a:p>
+            <a:pPr algn="ctr"/>
+            <a:r>
+              <a:rPr lang="zh-CN" altLang="en-US" dirty="0"/>
+              <a:t>支气管</a:t>
+            </a:r>
+          </a:p>
+        </p:txBody>
+      </p:sp>
+      <p:cxnSp>
+        <p:nvCxnSpPr>
+          <p:cNvPr id="73" name="直接箭头连接符 72">
+            <a:extLst>
+              <a:ext uri="{FF2B5EF4-FFF2-40B4-BE49-F238E27FC236}">
+                <a16:creationId xmlns:a16="http://schemas.microsoft.com/office/drawing/2014/main" id="{A3C5AB57-D2AD-4BC4-8570-929FEEAC595A}"/>
+              </a:ext>
+            </a:extLst>
+          </p:cNvPr>
+          <p:cNvCxnSpPr>
+            <a:cxnSpLocks/>
+            <a:stCxn id="5" idx="4"/>
+            <a:endCxn id="72" idx="0"/>
+          </p:cNvCxnSpPr>
+          <p:nvPr/>
+        </p:nvCxnSpPr>
+        <p:spPr>
+          <a:xfrm>
+            <a:off x="8091055" y="4865971"/>
+            <a:ext cx="1631679" cy="1313434"/>
+          </a:xfrm>
+          <a:prstGeom prst="straightConnector1">
+            <a:avLst/>
+          </a:prstGeom>
+          <a:ln>
+            <a:tailEnd type="triangle"/>
+          </a:ln>
+        </p:spPr>
+        <p:style>
+          <a:lnRef idx="1">
+            <a:schemeClr val="dk1"/>
+          </a:lnRef>
+          <a:fillRef idx="0">
+            <a:schemeClr val="dk1"/>
+          </a:fillRef>
+          <a:effectRef idx="0">
+            <a:schemeClr val="dk1"/>
+          </a:effectRef>
+          <a:fontRef idx="minor">
+            <a:schemeClr val="tx1"/>
+          </a:fontRef>
+        </p:style>
+      </p:cxnSp>
+      <p:sp>
+        <p:nvSpPr>
+          <p:cNvPr id="74" name="椭圆 73">
+            <a:extLst>
+              <a:ext uri="{FF2B5EF4-FFF2-40B4-BE49-F238E27FC236}">
+                <a16:creationId xmlns:a16="http://schemas.microsoft.com/office/drawing/2014/main" id="{2A5E8BB1-2202-488D-8F2D-82542ACCD5E8}"/>
+              </a:ext>
+            </a:extLst>
+          </p:cNvPr>
+          <p:cNvSpPr/>
+          <p:nvPr/>
+        </p:nvSpPr>
+        <p:spPr>
+          <a:xfrm>
+            <a:off x="1281545" y="5918206"/>
+            <a:ext cx="2577385" cy="595005"/>
+          </a:xfrm>
+          <a:prstGeom prst="ellipse">
+            <a:avLst/>
+          </a:prstGeom>
+        </p:spPr>
+        <p:style>
+          <a:lnRef idx="1">
+            <a:schemeClr val="accent4"/>
+          </a:lnRef>
+          <a:fillRef idx="2">
+            <a:schemeClr val="accent4"/>
+          </a:fillRef>
+          <a:effectRef idx="1">
+            <a:schemeClr val="accent4"/>
+          </a:effectRef>
+          <a:fontRef idx="minor">
+            <a:schemeClr val="dk1"/>
+          </a:fontRef>
+        </p:style>
+        <p:txBody>
+          <a:bodyPr rtlCol="0" anchor="ctr"/>
+          <a:lstStyle/>
+          <a:p>
+            <a:pPr algn="ctr"/>
+            <a:r>
+              <a:rPr lang="zh-CN" altLang="en-US" dirty="0"/>
+              <a:t>慢性支气管炎</a:t>
+            </a:r>
+          </a:p>
+        </p:txBody>
+      </p:sp>
+      <p:cxnSp>
+        <p:nvCxnSpPr>
+          <p:cNvPr id="75" name="直接箭头连接符 74">
+            <a:extLst>
+              <a:ext uri="{FF2B5EF4-FFF2-40B4-BE49-F238E27FC236}">
+                <a16:creationId xmlns:a16="http://schemas.microsoft.com/office/drawing/2014/main" id="{8A9EB143-6A67-44E4-AE6E-3A480A26A40B}"/>
+              </a:ext>
+            </a:extLst>
+          </p:cNvPr>
+          <p:cNvCxnSpPr>
+            <a:cxnSpLocks/>
+            <a:stCxn id="5" idx="4"/>
+            <a:endCxn id="74" idx="0"/>
+          </p:cNvCxnSpPr>
+          <p:nvPr/>
+        </p:nvCxnSpPr>
+        <p:spPr>
+          <a:xfrm flipH="1">
+            <a:off x="2570238" y="4865971"/>
+            <a:ext cx="5520817" cy="1052235"/>
+          </a:xfrm>
+          <a:prstGeom prst="straightConnector1">
+            <a:avLst/>
+          </a:prstGeom>
+          <a:ln>
+            <a:tailEnd type="triangle"/>
+          </a:ln>
+        </p:spPr>
+        <p:style>
+          <a:lnRef idx="1">
+            <a:schemeClr val="dk1"/>
+          </a:lnRef>
+          <a:fillRef idx="0">
+            <a:schemeClr val="dk1"/>
+          </a:fillRef>
+          <a:effectRef idx="0">
+            <a:schemeClr val="dk1"/>
+          </a:effectRef>
+          <a:fontRef idx="minor">
+            <a:schemeClr val="tx1"/>
+          </a:fontRef>
+        </p:style>
+      </p:cxnSp>
+      <p:sp>
+        <p:nvSpPr>
+          <p:cNvPr id="82" name="椭圆 81">
+            <a:extLst>
+              <a:ext uri="{FF2B5EF4-FFF2-40B4-BE49-F238E27FC236}">
+                <a16:creationId xmlns:a16="http://schemas.microsoft.com/office/drawing/2014/main" id="{E6F7DB0B-1CFA-454E-AEC1-A4304AA387C3}"/>
+              </a:ext>
+            </a:extLst>
+          </p:cNvPr>
+          <p:cNvSpPr/>
+          <p:nvPr/>
+        </p:nvSpPr>
+        <p:spPr>
+          <a:xfrm>
+            <a:off x="10616409" y="6181349"/>
+            <a:ext cx="827446" cy="595005"/>
+          </a:xfrm>
+          <a:prstGeom prst="ellipse">
+            <a:avLst/>
+          </a:prstGeom>
+        </p:spPr>
+        <p:style>
+          <a:lnRef idx="1">
+            <a:schemeClr val="accent2"/>
+          </a:lnRef>
+          <a:fillRef idx="2">
+            <a:schemeClr val="accent2"/>
+          </a:fillRef>
+          <a:effectRef idx="1">
+            <a:schemeClr val="accent2"/>
+          </a:effectRef>
+          <a:fontRef idx="minor">
+            <a:schemeClr val="dk1"/>
+          </a:fontRef>
+        </p:style>
+        <p:txBody>
+          <a:bodyPr rtlCol="0" anchor="ctr"/>
+          <a:lstStyle/>
+          <a:p>
+            <a:pPr algn="ctr"/>
+            <a:r>
+              <a:rPr lang="zh-CN" altLang="en-US" dirty="0"/>
+              <a:t>肾</a:t>
+            </a:r>
+          </a:p>
+        </p:txBody>
+      </p:sp>
+      <p:cxnSp>
+        <p:nvCxnSpPr>
+          <p:cNvPr id="83" name="直接箭头连接符 82">
+            <a:extLst>
+              <a:ext uri="{FF2B5EF4-FFF2-40B4-BE49-F238E27FC236}">
+                <a16:creationId xmlns:a16="http://schemas.microsoft.com/office/drawing/2014/main" id="{669ECAA6-6115-41C5-9FEA-EDDB21DC1296}"/>
+              </a:ext>
+            </a:extLst>
+          </p:cNvPr>
+          <p:cNvCxnSpPr>
+            <a:cxnSpLocks/>
+            <a:stCxn id="5" idx="4"/>
+            <a:endCxn id="82" idx="0"/>
+          </p:cNvCxnSpPr>
+          <p:nvPr/>
+        </p:nvCxnSpPr>
+        <p:spPr>
+          <a:xfrm>
+            <a:off x="8091055" y="4865971"/>
+            <a:ext cx="2939077" cy="1315378"/>
+          </a:xfrm>
+          <a:prstGeom prst="straightConnector1">
+            <a:avLst/>
+          </a:prstGeom>
+          <a:ln>
+            <a:tailEnd type="triangle"/>
+          </a:ln>
+        </p:spPr>
+        <p:style>
+          <a:lnRef idx="1">
+            <a:schemeClr val="dk1"/>
+          </a:lnRef>
+          <a:fillRef idx="0">
+            <a:schemeClr val="dk1"/>
+          </a:fillRef>
+          <a:effectRef idx="0">
+            <a:schemeClr val="dk1"/>
+          </a:effectRef>
+          <a:fontRef idx="minor">
+            <a:schemeClr val="tx1"/>
+          </a:fontRef>
+        </p:style>
+      </p:cxnSp>
+      <p:sp>
+        <p:nvSpPr>
+          <p:cNvPr id="93" name="文本框 92">
+            <a:extLst>
+              <a:ext uri="{FF2B5EF4-FFF2-40B4-BE49-F238E27FC236}">
+                <a16:creationId xmlns:a16="http://schemas.microsoft.com/office/drawing/2014/main" id="{94C279B6-54DA-4BFD-B0D5-6DD89C745ADA}"/>
+              </a:ext>
+            </a:extLst>
+          </p:cNvPr>
+          <p:cNvSpPr txBox="1"/>
+          <p:nvPr/>
+        </p:nvSpPr>
+        <p:spPr>
+          <a:xfrm>
+            <a:off x="3795659" y="5334041"/>
+            <a:ext cx="3328156" cy="369332"/>
+          </a:xfrm>
+          <a:prstGeom prst="rect">
+            <a:avLst/>
+          </a:prstGeom>
+          <a:noFill/>
+        </p:spPr>
+        <p:txBody>
+          <a:bodyPr wrap="square" rtlCol="0">
+            <a:spAutoFit/>
+          </a:bodyPr>
+          <a:lstStyle/>
+          <a:p>
+            <a:r>
+              <a:rPr lang="en-US" altLang="zh-CN" dirty="0" err="1"/>
+              <a:t>Process_Disease_used_Disease</a:t>
+            </a:r>
+            <a:endParaRPr lang="zh-CN" altLang="en-US" dirty="0"/>
+          </a:p>
+        </p:txBody>
+      </p:sp>
+      <p:sp>
+        <p:nvSpPr>
+          <p:cNvPr id="100" name="文本框 99">
+            <a:extLst>
+              <a:ext uri="{FF2B5EF4-FFF2-40B4-BE49-F238E27FC236}">
+                <a16:creationId xmlns:a16="http://schemas.microsoft.com/office/drawing/2014/main" id="{A37D4F48-60F0-4FB9-8510-DB2D894831D5}"/>
+              </a:ext>
+            </a:extLst>
+          </p:cNvPr>
+          <p:cNvSpPr txBox="1"/>
+          <p:nvPr/>
+        </p:nvSpPr>
+        <p:spPr>
+          <a:xfrm>
+            <a:off x="7418684" y="5398494"/>
+            <a:ext cx="3751675" cy="369332"/>
+          </a:xfrm>
+          <a:prstGeom prst="rect">
+            <a:avLst/>
+          </a:prstGeom>
+          <a:noFill/>
+        </p:spPr>
+        <p:txBody>
+          <a:bodyPr wrap="square" rtlCol="0">
+            <a:spAutoFit/>
+          </a:bodyPr>
+          <a:lstStyle/>
+          <a:p>
+            <a:r>
+              <a:rPr lang="en-US" altLang="zh-CN" dirty="0" err="1"/>
+              <a:t>Process_Disease_used_related_Body</a:t>
+            </a:r>
+            <a:endParaRPr lang="zh-CN" altLang="en-US" dirty="0"/>
           </a:p>
         </p:txBody>
       </p:sp>
     </p:spTree>
     <p:extLst>
       <p:ext uri="{BB962C8B-B14F-4D97-AF65-F5344CB8AC3E}">
-        <p14:creationId xmlns:p14="http://schemas.microsoft.com/office/powerpoint/2010/main" val="722361765"/>
+        <p14:creationId xmlns:p14="http://schemas.microsoft.com/office/powerpoint/2010/main" val="2724682999"/>
       </p:ext>
     </p:extLst>
   </p:cSld>
@@ -14622,6 +14795,303 @@
           <p:cNvPr id="2" name="标题 1">
             <a:extLst>
               <a:ext uri="{FF2B5EF4-FFF2-40B4-BE49-F238E27FC236}">
+                <a16:creationId xmlns:a16="http://schemas.microsoft.com/office/drawing/2014/main" id="{43AC7364-C202-4F0E-A9FC-184E918B025E}"/>
+              </a:ext>
+            </a:extLst>
+          </p:cNvPr>
+          <p:cNvSpPr>
+            <a:spLocks noGrp="1"/>
+          </p:cNvSpPr>
+          <p:nvPr>
+            <p:ph type="title"/>
+          </p:nvPr>
+        </p:nvSpPr>
+        <p:spPr/>
+        <p:txBody>
+          <a:bodyPr/>
+          <a:lstStyle/>
+          <a:p>
+            <a:r>
+              <a:rPr lang="zh-CN" altLang="en-US" dirty="0"/>
+              <a:t>效果</a:t>
+            </a:r>
+          </a:p>
+        </p:txBody>
+      </p:sp>
+      <p:pic>
+        <p:nvPicPr>
+          <p:cNvPr id="5" name="内容占位符 4">
+            <a:extLst>
+              <a:ext uri="{FF2B5EF4-FFF2-40B4-BE49-F238E27FC236}">
+                <a16:creationId xmlns:a16="http://schemas.microsoft.com/office/drawing/2014/main" id="{2B938315-9651-4522-87B9-C7D8CC6507B3}"/>
+              </a:ext>
+            </a:extLst>
+          </p:cNvPr>
+          <p:cNvPicPr>
+            <a:picLocks noGrp="1" noChangeAspect="1"/>
+          </p:cNvPicPr>
+          <p:nvPr>
+            <p:ph idx="1"/>
+          </p:nvPr>
+        </p:nvPicPr>
+        <p:blipFill>
+          <a:blip r:embed="rId2">
+            <a:extLst>
+              <a:ext uri="{28A0092B-C50C-407E-A947-70E740481C1C}">
+                <a14:useLocalDpi xmlns:a14="http://schemas.microsoft.com/office/drawing/2010/main" val="0"/>
+              </a:ext>
+            </a:extLst>
+          </a:blip>
+          <a:stretch>
+            <a:fillRect/>
+          </a:stretch>
+        </p:blipFill>
+        <p:spPr>
+          <a:xfrm>
+            <a:off x="979192" y="1448232"/>
+            <a:ext cx="7326608" cy="5190663"/>
+          </a:xfrm>
+        </p:spPr>
+      </p:pic>
+      <p:sp>
+        <p:nvSpPr>
+          <p:cNvPr id="6" name="文本框 5">
+            <a:extLst>
+              <a:ext uri="{FF2B5EF4-FFF2-40B4-BE49-F238E27FC236}">
+                <a16:creationId xmlns:a16="http://schemas.microsoft.com/office/drawing/2014/main" id="{24C9C6AE-3F24-47DB-8648-E70B47983B1B}"/>
+              </a:ext>
+            </a:extLst>
+          </p:cNvPr>
+          <p:cNvSpPr txBox="1"/>
+          <p:nvPr/>
+        </p:nvSpPr>
+        <p:spPr>
+          <a:xfrm>
+            <a:off x="1207792" y="2787650"/>
+            <a:ext cx="748145" cy="369332"/>
+          </a:xfrm>
+          <a:prstGeom prst="rect">
+            <a:avLst/>
+          </a:prstGeom>
+          <a:noFill/>
+        </p:spPr>
+        <p:txBody>
+          <a:bodyPr wrap="square" rtlCol="0">
+            <a:spAutoFit/>
+          </a:bodyPr>
+          <a:lstStyle/>
+          <a:p>
+            <a:r>
+              <a:rPr lang="zh-CN" altLang="en-US" dirty="0"/>
+              <a:t>病案</a:t>
+            </a:r>
+          </a:p>
+        </p:txBody>
+      </p:sp>
+      <p:sp>
+        <p:nvSpPr>
+          <p:cNvPr id="7" name="文本框 6">
+            <a:extLst>
+              <a:ext uri="{FF2B5EF4-FFF2-40B4-BE49-F238E27FC236}">
+                <a16:creationId xmlns:a16="http://schemas.microsoft.com/office/drawing/2014/main" id="{51ECE836-FEA8-424C-A7FF-9DD3BF37CA6C}"/>
+              </a:ext>
+            </a:extLst>
+          </p:cNvPr>
+          <p:cNvSpPr txBox="1"/>
+          <p:nvPr/>
+        </p:nvSpPr>
+        <p:spPr>
+          <a:xfrm>
+            <a:off x="3089563" y="2787650"/>
+            <a:ext cx="1295400" cy="369332"/>
+          </a:xfrm>
+          <a:prstGeom prst="rect">
+            <a:avLst/>
+          </a:prstGeom>
+          <a:noFill/>
+        </p:spPr>
+        <p:txBody>
+          <a:bodyPr wrap="square" rtlCol="0">
+            <a:spAutoFit/>
+          </a:bodyPr>
+          <a:lstStyle/>
+          <a:p>
+            <a:r>
+              <a:rPr lang="zh-CN" altLang="en-US" dirty="0"/>
+              <a:t>诊疗过程</a:t>
+            </a:r>
+          </a:p>
+        </p:txBody>
+      </p:sp>
+    </p:spTree>
+    <p:extLst>
+      <p:ext uri="{BB962C8B-B14F-4D97-AF65-F5344CB8AC3E}">
+        <p14:creationId xmlns:p14="http://schemas.microsoft.com/office/powerpoint/2010/main" val="722361765"/>
+      </p:ext>
+    </p:extLst>
+  </p:cSld>
+  <p:clrMapOvr>
+    <a:masterClrMapping/>
+  </p:clrMapOvr>
+</p:sld>
+</file>
+
+<file path=ppt/slides/slide8.xml><?xml version="1.0" encoding="utf-8"?>
+<p:sld xmlns:a="http://schemas.openxmlformats.org/drawingml/2006/main" xmlns:r="http://schemas.openxmlformats.org/officeDocument/2006/relationships" xmlns:p="http://schemas.openxmlformats.org/presentationml/2006/main">
+  <p:cSld>
+    <p:spTree>
+      <p:nvGrpSpPr>
+        <p:cNvPr id="1" name=""/>
+        <p:cNvGrpSpPr/>
+        <p:nvPr/>
+      </p:nvGrpSpPr>
+      <p:grpSpPr>
+        <a:xfrm>
+          <a:off x="0" y="0"/>
+          <a:ext cx="0" cy="0"/>
+          <a:chOff x="0" y="0"/>
+          <a:chExt cx="0" cy="0"/>
+        </a:xfrm>
+      </p:grpSpPr>
+      <p:sp>
+        <p:nvSpPr>
+          <p:cNvPr id="2" name="标题 1">
+            <a:extLst>
+              <a:ext uri="{FF2B5EF4-FFF2-40B4-BE49-F238E27FC236}">
+                <a16:creationId xmlns:a16="http://schemas.microsoft.com/office/drawing/2014/main" id="{C99C4E1B-190B-4B2B-98F7-6EC7C4D7D85B}"/>
+              </a:ext>
+            </a:extLst>
+          </p:cNvPr>
+          <p:cNvSpPr>
+            <a:spLocks noGrp="1"/>
+          </p:cNvSpPr>
+          <p:nvPr>
+            <p:ph type="title"/>
+          </p:nvPr>
+        </p:nvSpPr>
+        <p:spPr/>
+        <p:txBody>
+          <a:bodyPr>
+            <a:normAutofit/>
+          </a:bodyPr>
+          <a:lstStyle/>
+          <a:p>
+            <a:r>
+              <a:rPr lang="zh-CN" altLang="en-US" sz="4000" dirty="0"/>
+              <a:t>十万出院小结数据以及关联数据导入及可视化</a:t>
+            </a:r>
+          </a:p>
+        </p:txBody>
+      </p:sp>
+      <p:sp>
+        <p:nvSpPr>
+          <p:cNvPr id="3" name="内容占位符 2">
+            <a:extLst>
+              <a:ext uri="{FF2B5EF4-FFF2-40B4-BE49-F238E27FC236}">
+                <a16:creationId xmlns:a16="http://schemas.microsoft.com/office/drawing/2014/main" id="{1C3F9833-29B8-427A-9596-EB26632ABC8C}"/>
+              </a:ext>
+            </a:extLst>
+          </p:cNvPr>
+          <p:cNvSpPr>
+            <a:spLocks noGrp="1"/>
+          </p:cNvSpPr>
+          <p:nvPr>
+            <p:ph idx="1"/>
+          </p:nvPr>
+        </p:nvSpPr>
+        <p:spPr/>
+        <p:txBody>
+          <a:bodyPr/>
+          <a:lstStyle/>
+          <a:p>
+            <a:r>
+              <a:rPr lang="zh-CN" altLang="en-US" dirty="0"/>
+              <a:t>问题：</a:t>
+            </a:r>
+            <a:r>
+              <a:rPr lang="en-US" altLang="zh-CN" dirty="0"/>
+              <a:t>37</a:t>
+            </a:r>
+            <a:r>
+              <a:rPr lang="zh-CN" altLang="en-US" dirty="0"/>
+              <a:t>个病案</a:t>
+            </a:r>
+            <a:r>
+              <a:rPr lang="en-US" altLang="zh-CN" dirty="0"/>
+              <a:t>-&gt;6900</a:t>
+            </a:r>
+            <a:r>
+              <a:rPr lang="zh-CN" altLang="en-US" dirty="0"/>
+              <a:t>条明细</a:t>
+            </a:r>
+            <a:endParaRPr lang="en-US" altLang="zh-CN" dirty="0"/>
+          </a:p>
+          <a:p>
+            <a:r>
+              <a:rPr lang="zh-CN" altLang="en-US" dirty="0"/>
+              <a:t>方案一：随机选取10万病案，去匹配相应的出院小结，那我需要跟80万得出院小结匹配（需要得出院小结数据多，病案会丰富）</a:t>
+            </a:r>
+            <a:endParaRPr lang="en-US" altLang="zh-CN" dirty="0"/>
+          </a:p>
+          <a:p>
+            <a:r>
+              <a:rPr lang="zh-CN" altLang="en-US" dirty="0"/>
+              <a:t>方案二：随机选取十万个出院小结，去找对应的病案，缺点就是出院小结上的唯一id是hisid，病案得hisid不是唯一标识（可以通过病案</a:t>
+            </a:r>
+            <a:r>
+              <a:rPr lang="en-US" altLang="zh-CN" dirty="0"/>
+              <a:t>id</a:t>
+            </a:r>
+            <a:r>
+              <a:rPr lang="zh-CN" altLang="en-US" dirty="0"/>
+              <a:t>去重，最终会少于</a:t>
+            </a:r>
+            <a:r>
+              <a:rPr lang="en-US" altLang="zh-CN" dirty="0"/>
+              <a:t>10</a:t>
+            </a:r>
+            <a:r>
+              <a:rPr lang="zh-CN" altLang="en-US" dirty="0"/>
+              <a:t>万条）</a:t>
+            </a:r>
+          </a:p>
+        </p:txBody>
+      </p:sp>
+    </p:spTree>
+    <p:extLst>
+      <p:ext uri="{BB962C8B-B14F-4D97-AF65-F5344CB8AC3E}">
+        <p14:creationId xmlns:p14="http://schemas.microsoft.com/office/powerpoint/2010/main" val="1703018202"/>
+      </p:ext>
+    </p:extLst>
+  </p:cSld>
+  <p:clrMapOvr>
+    <a:masterClrMapping/>
+  </p:clrMapOvr>
+</p:sld>
+</file>
+
+<file path=ppt/slides/slide9.xml><?xml version="1.0" encoding="utf-8"?>
+<p:sld xmlns:a="http://schemas.openxmlformats.org/drawingml/2006/main" xmlns:r="http://schemas.openxmlformats.org/officeDocument/2006/relationships" xmlns:p="http://schemas.openxmlformats.org/presentationml/2006/main">
+  <p:cSld>
+    <p:spTree>
+      <p:nvGrpSpPr>
+        <p:cNvPr id="1" name=""/>
+        <p:cNvGrpSpPr/>
+        <p:nvPr/>
+      </p:nvGrpSpPr>
+      <p:grpSpPr>
+        <a:xfrm>
+          <a:off x="0" y="0"/>
+          <a:ext cx="0" cy="0"/>
+          <a:chOff x="0" y="0"/>
+          <a:chExt cx="0" cy="0"/>
+        </a:xfrm>
+      </p:grpSpPr>
+      <p:sp>
+        <p:nvSpPr>
+          <p:cNvPr id="2" name="标题 1">
+            <a:extLst>
+              <a:ext uri="{FF2B5EF4-FFF2-40B4-BE49-F238E27FC236}">
                 <a16:creationId xmlns:a16="http://schemas.microsoft.com/office/drawing/2014/main" id="{E3EF619D-B272-41DC-BF01-95293DFFBEE5}"/>
               </a:ext>
             </a:extLst>
@@ -14661,7 +15131,7 @@
             <p:ph idx="1"/>
             <p:extLst>
               <p:ext uri="{D42A27DB-BD31-4B8C-83A1-F6EECF244321}">
-                <p14:modId xmlns:p14="http://schemas.microsoft.com/office/powerpoint/2010/main" val="462669081"/>
+                <p14:modId xmlns:p14="http://schemas.microsoft.com/office/powerpoint/2010/main" val="1170712302"/>
               </p:ext>
             </p:extLst>
           </p:nvPr>
@@ -14811,6 +15281,40 @@
                     <a:bodyPr/>
                     <a:lstStyle/>
                     <a:p>
+                      <a:pPr marL="0" marR="0" lvl="0" indent="0" algn="l" defTabSz="914400" rtl="0" eaLnBrk="1" fontAlgn="auto" latinLnBrk="0" hangingPunct="1">
+                        <a:lnSpc>
+                          <a:spcPct val="100000"/>
+                        </a:lnSpc>
+                        <a:spcBef>
+                          <a:spcPts val="0"/>
+                        </a:spcBef>
+                        <a:spcAft>
+                          <a:spcPts val="0"/>
+                        </a:spcAft>
+                        <a:buClrTx/>
+                        <a:buSzTx/>
+                        <a:buFontTx/>
+                        <a:buNone/>
+                        <a:tabLst/>
+                        <a:defRPr/>
+                      </a:pPr>
+                      <a:r>
+                        <a:rPr lang="zh-CN" altLang="en-US" dirty="0"/>
+                        <a:t>医生节点</a:t>
+                      </a:r>
+                    </a:p>
+                  </a:txBody>
+                  <a:tcPr/>
+                </a:tc>
+                <a:tc>
+                  <a:txBody>
+                    <a:bodyPr/>
+                    <a:lstStyle/>
+                    <a:p>
+                      <a:r>
+                        <a:rPr lang="en-US" altLang="zh-CN" dirty="0"/>
+                        <a:t>Doctor</a:t>
+                      </a:r>
                       <a:endParaRPr lang="zh-CN" altLang="en-US" dirty="0"/>
                     </a:p>
                   </a:txBody>
@@ -14821,17 +15325,7 @@
                     <a:bodyPr/>
                     <a:lstStyle/>
                     <a:p>
-                      <a:endParaRPr lang="zh-CN" altLang="en-US"/>
-                    </a:p>
-                  </a:txBody>
-                  <a:tcPr/>
-                </a:tc>
-                <a:tc>
-                  <a:txBody>
-                    <a:bodyPr/>
-                    <a:lstStyle/>
-                    <a:p>
-                      <a:endParaRPr lang="zh-CN" altLang="en-US"/>
+                      <a:endParaRPr lang="zh-CN" altLang="en-US" dirty="0"/>
                     </a:p>
                   </a:txBody>
                   <a:tcPr/>
@@ -14880,335 +15374,6 @@
     <p:extLst>
       <p:ext uri="{BB962C8B-B14F-4D97-AF65-F5344CB8AC3E}">
         <p14:creationId xmlns:p14="http://schemas.microsoft.com/office/powerpoint/2010/main" val="1891179813"/>
-      </p:ext>
-    </p:extLst>
-  </p:cSld>
-  <p:clrMapOvr>
-    <a:masterClrMapping/>
-  </p:clrMapOvr>
-</p:sld>
-</file>
-
-<file path=ppt/slides/slide8.xml><?xml version="1.0" encoding="utf-8"?>
-<p:sld xmlns:a="http://schemas.openxmlformats.org/drawingml/2006/main" xmlns:r="http://schemas.openxmlformats.org/officeDocument/2006/relationships" xmlns:p="http://schemas.openxmlformats.org/presentationml/2006/main">
-  <p:cSld>
-    <p:spTree>
-      <p:nvGrpSpPr>
-        <p:cNvPr id="1" name=""/>
-        <p:cNvGrpSpPr/>
-        <p:nvPr/>
-      </p:nvGrpSpPr>
-      <p:grpSpPr>
-        <a:xfrm>
-          <a:off x="0" y="0"/>
-          <a:ext cx="0" cy="0"/>
-          <a:chOff x="0" y="0"/>
-          <a:chExt cx="0" cy="0"/>
-        </a:xfrm>
-      </p:grpSpPr>
-      <p:sp>
-        <p:nvSpPr>
-          <p:cNvPr id="2" name="标题 1">
-            <a:extLst>
-              <a:ext uri="{FF2B5EF4-FFF2-40B4-BE49-F238E27FC236}">
-                <a16:creationId xmlns:a16="http://schemas.microsoft.com/office/drawing/2014/main" id="{C99C4E1B-190B-4B2B-98F7-6EC7C4D7D85B}"/>
-              </a:ext>
-            </a:extLst>
-          </p:cNvPr>
-          <p:cNvSpPr>
-            <a:spLocks noGrp="1"/>
-          </p:cNvSpPr>
-          <p:nvPr>
-            <p:ph type="title"/>
-          </p:nvPr>
-        </p:nvSpPr>
-        <p:spPr/>
-        <p:txBody>
-          <a:bodyPr>
-            <a:normAutofit/>
-          </a:bodyPr>
-          <a:lstStyle/>
-          <a:p>
-            <a:r>
-              <a:rPr lang="zh-CN" altLang="en-US" sz="4000" dirty="0"/>
-              <a:t>十万出院小结数据以及关联数据导入及可视化</a:t>
-            </a:r>
-          </a:p>
-        </p:txBody>
-      </p:sp>
-      <p:sp>
-        <p:nvSpPr>
-          <p:cNvPr id="3" name="内容占位符 2">
-            <a:extLst>
-              <a:ext uri="{FF2B5EF4-FFF2-40B4-BE49-F238E27FC236}">
-                <a16:creationId xmlns:a16="http://schemas.microsoft.com/office/drawing/2014/main" id="{1C3F9833-29B8-427A-9596-EB26632ABC8C}"/>
-              </a:ext>
-            </a:extLst>
-          </p:cNvPr>
-          <p:cNvSpPr>
-            <a:spLocks noGrp="1"/>
-          </p:cNvSpPr>
-          <p:nvPr>
-            <p:ph idx="1"/>
-          </p:nvPr>
-        </p:nvSpPr>
-        <p:spPr/>
-        <p:txBody>
-          <a:bodyPr/>
-          <a:lstStyle/>
-          <a:p>
-            <a:r>
-              <a:rPr lang="zh-CN" altLang="en-US" dirty="0"/>
-              <a:t>问题：</a:t>
-            </a:r>
-            <a:r>
-              <a:rPr lang="en-US" altLang="zh-CN" dirty="0"/>
-              <a:t>37</a:t>
-            </a:r>
-            <a:r>
-              <a:rPr lang="zh-CN" altLang="en-US" dirty="0"/>
-              <a:t>个病案</a:t>
-            </a:r>
-            <a:r>
-              <a:rPr lang="en-US" altLang="zh-CN" dirty="0"/>
-              <a:t>-&gt;6900</a:t>
-            </a:r>
-            <a:r>
-              <a:rPr lang="zh-CN" altLang="en-US"/>
-              <a:t>条明细</a:t>
-            </a:r>
-            <a:endParaRPr lang="zh-CN" altLang="en-US" dirty="0"/>
-          </a:p>
-        </p:txBody>
-      </p:sp>
-    </p:spTree>
-    <p:extLst>
-      <p:ext uri="{BB962C8B-B14F-4D97-AF65-F5344CB8AC3E}">
-        <p14:creationId xmlns:p14="http://schemas.microsoft.com/office/powerpoint/2010/main" val="1703018202"/>
-      </p:ext>
-    </p:extLst>
-  </p:cSld>
-  <p:clrMapOvr>
-    <a:masterClrMapping/>
-  </p:clrMapOvr>
-</p:sld>
-</file>
-
-<file path=ppt/slides/slide9.xml><?xml version="1.0" encoding="utf-8"?>
-<p:sld xmlns:a="http://schemas.openxmlformats.org/drawingml/2006/main" xmlns:r="http://schemas.openxmlformats.org/officeDocument/2006/relationships" xmlns:p="http://schemas.openxmlformats.org/presentationml/2006/main">
-  <p:cSld>
-    <p:spTree>
-      <p:nvGrpSpPr>
-        <p:cNvPr id="1" name=""/>
-        <p:cNvGrpSpPr/>
-        <p:nvPr/>
-      </p:nvGrpSpPr>
-      <p:grpSpPr>
-        <a:xfrm>
-          <a:off x="0" y="0"/>
-          <a:ext cx="0" cy="0"/>
-          <a:chOff x="0" y="0"/>
-          <a:chExt cx="0" cy="0"/>
-        </a:xfrm>
-      </p:grpSpPr>
-      <p:sp>
-        <p:nvSpPr>
-          <p:cNvPr id="2" name="标题 1">
-            <a:extLst>
-              <a:ext uri="{FF2B5EF4-FFF2-40B4-BE49-F238E27FC236}">
-                <a16:creationId xmlns:a16="http://schemas.microsoft.com/office/drawing/2014/main" id="{F838D830-1250-4A36-B3F4-FBDE11BA4B1E}"/>
-              </a:ext>
-            </a:extLst>
-          </p:cNvPr>
-          <p:cNvSpPr>
-            <a:spLocks noGrp="1"/>
-          </p:cNvSpPr>
-          <p:nvPr>
-            <p:ph type="title"/>
-          </p:nvPr>
-        </p:nvSpPr>
-        <p:spPr>
-          <a:xfrm>
-            <a:off x="464127" y="115744"/>
-            <a:ext cx="10515600" cy="1325563"/>
-          </a:xfrm>
-        </p:spPr>
-        <p:txBody>
-          <a:bodyPr/>
-          <a:lstStyle/>
-          <a:p>
-            <a:r>
-              <a:rPr lang="zh-CN" altLang="en-US" dirty="0"/>
-              <a:t>手术</a:t>
-            </a:r>
-          </a:p>
-        </p:txBody>
-      </p:sp>
-      <p:pic>
-        <p:nvPicPr>
-          <p:cNvPr id="5" name="内容占位符 4">
-            <a:extLst>
-              <a:ext uri="{FF2B5EF4-FFF2-40B4-BE49-F238E27FC236}">
-                <a16:creationId xmlns:a16="http://schemas.microsoft.com/office/drawing/2014/main" id="{7E172D49-5FF6-4A64-A2F0-6D5E06F26F97}"/>
-              </a:ext>
-            </a:extLst>
-          </p:cNvPr>
-          <p:cNvPicPr>
-            <a:picLocks noGrp="1" noChangeAspect="1"/>
-          </p:cNvPicPr>
-          <p:nvPr>
-            <p:ph idx="1"/>
-          </p:nvPr>
-        </p:nvPicPr>
-        <p:blipFill>
-          <a:blip r:embed="rId2">
-            <a:extLst>
-              <a:ext uri="{28A0092B-C50C-407E-A947-70E740481C1C}">
-                <a14:useLocalDpi xmlns:a14="http://schemas.microsoft.com/office/drawing/2010/main" val="0"/>
-              </a:ext>
-            </a:extLst>
-          </a:blip>
-          <a:stretch>
-            <a:fillRect/>
-          </a:stretch>
-        </p:blipFill>
-        <p:spPr>
-          <a:xfrm>
-            <a:off x="572829" y="1130455"/>
-            <a:ext cx="5645495" cy="2942782"/>
-          </a:xfrm>
-        </p:spPr>
-      </p:pic>
-      <p:pic>
-        <p:nvPicPr>
-          <p:cNvPr id="7" name="图片 6">
-            <a:extLst>
-              <a:ext uri="{FF2B5EF4-FFF2-40B4-BE49-F238E27FC236}">
-                <a16:creationId xmlns:a16="http://schemas.microsoft.com/office/drawing/2014/main" id="{9EC01D0B-466C-4F5D-BF9D-119CAF04B97A}"/>
-              </a:ext>
-            </a:extLst>
-          </p:cNvPr>
-          <p:cNvPicPr>
-            <a:picLocks noChangeAspect="1"/>
-          </p:cNvPicPr>
-          <p:nvPr/>
-        </p:nvPicPr>
-        <p:blipFill>
-          <a:blip r:embed="rId3">
-            <a:extLst>
-              <a:ext uri="{28A0092B-C50C-407E-A947-70E740481C1C}">
-                <a14:useLocalDpi xmlns:a14="http://schemas.microsoft.com/office/drawing/2010/main" val="0"/>
-              </a:ext>
-            </a:extLst>
-          </a:blip>
-          <a:stretch>
-            <a:fillRect/>
-          </a:stretch>
-        </p:blipFill>
-        <p:spPr>
-          <a:xfrm>
-            <a:off x="572829" y="4156362"/>
-            <a:ext cx="8684121" cy="2493901"/>
-          </a:xfrm>
-          <a:prstGeom prst="rect">
-            <a:avLst/>
-          </a:prstGeom>
-        </p:spPr>
-      </p:pic>
-      <p:pic>
-        <p:nvPicPr>
-          <p:cNvPr id="9" name="图片 8">
-            <a:extLst>
-              <a:ext uri="{FF2B5EF4-FFF2-40B4-BE49-F238E27FC236}">
-                <a16:creationId xmlns:a16="http://schemas.microsoft.com/office/drawing/2014/main" id="{7E0D7C5F-68E3-4B3F-BAED-8039780AA24F}"/>
-              </a:ext>
-            </a:extLst>
-          </p:cNvPr>
-          <p:cNvPicPr>
-            <a:picLocks noChangeAspect="1"/>
-          </p:cNvPicPr>
-          <p:nvPr/>
-        </p:nvPicPr>
-        <p:blipFill>
-          <a:blip r:embed="rId4">
-            <a:extLst>
-              <a:ext uri="{28A0092B-C50C-407E-A947-70E740481C1C}">
-                <a14:useLocalDpi xmlns:a14="http://schemas.microsoft.com/office/drawing/2010/main" val="0"/>
-              </a:ext>
-            </a:extLst>
-          </a:blip>
-          <a:stretch>
-            <a:fillRect/>
-          </a:stretch>
-        </p:blipFill>
-        <p:spPr>
-          <a:xfrm>
-            <a:off x="9256950" y="1075034"/>
-            <a:ext cx="2343270" cy="5289822"/>
-          </a:xfrm>
-          <a:prstGeom prst="rect">
-            <a:avLst/>
-          </a:prstGeom>
-        </p:spPr>
-      </p:pic>
-      <p:sp>
-        <p:nvSpPr>
-          <p:cNvPr id="10" name="标题 1">
-            <a:extLst>
-              <a:ext uri="{FF2B5EF4-FFF2-40B4-BE49-F238E27FC236}">
-                <a16:creationId xmlns:a16="http://schemas.microsoft.com/office/drawing/2014/main" id="{A07AA17F-0EA7-4D50-9EB4-099791E1740C}"/>
-              </a:ext>
-            </a:extLst>
-          </p:cNvPr>
-          <p:cNvSpPr txBox="1">
-            <a:spLocks/>
-          </p:cNvSpPr>
-          <p:nvPr/>
-        </p:nvSpPr>
-        <p:spPr>
-          <a:xfrm>
-            <a:off x="9256950" y="62346"/>
-            <a:ext cx="3151908" cy="1237646"/>
-          </a:xfrm>
-          <a:prstGeom prst="rect">
-            <a:avLst/>
-          </a:prstGeom>
-        </p:spPr>
-        <p:txBody>
-          <a:bodyPr vert="horz" lIns="91440" tIns="45720" rIns="91440" bIns="45720" rtlCol="0" anchor="ctr">
-            <a:normAutofit/>
-          </a:bodyPr>
-          <a:lstStyle>
-            <a:lvl1pPr algn="l" defTabSz="914400" rtl="0" eaLnBrk="1" latinLnBrk="0" hangingPunct="1">
-              <a:lnSpc>
-                <a:spcPct val="90000"/>
-              </a:lnSpc>
-              <a:spcBef>
-                <a:spcPct val="0"/>
-              </a:spcBef>
-              <a:buNone/>
-              <a:defRPr sz="4400" kern="1200">
-                <a:solidFill>
-                  <a:schemeClr val="tx1"/>
-                </a:solidFill>
-                <a:latin typeface="+mj-lt"/>
-                <a:ea typeface="+mj-ea"/>
-                <a:cs typeface="+mj-cs"/>
-              </a:defRPr>
-            </a:lvl1pPr>
-          </a:lstStyle>
-          <a:p>
-            <a:r>
-              <a:rPr lang="zh-CN" altLang="en-US" dirty="0"/>
-              <a:t>明细</a:t>
-            </a:r>
-          </a:p>
-        </p:txBody>
-      </p:sp>
-    </p:spTree>
-    <p:extLst>
-      <p:ext uri="{BB962C8B-B14F-4D97-AF65-F5344CB8AC3E}">
-        <p14:creationId xmlns:p14="http://schemas.microsoft.com/office/powerpoint/2010/main" val="1525865815"/>
       </p:ext>
     </p:extLst>
   </p:cSld>

--- a/病案库构建/病案库构建方案.pptx
+++ b/病案库构建/病案库构建方案.pptx
@@ -231,7 +231,7 @@
           <a:p>
             <a:fld id="{025F77A5-FF67-45E7-A679-32E378566ACD}" type="datetimeFigureOut">
               <a:rPr lang="zh-CN" altLang="en-US" smtClean="0"/>
-              <a:t>2020/12/11</a:t>
+              <a:t>2020/12/28</a:t>
             </a:fld>
             <a:endParaRPr lang="zh-CN" altLang="en-US"/>
           </a:p>
@@ -1218,7 +1218,7 @@
           <a:p>
             <a:fld id="{9779D536-292F-4B83-ABDE-3ACF7210745B}" type="datetimeFigureOut">
               <a:rPr lang="zh-CN" altLang="en-US" smtClean="0"/>
-              <a:t>2020/12/11</a:t>
+              <a:t>2020/12/28</a:t>
             </a:fld>
             <a:endParaRPr lang="zh-CN" altLang="en-US"/>
           </a:p>
@@ -1416,7 +1416,7 @@
           <a:p>
             <a:fld id="{9779D536-292F-4B83-ABDE-3ACF7210745B}" type="datetimeFigureOut">
               <a:rPr lang="zh-CN" altLang="en-US" smtClean="0"/>
-              <a:t>2020/12/11</a:t>
+              <a:t>2020/12/28</a:t>
             </a:fld>
             <a:endParaRPr lang="zh-CN" altLang="en-US"/>
           </a:p>
@@ -1624,7 +1624,7 @@
           <a:p>
             <a:fld id="{9779D536-292F-4B83-ABDE-3ACF7210745B}" type="datetimeFigureOut">
               <a:rPr lang="zh-CN" altLang="en-US" smtClean="0"/>
-              <a:t>2020/12/11</a:t>
+              <a:t>2020/12/28</a:t>
             </a:fld>
             <a:endParaRPr lang="zh-CN" altLang="en-US"/>
           </a:p>
@@ -1822,7 +1822,7 @@
           <a:p>
             <a:fld id="{9779D536-292F-4B83-ABDE-3ACF7210745B}" type="datetimeFigureOut">
               <a:rPr lang="zh-CN" altLang="en-US" smtClean="0"/>
-              <a:t>2020/12/11</a:t>
+              <a:t>2020/12/28</a:t>
             </a:fld>
             <a:endParaRPr lang="zh-CN" altLang="en-US"/>
           </a:p>
@@ -2097,7 +2097,7 @@
           <a:p>
             <a:fld id="{9779D536-292F-4B83-ABDE-3ACF7210745B}" type="datetimeFigureOut">
               <a:rPr lang="zh-CN" altLang="en-US" smtClean="0"/>
-              <a:t>2020/12/11</a:t>
+              <a:t>2020/12/28</a:t>
             </a:fld>
             <a:endParaRPr lang="zh-CN" altLang="en-US"/>
           </a:p>
@@ -2362,7 +2362,7 @@
           <a:p>
             <a:fld id="{9779D536-292F-4B83-ABDE-3ACF7210745B}" type="datetimeFigureOut">
               <a:rPr lang="zh-CN" altLang="en-US" smtClean="0"/>
-              <a:t>2020/12/11</a:t>
+              <a:t>2020/12/28</a:t>
             </a:fld>
             <a:endParaRPr lang="zh-CN" altLang="en-US"/>
           </a:p>
@@ -2774,7 +2774,7 @@
           <a:p>
             <a:fld id="{9779D536-292F-4B83-ABDE-3ACF7210745B}" type="datetimeFigureOut">
               <a:rPr lang="zh-CN" altLang="en-US" smtClean="0"/>
-              <a:t>2020/12/11</a:t>
+              <a:t>2020/12/28</a:t>
             </a:fld>
             <a:endParaRPr lang="zh-CN" altLang="en-US"/>
           </a:p>
@@ -2915,7 +2915,7 @@
           <a:p>
             <a:fld id="{9779D536-292F-4B83-ABDE-3ACF7210745B}" type="datetimeFigureOut">
               <a:rPr lang="zh-CN" altLang="en-US" smtClean="0"/>
-              <a:t>2020/12/11</a:t>
+              <a:t>2020/12/28</a:t>
             </a:fld>
             <a:endParaRPr lang="zh-CN" altLang="en-US"/>
           </a:p>
@@ -3028,7 +3028,7 @@
           <a:p>
             <a:fld id="{9779D536-292F-4B83-ABDE-3ACF7210745B}" type="datetimeFigureOut">
               <a:rPr lang="zh-CN" altLang="en-US" smtClean="0"/>
-              <a:t>2020/12/11</a:t>
+              <a:t>2020/12/28</a:t>
             </a:fld>
             <a:endParaRPr lang="zh-CN" altLang="en-US"/>
           </a:p>
@@ -3339,7 +3339,7 @@
           <a:p>
             <a:fld id="{9779D536-292F-4B83-ABDE-3ACF7210745B}" type="datetimeFigureOut">
               <a:rPr lang="zh-CN" altLang="en-US" smtClean="0"/>
-              <a:t>2020/12/11</a:t>
+              <a:t>2020/12/28</a:t>
             </a:fld>
             <a:endParaRPr lang="zh-CN" altLang="en-US"/>
           </a:p>
@@ -3627,7 +3627,7 @@
           <a:p>
             <a:fld id="{9779D536-292F-4B83-ABDE-3ACF7210745B}" type="datetimeFigureOut">
               <a:rPr lang="zh-CN" altLang="en-US" smtClean="0"/>
-              <a:t>2020/12/11</a:t>
+              <a:t>2020/12/28</a:t>
             </a:fld>
             <a:endParaRPr lang="zh-CN" altLang="en-US"/>
           </a:p>
@@ -3868,7 +3868,7 @@
           <a:p>
             <a:fld id="{9779D536-292F-4B83-ABDE-3ACF7210745B}" type="datetimeFigureOut">
               <a:rPr lang="zh-CN" altLang="en-US" smtClean="0"/>
-              <a:t>2020/12/11</a:t>
+              <a:t>2020/12/28</a:t>
             </a:fld>
             <a:endParaRPr lang="zh-CN" altLang="en-US"/>
           </a:p>
@@ -7448,8 +7448,8 @@
         </p:nvSpPr>
         <p:spPr>
           <a:xfrm>
-            <a:off x="6972302" y="1440515"/>
-            <a:ext cx="1236518" cy="369332"/>
+            <a:off x="7414307" y="199332"/>
+            <a:ext cx="1145519" cy="369332"/>
           </a:xfrm>
           <a:prstGeom prst="rect">
             <a:avLst/>
@@ -7712,41 +7712,6 @@
       </p:sp>
       <p:sp>
         <p:nvSpPr>
-          <p:cNvPr id="16" name="文本框 15">
-            <a:extLst>
-              <a:ext uri="{FF2B5EF4-FFF2-40B4-BE49-F238E27FC236}">
-                <a16:creationId xmlns:a16="http://schemas.microsoft.com/office/drawing/2014/main" id="{5BE43CEE-F7EF-4222-9A1A-8F3E3F73C1E2}"/>
-              </a:ext>
-            </a:extLst>
-          </p:cNvPr>
-          <p:cNvSpPr txBox="1"/>
-          <p:nvPr/>
-        </p:nvSpPr>
-        <p:spPr>
-          <a:xfrm>
-            <a:off x="5746015" y="1305605"/>
-            <a:ext cx="1891146" cy="307777"/>
-          </a:xfrm>
-          <a:prstGeom prst="rect">
-            <a:avLst/>
-          </a:prstGeom>
-          <a:noFill/>
-        </p:spPr>
-        <p:txBody>
-          <a:bodyPr wrap="square" rtlCol="0">
-            <a:spAutoFit/>
-          </a:bodyPr>
-          <a:lstStyle/>
-          <a:p>
-            <a:r>
-              <a:rPr lang="zh-CN" altLang="en-US" sz="1400" dirty="0"/>
-              <a:t>药品关系</a:t>
-            </a:r>
-          </a:p>
-        </p:txBody>
-      </p:sp>
-      <p:sp>
-        <p:nvSpPr>
           <p:cNvPr id="18" name="文本框 17">
             <a:extLst>
               <a:ext uri="{FF2B5EF4-FFF2-40B4-BE49-F238E27FC236}">
@@ -7908,7 +7873,7 @@
         </p:nvSpPr>
         <p:spPr>
           <a:xfrm>
-            <a:off x="4816035" y="2589753"/>
+            <a:off x="5036095" y="2586003"/>
             <a:ext cx="872368" cy="369332"/>
           </a:xfrm>
           <a:prstGeom prst="rect">
@@ -7959,14 +7924,13 @@
         </p:nvCxnSpPr>
         <p:spPr>
           <a:xfrm>
-            <a:off x="4617833" y="2774181"/>
-            <a:ext cx="198202" cy="238"/>
+            <a:off x="4592783" y="2770669"/>
+            <a:ext cx="443312" cy="0"/>
           </a:xfrm>
           <a:prstGeom prst="straightConnector1">
             <a:avLst/>
           </a:prstGeom>
-          <a:ln w="12700">
-            <a:prstDash val="lgDashDot"/>
+          <a:ln>
             <a:tailEnd type="triangle"/>
           </a:ln>
         </p:spPr>
@@ -8069,12 +8033,13 @@
         </p:nvSpPr>
         <p:spPr>
           <a:xfrm>
-            <a:off x="10176160" y="2866161"/>
+            <a:off x="10794169" y="3234732"/>
             <a:ext cx="1032163" cy="369332"/>
           </a:xfrm>
           <a:prstGeom prst="rect">
             <a:avLst/>
           </a:prstGeom>
+          <a:ln/>
         </p:spPr>
         <p:style>
           <a:lnRef idx="2">
@@ -8117,7 +8082,7 @@
         </p:nvSpPr>
         <p:spPr>
           <a:xfrm>
-            <a:off x="10044544" y="1867993"/>
+            <a:off x="10766281" y="2202116"/>
             <a:ext cx="1378527" cy="369332"/>
           </a:xfrm>
           <a:prstGeom prst="rect">
@@ -8165,7 +8130,7 @@
         </p:nvSpPr>
         <p:spPr>
           <a:xfrm>
-            <a:off x="10185715" y="1425565"/>
+            <a:off x="10907452" y="1759688"/>
             <a:ext cx="1032163" cy="369332"/>
           </a:xfrm>
           <a:prstGeom prst="rect">
@@ -8199,138 +8164,6 @@
           </a:p>
         </p:txBody>
       </p:sp>
-      <p:cxnSp>
-        <p:nvCxnSpPr>
-          <p:cNvPr id="32" name="直接箭头连接符 31">
-            <a:extLst>
-              <a:ext uri="{FF2B5EF4-FFF2-40B4-BE49-F238E27FC236}">
-                <a16:creationId xmlns:a16="http://schemas.microsoft.com/office/drawing/2014/main" id="{B47B1C46-0B26-4176-BC2F-EB425C3F78CF}"/>
-              </a:ext>
-            </a:extLst>
-          </p:cNvPr>
-          <p:cNvCxnSpPr>
-            <a:cxnSpLocks/>
-            <a:stCxn id="50" idx="3"/>
-            <a:endCxn id="29" idx="1"/>
-          </p:cNvCxnSpPr>
-          <p:nvPr/>
-        </p:nvCxnSpPr>
-        <p:spPr>
-          <a:xfrm flipV="1">
-            <a:off x="8560178" y="2052659"/>
-            <a:ext cx="1484366" cy="15821"/>
-          </a:xfrm>
-          <a:prstGeom prst="straightConnector1">
-            <a:avLst/>
-          </a:prstGeom>
-          <a:ln w="12700">
-            <a:prstDash val="lgDashDotDot"/>
-            <a:tailEnd type="triangle"/>
-          </a:ln>
-        </p:spPr>
-        <p:style>
-          <a:lnRef idx="1">
-            <a:schemeClr val="dk1"/>
-          </a:lnRef>
-          <a:fillRef idx="0">
-            <a:schemeClr val="dk1"/>
-          </a:fillRef>
-          <a:effectRef idx="0">
-            <a:schemeClr val="dk1"/>
-          </a:effectRef>
-          <a:fontRef idx="minor">
-            <a:schemeClr val="tx1"/>
-          </a:fontRef>
-        </p:style>
-      </p:cxnSp>
-      <p:cxnSp>
-        <p:nvCxnSpPr>
-          <p:cNvPr id="34" name="直接箭头连接符 33">
-            <a:extLst>
-              <a:ext uri="{FF2B5EF4-FFF2-40B4-BE49-F238E27FC236}">
-                <a16:creationId xmlns:a16="http://schemas.microsoft.com/office/drawing/2014/main" id="{47C0F0F3-936F-446C-8653-5D8E90FB60C0}"/>
-              </a:ext>
-            </a:extLst>
-          </p:cNvPr>
-          <p:cNvCxnSpPr>
-            <a:cxnSpLocks/>
-            <a:stCxn id="45" idx="3"/>
-            <a:endCxn id="28" idx="1"/>
-          </p:cNvCxnSpPr>
-          <p:nvPr/>
-        </p:nvCxnSpPr>
-        <p:spPr>
-          <a:xfrm flipV="1">
-            <a:off x="8314307" y="3050827"/>
-            <a:ext cx="1861853" cy="17084"/>
-          </a:xfrm>
-          <a:prstGeom prst="straightConnector1">
-            <a:avLst/>
-          </a:prstGeom>
-          <a:ln w="12700">
-            <a:prstDash val="lgDashDotDot"/>
-            <a:tailEnd type="triangle"/>
-          </a:ln>
-        </p:spPr>
-        <p:style>
-          <a:lnRef idx="1">
-            <a:schemeClr val="dk1"/>
-          </a:lnRef>
-          <a:fillRef idx="0">
-            <a:schemeClr val="dk1"/>
-          </a:fillRef>
-          <a:effectRef idx="0">
-            <a:schemeClr val="dk1"/>
-          </a:effectRef>
-          <a:fontRef idx="minor">
-            <a:schemeClr val="tx1"/>
-          </a:fontRef>
-        </p:style>
-      </p:cxnSp>
-      <p:cxnSp>
-        <p:nvCxnSpPr>
-          <p:cNvPr id="35" name="直接箭头连接符 34">
-            <a:extLst>
-              <a:ext uri="{FF2B5EF4-FFF2-40B4-BE49-F238E27FC236}">
-                <a16:creationId xmlns:a16="http://schemas.microsoft.com/office/drawing/2014/main" id="{00CC91F5-7CC8-4DE5-AF4A-86DEA7B99823}"/>
-              </a:ext>
-            </a:extLst>
-          </p:cNvPr>
-          <p:cNvCxnSpPr>
-            <a:cxnSpLocks/>
-            <a:stCxn id="6" idx="3"/>
-            <a:endCxn id="30" idx="1"/>
-          </p:cNvCxnSpPr>
-          <p:nvPr/>
-        </p:nvCxnSpPr>
-        <p:spPr>
-          <a:xfrm flipV="1">
-            <a:off x="8208820" y="1610231"/>
-            <a:ext cx="1976895" cy="14950"/>
-          </a:xfrm>
-          <a:prstGeom prst="straightConnector1">
-            <a:avLst/>
-          </a:prstGeom>
-          <a:ln w="12700">
-            <a:prstDash val="lgDashDotDot"/>
-            <a:tailEnd type="triangle"/>
-          </a:ln>
-        </p:spPr>
-        <p:style>
-          <a:lnRef idx="1">
-            <a:schemeClr val="dk1"/>
-          </a:lnRef>
-          <a:fillRef idx="0">
-            <a:schemeClr val="dk1"/>
-          </a:fillRef>
-          <a:effectRef idx="0">
-            <a:schemeClr val="dk1"/>
-          </a:effectRef>
-          <a:fontRef idx="minor">
-            <a:schemeClr val="tx1"/>
-          </a:fontRef>
-        </p:style>
-      </p:cxnSp>
       <p:sp>
         <p:nvSpPr>
           <p:cNvPr id="39" name="文本框 38">
@@ -8345,7 +8178,7 @@
         </p:nvSpPr>
         <p:spPr>
           <a:xfrm>
-            <a:off x="9905997" y="889062"/>
+            <a:off x="10627734" y="1223185"/>
             <a:ext cx="1572491" cy="369332"/>
           </a:xfrm>
           <a:prstGeom prst="rect">
@@ -9032,6 +8865,9 @@
           <a:prstGeom prst="rect">
             <a:avLst/>
           </a:prstGeom>
+          <a:ln>
+            <a:prstDash val="lgDashDot"/>
+          </a:ln>
         </p:spPr>
         <p:style>
           <a:lnRef idx="2">
@@ -9082,7 +8918,7 @@
         </p:nvSpPr>
         <p:spPr>
           <a:xfrm>
-            <a:off x="7162490" y="2883245"/>
+            <a:off x="7421095" y="2389050"/>
             <a:ext cx="1151817" cy="369332"/>
           </a:xfrm>
           <a:prstGeom prst="rect">
@@ -9111,7 +8947,7 @@
           <a:p>
             <a:r>
               <a:rPr lang="zh-CN" altLang="en-US" dirty="0"/>
-              <a:t>手术明细</a:t>
+              <a:t>护理明细</a:t>
             </a:r>
           </a:p>
         </p:txBody>
@@ -9178,7 +9014,7 @@
         </p:nvSpPr>
         <p:spPr>
           <a:xfrm>
-            <a:off x="7198227" y="3967159"/>
+            <a:off x="7369572" y="4512738"/>
             <a:ext cx="1151817" cy="369332"/>
           </a:xfrm>
           <a:prstGeom prst="rect">
@@ -9226,7 +9062,7 @@
         </p:nvSpPr>
         <p:spPr>
           <a:xfrm>
-            <a:off x="7204629" y="4434946"/>
+            <a:off x="7375974" y="4980525"/>
             <a:ext cx="1158364" cy="369332"/>
           </a:xfrm>
           <a:prstGeom prst="rect">
@@ -9274,8 +9110,8 @@
         </p:nvSpPr>
         <p:spPr>
           <a:xfrm>
-            <a:off x="6914953" y="1883814"/>
-            <a:ext cx="1645225" cy="369332"/>
+            <a:off x="7430181" y="1529001"/>
+            <a:ext cx="1151818" cy="369332"/>
           </a:xfrm>
           <a:prstGeom prst="rect">
             <a:avLst/>
@@ -9303,7 +9139,7 @@
           <a:p>
             <a:r>
               <a:rPr lang="zh-CN" altLang="en-US" dirty="0"/>
-              <a:t>检查项目明细</a:t>
+              <a:t>检查明细</a:t>
             </a:r>
           </a:p>
         </p:txBody>
@@ -9322,8 +9158,8 @@
         </p:nvSpPr>
         <p:spPr>
           <a:xfrm>
-            <a:off x="6903029" y="2412015"/>
-            <a:ext cx="1733549" cy="369332"/>
+            <a:off x="7426946" y="1959597"/>
+            <a:ext cx="1145520" cy="369332"/>
           </a:xfrm>
           <a:prstGeom prst="rect">
             <a:avLst/>
@@ -9351,7 +9187,7 @@
           <a:p>
             <a:r>
               <a:rPr lang="zh-CN" altLang="en-US" dirty="0"/>
-              <a:t>一般诊疗明细</a:t>
+              <a:t>其他明细</a:t>
             </a:r>
           </a:p>
         </p:txBody>
@@ -9370,7 +9206,7 @@
         </p:nvSpPr>
         <p:spPr>
           <a:xfrm>
-            <a:off x="10002979" y="2404496"/>
+            <a:off x="10724716" y="2738619"/>
             <a:ext cx="1378526" cy="369332"/>
           </a:xfrm>
           <a:prstGeom prst="rect">
@@ -9404,222 +9240,6 @@
           </a:p>
         </p:txBody>
       </p:sp>
-      <p:cxnSp>
-        <p:nvCxnSpPr>
-          <p:cNvPr id="60" name="直接箭头连接符 59">
-            <a:extLst>
-              <a:ext uri="{FF2B5EF4-FFF2-40B4-BE49-F238E27FC236}">
-                <a16:creationId xmlns:a16="http://schemas.microsoft.com/office/drawing/2014/main" id="{188E531D-26BB-44B2-8E3C-8C8F9F196B35}"/>
-              </a:ext>
-            </a:extLst>
-          </p:cNvPr>
-          <p:cNvCxnSpPr>
-            <a:cxnSpLocks/>
-            <a:stCxn id="52" idx="3"/>
-            <a:endCxn id="58" idx="1"/>
-          </p:cNvCxnSpPr>
-          <p:nvPr/>
-        </p:nvCxnSpPr>
-        <p:spPr>
-          <a:xfrm flipV="1">
-            <a:off x="8636578" y="2589162"/>
-            <a:ext cx="1366401" cy="7519"/>
-          </a:xfrm>
-          <a:prstGeom prst="straightConnector1">
-            <a:avLst/>
-          </a:prstGeom>
-          <a:ln w="12700">
-            <a:prstDash val="lgDashDotDot"/>
-            <a:tailEnd type="triangle"/>
-          </a:ln>
-        </p:spPr>
-        <p:style>
-          <a:lnRef idx="1">
-            <a:schemeClr val="dk1"/>
-          </a:lnRef>
-          <a:fillRef idx="0">
-            <a:schemeClr val="dk1"/>
-          </a:fillRef>
-          <a:effectRef idx="0">
-            <a:schemeClr val="dk1"/>
-          </a:effectRef>
-          <a:fontRef idx="minor">
-            <a:schemeClr val="tx1"/>
-          </a:fontRef>
-        </p:style>
-      </p:cxnSp>
-      <p:cxnSp>
-        <p:nvCxnSpPr>
-          <p:cNvPr id="73" name="直接箭头连接符 72">
-            <a:extLst>
-              <a:ext uri="{FF2B5EF4-FFF2-40B4-BE49-F238E27FC236}">
-                <a16:creationId xmlns:a16="http://schemas.microsoft.com/office/drawing/2014/main" id="{82FFF08B-4CDA-4432-A329-8389DA725E85}"/>
-              </a:ext>
-            </a:extLst>
-          </p:cNvPr>
-          <p:cNvCxnSpPr>
-            <a:cxnSpLocks/>
-            <a:stCxn id="5" idx="3"/>
-            <a:endCxn id="6" idx="1"/>
-          </p:cNvCxnSpPr>
-          <p:nvPr/>
-        </p:nvCxnSpPr>
-        <p:spPr>
-          <a:xfrm>
-            <a:off x="5290705" y="1583975"/>
-            <a:ext cx="1681597" cy="41206"/>
-          </a:xfrm>
-          <a:prstGeom prst="straightConnector1">
-            <a:avLst/>
-          </a:prstGeom>
-          <a:ln w="19050">
-            <a:tailEnd type="triangle"/>
-          </a:ln>
-        </p:spPr>
-        <p:style>
-          <a:lnRef idx="1">
-            <a:schemeClr val="dk1"/>
-          </a:lnRef>
-          <a:fillRef idx="0">
-            <a:schemeClr val="dk1"/>
-          </a:fillRef>
-          <a:effectRef idx="0">
-            <a:schemeClr val="dk1"/>
-          </a:effectRef>
-          <a:fontRef idx="minor">
-            <a:schemeClr val="tx1"/>
-          </a:fontRef>
-        </p:style>
-      </p:cxnSp>
-      <p:cxnSp>
-        <p:nvCxnSpPr>
-          <p:cNvPr id="76" name="直接箭头连接符 75">
-            <a:extLst>
-              <a:ext uri="{FF2B5EF4-FFF2-40B4-BE49-F238E27FC236}">
-                <a16:creationId xmlns:a16="http://schemas.microsoft.com/office/drawing/2014/main" id="{84AF929F-1FEF-4FF7-AE4D-4E8E8F06E5A8}"/>
-              </a:ext>
-            </a:extLst>
-          </p:cNvPr>
-          <p:cNvCxnSpPr>
-            <a:cxnSpLocks/>
-            <a:stCxn id="5" idx="3"/>
-            <a:endCxn id="50" idx="1"/>
-          </p:cNvCxnSpPr>
-          <p:nvPr/>
-        </p:nvCxnSpPr>
-        <p:spPr>
-          <a:xfrm>
-            <a:off x="5290705" y="1583975"/>
-            <a:ext cx="1624248" cy="484505"/>
-          </a:xfrm>
-          <a:prstGeom prst="straightConnector1">
-            <a:avLst/>
-          </a:prstGeom>
-          <a:ln w="19050">
-            <a:tailEnd type="triangle"/>
-          </a:ln>
-        </p:spPr>
-        <p:style>
-          <a:lnRef idx="1">
-            <a:schemeClr val="dk1"/>
-          </a:lnRef>
-          <a:fillRef idx="0">
-            <a:schemeClr val="dk1"/>
-          </a:fillRef>
-          <a:effectRef idx="0">
-            <a:schemeClr val="dk1"/>
-          </a:effectRef>
-          <a:fontRef idx="minor">
-            <a:schemeClr val="tx1"/>
-          </a:fontRef>
-        </p:style>
-      </p:cxnSp>
-      <p:cxnSp>
-        <p:nvCxnSpPr>
-          <p:cNvPr id="77" name="直接箭头连接符 76">
-            <a:extLst>
-              <a:ext uri="{FF2B5EF4-FFF2-40B4-BE49-F238E27FC236}">
-                <a16:creationId xmlns:a16="http://schemas.microsoft.com/office/drawing/2014/main" id="{C31B6473-657F-4705-BD3D-3EB1A87132A6}"/>
-              </a:ext>
-            </a:extLst>
-          </p:cNvPr>
-          <p:cNvCxnSpPr>
-            <a:cxnSpLocks/>
-            <a:stCxn id="5" idx="3"/>
-            <a:endCxn id="52" idx="1"/>
-          </p:cNvCxnSpPr>
-          <p:nvPr/>
-        </p:nvCxnSpPr>
-        <p:spPr>
-          <a:xfrm>
-            <a:off x="5290705" y="1583975"/>
-            <a:ext cx="1612324" cy="1012706"/>
-          </a:xfrm>
-          <a:prstGeom prst="straightConnector1">
-            <a:avLst/>
-          </a:prstGeom>
-          <a:ln w="19050">
-            <a:tailEnd type="triangle"/>
-          </a:ln>
-        </p:spPr>
-        <p:style>
-          <a:lnRef idx="1">
-            <a:schemeClr val="dk1"/>
-          </a:lnRef>
-          <a:fillRef idx="0">
-            <a:schemeClr val="dk1"/>
-          </a:fillRef>
-          <a:effectRef idx="0">
-            <a:schemeClr val="dk1"/>
-          </a:effectRef>
-          <a:fontRef idx="minor">
-            <a:schemeClr val="tx1"/>
-          </a:fontRef>
-        </p:style>
-      </p:cxnSp>
-      <p:cxnSp>
-        <p:nvCxnSpPr>
-          <p:cNvPr id="78" name="直接箭头连接符 77">
-            <a:extLst>
-              <a:ext uri="{FF2B5EF4-FFF2-40B4-BE49-F238E27FC236}">
-                <a16:creationId xmlns:a16="http://schemas.microsoft.com/office/drawing/2014/main" id="{67CFE794-95AE-4AA1-86AC-B638975F2597}"/>
-              </a:ext>
-            </a:extLst>
-          </p:cNvPr>
-          <p:cNvCxnSpPr>
-            <a:cxnSpLocks/>
-            <a:stCxn id="5" idx="3"/>
-            <a:endCxn id="45" idx="1"/>
-          </p:cNvCxnSpPr>
-          <p:nvPr/>
-        </p:nvCxnSpPr>
-        <p:spPr>
-          <a:xfrm>
-            <a:off x="5290705" y="1583975"/>
-            <a:ext cx="1871785" cy="1483936"/>
-          </a:xfrm>
-          <a:prstGeom prst="straightConnector1">
-            <a:avLst/>
-          </a:prstGeom>
-          <a:ln w="19050">
-            <a:tailEnd type="triangle"/>
-          </a:ln>
-        </p:spPr>
-        <p:style>
-          <a:lnRef idx="1">
-            <a:schemeClr val="dk1"/>
-          </a:lnRef>
-          <a:fillRef idx="0">
-            <a:schemeClr val="dk1"/>
-          </a:fillRef>
-          <a:effectRef idx="0">
-            <a:schemeClr val="dk1"/>
-          </a:effectRef>
-          <a:fontRef idx="minor">
-            <a:schemeClr val="tx1"/>
-          </a:fontRef>
-        </p:style>
-      </p:cxnSp>
       <p:sp>
         <p:nvSpPr>
           <p:cNvPr id="90" name="文本框 89">
@@ -9634,7 +9254,7 @@
         </p:nvSpPr>
         <p:spPr>
           <a:xfrm>
-            <a:off x="7198227" y="4890488"/>
+            <a:off x="7369572" y="5436067"/>
             <a:ext cx="1158364" cy="369332"/>
           </a:xfrm>
           <a:prstGeom prst="rect">
@@ -9682,7 +9302,7 @@
         </p:nvSpPr>
         <p:spPr>
           <a:xfrm>
-            <a:off x="7204629" y="3472805"/>
+            <a:off x="7375974" y="4018384"/>
             <a:ext cx="1158364" cy="369332"/>
           </a:xfrm>
           <a:prstGeom prst="rect">
@@ -9777,7 +9397,7 @@
         <p:spPr>
           <a:xfrm>
             <a:off x="5290705" y="1583975"/>
-            <a:ext cx="1907522" cy="2567850"/>
+            <a:ext cx="2078867" cy="3113429"/>
           </a:xfrm>
           <a:prstGeom prst="straightConnector1">
             <a:avLst/>
@@ -9820,7 +9440,7 @@
         <p:spPr>
           <a:xfrm>
             <a:off x="5290705" y="1583975"/>
-            <a:ext cx="1913924" cy="2073496"/>
+            <a:ext cx="2085269" cy="2619075"/>
           </a:xfrm>
           <a:prstGeom prst="straightConnector1">
             <a:avLst/>
@@ -9863,7 +9483,7 @@
         <p:spPr>
           <a:xfrm>
             <a:off x="5290705" y="1583975"/>
-            <a:ext cx="1913924" cy="3035637"/>
+            <a:ext cx="2085269" cy="3581216"/>
           </a:xfrm>
           <a:prstGeom prst="straightConnector1">
             <a:avLst/>
@@ -9906,7 +9526,7 @@
         <p:spPr>
           <a:xfrm>
             <a:off x="5290705" y="1583975"/>
-            <a:ext cx="1907522" cy="3491179"/>
+            <a:ext cx="2078867" cy="4036758"/>
           </a:xfrm>
           <a:prstGeom prst="straightConnector1">
             <a:avLst/>
@@ -9944,7 +9564,7 @@
         </p:nvSpPr>
         <p:spPr>
           <a:xfrm>
-            <a:off x="7049437" y="3391909"/>
+            <a:off x="7230751" y="3929403"/>
             <a:ext cx="1482289" cy="1959256"/>
           </a:xfrm>
           <a:prstGeom prst="rect">
@@ -9952,7 +9572,7 @@
           </a:prstGeom>
           <a:noFill/>
           <a:ln>
-            <a:prstDash val="lgDashDotDot"/>
+            <a:prstDash val="solid"/>
           </a:ln>
         </p:spPr>
         <p:style>
@@ -9992,15 +9612,15 @@
         </p:nvSpPr>
         <p:spPr>
           <a:xfrm>
-            <a:off x="6837085" y="1273702"/>
-            <a:ext cx="1901590" cy="2031996"/>
+            <a:off x="7206870" y="33166"/>
+            <a:ext cx="1621705" cy="3774798"/>
           </a:xfrm>
           <a:prstGeom prst="rect">
             <a:avLst/>
           </a:prstGeom>
           <a:noFill/>
           <a:ln>
-            <a:prstDash val="lgDashDotDot"/>
+            <a:prstDash val="solid"/>
           </a:ln>
         </p:spPr>
         <p:style>
@@ -10040,7 +9660,7 @@
         </p:nvSpPr>
         <p:spPr>
           <a:xfrm>
-            <a:off x="7308252" y="899290"/>
+            <a:off x="6386120" y="44568"/>
             <a:ext cx="923102" cy="369332"/>
           </a:xfrm>
           <a:prstGeom prst="rect">
@@ -10075,7 +9695,7 @@
         </p:nvSpPr>
         <p:spPr>
           <a:xfrm>
-            <a:off x="7244002" y="5476187"/>
+            <a:off x="8667305" y="4980341"/>
             <a:ext cx="1291977" cy="369332"/>
           </a:xfrm>
           <a:prstGeom prst="rect">
@@ -10258,7 +9878,7 @@
             <a:solidFill>
               <a:srgbClr val="FF0000"/>
             </a:solidFill>
-            <a:prstDash val="lgDashDotDot"/>
+            <a:prstDash val="solid"/>
           </a:ln>
         </p:spPr>
         <p:style>
@@ -10280,7 +9900,19 @@
           <a:lstStyle/>
           <a:p>
             <a:pPr algn="ctr"/>
-            <a:endParaRPr lang="zh-CN" altLang="en-US"/>
+            <a:endParaRPr lang="zh-CN" altLang="en-US">
+              <a:ln w="0"/>
+              <a:solidFill>
+                <a:schemeClr val="tx1"/>
+              </a:solidFill>
+              <a:effectLst>
+                <a:outerShdw blurRad="38100" dist="19050" dir="2700000" algn="tl" rotWithShape="0">
+                  <a:schemeClr val="dk1">
+                    <a:alpha val="40000"/>
+                  </a:schemeClr>
+                </a:outerShdw>
+              </a:effectLst>
+            </a:endParaRPr>
           </a:p>
         </p:txBody>
       </p:sp>
@@ -10327,41 +9959,6 @@
           </a:fontRef>
         </p:style>
       </p:cxnSp>
-      <p:sp>
-        <p:nvSpPr>
-          <p:cNvPr id="37" name="文本框 36">
-            <a:extLst>
-              <a:ext uri="{FF2B5EF4-FFF2-40B4-BE49-F238E27FC236}">
-                <a16:creationId xmlns:a16="http://schemas.microsoft.com/office/drawing/2014/main" id="{DDC41AE2-6CBE-44B0-91B2-255FBC37864C}"/>
-              </a:ext>
-            </a:extLst>
-          </p:cNvPr>
-          <p:cNvSpPr txBox="1"/>
-          <p:nvPr/>
-        </p:nvSpPr>
-        <p:spPr>
-          <a:xfrm>
-            <a:off x="9178636" y="3144982"/>
-            <a:ext cx="747204" cy="369332"/>
-          </a:xfrm>
-          <a:prstGeom prst="rect">
-            <a:avLst/>
-          </a:prstGeom>
-          <a:noFill/>
-        </p:spPr>
-        <p:txBody>
-          <a:bodyPr wrap="square" rtlCol="0">
-            <a:spAutoFit/>
-          </a:bodyPr>
-          <a:lstStyle/>
-          <a:p>
-            <a:r>
-              <a:rPr lang="zh-CN" altLang="en-US" dirty="0"/>
-              <a:t>金额</a:t>
-            </a:r>
-          </a:p>
-        </p:txBody>
-      </p:sp>
       <p:sp>
         <p:nvSpPr>
           <p:cNvPr id="80" name="文本框 79">
@@ -10448,6 +10045,7 @@
             </a:extLst>
           </p:cNvPr>
           <p:cNvCxnSpPr>
+            <a:cxnSpLocks/>
             <a:stCxn id="128" idx="1"/>
             <a:endCxn id="40" idx="0"/>
           </p:cNvCxnSpPr>
@@ -10455,8 +10053,8 @@
         </p:nvCxnSpPr>
         <p:spPr>
           <a:xfrm flipH="1">
-            <a:off x="1808018" y="2289700"/>
-            <a:ext cx="5029067" cy="2071190"/>
+            <a:off x="1808018" y="1920565"/>
+            <a:ext cx="5398852" cy="2440325"/>
           </a:xfrm>
           <a:prstGeom prst="straightConnector1">
             <a:avLst/>
@@ -10549,6 +10147,9 @@
           <a:prstGeom prst="rect">
             <a:avLst/>
           </a:prstGeom>
+          <a:ln>
+            <a:prstDash val="lgDashDot"/>
+          </a:ln>
         </p:spPr>
         <p:style>
           <a:lnRef idx="2">
@@ -10634,16 +10235,18 @@
         </p:nvSpPr>
         <p:spPr>
           <a:xfrm flipH="1">
-            <a:off x="8103867" y="3076140"/>
-            <a:ext cx="1481647" cy="3412488"/>
+            <a:off x="7966944" y="2868711"/>
+            <a:ext cx="1891144" cy="3412488"/>
           </a:xfrm>
           <a:prstGeom prst="arc">
             <a:avLst>
-              <a:gd name="adj1" fmla="val 4755153"/>
-              <a:gd name="adj2" fmla="val 16317991"/>
+              <a:gd name="adj1" fmla="val 4573853"/>
+              <a:gd name="adj2" fmla="val 16878433"/>
             </a:avLst>
           </a:prstGeom>
-          <a:ln/>
+          <a:ln>
+            <a:prstDash val="lgDashDot"/>
+          </a:ln>
         </p:spPr>
         <p:style>
           <a:lnRef idx="1">
@@ -10668,6 +10271,1201 @@
           </a:p>
         </p:txBody>
       </p:sp>
+      <p:sp>
+        <p:nvSpPr>
+          <p:cNvPr id="74" name="文本框 73">
+            <a:extLst>
+              <a:ext uri="{FF2B5EF4-FFF2-40B4-BE49-F238E27FC236}">
+                <a16:creationId xmlns:a16="http://schemas.microsoft.com/office/drawing/2014/main" id="{24E7586E-1835-4412-9FBA-C167861DF2BA}"/>
+              </a:ext>
+            </a:extLst>
+          </p:cNvPr>
+          <p:cNvSpPr txBox="1"/>
+          <p:nvPr/>
+        </p:nvSpPr>
+        <p:spPr>
+          <a:xfrm>
+            <a:off x="7421096" y="683338"/>
+            <a:ext cx="1151817" cy="369332"/>
+          </a:xfrm>
+          <a:prstGeom prst="rect">
+            <a:avLst/>
+          </a:prstGeom>
+        </p:spPr>
+        <p:style>
+          <a:lnRef idx="1">
+            <a:schemeClr val="accent4"/>
+          </a:lnRef>
+          <a:fillRef idx="2">
+            <a:schemeClr val="accent4"/>
+          </a:fillRef>
+          <a:effectRef idx="1">
+            <a:schemeClr val="accent4"/>
+          </a:effectRef>
+          <a:fontRef idx="minor">
+            <a:schemeClr val="dk1"/>
+          </a:fontRef>
+        </p:style>
+        <p:txBody>
+          <a:bodyPr wrap="square" rtlCol="0">
+            <a:spAutoFit/>
+          </a:bodyPr>
+          <a:lstStyle/>
+          <a:p>
+            <a:r>
+              <a:rPr lang="zh-CN" altLang="en-US" dirty="0"/>
+              <a:t>耗材明细</a:t>
+            </a:r>
+          </a:p>
+        </p:txBody>
+      </p:sp>
+      <p:cxnSp>
+        <p:nvCxnSpPr>
+          <p:cNvPr id="20" name="直接连接符 19">
+            <a:extLst>
+              <a:ext uri="{FF2B5EF4-FFF2-40B4-BE49-F238E27FC236}">
+                <a16:creationId xmlns:a16="http://schemas.microsoft.com/office/drawing/2014/main" id="{420FF54B-EE2F-4F19-8027-669D1ACEA54E}"/>
+              </a:ext>
+            </a:extLst>
+          </p:cNvPr>
+          <p:cNvCxnSpPr>
+            <a:cxnSpLocks/>
+            <a:stCxn id="5" idx="3"/>
+            <a:endCxn id="128" idx="1"/>
+          </p:cNvCxnSpPr>
+          <p:nvPr/>
+        </p:nvCxnSpPr>
+        <p:spPr>
+          <a:xfrm>
+            <a:off x="5290705" y="1583975"/>
+            <a:ext cx="1916165" cy="336590"/>
+          </a:xfrm>
+          <a:prstGeom prst="line">
+            <a:avLst/>
+          </a:prstGeom>
+          <a:ln w="28575"/>
+        </p:spPr>
+        <p:style>
+          <a:lnRef idx="1">
+            <a:schemeClr val="dk1"/>
+          </a:lnRef>
+          <a:fillRef idx="0">
+            <a:schemeClr val="dk1"/>
+          </a:fillRef>
+          <a:effectRef idx="0">
+            <a:schemeClr val="dk1"/>
+          </a:effectRef>
+          <a:fontRef idx="minor">
+            <a:schemeClr val="tx1"/>
+          </a:fontRef>
+        </p:style>
+      </p:cxnSp>
+      <p:sp>
+        <p:nvSpPr>
+          <p:cNvPr id="99" name="文本框 98">
+            <a:extLst>
+              <a:ext uri="{FF2B5EF4-FFF2-40B4-BE49-F238E27FC236}">
+                <a16:creationId xmlns:a16="http://schemas.microsoft.com/office/drawing/2014/main" id="{58605803-8F1C-4E7A-A445-8442087157B2}"/>
+              </a:ext>
+            </a:extLst>
+          </p:cNvPr>
+          <p:cNvSpPr txBox="1"/>
+          <p:nvPr/>
+        </p:nvSpPr>
+        <p:spPr>
+          <a:xfrm>
+            <a:off x="7414307" y="1094486"/>
+            <a:ext cx="1151817" cy="369332"/>
+          </a:xfrm>
+          <a:prstGeom prst="rect">
+            <a:avLst/>
+          </a:prstGeom>
+        </p:spPr>
+        <p:style>
+          <a:lnRef idx="1">
+            <a:schemeClr val="accent4"/>
+          </a:lnRef>
+          <a:fillRef idx="2">
+            <a:schemeClr val="accent4"/>
+          </a:fillRef>
+          <a:effectRef idx="1">
+            <a:schemeClr val="accent4"/>
+          </a:effectRef>
+          <a:fontRef idx="minor">
+            <a:schemeClr val="dk1"/>
+          </a:fontRef>
+        </p:style>
+        <p:txBody>
+          <a:bodyPr wrap="square" rtlCol="0">
+            <a:spAutoFit/>
+          </a:bodyPr>
+          <a:lstStyle/>
+          <a:p>
+            <a:r>
+              <a:rPr lang="zh-CN" altLang="en-US" dirty="0"/>
+              <a:t>检验明细</a:t>
+            </a:r>
+          </a:p>
+        </p:txBody>
+      </p:sp>
+      <p:sp>
+        <p:nvSpPr>
+          <p:cNvPr id="100" name="文本框 99">
+            <a:extLst>
+              <a:ext uri="{FF2B5EF4-FFF2-40B4-BE49-F238E27FC236}">
+                <a16:creationId xmlns:a16="http://schemas.microsoft.com/office/drawing/2014/main" id="{05AD9AD2-790B-4B0B-9251-D75776EF3A6D}"/>
+              </a:ext>
+            </a:extLst>
+          </p:cNvPr>
+          <p:cNvSpPr txBox="1"/>
+          <p:nvPr/>
+        </p:nvSpPr>
+        <p:spPr>
+          <a:xfrm>
+            <a:off x="7421095" y="2810622"/>
+            <a:ext cx="1151818" cy="369332"/>
+          </a:xfrm>
+          <a:prstGeom prst="rect">
+            <a:avLst/>
+          </a:prstGeom>
+        </p:spPr>
+        <p:style>
+          <a:lnRef idx="1">
+            <a:schemeClr val="accent4"/>
+          </a:lnRef>
+          <a:fillRef idx="2">
+            <a:schemeClr val="accent4"/>
+          </a:fillRef>
+          <a:effectRef idx="1">
+            <a:schemeClr val="accent4"/>
+          </a:effectRef>
+          <a:fontRef idx="minor">
+            <a:schemeClr val="dk1"/>
+          </a:fontRef>
+        </p:style>
+        <p:txBody>
+          <a:bodyPr wrap="square" rtlCol="0">
+            <a:spAutoFit/>
+          </a:bodyPr>
+          <a:lstStyle/>
+          <a:p>
+            <a:r>
+              <a:rPr lang="zh-CN" altLang="en-US" dirty="0"/>
+              <a:t>手术明细</a:t>
+            </a:r>
+          </a:p>
+        </p:txBody>
+      </p:sp>
+      <p:cxnSp>
+        <p:nvCxnSpPr>
+          <p:cNvPr id="87" name="直接箭头连接符 86">
+            <a:extLst>
+              <a:ext uri="{FF2B5EF4-FFF2-40B4-BE49-F238E27FC236}">
+                <a16:creationId xmlns:a16="http://schemas.microsoft.com/office/drawing/2014/main" id="{953CC696-1A41-41B9-ADA2-C1E73657EAD6}"/>
+              </a:ext>
+            </a:extLst>
+          </p:cNvPr>
+          <p:cNvCxnSpPr>
+            <a:stCxn id="6" idx="3"/>
+            <a:endCxn id="30" idx="1"/>
+          </p:cNvCxnSpPr>
+          <p:nvPr/>
+        </p:nvCxnSpPr>
+        <p:spPr>
+          <a:xfrm>
+            <a:off x="8559826" y="383998"/>
+            <a:ext cx="2347626" cy="1560356"/>
+          </a:xfrm>
+          <a:prstGeom prst="straightConnector1">
+            <a:avLst/>
+          </a:prstGeom>
+          <a:ln>
+            <a:tailEnd type="triangle"/>
+          </a:ln>
+        </p:spPr>
+        <p:style>
+          <a:lnRef idx="1">
+            <a:schemeClr val="dk1"/>
+          </a:lnRef>
+          <a:fillRef idx="0">
+            <a:schemeClr val="dk1"/>
+          </a:fillRef>
+          <a:effectRef idx="0">
+            <a:schemeClr val="dk1"/>
+          </a:effectRef>
+          <a:fontRef idx="minor">
+            <a:schemeClr val="tx1"/>
+          </a:fontRef>
+        </p:style>
+      </p:cxnSp>
+      <p:sp>
+        <p:nvSpPr>
+          <p:cNvPr id="107" name="文本框 106">
+            <a:extLst>
+              <a:ext uri="{FF2B5EF4-FFF2-40B4-BE49-F238E27FC236}">
+                <a16:creationId xmlns:a16="http://schemas.microsoft.com/office/drawing/2014/main" id="{43EB0129-4DA5-4D74-8E0C-047CB898DA61}"/>
+              </a:ext>
+            </a:extLst>
+          </p:cNvPr>
+          <p:cNvSpPr txBox="1"/>
+          <p:nvPr/>
+        </p:nvSpPr>
+        <p:spPr>
+          <a:xfrm>
+            <a:off x="10627734" y="227245"/>
+            <a:ext cx="1365035" cy="369332"/>
+          </a:xfrm>
+          <a:prstGeom prst="rect">
+            <a:avLst/>
+          </a:prstGeom>
+        </p:spPr>
+        <p:style>
+          <a:lnRef idx="2">
+            <a:schemeClr val="accent4"/>
+          </a:lnRef>
+          <a:fillRef idx="1">
+            <a:schemeClr val="lt1"/>
+          </a:fillRef>
+          <a:effectRef idx="0">
+            <a:schemeClr val="accent4"/>
+          </a:effectRef>
+          <a:fontRef idx="minor">
+            <a:schemeClr val="dk1"/>
+          </a:fontRef>
+        </p:style>
+        <p:txBody>
+          <a:bodyPr wrap="square" rtlCol="0">
+            <a:spAutoFit/>
+          </a:bodyPr>
+          <a:lstStyle/>
+          <a:p>
+            <a:r>
+              <a:rPr lang="zh-CN" altLang="en-US" dirty="0"/>
+              <a:t>药品产品库</a:t>
+            </a:r>
+          </a:p>
+        </p:txBody>
+      </p:sp>
+      <p:cxnSp>
+        <p:nvCxnSpPr>
+          <p:cNvPr id="97" name="直接箭头连接符 96">
+            <a:extLst>
+              <a:ext uri="{FF2B5EF4-FFF2-40B4-BE49-F238E27FC236}">
+                <a16:creationId xmlns:a16="http://schemas.microsoft.com/office/drawing/2014/main" id="{9FEEA1C3-1A8C-45C1-A39E-644F0325D243}"/>
+              </a:ext>
+            </a:extLst>
+          </p:cNvPr>
+          <p:cNvCxnSpPr>
+            <a:cxnSpLocks/>
+            <a:stCxn id="6" idx="3"/>
+            <a:endCxn id="107" idx="1"/>
+          </p:cNvCxnSpPr>
+          <p:nvPr/>
+        </p:nvCxnSpPr>
+        <p:spPr>
+          <a:xfrm>
+            <a:off x="8559826" y="383998"/>
+            <a:ext cx="2067908" cy="27913"/>
+          </a:xfrm>
+          <a:prstGeom prst="straightConnector1">
+            <a:avLst/>
+          </a:prstGeom>
+          <a:ln>
+            <a:tailEnd type="triangle"/>
+          </a:ln>
+        </p:spPr>
+        <p:style>
+          <a:lnRef idx="1">
+            <a:schemeClr val="dk1"/>
+          </a:lnRef>
+          <a:fillRef idx="0">
+            <a:schemeClr val="dk1"/>
+          </a:fillRef>
+          <a:effectRef idx="0">
+            <a:schemeClr val="dk1"/>
+          </a:effectRef>
+          <a:fontRef idx="minor">
+            <a:schemeClr val="tx1"/>
+          </a:fontRef>
+        </p:style>
+      </p:cxnSp>
+      <p:sp>
+        <p:nvSpPr>
+          <p:cNvPr id="103" name="文本框 102">
+            <a:extLst>
+              <a:ext uri="{FF2B5EF4-FFF2-40B4-BE49-F238E27FC236}">
+                <a16:creationId xmlns:a16="http://schemas.microsoft.com/office/drawing/2014/main" id="{0FF58906-6A1F-4483-9398-412C1977842A}"/>
+              </a:ext>
+            </a:extLst>
+          </p:cNvPr>
+          <p:cNvSpPr txBox="1"/>
+          <p:nvPr/>
+        </p:nvSpPr>
+        <p:spPr>
+          <a:xfrm rot="1969343">
+            <a:off x="9215783" y="994873"/>
+            <a:ext cx="1652931" cy="369332"/>
+          </a:xfrm>
+          <a:prstGeom prst="rect">
+            <a:avLst/>
+          </a:prstGeom>
+          <a:noFill/>
+        </p:spPr>
+        <p:txBody>
+          <a:bodyPr wrap="square" rtlCol="0">
+            <a:spAutoFit/>
+          </a:bodyPr>
+          <a:lstStyle/>
+          <a:p>
+            <a:r>
+              <a:rPr lang="en-US" altLang="zh-CN" dirty="0"/>
+              <a:t>ITEM_ID_STD</a:t>
+            </a:r>
+            <a:endParaRPr lang="zh-CN" altLang="en-US" dirty="0"/>
+          </a:p>
+        </p:txBody>
+      </p:sp>
+      <p:sp>
+        <p:nvSpPr>
+          <p:cNvPr id="113" name="文本框 112">
+            <a:extLst>
+              <a:ext uri="{FF2B5EF4-FFF2-40B4-BE49-F238E27FC236}">
+                <a16:creationId xmlns:a16="http://schemas.microsoft.com/office/drawing/2014/main" id="{9DB395F7-786E-4F17-B5E5-E00744191525}"/>
+              </a:ext>
+            </a:extLst>
+          </p:cNvPr>
+          <p:cNvSpPr txBox="1"/>
+          <p:nvPr/>
+        </p:nvSpPr>
+        <p:spPr>
+          <a:xfrm>
+            <a:off x="8818942" y="82617"/>
+            <a:ext cx="1839540" cy="369332"/>
+          </a:xfrm>
+          <a:prstGeom prst="rect">
+            <a:avLst/>
+          </a:prstGeom>
+          <a:noFill/>
+        </p:spPr>
+        <p:txBody>
+          <a:bodyPr wrap="square" rtlCol="0">
+            <a:spAutoFit/>
+          </a:bodyPr>
+          <a:lstStyle/>
+          <a:p>
+            <a:r>
+              <a:rPr lang="en-US" altLang="zh-CN" dirty="0"/>
+              <a:t>ITEM_PRODUCT</a:t>
+            </a:r>
+            <a:endParaRPr lang="zh-CN" altLang="en-US" dirty="0"/>
+          </a:p>
+        </p:txBody>
+      </p:sp>
+      <p:cxnSp>
+        <p:nvCxnSpPr>
+          <p:cNvPr id="111" name="直接箭头连接符 110">
+            <a:extLst>
+              <a:ext uri="{FF2B5EF4-FFF2-40B4-BE49-F238E27FC236}">
+                <a16:creationId xmlns:a16="http://schemas.microsoft.com/office/drawing/2014/main" id="{F5D58044-F94A-4928-AA03-DF8727907190}"/>
+              </a:ext>
+            </a:extLst>
+          </p:cNvPr>
+          <p:cNvCxnSpPr>
+            <a:stCxn id="6" idx="3"/>
+            <a:endCxn id="58" idx="1"/>
+          </p:cNvCxnSpPr>
+          <p:nvPr/>
+        </p:nvCxnSpPr>
+        <p:spPr>
+          <a:xfrm>
+            <a:off x="8559826" y="383998"/>
+            <a:ext cx="2164890" cy="2539287"/>
+          </a:xfrm>
+          <a:prstGeom prst="straightConnector1">
+            <a:avLst/>
+          </a:prstGeom>
+          <a:ln>
+            <a:tailEnd type="triangle"/>
+          </a:ln>
+        </p:spPr>
+        <p:style>
+          <a:lnRef idx="1">
+            <a:schemeClr val="dk1"/>
+          </a:lnRef>
+          <a:fillRef idx="0">
+            <a:schemeClr val="dk1"/>
+          </a:fillRef>
+          <a:effectRef idx="0">
+            <a:schemeClr val="dk1"/>
+          </a:effectRef>
+          <a:fontRef idx="minor">
+            <a:schemeClr val="tx1"/>
+          </a:fontRef>
+        </p:style>
+      </p:cxnSp>
+      <p:cxnSp>
+        <p:nvCxnSpPr>
+          <p:cNvPr id="114" name="直接箭头连接符 113">
+            <a:extLst>
+              <a:ext uri="{FF2B5EF4-FFF2-40B4-BE49-F238E27FC236}">
+                <a16:creationId xmlns:a16="http://schemas.microsoft.com/office/drawing/2014/main" id="{A9C7137F-8D9D-487D-9EBE-F564C546F6BD}"/>
+              </a:ext>
+            </a:extLst>
+          </p:cNvPr>
+          <p:cNvCxnSpPr>
+            <a:stCxn id="74" idx="3"/>
+            <a:endCxn id="29" idx="1"/>
+          </p:cNvCxnSpPr>
+          <p:nvPr/>
+        </p:nvCxnSpPr>
+        <p:spPr>
+          <a:xfrm>
+            <a:off x="8572913" y="868004"/>
+            <a:ext cx="2193368" cy="1518778"/>
+          </a:xfrm>
+          <a:prstGeom prst="straightConnector1">
+            <a:avLst/>
+          </a:prstGeom>
+          <a:ln>
+            <a:tailEnd type="triangle"/>
+          </a:ln>
+        </p:spPr>
+        <p:style>
+          <a:lnRef idx="1">
+            <a:schemeClr val="dk1"/>
+          </a:lnRef>
+          <a:fillRef idx="0">
+            <a:schemeClr val="dk1"/>
+          </a:fillRef>
+          <a:effectRef idx="0">
+            <a:schemeClr val="dk1"/>
+          </a:effectRef>
+          <a:fontRef idx="minor">
+            <a:schemeClr val="tx1"/>
+          </a:fontRef>
+        </p:style>
+      </p:cxnSp>
+      <p:cxnSp>
+        <p:nvCxnSpPr>
+          <p:cNvPr id="116" name="直接箭头连接符 115">
+            <a:extLst>
+              <a:ext uri="{FF2B5EF4-FFF2-40B4-BE49-F238E27FC236}">
+                <a16:creationId xmlns:a16="http://schemas.microsoft.com/office/drawing/2014/main" id="{96922CF2-E278-4C2B-BC4F-994184AF2E86}"/>
+              </a:ext>
+            </a:extLst>
+          </p:cNvPr>
+          <p:cNvCxnSpPr>
+            <a:cxnSpLocks/>
+            <a:stCxn id="74" idx="3"/>
+            <a:endCxn id="58" idx="1"/>
+          </p:cNvCxnSpPr>
+          <p:nvPr/>
+        </p:nvCxnSpPr>
+        <p:spPr>
+          <a:xfrm>
+            <a:off x="8572913" y="868004"/>
+            <a:ext cx="2151803" cy="2055281"/>
+          </a:xfrm>
+          <a:prstGeom prst="straightConnector1">
+            <a:avLst/>
+          </a:prstGeom>
+          <a:ln>
+            <a:tailEnd type="triangle"/>
+          </a:ln>
+        </p:spPr>
+        <p:style>
+          <a:lnRef idx="1">
+            <a:schemeClr val="dk1"/>
+          </a:lnRef>
+          <a:fillRef idx="0">
+            <a:schemeClr val="dk1"/>
+          </a:fillRef>
+          <a:effectRef idx="0">
+            <a:schemeClr val="dk1"/>
+          </a:effectRef>
+          <a:fontRef idx="minor">
+            <a:schemeClr val="tx1"/>
+          </a:fontRef>
+        </p:style>
+      </p:cxnSp>
+      <p:cxnSp>
+        <p:nvCxnSpPr>
+          <p:cNvPr id="119" name="直接箭头连接符 118">
+            <a:extLst>
+              <a:ext uri="{FF2B5EF4-FFF2-40B4-BE49-F238E27FC236}">
+                <a16:creationId xmlns:a16="http://schemas.microsoft.com/office/drawing/2014/main" id="{6F0593A0-7D0E-4335-9E62-6D5E917EA6BE}"/>
+              </a:ext>
+            </a:extLst>
+          </p:cNvPr>
+          <p:cNvCxnSpPr>
+            <a:stCxn id="99" idx="3"/>
+            <a:endCxn id="29" idx="1"/>
+          </p:cNvCxnSpPr>
+          <p:nvPr/>
+        </p:nvCxnSpPr>
+        <p:spPr>
+          <a:xfrm>
+            <a:off x="8566124" y="1279152"/>
+            <a:ext cx="2200157" cy="1107630"/>
+          </a:xfrm>
+          <a:prstGeom prst="straightConnector1">
+            <a:avLst/>
+          </a:prstGeom>
+          <a:ln>
+            <a:tailEnd type="triangle"/>
+          </a:ln>
+        </p:spPr>
+        <p:style>
+          <a:lnRef idx="1">
+            <a:schemeClr val="dk1"/>
+          </a:lnRef>
+          <a:fillRef idx="0">
+            <a:schemeClr val="dk1"/>
+          </a:fillRef>
+          <a:effectRef idx="0">
+            <a:schemeClr val="dk1"/>
+          </a:effectRef>
+          <a:fontRef idx="minor">
+            <a:schemeClr val="tx1"/>
+          </a:fontRef>
+        </p:style>
+      </p:cxnSp>
+      <p:cxnSp>
+        <p:nvCxnSpPr>
+          <p:cNvPr id="121" name="直接箭头连接符 120">
+            <a:extLst>
+              <a:ext uri="{FF2B5EF4-FFF2-40B4-BE49-F238E27FC236}">
+                <a16:creationId xmlns:a16="http://schemas.microsoft.com/office/drawing/2014/main" id="{554A04CD-598C-472A-801F-29C9A27B1571}"/>
+              </a:ext>
+            </a:extLst>
+          </p:cNvPr>
+          <p:cNvCxnSpPr>
+            <a:stCxn id="99" idx="3"/>
+            <a:endCxn id="58" idx="1"/>
+          </p:cNvCxnSpPr>
+          <p:nvPr/>
+        </p:nvCxnSpPr>
+        <p:spPr>
+          <a:xfrm>
+            <a:off x="8566124" y="1279152"/>
+            <a:ext cx="2158592" cy="1644133"/>
+          </a:xfrm>
+          <a:prstGeom prst="straightConnector1">
+            <a:avLst/>
+          </a:prstGeom>
+          <a:ln>
+            <a:tailEnd type="triangle"/>
+          </a:ln>
+        </p:spPr>
+        <p:style>
+          <a:lnRef idx="1">
+            <a:schemeClr val="dk1"/>
+          </a:lnRef>
+          <a:fillRef idx="0">
+            <a:schemeClr val="dk1"/>
+          </a:fillRef>
+          <a:effectRef idx="0">
+            <a:schemeClr val="dk1"/>
+          </a:effectRef>
+          <a:fontRef idx="minor">
+            <a:schemeClr val="tx1"/>
+          </a:fontRef>
+        </p:style>
+      </p:cxnSp>
+      <p:cxnSp>
+        <p:nvCxnSpPr>
+          <p:cNvPr id="123" name="直接箭头连接符 122">
+            <a:extLst>
+              <a:ext uri="{FF2B5EF4-FFF2-40B4-BE49-F238E27FC236}">
+                <a16:creationId xmlns:a16="http://schemas.microsoft.com/office/drawing/2014/main" id="{2FE1E642-81A0-4977-8625-2134777FD9FA}"/>
+              </a:ext>
+            </a:extLst>
+          </p:cNvPr>
+          <p:cNvCxnSpPr>
+            <a:stCxn id="50" idx="3"/>
+            <a:endCxn id="29" idx="1"/>
+          </p:cNvCxnSpPr>
+          <p:nvPr/>
+        </p:nvCxnSpPr>
+        <p:spPr>
+          <a:xfrm>
+            <a:off x="8581999" y="1713667"/>
+            <a:ext cx="2184282" cy="673115"/>
+          </a:xfrm>
+          <a:prstGeom prst="straightConnector1">
+            <a:avLst/>
+          </a:prstGeom>
+          <a:ln>
+            <a:tailEnd type="triangle"/>
+          </a:ln>
+        </p:spPr>
+        <p:style>
+          <a:lnRef idx="1">
+            <a:schemeClr val="dk1"/>
+          </a:lnRef>
+          <a:fillRef idx="0">
+            <a:schemeClr val="dk1"/>
+          </a:fillRef>
+          <a:effectRef idx="0">
+            <a:schemeClr val="dk1"/>
+          </a:effectRef>
+          <a:fontRef idx="minor">
+            <a:schemeClr val="tx1"/>
+          </a:fontRef>
+        </p:style>
+      </p:cxnSp>
+      <p:cxnSp>
+        <p:nvCxnSpPr>
+          <p:cNvPr id="125" name="直接箭头连接符 124">
+            <a:extLst>
+              <a:ext uri="{FF2B5EF4-FFF2-40B4-BE49-F238E27FC236}">
+                <a16:creationId xmlns:a16="http://schemas.microsoft.com/office/drawing/2014/main" id="{A8FF85D3-C9CE-4492-BCB8-E938AB8503B5}"/>
+              </a:ext>
+            </a:extLst>
+          </p:cNvPr>
+          <p:cNvCxnSpPr>
+            <a:stCxn id="50" idx="3"/>
+            <a:endCxn id="58" idx="1"/>
+          </p:cNvCxnSpPr>
+          <p:nvPr/>
+        </p:nvCxnSpPr>
+        <p:spPr>
+          <a:xfrm>
+            <a:off x="8581999" y="1713667"/>
+            <a:ext cx="2142717" cy="1209618"/>
+          </a:xfrm>
+          <a:prstGeom prst="straightConnector1">
+            <a:avLst/>
+          </a:prstGeom>
+          <a:ln>
+            <a:tailEnd type="triangle"/>
+          </a:ln>
+        </p:spPr>
+        <p:style>
+          <a:lnRef idx="1">
+            <a:schemeClr val="dk1"/>
+          </a:lnRef>
+          <a:fillRef idx="0">
+            <a:schemeClr val="dk1"/>
+          </a:fillRef>
+          <a:effectRef idx="0">
+            <a:schemeClr val="dk1"/>
+          </a:effectRef>
+          <a:fontRef idx="minor">
+            <a:schemeClr val="tx1"/>
+          </a:fontRef>
+        </p:style>
+      </p:cxnSp>
+      <p:cxnSp>
+        <p:nvCxnSpPr>
+          <p:cNvPr id="131" name="直接箭头连接符 130">
+            <a:extLst>
+              <a:ext uri="{FF2B5EF4-FFF2-40B4-BE49-F238E27FC236}">
+                <a16:creationId xmlns:a16="http://schemas.microsoft.com/office/drawing/2014/main" id="{01A3262D-279A-498A-9637-5573D09F7F4D}"/>
+              </a:ext>
+            </a:extLst>
+          </p:cNvPr>
+          <p:cNvCxnSpPr>
+            <a:stCxn id="52" idx="3"/>
+            <a:endCxn id="30" idx="1"/>
+          </p:cNvCxnSpPr>
+          <p:nvPr/>
+        </p:nvCxnSpPr>
+        <p:spPr>
+          <a:xfrm flipV="1">
+            <a:off x="8572466" y="1944354"/>
+            <a:ext cx="2334986" cy="199909"/>
+          </a:xfrm>
+          <a:prstGeom prst="straightConnector1">
+            <a:avLst/>
+          </a:prstGeom>
+          <a:ln>
+            <a:tailEnd type="triangle"/>
+          </a:ln>
+        </p:spPr>
+        <p:style>
+          <a:lnRef idx="1">
+            <a:schemeClr val="dk1"/>
+          </a:lnRef>
+          <a:fillRef idx="0">
+            <a:schemeClr val="dk1"/>
+          </a:fillRef>
+          <a:effectRef idx="0">
+            <a:schemeClr val="dk1"/>
+          </a:effectRef>
+          <a:fontRef idx="minor">
+            <a:schemeClr val="tx1"/>
+          </a:fontRef>
+        </p:style>
+      </p:cxnSp>
+      <p:cxnSp>
+        <p:nvCxnSpPr>
+          <p:cNvPr id="134" name="直接箭头连接符 133">
+            <a:extLst>
+              <a:ext uri="{FF2B5EF4-FFF2-40B4-BE49-F238E27FC236}">
+                <a16:creationId xmlns:a16="http://schemas.microsoft.com/office/drawing/2014/main" id="{5D7EC04F-7F4C-43F6-BA2A-85AACA5D5575}"/>
+              </a:ext>
+            </a:extLst>
+          </p:cNvPr>
+          <p:cNvCxnSpPr>
+            <a:stCxn id="52" idx="3"/>
+            <a:endCxn id="29" idx="1"/>
+          </p:cNvCxnSpPr>
+          <p:nvPr/>
+        </p:nvCxnSpPr>
+        <p:spPr>
+          <a:xfrm>
+            <a:off x="8572466" y="2144263"/>
+            <a:ext cx="2193815" cy="242519"/>
+          </a:xfrm>
+          <a:prstGeom prst="straightConnector1">
+            <a:avLst/>
+          </a:prstGeom>
+          <a:ln>
+            <a:tailEnd type="triangle"/>
+          </a:ln>
+        </p:spPr>
+        <p:style>
+          <a:lnRef idx="1">
+            <a:schemeClr val="dk1"/>
+          </a:lnRef>
+          <a:fillRef idx="0">
+            <a:schemeClr val="dk1"/>
+          </a:fillRef>
+          <a:effectRef idx="0">
+            <a:schemeClr val="dk1"/>
+          </a:effectRef>
+          <a:fontRef idx="minor">
+            <a:schemeClr val="tx1"/>
+          </a:fontRef>
+        </p:style>
+      </p:cxnSp>
+      <p:cxnSp>
+        <p:nvCxnSpPr>
+          <p:cNvPr id="136" name="直接箭头连接符 135">
+            <a:extLst>
+              <a:ext uri="{FF2B5EF4-FFF2-40B4-BE49-F238E27FC236}">
+                <a16:creationId xmlns:a16="http://schemas.microsoft.com/office/drawing/2014/main" id="{362A9F51-379E-4556-8A99-A7EA8A88D31B}"/>
+              </a:ext>
+            </a:extLst>
+          </p:cNvPr>
+          <p:cNvCxnSpPr>
+            <a:stCxn id="52" idx="3"/>
+            <a:endCxn id="58" idx="1"/>
+          </p:cNvCxnSpPr>
+          <p:nvPr/>
+        </p:nvCxnSpPr>
+        <p:spPr>
+          <a:xfrm>
+            <a:off x="8572466" y="2144263"/>
+            <a:ext cx="2152250" cy="779022"/>
+          </a:xfrm>
+          <a:prstGeom prst="straightConnector1">
+            <a:avLst/>
+          </a:prstGeom>
+          <a:ln>
+            <a:tailEnd type="triangle"/>
+          </a:ln>
+        </p:spPr>
+        <p:style>
+          <a:lnRef idx="1">
+            <a:schemeClr val="dk1"/>
+          </a:lnRef>
+          <a:fillRef idx="0">
+            <a:schemeClr val="dk1"/>
+          </a:fillRef>
+          <a:effectRef idx="0">
+            <a:schemeClr val="dk1"/>
+          </a:effectRef>
+          <a:fontRef idx="minor">
+            <a:schemeClr val="tx1"/>
+          </a:fontRef>
+        </p:style>
+      </p:cxnSp>
+      <p:cxnSp>
+        <p:nvCxnSpPr>
+          <p:cNvPr id="138" name="直接箭头连接符 137">
+            <a:extLst>
+              <a:ext uri="{FF2B5EF4-FFF2-40B4-BE49-F238E27FC236}">
+                <a16:creationId xmlns:a16="http://schemas.microsoft.com/office/drawing/2014/main" id="{BD522CC2-DF18-4665-A93E-D84A06FB6361}"/>
+              </a:ext>
+            </a:extLst>
+          </p:cNvPr>
+          <p:cNvCxnSpPr>
+            <a:stCxn id="45" idx="3"/>
+            <a:endCxn id="29" idx="1"/>
+          </p:cNvCxnSpPr>
+          <p:nvPr/>
+        </p:nvCxnSpPr>
+        <p:spPr>
+          <a:xfrm flipV="1">
+            <a:off x="8572912" y="2386782"/>
+            <a:ext cx="2193369" cy="186934"/>
+          </a:xfrm>
+          <a:prstGeom prst="straightConnector1">
+            <a:avLst/>
+          </a:prstGeom>
+          <a:ln>
+            <a:tailEnd type="triangle"/>
+          </a:ln>
+        </p:spPr>
+        <p:style>
+          <a:lnRef idx="1">
+            <a:schemeClr val="dk1"/>
+          </a:lnRef>
+          <a:fillRef idx="0">
+            <a:schemeClr val="dk1"/>
+          </a:fillRef>
+          <a:effectRef idx="0">
+            <a:schemeClr val="dk1"/>
+          </a:effectRef>
+          <a:fontRef idx="minor">
+            <a:schemeClr val="tx1"/>
+          </a:fontRef>
+        </p:style>
+      </p:cxnSp>
+      <p:cxnSp>
+        <p:nvCxnSpPr>
+          <p:cNvPr id="140" name="直接箭头连接符 139">
+            <a:extLst>
+              <a:ext uri="{FF2B5EF4-FFF2-40B4-BE49-F238E27FC236}">
+                <a16:creationId xmlns:a16="http://schemas.microsoft.com/office/drawing/2014/main" id="{B7F86201-0926-4E5B-9172-6F00BF5F2AD1}"/>
+              </a:ext>
+            </a:extLst>
+          </p:cNvPr>
+          <p:cNvCxnSpPr>
+            <a:stCxn id="45" idx="3"/>
+            <a:endCxn id="58" idx="1"/>
+          </p:cNvCxnSpPr>
+          <p:nvPr/>
+        </p:nvCxnSpPr>
+        <p:spPr>
+          <a:xfrm>
+            <a:off x="8572912" y="2573716"/>
+            <a:ext cx="2151804" cy="349569"/>
+          </a:xfrm>
+          <a:prstGeom prst="straightConnector1">
+            <a:avLst/>
+          </a:prstGeom>
+          <a:ln>
+            <a:tailEnd type="triangle"/>
+          </a:ln>
+        </p:spPr>
+        <p:style>
+          <a:lnRef idx="1">
+            <a:schemeClr val="dk1"/>
+          </a:lnRef>
+          <a:fillRef idx="0">
+            <a:schemeClr val="dk1"/>
+          </a:fillRef>
+          <a:effectRef idx="0">
+            <a:schemeClr val="dk1"/>
+          </a:effectRef>
+          <a:fontRef idx="minor">
+            <a:schemeClr val="tx1"/>
+          </a:fontRef>
+        </p:style>
+      </p:cxnSp>
+      <p:cxnSp>
+        <p:nvCxnSpPr>
+          <p:cNvPr id="142" name="直接箭头连接符 141">
+            <a:extLst>
+              <a:ext uri="{FF2B5EF4-FFF2-40B4-BE49-F238E27FC236}">
+                <a16:creationId xmlns:a16="http://schemas.microsoft.com/office/drawing/2014/main" id="{EE3B689C-6510-4FE7-8649-F2AD0ECF8D98}"/>
+              </a:ext>
+            </a:extLst>
+          </p:cNvPr>
+          <p:cNvCxnSpPr>
+            <a:stCxn id="100" idx="3"/>
+            <a:endCxn id="29" idx="1"/>
+          </p:cNvCxnSpPr>
+          <p:nvPr/>
+        </p:nvCxnSpPr>
+        <p:spPr>
+          <a:xfrm flipV="1">
+            <a:off x="8572913" y="2386782"/>
+            <a:ext cx="2193368" cy="608506"/>
+          </a:xfrm>
+          <a:prstGeom prst="straightConnector1">
+            <a:avLst/>
+          </a:prstGeom>
+          <a:ln>
+            <a:tailEnd type="triangle"/>
+          </a:ln>
+        </p:spPr>
+        <p:style>
+          <a:lnRef idx="1">
+            <a:schemeClr val="dk1"/>
+          </a:lnRef>
+          <a:fillRef idx="0">
+            <a:schemeClr val="dk1"/>
+          </a:fillRef>
+          <a:effectRef idx="0">
+            <a:schemeClr val="dk1"/>
+          </a:effectRef>
+          <a:fontRef idx="minor">
+            <a:schemeClr val="tx1"/>
+          </a:fontRef>
+        </p:style>
+      </p:cxnSp>
+      <p:cxnSp>
+        <p:nvCxnSpPr>
+          <p:cNvPr id="144" name="直接箭头连接符 143">
+            <a:extLst>
+              <a:ext uri="{FF2B5EF4-FFF2-40B4-BE49-F238E27FC236}">
+                <a16:creationId xmlns:a16="http://schemas.microsoft.com/office/drawing/2014/main" id="{B061DAD5-FD08-47F2-8842-A3D08ED85865}"/>
+              </a:ext>
+            </a:extLst>
+          </p:cNvPr>
+          <p:cNvCxnSpPr>
+            <a:stCxn id="100" idx="3"/>
+            <a:endCxn id="58" idx="1"/>
+          </p:cNvCxnSpPr>
+          <p:nvPr/>
+        </p:nvCxnSpPr>
+        <p:spPr>
+          <a:xfrm flipV="1">
+            <a:off x="8572913" y="2923285"/>
+            <a:ext cx="2151803" cy="72003"/>
+          </a:xfrm>
+          <a:prstGeom prst="straightConnector1">
+            <a:avLst/>
+          </a:prstGeom>
+          <a:ln>
+            <a:tailEnd type="triangle"/>
+          </a:ln>
+        </p:spPr>
+        <p:style>
+          <a:lnRef idx="1">
+            <a:schemeClr val="dk1"/>
+          </a:lnRef>
+          <a:fillRef idx="0">
+            <a:schemeClr val="dk1"/>
+          </a:fillRef>
+          <a:effectRef idx="0">
+            <a:schemeClr val="dk1"/>
+          </a:effectRef>
+          <a:fontRef idx="minor">
+            <a:schemeClr val="tx1"/>
+          </a:fontRef>
+        </p:style>
+      </p:cxnSp>
+      <p:sp>
+        <p:nvSpPr>
+          <p:cNvPr id="145" name="文本框 144">
+            <a:extLst>
+              <a:ext uri="{FF2B5EF4-FFF2-40B4-BE49-F238E27FC236}">
+                <a16:creationId xmlns:a16="http://schemas.microsoft.com/office/drawing/2014/main" id="{C384A0C8-280D-41CE-88EC-E1BFBF0DAD78}"/>
+              </a:ext>
+            </a:extLst>
+          </p:cNvPr>
+          <p:cNvSpPr txBox="1"/>
+          <p:nvPr/>
+        </p:nvSpPr>
+        <p:spPr>
+          <a:xfrm>
+            <a:off x="7423172" y="3251648"/>
+            <a:ext cx="1151818" cy="369332"/>
+          </a:xfrm>
+          <a:prstGeom prst="rect">
+            <a:avLst/>
+          </a:prstGeom>
+        </p:spPr>
+        <p:style>
+          <a:lnRef idx="1">
+            <a:schemeClr val="accent4"/>
+          </a:lnRef>
+          <a:fillRef idx="2">
+            <a:schemeClr val="accent4"/>
+          </a:fillRef>
+          <a:effectRef idx="1">
+            <a:schemeClr val="accent4"/>
+          </a:effectRef>
+          <a:fontRef idx="minor">
+            <a:schemeClr val="dk1"/>
+          </a:fontRef>
+        </p:style>
+        <p:txBody>
+          <a:bodyPr wrap="square" rtlCol="0">
+            <a:spAutoFit/>
+          </a:bodyPr>
+          <a:lstStyle/>
+          <a:p>
+            <a:r>
+              <a:rPr lang="zh-CN" altLang="en-US" dirty="0"/>
+              <a:t>治疗明细</a:t>
+            </a:r>
+          </a:p>
+        </p:txBody>
+      </p:sp>
+      <p:cxnSp>
+        <p:nvCxnSpPr>
+          <p:cNvPr id="167" name="直接箭头连接符 166">
+            <a:extLst>
+              <a:ext uri="{FF2B5EF4-FFF2-40B4-BE49-F238E27FC236}">
+                <a16:creationId xmlns:a16="http://schemas.microsoft.com/office/drawing/2014/main" id="{CF852491-7126-4C7A-9182-A360E21AF86C}"/>
+              </a:ext>
+            </a:extLst>
+          </p:cNvPr>
+          <p:cNvCxnSpPr>
+            <a:stCxn id="145" idx="3"/>
+            <a:endCxn id="29" idx="1"/>
+          </p:cNvCxnSpPr>
+          <p:nvPr/>
+        </p:nvCxnSpPr>
+        <p:spPr>
+          <a:xfrm flipV="1">
+            <a:off x="8574990" y="2386782"/>
+            <a:ext cx="2191291" cy="1049532"/>
+          </a:xfrm>
+          <a:prstGeom prst="straightConnector1">
+            <a:avLst/>
+          </a:prstGeom>
+          <a:ln>
+            <a:tailEnd type="triangle"/>
+          </a:ln>
+        </p:spPr>
+        <p:style>
+          <a:lnRef idx="1">
+            <a:schemeClr val="dk1"/>
+          </a:lnRef>
+          <a:fillRef idx="0">
+            <a:schemeClr val="dk1"/>
+          </a:fillRef>
+          <a:effectRef idx="0">
+            <a:schemeClr val="dk1"/>
+          </a:effectRef>
+          <a:fontRef idx="minor">
+            <a:schemeClr val="tx1"/>
+          </a:fontRef>
+        </p:style>
+      </p:cxnSp>
+      <p:cxnSp>
+        <p:nvCxnSpPr>
+          <p:cNvPr id="169" name="直接箭头连接符 168">
+            <a:extLst>
+              <a:ext uri="{FF2B5EF4-FFF2-40B4-BE49-F238E27FC236}">
+                <a16:creationId xmlns:a16="http://schemas.microsoft.com/office/drawing/2014/main" id="{41E6CB01-F5CB-4196-822C-C00501568CE2}"/>
+              </a:ext>
+            </a:extLst>
+          </p:cNvPr>
+          <p:cNvCxnSpPr>
+            <a:stCxn id="145" idx="3"/>
+            <a:endCxn id="58" idx="1"/>
+          </p:cNvCxnSpPr>
+          <p:nvPr/>
+        </p:nvCxnSpPr>
+        <p:spPr>
+          <a:xfrm flipV="1">
+            <a:off x="8574990" y="2923285"/>
+            <a:ext cx="2149726" cy="513029"/>
+          </a:xfrm>
+          <a:prstGeom prst="straightConnector1">
+            <a:avLst/>
+          </a:prstGeom>
+          <a:ln>
+            <a:tailEnd type="triangle"/>
+          </a:ln>
+        </p:spPr>
+        <p:style>
+          <a:lnRef idx="1">
+            <a:schemeClr val="dk1"/>
+          </a:lnRef>
+          <a:fillRef idx="0">
+            <a:schemeClr val="dk1"/>
+          </a:fillRef>
+          <a:effectRef idx="0">
+            <a:schemeClr val="dk1"/>
+          </a:effectRef>
+          <a:fontRef idx="minor">
+            <a:schemeClr val="tx1"/>
+          </a:fontRef>
+        </p:style>
+      </p:cxnSp>
+      <p:cxnSp>
+        <p:nvCxnSpPr>
+          <p:cNvPr id="10" name="直接箭头连接符 9">
+            <a:extLst>
+              <a:ext uri="{FF2B5EF4-FFF2-40B4-BE49-F238E27FC236}">
+                <a16:creationId xmlns:a16="http://schemas.microsoft.com/office/drawing/2014/main" id="{576FAFF8-872C-474D-A95F-EFF5B3083273}"/>
+              </a:ext>
+            </a:extLst>
+          </p:cNvPr>
+          <p:cNvCxnSpPr>
+            <a:stCxn id="100" idx="3"/>
+            <a:endCxn id="28" idx="1"/>
+          </p:cNvCxnSpPr>
+          <p:nvPr/>
+        </p:nvCxnSpPr>
+        <p:spPr>
+          <a:xfrm>
+            <a:off x="8572913" y="2995288"/>
+            <a:ext cx="2221256" cy="424110"/>
+          </a:xfrm>
+          <a:prstGeom prst="straightConnector1">
+            <a:avLst/>
+          </a:prstGeom>
+          <a:ln>
+            <a:tailEnd type="triangle"/>
+          </a:ln>
+        </p:spPr>
+        <p:style>
+          <a:lnRef idx="1">
+            <a:schemeClr val="dk1"/>
+          </a:lnRef>
+          <a:fillRef idx="0">
+            <a:schemeClr val="dk1"/>
+          </a:fillRef>
+          <a:effectRef idx="0">
+            <a:schemeClr val="dk1"/>
+          </a:effectRef>
+          <a:fontRef idx="minor">
+            <a:schemeClr val="tx1"/>
+          </a:fontRef>
+        </p:style>
+      </p:cxnSp>
+      <p:cxnSp>
+        <p:nvCxnSpPr>
+          <p:cNvPr id="14" name="直接箭头连接符 13">
+            <a:extLst>
+              <a:ext uri="{FF2B5EF4-FFF2-40B4-BE49-F238E27FC236}">
+                <a16:creationId xmlns:a16="http://schemas.microsoft.com/office/drawing/2014/main" id="{85F3384F-B5BF-4A26-A19F-79579F77E060}"/>
+              </a:ext>
+            </a:extLst>
+          </p:cNvPr>
+          <p:cNvCxnSpPr>
+            <a:stCxn id="52" idx="3"/>
+            <a:endCxn id="28" idx="1"/>
+          </p:cNvCxnSpPr>
+          <p:nvPr/>
+        </p:nvCxnSpPr>
+        <p:spPr>
+          <a:xfrm>
+            <a:off x="8572466" y="2144263"/>
+            <a:ext cx="2221703" cy="1275135"/>
+          </a:xfrm>
+          <a:prstGeom prst="straightConnector1">
+            <a:avLst/>
+          </a:prstGeom>
+          <a:ln>
+            <a:tailEnd type="triangle"/>
+          </a:ln>
+        </p:spPr>
+        <p:style>
+          <a:lnRef idx="1">
+            <a:schemeClr val="dk1"/>
+          </a:lnRef>
+          <a:fillRef idx="0">
+            <a:schemeClr val="dk1"/>
+          </a:fillRef>
+          <a:effectRef idx="0">
+            <a:schemeClr val="dk1"/>
+          </a:effectRef>
+          <a:fontRef idx="minor">
+            <a:schemeClr val="tx1"/>
+          </a:fontRef>
+        </p:style>
+      </p:cxnSp>
     </p:spTree>
     <p:extLst>
       <p:ext uri="{BB962C8B-B14F-4D97-AF65-F5344CB8AC3E}">
